--- a/SummerCamp/day2.pptx
+++ b/SummerCamp/day2.pptx
@@ -3,20 +3,21 @@
 <p:presentation xmlns:a="http://schemas.openxmlformats.org/drawingml/2006/main" xmlns:p="http://schemas.openxmlformats.org/presentationml/2006/main" xmlns:r="http://schemas.openxmlformats.org/officeDocument/2006/relationships" xmlns:p14="http://schemas.microsoft.com/office/powerpoint/2010/main" xmlns:p15="http://schemas.microsoft.com/office/powerpoint/2012/main" xmlns:mc="http://schemas.openxmlformats.org/markup-compatibility/2006">
   <p:sldMasterIdLst>
     <p:sldMasterId id="2147483648" r:id="rId2"/>
-    <p:sldMasterId id="2147483651" r:id="rId3"/>
+    <p:sldMasterId id="2147483650" r:id="rId3"/>
+    <p:sldMasterId id="2147483652" r:id="rId4"/>
   </p:sldMasterIdLst>
   <p:sldIdLst>
-    <p:sldId id="256" r:id="rId4"/>
-    <p:sldId id="257" r:id="rId5"/>
-    <p:sldId id="258" r:id="rId6"/>
-    <p:sldId id="259" r:id="rId7"/>
-    <p:sldId id="260" r:id="rId8"/>
-    <p:sldId id="261" r:id="rId9"/>
-    <p:sldId id="262" r:id="rId10"/>
-    <p:sldId id="263" r:id="rId11"/>
-    <p:sldId id="264" r:id="rId12"/>
-    <p:sldId id="265" r:id="rId13"/>
-    <p:sldId id="266" r:id="rId14"/>
+    <p:sldId id="256" r:id="rId5"/>
+    <p:sldId id="257" r:id="rId6"/>
+    <p:sldId id="258" r:id="rId7"/>
+    <p:sldId id="259" r:id="rId8"/>
+    <p:sldId id="260" r:id="rId9"/>
+    <p:sldId id="261" r:id="rId10"/>
+    <p:sldId id="262" r:id="rId11"/>
+    <p:sldId id="263" r:id="rId12"/>
+    <p:sldId id="264" r:id="rId13"/>
+    <p:sldId id="265" r:id="rId14"/>
+    <p:sldId id="266" r:id="rId15"/>
   </p:sldIdLst>
   <p:sldSz cx="10080625" cy="5670550"/>
   <p:notesSz cx="7559675" cy="10691813"/>
@@ -52,8 +53,8 @@
         </p:nvSpPr>
         <p:spPr>
           <a:xfrm>
-            <a:off x="360000" y="180000"/>
-            <a:ext cx="9360000" cy="478080"/>
+            <a:off x="360000" y="106200"/>
+            <a:ext cx="9359640" cy="625320"/>
           </a:xfrm>
           <a:prstGeom prst="rect">
             <a:avLst/>
@@ -71,9 +72,9 @@
             <a:pPr indent="0" algn="ctr">
               <a:buNone/>
             </a:pPr>
-            <a:endParaRPr b="0" lang="en-GB" sz="3300" spc="-1" strike="noStrike">
-              <a:solidFill>
-                <a:srgbClr val="ffffff"/>
+            <a:endParaRPr b="0" lang="en-GB" sz="4400" spc="-1" strike="noStrike">
+              <a:solidFill>
+                <a:srgbClr val="000000"/>
               </a:solidFill>
               <a:latin typeface="Arial"/>
             </a:endParaRPr>
@@ -87,7 +88,7 @@
             <a:spLocks noGrp="1"/>
           </p:cNvSpPr>
           <p:nvPr>
-            <p:ph type="ftr" idx="2"/>
+            <p:ph type="ftr" idx="1"/>
           </p:nvPr>
         </p:nvSpPr>
         <p:spPr/>
@@ -107,14 +108,14 @@
             <a:spLocks noGrp="1"/>
           </p:cNvSpPr>
           <p:nvPr>
-            <p:ph type="sldNum" idx="3"/>
+            <p:ph type="sldNum" idx="2"/>
           </p:nvPr>
         </p:nvSpPr>
         <p:spPr/>
         <p:txBody>
           <a:bodyPr/>
           <a:p>
-            <a:fld id="{15ADD9D3-1EBD-4F0F-92D8-F101BCEE13D5}" type="slidenum">
+            <a:fld id="{84233ECA-96BE-4E52-BD34-8DB1C71034A1}" type="slidenum">
               <a:t>&lt;#&gt;</a:t>
             </a:fld>
           </a:p>
@@ -127,7 +128,7 @@
             <a:spLocks noGrp="1"/>
           </p:cNvSpPr>
           <p:nvPr>
-            <p:ph type="dt" idx="1"/>
+            <p:ph type="dt" idx="3"/>
           </p:nvPr>
         </p:nvSpPr>
         <p:spPr/>
@@ -148,7 +149,7 @@
 
 <file path=ppt/slideLayouts/slideLayout2.xml><?xml version="1.0" encoding="utf-8"?>
 <p:sldLayout xmlns:a="http://schemas.openxmlformats.org/drawingml/2006/main" xmlns:p="http://schemas.openxmlformats.org/presentationml/2006/main" xmlns:r="http://schemas.openxmlformats.org/officeDocument/2006/relationships" xmlns:p14="http://schemas.microsoft.com/office/powerpoint/2010/main" xmlns:p15="http://schemas.microsoft.com/office/powerpoint/2012/main" xmlns:mc="http://schemas.openxmlformats.org/markup-compatibility/2006" type="tx" preserve="1">
-  <p:cSld name="Blue_Curve">
+  <p:cSld name="Default">
     <p:spTree>
       <p:nvGrpSpPr>
         <p:cNvPr id="1" name=""/>
@@ -165,7 +166,7 @@
       </p:grpSpPr>
       <p:sp>
         <p:nvSpPr>
-          <p:cNvPr id="7" name="PlaceHolder 1"/>
+          <p:cNvPr id="13" name="PlaceHolder 1"/>
           <p:cNvSpPr>
             <a:spLocks noGrp="1"/>
           </p:cNvSpPr>
@@ -175,8 +176,8 @@
         </p:nvSpPr>
         <p:spPr>
           <a:xfrm>
-            <a:off x="360000" y="180000"/>
-            <a:ext cx="9360000" cy="478080"/>
+            <a:off x="360000" y="106200"/>
+            <a:ext cx="9359640" cy="625320"/>
           </a:xfrm>
           <a:prstGeom prst="rect">
             <a:avLst/>
@@ -194,9 +195,9 @@
             <a:pPr indent="0" algn="ctr">
               <a:buNone/>
             </a:pPr>
-            <a:endParaRPr b="0" lang="en-GB" sz="3300" spc="-1" strike="noStrike">
-              <a:solidFill>
-                <a:srgbClr val="ffffff"/>
+            <a:endParaRPr b="0" lang="en-GB" sz="4400" spc="-1" strike="noStrike">
+              <a:solidFill>
+                <a:srgbClr val="000000"/>
               </a:solidFill>
               <a:latin typeface="Arial"/>
             </a:endParaRPr>
@@ -205,7 +206,7 @@
       </p:sp>
       <p:sp>
         <p:nvSpPr>
-          <p:cNvPr id="8" name="PlaceHolder 2"/>
+          <p:cNvPr id="14" name="PlaceHolder 2"/>
           <p:cNvSpPr>
             <a:spLocks noGrp="1"/>
           </p:cNvSpPr>
@@ -216,7 +217,7 @@
         <p:spPr>
           <a:xfrm>
             <a:off x="360000" y="1080000"/>
-            <a:ext cx="9360000" cy="3600000"/>
+            <a:ext cx="9359640" cy="3599640"/>
           </a:xfrm>
           <a:prstGeom prst="rect">
             <a:avLst/>
@@ -228,18 +229,18 @@
         </p:spPr>
         <p:txBody>
           <a:bodyPr lIns="0" rIns="0" tIns="0" bIns="0" anchor="t">
-            <a:noAutofit/>
+            <a:normAutofit/>
           </a:bodyPr>
           <a:p>
             <a:pPr indent="0">
               <a:spcBef>
-                <a:spcPts val="1060"/>
+                <a:spcPts val="1417"/>
               </a:spcBef>
               <a:buNone/>
             </a:pPr>
-            <a:endParaRPr b="0" lang="en-GB" sz="2400" spc="-1" strike="noStrike">
-              <a:solidFill>
-                <a:srgbClr val="009bdd"/>
+            <a:endParaRPr b="0" lang="en-GB" sz="3200" spc="-1" strike="noStrike">
+              <a:solidFill>
+                <a:srgbClr val="000000"/>
               </a:solidFill>
               <a:latin typeface="Arial"/>
             </a:endParaRPr>
@@ -253,7 +254,7 @@
             <a:spLocks noGrp="1"/>
           </p:cNvSpPr>
           <p:nvPr>
-            <p:ph type="ftr" idx="2"/>
+            <p:ph type="ftr" idx="4"/>
           </p:nvPr>
         </p:nvSpPr>
         <p:spPr/>
@@ -273,14 +274,14 @@
             <a:spLocks noGrp="1"/>
           </p:cNvSpPr>
           <p:nvPr>
-            <p:ph type="sldNum" idx="3"/>
+            <p:ph type="sldNum" idx="5"/>
           </p:nvPr>
         </p:nvSpPr>
         <p:spPr/>
         <p:txBody>
           <a:bodyPr/>
           <a:p>
-            <a:fld id="{8B29EFFB-615A-4208-847A-10229D254576}" type="slidenum">
+            <a:fld id="{9EEF924D-0324-4D93-BF72-06E3058EFC3E}" type="slidenum">
               <a:t>&lt;#&gt;</a:t>
             </a:fld>
           </a:p>
@@ -293,7 +294,7 @@
             <a:spLocks noGrp="1"/>
           </p:cNvSpPr>
           <p:nvPr>
-            <p:ph type="dt" idx="1"/>
+            <p:ph type="dt" idx="6"/>
           </p:nvPr>
         </p:nvSpPr>
         <p:spPr/>
@@ -331,7 +332,7 @@
       </p:grpSpPr>
       <p:sp>
         <p:nvSpPr>
-          <p:cNvPr id="16" name="PlaceHolder 1"/>
+          <p:cNvPr id="22" name="PlaceHolder 1"/>
           <p:cNvSpPr>
             <a:spLocks noGrp="1"/>
           </p:cNvSpPr>
@@ -341,8 +342,8 @@
         </p:nvSpPr>
         <p:spPr>
           <a:xfrm>
-            <a:off x="360000" y="180000"/>
-            <a:ext cx="9360000" cy="478080"/>
+            <a:off x="360000" y="106200"/>
+            <a:ext cx="9359640" cy="625320"/>
           </a:xfrm>
           <a:prstGeom prst="rect">
             <a:avLst/>
@@ -360,9 +361,9 @@
             <a:pPr indent="0" algn="ctr">
               <a:buNone/>
             </a:pPr>
-            <a:endParaRPr b="0" lang="en-GB" sz="3300" spc="-1" strike="noStrike">
-              <a:solidFill>
-                <a:srgbClr val="ffffff"/>
+            <a:endParaRPr b="0" lang="en-GB" sz="4400" spc="-1" strike="noStrike">
+              <a:solidFill>
+                <a:srgbClr val="000000"/>
               </a:solidFill>
               <a:latin typeface="Arial"/>
             </a:endParaRPr>
@@ -371,7 +372,7 @@
       </p:sp>
       <p:sp>
         <p:nvSpPr>
-          <p:cNvPr id="17" name="PlaceHolder 2"/>
+          <p:cNvPr id="23" name="PlaceHolder 2"/>
           <p:cNvSpPr>
             <a:spLocks noGrp="1"/>
           </p:cNvSpPr>
@@ -382,7 +383,7 @@
         <p:spPr>
           <a:xfrm>
             <a:off x="360000" y="1080000"/>
-            <a:ext cx="9360000" cy="3600000"/>
+            <a:ext cx="9359640" cy="3599640"/>
           </a:xfrm>
           <a:prstGeom prst="rect">
             <a:avLst/>
@@ -394,18 +395,18 @@
         </p:spPr>
         <p:txBody>
           <a:bodyPr lIns="0" rIns="0" tIns="0" bIns="0" anchor="t">
-            <a:noAutofit/>
+            <a:normAutofit/>
           </a:bodyPr>
           <a:p>
             <a:pPr indent="0">
               <a:spcBef>
-                <a:spcPts val="1060"/>
+                <a:spcPts val="1417"/>
               </a:spcBef>
               <a:buNone/>
             </a:pPr>
-            <a:endParaRPr b="0" lang="en-GB" sz="2400" spc="-1" strike="noStrike">
-              <a:solidFill>
-                <a:srgbClr val="009bdd"/>
+            <a:endParaRPr b="0" lang="en-GB" sz="3200" spc="-1" strike="noStrike">
+              <a:solidFill>
+                <a:srgbClr val="000000"/>
               </a:solidFill>
               <a:latin typeface="Arial"/>
             </a:endParaRPr>
@@ -419,7 +420,7 @@
             <a:spLocks noGrp="1"/>
           </p:cNvSpPr>
           <p:nvPr>
-            <p:ph type="ftr" idx="5"/>
+            <p:ph type="ftr" idx="7"/>
           </p:nvPr>
         </p:nvSpPr>
         <p:spPr/>
@@ -439,14 +440,14 @@
             <a:spLocks noGrp="1"/>
           </p:cNvSpPr>
           <p:nvPr>
-            <p:ph type="sldNum" idx="6"/>
+            <p:ph type="sldNum" idx="8"/>
           </p:nvPr>
         </p:nvSpPr>
         <p:spPr/>
         <p:txBody>
           <a:bodyPr/>
           <a:p>
-            <a:fld id="{11E79F8A-6E31-4625-9E72-45EEF389DD9E}" type="slidenum">
+            <a:fld id="{E878F9B5-DB33-4E8D-B23F-B34F10703F7F}" type="slidenum">
               <a:t>&lt;#&gt;</a:t>
             </a:fld>
           </a:p>
@@ -459,7 +460,7 @@
             <a:spLocks noGrp="1"/>
           </p:cNvSpPr>
           <p:nvPr>
-            <p:ph type="dt" idx="4"/>
+            <p:ph type="dt" idx="9"/>
           </p:nvPr>
         </p:nvSpPr>
         <p:spPr/>
@@ -503,8 +504,8 @@
         </p:nvSpPr>
         <p:spPr>
           <a:xfrm flipH="1" flipV="1">
-            <a:off x="0" y="4500000"/>
-            <a:ext cx="10080000" cy="1170000"/>
+            <a:off x="-720" y="4499280"/>
+            <a:ext cx="10079640" cy="1169640"/>
           </a:xfrm>
           <a:prstGeom prst="flowChartDocument">
             <a:avLst/>
@@ -896,13 +897,13 @@
                 <a:srgbClr val="009bdd"/>
               </a:gs>
             </a:gsLst>
-            <a:lin ang="10800000"/>
+            <a:lin ang="0"/>
           </a:gradFill>
           <a:ln w="18000">
             <a:noFill/>
           </a:ln>
           <a:effectLst>
-            <a:outerShdw dist="10800" dir="5400000" blurRad="0" rotWithShape="0">
+            <a:outerShdw blurRad="0" dir="5400000" dist="10800" rotWithShape="0">
               <a:srgbClr val="009bdd">
                 <a:alpha val="50000"/>
               </a:srgbClr>
@@ -920,11 +921,17 @@
             <a:noAutofit/>
           </a:bodyPr>
           <a:p>
+            <a:pPr>
+              <a:lnSpc>
+                <a:spcPct val="100000"/>
+              </a:lnSpc>
+            </a:pPr>
             <a:endParaRPr b="0" lang="en-GB" sz="1800" spc="-1" strike="noStrike">
               <a:solidFill>
                 <a:srgbClr val="ffffff"/>
               </a:solidFill>
               <a:latin typeface="Arial"/>
+              <a:ea typeface="DejaVu Sans"/>
             </a:endParaRPr>
           </a:p>
         </p:txBody>
@@ -941,8 +948,8 @@
         </p:nvSpPr>
         <p:spPr>
           <a:xfrm>
-            <a:off x="0" y="1620000"/>
-            <a:ext cx="9000000" cy="1080000"/>
+            <a:off x="360000" y="180000"/>
+            <a:ext cx="9359640" cy="477720"/>
           </a:xfrm>
           <a:prstGeom prst="rect">
             <a:avLst/>
@@ -957,21 +964,21 @@
             <a:noAutofit/>
           </a:bodyPr>
           <a:p>
-            <a:pPr indent="0" algn="ctr">
+            <a:pPr indent="0">
               <a:buNone/>
             </a:pPr>
             <a:r>
-              <a:rPr b="0" lang="en-GB" sz="3300" spc="-1" strike="noStrike">
-                <a:solidFill>
-                  <a:srgbClr val="dd4100"/>
+              <a:rPr b="0" lang="en-GB" sz="1800" spc="-1" strike="noStrike">
+                <a:solidFill>
+                  <a:srgbClr val="000000"/>
                 </a:solidFill>
                 <a:latin typeface="Arial"/>
               </a:rPr>
               <a:t>Click to edit the title text format</a:t>
             </a:r>
-            <a:endParaRPr b="0" lang="en-GB" sz="3300" spc="-1" strike="noStrike">
-              <a:solidFill>
-                <a:srgbClr val="dd4100"/>
+            <a:endParaRPr b="0" lang="en-GB" sz="1800" spc="-1" strike="noStrike">
+              <a:solidFill>
+                <a:srgbClr val="000000"/>
               </a:solidFill>
               <a:latin typeface="Arial"/>
             </a:endParaRPr>
@@ -985,13 +992,13 @@
             <a:spLocks noGrp="1"/>
           </p:cNvSpPr>
           <p:nvPr>
-            <p:ph type="body"/>
+            <p:ph type="ftr" idx="1"/>
           </p:nvPr>
         </p:nvSpPr>
         <p:spPr>
           <a:xfrm>
-            <a:off x="360000" y="2880000"/>
-            <a:ext cx="9360000" cy="1620000"/>
+            <a:off x="3420000" y="5220000"/>
+            <a:ext cx="3239640" cy="359640"/>
           </a:xfrm>
           <a:prstGeom prst="rect">
             <a:avLst/>
@@ -1003,202 +1010,49 @@
         </p:spPr>
         <p:txBody>
           <a:bodyPr lIns="0" rIns="0" tIns="0" bIns="0" anchor="t">
-            <a:normAutofit fontScale="76219"/>
+            <a:noAutofit/>
           </a:bodyPr>
-          <a:p>
-            <a:pPr marL="432000" indent="-324000">
-              <a:spcBef>
-                <a:spcPts val="1060"/>
-              </a:spcBef>
-              <a:buClr>
-                <a:srgbClr val="77caee"/>
-              </a:buClr>
-              <a:buSzPct val="45000"/>
-              <a:buFont typeface="Wingdings" charset="2"/>
-              <a:buChar char=""/>
-            </a:pPr>
-            <a:r>
-              <a:rPr b="0" lang="en-GB" sz="2400" spc="-1" strike="noStrike">
-                <a:solidFill>
-                  <a:srgbClr val="009bdd"/>
-                </a:solidFill>
-                <a:latin typeface="Arial"/>
-              </a:rPr>
-              <a:t>Click to edit the outline text format</a:t>
-            </a:r>
-            <a:endParaRPr b="0" lang="en-GB" sz="2400" spc="-1" strike="noStrike">
-              <a:solidFill>
-                <a:srgbClr val="009bdd"/>
-              </a:solidFill>
-              <a:latin typeface="Arial"/>
-            </a:endParaRPr>
-          </a:p>
-          <a:p>
-            <a:pPr lvl="1" marL="864000" indent="-324000">
-              <a:spcBef>
-                <a:spcPts val="850"/>
-              </a:spcBef>
-              <a:buClr>
-                <a:srgbClr val="77caee"/>
-              </a:buClr>
-              <a:buSzPct val="45000"/>
-              <a:buFont typeface="Wingdings" charset="2"/>
-              <a:buChar char=""/>
-            </a:pPr>
-            <a:r>
-              <a:rPr b="0" lang="en-GB" sz="2100" spc="-1" strike="noStrike">
-                <a:solidFill>
-                  <a:srgbClr val="009bdd"/>
-                </a:solidFill>
-                <a:latin typeface="Arial"/>
-              </a:rPr>
-              <a:t>Second Outline Level</a:t>
-            </a:r>
-            <a:endParaRPr b="0" lang="en-GB" sz="2100" spc="-1" strike="noStrike">
-              <a:solidFill>
-                <a:srgbClr val="009bdd"/>
-              </a:solidFill>
-              <a:latin typeface="Arial"/>
-            </a:endParaRPr>
-          </a:p>
-          <a:p>
-            <a:pPr lvl="2" marL="1296000" indent="-288000">
-              <a:spcBef>
-                <a:spcPts val="635"/>
-              </a:spcBef>
-              <a:buClr>
-                <a:srgbClr val="77caee"/>
-              </a:buClr>
-              <a:buSzPct val="45000"/>
-              <a:buFont typeface="Wingdings" charset="2"/>
-              <a:buChar char=""/>
-            </a:pPr>
-            <a:r>
-              <a:rPr b="0" lang="en-GB" sz="1800" spc="-1" strike="noStrike">
-                <a:solidFill>
-                  <a:srgbClr val="009bdd"/>
-                </a:solidFill>
-                <a:latin typeface="Arial"/>
-              </a:rPr>
-              <a:t>Third Outline Level</a:t>
-            </a:r>
-            <a:endParaRPr b="0" lang="en-GB" sz="1800" spc="-1" strike="noStrike">
-              <a:solidFill>
-                <a:srgbClr val="009bdd"/>
-              </a:solidFill>
-              <a:latin typeface="Arial"/>
-            </a:endParaRPr>
-          </a:p>
-          <a:p>
-            <a:pPr lvl="3" marL="1728000" indent="-216000">
-              <a:spcBef>
-                <a:spcPts val="422"/>
-              </a:spcBef>
-              <a:buClr>
-                <a:srgbClr val="77caee"/>
-              </a:buClr>
-              <a:buSzPct val="45000"/>
-              <a:buFont typeface="Wingdings" charset="2"/>
-              <a:buChar char=""/>
-            </a:pPr>
-            <a:r>
-              <a:rPr b="0" lang="en-GB" sz="1500" spc="-1" strike="noStrike">
-                <a:solidFill>
-                  <a:srgbClr val="009bdd"/>
-                </a:solidFill>
-                <a:latin typeface="Arial"/>
-              </a:rPr>
-              <a:t>Fourth Outline Level</a:t>
-            </a:r>
-            <a:endParaRPr b="0" lang="en-GB" sz="1500" spc="-1" strike="noStrike">
-              <a:solidFill>
-                <a:srgbClr val="009bdd"/>
-              </a:solidFill>
-              <a:latin typeface="Arial"/>
-            </a:endParaRPr>
-          </a:p>
-          <a:p>
-            <a:pPr lvl="4" marL="2160000" indent="-216000">
-              <a:spcBef>
-                <a:spcPts val="210"/>
-              </a:spcBef>
-              <a:buClr>
-                <a:srgbClr val="77caee"/>
-              </a:buClr>
-              <a:buSzPct val="45000"/>
-              <a:buFont typeface="Wingdings" charset="2"/>
-              <a:buChar char=""/>
-            </a:pPr>
-            <a:r>
-              <a:rPr b="0" lang="en-GB" sz="1500" spc="-1" strike="noStrike">
-                <a:solidFill>
-                  <a:srgbClr val="009bdd"/>
-                </a:solidFill>
-                <a:latin typeface="Arial"/>
-              </a:rPr>
-              <a:t>Fifth Outline Level</a:t>
-            </a:r>
-            <a:endParaRPr b="0" lang="en-GB" sz="1500" spc="-1" strike="noStrike">
-              <a:solidFill>
-                <a:srgbClr val="009bdd"/>
-              </a:solidFill>
-              <a:latin typeface="Arial"/>
-            </a:endParaRPr>
-          </a:p>
-          <a:p>
-            <a:pPr lvl="5" marL="2592000" indent="-216000">
-              <a:spcBef>
-                <a:spcPts val="210"/>
-              </a:spcBef>
-              <a:buClr>
-                <a:srgbClr val="77caee"/>
-              </a:buClr>
-              <a:buSzPct val="45000"/>
-              <a:buFont typeface="Wingdings" charset="2"/>
-              <a:buChar char=""/>
-            </a:pPr>
-            <a:r>
-              <a:rPr b="0" lang="en-GB" sz="1500" spc="-1" strike="noStrike">
-                <a:solidFill>
-                  <a:srgbClr val="009bdd"/>
-                </a:solidFill>
-                <a:latin typeface="Arial"/>
-              </a:rPr>
-              <a:t>Sixth Outline Level</a:t>
-            </a:r>
-            <a:endParaRPr b="0" lang="en-GB" sz="1500" spc="-1" strike="noStrike">
-              <a:solidFill>
-                <a:srgbClr val="009bdd"/>
-              </a:solidFill>
-              <a:latin typeface="Arial"/>
-            </a:endParaRPr>
-          </a:p>
-          <a:p>
-            <a:pPr lvl="6" marL="3024000" indent="-216000">
-              <a:spcBef>
-                <a:spcPts val="210"/>
-              </a:spcBef>
-              <a:buClr>
-                <a:srgbClr val="77caee"/>
-              </a:buClr>
-              <a:buSzPct val="45000"/>
-              <a:buFont typeface="Wingdings" charset="2"/>
-              <a:buChar char=""/>
-            </a:pPr>
-            <a:r>
-              <a:rPr b="0" lang="en-GB" sz="1500" spc="-1" strike="noStrike">
-                <a:solidFill>
-                  <a:srgbClr val="009bdd"/>
-                </a:solidFill>
-                <a:latin typeface="Arial"/>
-              </a:rPr>
-              <a:t>Seventh Outline Level</a:t>
-            </a:r>
-            <a:endParaRPr b="0" lang="en-GB" sz="1500" spc="-1" strike="noStrike">
-              <a:solidFill>
-                <a:srgbClr val="009bdd"/>
-              </a:solidFill>
-              <a:latin typeface="Arial"/>
+          <a:lstStyle>
+            <a:lvl1pPr indent="0" algn="ctr">
+              <a:lnSpc>
+                <a:spcPct val="100000"/>
+              </a:lnSpc>
+              <a:buNone/>
+              <a:tabLst>
+                <a:tab algn="l" pos="0"/>
+              </a:tabLst>
+              <a:defRPr b="0" lang="en-GB" sz="1400" spc="-1" strike="noStrike">
+                <a:solidFill>
+                  <a:srgbClr val="ffffff"/>
+                </a:solidFill>
+                <a:latin typeface="Arial"/>
+              </a:defRPr>
+            </a:lvl1pPr>
+          </a:lstStyle>
+          <a:p>
+            <a:pPr indent="0" algn="ctr">
+              <a:lnSpc>
+                <a:spcPct val="100000"/>
+              </a:lnSpc>
+              <a:buNone/>
+              <a:tabLst>
+                <a:tab algn="l" pos="0"/>
+              </a:tabLst>
+            </a:pPr>
+            <a:r>
+              <a:rPr b="0" lang="en-GB" sz="1400" spc="-1" strike="noStrike">
+                <a:solidFill>
+                  <a:srgbClr val="ffffff"/>
+                </a:solidFill>
+                <a:latin typeface="Arial"/>
+              </a:rPr>
+              <a:t>&lt;footer&gt;</a:t>
+            </a:r>
+            <a:endParaRPr b="0" lang="en-GB" sz="1400" spc="-1" strike="noStrike">
+              <a:solidFill>
+                <a:srgbClr val="000000"/>
+              </a:solidFill>
+              <a:latin typeface="Times New Roman"/>
             </a:endParaRPr>
           </a:p>
         </p:txBody>
@@ -1210,13 +1064,85 @@
             <a:spLocks noGrp="1"/>
           </p:cNvSpPr>
           <p:nvPr>
-            <p:ph type="dt" idx="1"/>
+            <p:ph type="sldNum" idx="2"/>
+          </p:nvPr>
+        </p:nvSpPr>
+        <p:spPr>
+          <a:xfrm>
+            <a:off x="7380000" y="5220000"/>
+            <a:ext cx="2339640" cy="359640"/>
+          </a:xfrm>
+          <a:prstGeom prst="rect">
+            <a:avLst/>
+          </a:prstGeom>
+          <a:noFill/>
+          <a:ln w="0">
+            <a:noFill/>
+          </a:ln>
+        </p:spPr>
+        <p:txBody>
+          <a:bodyPr lIns="0" rIns="0" tIns="0" bIns="0" anchor="t">
+            <a:noAutofit/>
+          </a:bodyPr>
+          <a:lstStyle>
+            <a:lvl1pPr indent="0" algn="r">
+              <a:lnSpc>
+                <a:spcPct val="100000"/>
+              </a:lnSpc>
+              <a:buNone/>
+              <a:tabLst>
+                <a:tab algn="l" pos="0"/>
+              </a:tabLst>
+              <a:defRPr b="0" lang="en-GB" sz="1400" spc="-1" strike="noStrike">
+                <a:solidFill>
+                  <a:srgbClr val="ffffff"/>
+                </a:solidFill>
+                <a:latin typeface="Arial"/>
+              </a:defRPr>
+            </a:lvl1pPr>
+          </a:lstStyle>
+          <a:p>
+            <a:pPr indent="0" algn="r">
+              <a:lnSpc>
+                <a:spcPct val="100000"/>
+              </a:lnSpc>
+              <a:buNone/>
+              <a:tabLst>
+                <a:tab algn="l" pos="0"/>
+              </a:tabLst>
+            </a:pPr>
+            <a:fld id="{F45F98E5-F76C-4CF0-BA05-34F788E1FB31}" type="slidenum">
+              <a:rPr b="0" lang="en-GB" sz="1400" spc="-1" strike="noStrike">
+                <a:solidFill>
+                  <a:srgbClr val="ffffff"/>
+                </a:solidFill>
+                <a:latin typeface="Arial"/>
+              </a:rPr>
+              <a:t>&lt;number&gt;</a:t>
+            </a:fld>
+            <a:endParaRPr b="0" lang="en-GB" sz="1400" spc="-1" strike="noStrike">
+              <a:solidFill>
+                <a:srgbClr val="000000"/>
+              </a:solidFill>
+              <a:latin typeface="Times New Roman"/>
+            </a:endParaRPr>
+          </a:p>
+        </p:txBody>
+      </p:sp>
+      <p:sp>
+        <p:nvSpPr>
+          <p:cNvPr id="4" name="PlaceHolder 4"/>
+          <p:cNvSpPr>
+            <a:spLocks noGrp="1"/>
+          </p:cNvSpPr>
+          <p:nvPr>
+            <p:ph type="dt" idx="3"/>
           </p:nvPr>
         </p:nvSpPr>
         <p:spPr>
           <a:xfrm>
             <a:off x="360000" y="5220000"/>
-            <a:ext cx="2340000" cy="360000"/>
+            <a:ext cx="2339640" cy="359640"/>
           </a:xfrm>
           <a:prstGeom prst="rect">
             <a:avLst/>
@@ -1235,9 +1161,9 @@
               <a:buNone/>
               <a:defRPr b="0" lang="en-GB" sz="1400" spc="-1" strike="noStrike">
                 <a:solidFill>
-                  <a:srgbClr val="ffffff"/>
-                </a:solidFill>
-                <a:latin typeface="Arial"/>
+                  <a:srgbClr val="000000"/>
+                </a:solidFill>
+                <a:latin typeface="Times New Roman"/>
               </a:defRPr>
             </a:lvl1pPr>
           </a:lstStyle>
@@ -1248,35 +1174,35 @@
             <a:r>
               <a:rPr b="0" lang="en-GB" sz="1400" spc="-1" strike="noStrike">
                 <a:solidFill>
-                  <a:srgbClr val="ffffff"/>
-                </a:solidFill>
-                <a:latin typeface="Arial"/>
+                  <a:srgbClr val="000000"/>
+                </a:solidFill>
+                <a:latin typeface="Times New Roman"/>
               </a:rPr>
               <a:t>&lt;date/time&gt;</a:t>
             </a:r>
             <a:endParaRPr b="0" lang="en-GB" sz="1400" spc="-1" strike="noStrike">
               <a:solidFill>
-                <a:srgbClr val="ffffff"/>
-              </a:solidFill>
-              <a:latin typeface="Arial"/>
+                <a:srgbClr val="000000"/>
+              </a:solidFill>
+              <a:latin typeface="Times New Roman"/>
             </a:endParaRPr>
           </a:p>
         </p:txBody>
       </p:sp>
       <p:sp>
         <p:nvSpPr>
-          <p:cNvPr id="4" name="PlaceHolder 4"/>
+          <p:cNvPr id="5" name="PlaceHolder 5"/>
           <p:cNvSpPr>
             <a:spLocks noGrp="1"/>
           </p:cNvSpPr>
           <p:nvPr>
-            <p:ph type="ftr" idx="2"/>
+            <p:ph type="body"/>
           </p:nvPr>
         </p:nvSpPr>
         <p:spPr>
           <a:xfrm>
-            <a:off x="3420000" y="5220000"/>
-            <a:ext cx="3240000" cy="360000"/>
+            <a:off x="504000" y="1326600"/>
+            <a:ext cx="9072000" cy="3288600"/>
           </a:xfrm>
           <a:prstGeom prst="rect">
             <a:avLst/>
@@ -1288,95 +1214,200 @@
         </p:spPr>
         <p:txBody>
           <a:bodyPr lIns="0" rIns="0" tIns="0" bIns="0" anchor="t">
-            <a:noAutofit/>
+            <a:normAutofit/>
           </a:bodyPr>
-          <a:lstStyle>
-            <a:lvl1pPr indent="0" algn="ctr">
-              <a:buNone/>
-              <a:defRPr b="0" lang="en-GB" sz="1400" spc="-1" strike="noStrike">
-                <a:solidFill>
-                  <a:srgbClr val="ffffff"/>
-                </a:solidFill>
-                <a:latin typeface="Arial"/>
-              </a:defRPr>
-            </a:lvl1pPr>
-          </a:lstStyle>
-          <a:p>
-            <a:pPr indent="0" algn="ctr">
-              <a:buNone/>
-            </a:pPr>
-            <a:r>
-              <a:rPr b="0" lang="en-GB" sz="1400" spc="-1" strike="noStrike">
-                <a:solidFill>
-                  <a:srgbClr val="ffffff"/>
-                </a:solidFill>
-                <a:latin typeface="Arial"/>
-              </a:rPr>
-              <a:t>&lt;footer&gt;</a:t>
-            </a:r>
-            <a:endParaRPr b="0" lang="en-GB" sz="1400" spc="-1" strike="noStrike">
-              <a:solidFill>
-                <a:srgbClr val="ffffff"/>
+          <a:p>
+            <a:pPr marL="432000" indent="-324000">
+              <a:spcBef>
+                <a:spcPts val="1417"/>
+              </a:spcBef>
+              <a:buClr>
+                <a:srgbClr val="000000"/>
+              </a:buClr>
+              <a:buSzPct val="45000"/>
+              <a:buFont typeface="Wingdings" charset="2"/>
+              <a:buChar char=""/>
+            </a:pPr>
+            <a:r>
+              <a:rPr b="0" lang="en-GB" sz="3200" spc="-1" strike="noStrike">
+                <a:solidFill>
+                  <a:srgbClr val="000000"/>
+                </a:solidFill>
+                <a:latin typeface="Arial"/>
+              </a:rPr>
+              <a:t>Click to edit the outline text format</a:t>
+            </a:r>
+            <a:endParaRPr b="0" lang="en-GB" sz="3200" spc="-1" strike="noStrike">
+              <a:solidFill>
+                <a:srgbClr val="000000"/>
               </a:solidFill>
               <a:latin typeface="Arial"/>
             </a:endParaRPr>
           </a:p>
-        </p:txBody>
-      </p:sp>
-      <p:sp>
-        <p:nvSpPr>
-          <p:cNvPr id="5" name="PlaceHolder 5"/>
-          <p:cNvSpPr>
-            <a:spLocks noGrp="1"/>
-          </p:cNvSpPr>
-          <p:nvPr>
-            <p:ph type="sldNum" idx="3"/>
-          </p:nvPr>
-        </p:nvSpPr>
-        <p:spPr>
-          <a:xfrm>
-            <a:off x="7380000" y="5220000"/>
-            <a:ext cx="2340000" cy="360000"/>
-          </a:xfrm>
-          <a:prstGeom prst="rect">
-            <a:avLst/>
-          </a:prstGeom>
-          <a:noFill/>
-          <a:ln w="0">
-            <a:noFill/>
-          </a:ln>
-        </p:spPr>
-        <p:txBody>
-          <a:bodyPr lIns="0" rIns="0" tIns="0" bIns="0" anchor="t">
-            <a:noAutofit/>
-          </a:bodyPr>
-          <a:lstStyle>
-            <a:lvl1pPr indent="0" algn="r">
-              <a:buNone/>
-              <a:defRPr b="0" lang="en-GB" sz="1400" spc="-1" strike="noStrike">
-                <a:solidFill>
-                  <a:srgbClr val="ffffff"/>
-                </a:solidFill>
-                <a:latin typeface="Arial"/>
-              </a:defRPr>
-            </a:lvl1pPr>
-          </a:lstStyle>
-          <a:p>
-            <a:pPr indent="0" algn="r">
-              <a:buNone/>
-            </a:pPr>
-            <a:fld id="{06A76DCB-178C-4682-B4E4-D24EF598B4F4}" type="slidenum">
-              <a:rPr b="0" lang="en-GB" sz="1400" spc="-1" strike="noStrike">
-                <a:solidFill>
-                  <a:srgbClr val="ffffff"/>
-                </a:solidFill>
-                <a:latin typeface="Arial"/>
-              </a:rPr>
-              <a:t>&lt;number&gt;</a:t>
-            </a:fld>
-            <a:endParaRPr b="0" lang="en-GB" sz="1400" spc="-1" strike="noStrike">
-              <a:solidFill>
-                <a:srgbClr val="ffffff"/>
+          <a:p>
+            <a:pPr lvl="1" marL="864000" indent="-324000">
+              <a:spcBef>
+                <a:spcPts val="1134"/>
+              </a:spcBef>
+              <a:buClr>
+                <a:srgbClr val="000000"/>
+              </a:buClr>
+              <a:buSzPct val="75000"/>
+              <a:buFont typeface="Symbol" charset="2"/>
+              <a:buChar char=""/>
+            </a:pPr>
+            <a:r>
+              <a:rPr b="0" lang="en-GB" sz="2800" spc="-1" strike="noStrike">
+                <a:solidFill>
+                  <a:srgbClr val="000000"/>
+                </a:solidFill>
+                <a:latin typeface="Arial"/>
+              </a:rPr>
+              <a:t>Second Outline Level</a:t>
+            </a:r>
+            <a:endParaRPr b="0" lang="en-GB" sz="2800" spc="-1" strike="noStrike">
+              <a:solidFill>
+                <a:srgbClr val="000000"/>
+              </a:solidFill>
+              <a:latin typeface="Arial"/>
+            </a:endParaRPr>
+          </a:p>
+          <a:p>
+            <a:pPr lvl="2" marL="1296000" indent="-288000">
+              <a:spcBef>
+                <a:spcPts val="850"/>
+              </a:spcBef>
+              <a:buClr>
+                <a:srgbClr val="000000"/>
+              </a:buClr>
+              <a:buSzPct val="45000"/>
+              <a:buFont typeface="Wingdings" charset="2"/>
+              <a:buChar char=""/>
+            </a:pPr>
+            <a:r>
+              <a:rPr b="0" lang="en-GB" sz="2400" spc="-1" strike="noStrike">
+                <a:solidFill>
+                  <a:srgbClr val="000000"/>
+                </a:solidFill>
+                <a:latin typeface="Arial"/>
+              </a:rPr>
+              <a:t>Third Outline Level</a:t>
+            </a:r>
+            <a:endParaRPr b="0" lang="en-GB" sz="2400" spc="-1" strike="noStrike">
+              <a:solidFill>
+                <a:srgbClr val="000000"/>
+              </a:solidFill>
+              <a:latin typeface="Arial"/>
+            </a:endParaRPr>
+          </a:p>
+          <a:p>
+            <a:pPr lvl="3" marL="1728000" indent="-216000">
+              <a:spcBef>
+                <a:spcPts val="567"/>
+              </a:spcBef>
+              <a:buClr>
+                <a:srgbClr val="000000"/>
+              </a:buClr>
+              <a:buSzPct val="75000"/>
+              <a:buFont typeface="Symbol" charset="2"/>
+              <a:buChar char=""/>
+            </a:pPr>
+            <a:r>
+              <a:rPr b="0" lang="en-GB" sz="2000" spc="-1" strike="noStrike">
+                <a:solidFill>
+                  <a:srgbClr val="000000"/>
+                </a:solidFill>
+                <a:latin typeface="Arial"/>
+              </a:rPr>
+              <a:t>Fourth Outline Level</a:t>
+            </a:r>
+            <a:endParaRPr b="0" lang="en-GB" sz="2000" spc="-1" strike="noStrike">
+              <a:solidFill>
+                <a:srgbClr val="000000"/>
+              </a:solidFill>
+              <a:latin typeface="Arial"/>
+            </a:endParaRPr>
+          </a:p>
+          <a:p>
+            <a:pPr lvl="4" marL="2160000" indent="-216000">
+              <a:spcBef>
+                <a:spcPts val="283"/>
+              </a:spcBef>
+              <a:buClr>
+                <a:srgbClr val="000000"/>
+              </a:buClr>
+              <a:buSzPct val="45000"/>
+              <a:buFont typeface="Wingdings" charset="2"/>
+              <a:buChar char=""/>
+            </a:pPr>
+            <a:r>
+              <a:rPr b="0" lang="en-GB" sz="2000" spc="-1" strike="noStrike">
+                <a:solidFill>
+                  <a:srgbClr val="000000"/>
+                </a:solidFill>
+                <a:latin typeface="Arial"/>
+              </a:rPr>
+              <a:t>Fifth Outline Level</a:t>
+            </a:r>
+            <a:endParaRPr b="0" lang="en-GB" sz="2000" spc="-1" strike="noStrike">
+              <a:solidFill>
+                <a:srgbClr val="000000"/>
+              </a:solidFill>
+              <a:latin typeface="Arial"/>
+            </a:endParaRPr>
+          </a:p>
+          <a:p>
+            <a:pPr lvl="5" marL="2592000" indent="-216000">
+              <a:spcBef>
+                <a:spcPts val="283"/>
+              </a:spcBef>
+              <a:buClr>
+                <a:srgbClr val="000000"/>
+              </a:buClr>
+              <a:buSzPct val="45000"/>
+              <a:buFont typeface="Wingdings" charset="2"/>
+              <a:buChar char=""/>
+            </a:pPr>
+            <a:r>
+              <a:rPr b="0" lang="en-GB" sz="2000" spc="-1" strike="noStrike">
+                <a:solidFill>
+                  <a:srgbClr val="000000"/>
+                </a:solidFill>
+                <a:latin typeface="Arial"/>
+              </a:rPr>
+              <a:t>Sixth Outline Level</a:t>
+            </a:r>
+            <a:endParaRPr b="0" lang="en-GB" sz="2000" spc="-1" strike="noStrike">
+              <a:solidFill>
+                <a:srgbClr val="000000"/>
+              </a:solidFill>
+              <a:latin typeface="Arial"/>
+            </a:endParaRPr>
+          </a:p>
+          <a:p>
+            <a:pPr lvl="6" marL="3024000" indent="-216000">
+              <a:spcBef>
+                <a:spcPts val="283"/>
+              </a:spcBef>
+              <a:buClr>
+                <a:srgbClr val="000000"/>
+              </a:buClr>
+              <a:buSzPct val="45000"/>
+              <a:buFont typeface="Wingdings" charset="2"/>
+              <a:buChar char=""/>
+            </a:pPr>
+            <a:r>
+              <a:rPr b="0" lang="en-GB" sz="2000" spc="-1" strike="noStrike">
+                <a:solidFill>
+                  <a:srgbClr val="000000"/>
+                </a:solidFill>
+                <a:latin typeface="Arial"/>
+              </a:rPr>
+              <a:t>Seventh Outline Level</a:t>
+            </a:r>
+            <a:endParaRPr b="0" lang="en-GB" sz="2000" spc="-1" strike="noStrike">
+              <a:solidFill>
+                <a:srgbClr val="000000"/>
               </a:solidFill>
               <a:latin typeface="Arial"/>
             </a:endParaRPr>
@@ -1388,7 +1419,6 @@
   <p:clrMap bg1="lt1" bg2="lt2" tx1="dk1" tx2="dk2" accent1="accent1" accent2="accent2" accent3="accent3" accent4="accent4" accent5="accent5" accent6="accent6" hlink="hlink" folHlink="folHlink"/>
   <p:sldLayoutIdLst>
     <p:sldLayoutId id="2147483649" r:id="rId2"/>
-    <p:sldLayoutId id="2147483650" r:id="rId3"/>
   </p:sldLayoutIdLst>
 </p:sldMaster>
 </file>
@@ -1412,668 +1442,412 @@
       </p:grpSpPr>
       <p:sp>
         <p:nvSpPr>
-          <p:cNvPr id="9" name=""/>
+          <p:cNvPr id="7" name=""/>
           <p:cNvSpPr/>
           <p:nvPr/>
         </p:nvSpPr>
         <p:spPr>
-          <a:xfrm>
-            <a:off x="0" y="0"/>
-            <a:ext cx="10076760" cy="720000"/>
+          <a:xfrm flipH="1" flipV="1">
+            <a:off x="-720" y="4499280"/>
+            <a:ext cx="10079640" cy="1169640"/>
           </a:xfrm>
-          <a:prstGeom prst="rect">
+          <a:prstGeom prst="flowChartDocument">
             <a:avLst/>
           </a:prstGeom>
           <a:gradFill rotWithShape="0">
             <a:gsLst>
               <a:gs pos="0">
-                <a:srgbClr val="77caee">
-                  <a:alpha val="50000"/>
-                </a:srgbClr>
+                <a:srgbClr val="77caee"/>
               </a:gs>
               <a:gs pos="1563">
-                <a:srgbClr val="77caee">
-                  <a:alpha val="50000"/>
-                </a:srgbClr>
+                <a:srgbClr val="77caee"/>
               </a:gs>
               <a:gs pos="1563">
-                <a:srgbClr val="75c9ee">
-                  <a:alpha val="50000"/>
-                </a:srgbClr>
+                <a:srgbClr val="75c9ee"/>
               </a:gs>
               <a:gs pos="3125">
-                <a:srgbClr val="75c9ee">
-                  <a:alpha val="50000"/>
-                </a:srgbClr>
+                <a:srgbClr val="75c9ee"/>
               </a:gs>
               <a:gs pos="3125">
-                <a:srgbClr val="73c9ed">
-                  <a:alpha val="50000"/>
-                </a:srgbClr>
+                <a:srgbClr val="73c9ed"/>
               </a:gs>
               <a:gs pos="4688">
-                <a:srgbClr val="73c9ed">
-                  <a:alpha val="50000"/>
-                </a:srgbClr>
+                <a:srgbClr val="73c9ed"/>
               </a:gs>
               <a:gs pos="4688">
-                <a:srgbClr val="71c8ed">
-                  <a:alpha val="50000"/>
-                </a:srgbClr>
+                <a:srgbClr val="71c8ed"/>
               </a:gs>
               <a:gs pos="6250">
-                <a:srgbClr val="71c8ed">
-                  <a:alpha val="50000"/>
-                </a:srgbClr>
+                <a:srgbClr val="71c8ed"/>
               </a:gs>
               <a:gs pos="6250">
-                <a:srgbClr val="6fc7ed">
-                  <a:alpha val="50000"/>
-                </a:srgbClr>
+                <a:srgbClr val="6fc7ed"/>
               </a:gs>
               <a:gs pos="7813">
-                <a:srgbClr val="6fc7ed">
-                  <a:alpha val="50000"/>
-                </a:srgbClr>
+                <a:srgbClr val="6fc7ed"/>
               </a:gs>
               <a:gs pos="7813">
-                <a:srgbClr val="6ec6ed">
-                  <a:alpha val="50000"/>
-                </a:srgbClr>
+                <a:srgbClr val="6ec6ed"/>
               </a:gs>
               <a:gs pos="9375">
-                <a:srgbClr val="6ec6ed">
-                  <a:alpha val="50000"/>
-                </a:srgbClr>
+                <a:srgbClr val="6ec6ed"/>
               </a:gs>
               <a:gs pos="9375">
-                <a:srgbClr val="6cc6ec">
-                  <a:alpha val="50000"/>
-                </a:srgbClr>
+                <a:srgbClr val="6cc6ec"/>
               </a:gs>
               <a:gs pos="10938">
-                <a:srgbClr val="6cc6ec">
-                  <a:alpha val="50000"/>
-                </a:srgbClr>
+                <a:srgbClr val="6cc6ec"/>
               </a:gs>
               <a:gs pos="10938">
-                <a:srgbClr val="6ac5ec">
-                  <a:alpha val="50000"/>
-                </a:srgbClr>
+                <a:srgbClr val="6ac5ec"/>
               </a:gs>
               <a:gs pos="12500">
-                <a:srgbClr val="6ac5ec">
-                  <a:alpha val="50000"/>
-                </a:srgbClr>
+                <a:srgbClr val="6ac5ec"/>
               </a:gs>
               <a:gs pos="12500">
-                <a:srgbClr val="68c4ec">
-                  <a:alpha val="50000"/>
-                </a:srgbClr>
+                <a:srgbClr val="68c4ec"/>
               </a:gs>
               <a:gs pos="14063">
-                <a:srgbClr val="68c4ec">
-                  <a:alpha val="50000"/>
-                </a:srgbClr>
+                <a:srgbClr val="68c4ec"/>
               </a:gs>
               <a:gs pos="14063">
-                <a:srgbClr val="66c3ec">
-                  <a:alpha val="50000"/>
-                </a:srgbClr>
+                <a:srgbClr val="66c3ec"/>
               </a:gs>
               <a:gs pos="15625">
-                <a:srgbClr val="66c3ec">
-                  <a:alpha val="50000"/>
-                </a:srgbClr>
+                <a:srgbClr val="66c3ec"/>
               </a:gs>
               <a:gs pos="15625">
-                <a:srgbClr val="64c3eb">
-                  <a:alpha val="50000"/>
-                </a:srgbClr>
+                <a:srgbClr val="64c3eb"/>
               </a:gs>
               <a:gs pos="17188">
-                <a:srgbClr val="64c3eb">
-                  <a:alpha val="50000"/>
-                </a:srgbClr>
+                <a:srgbClr val="64c3eb"/>
               </a:gs>
               <a:gs pos="17188">
-                <a:srgbClr val="62c2eb">
-                  <a:alpha val="50000"/>
-                </a:srgbClr>
+                <a:srgbClr val="62c2eb"/>
               </a:gs>
               <a:gs pos="18750">
-                <a:srgbClr val="62c2eb">
-                  <a:alpha val="50000"/>
-                </a:srgbClr>
+                <a:srgbClr val="62c2eb"/>
               </a:gs>
               <a:gs pos="18750">
-                <a:srgbClr val="60c1eb">
-                  <a:alpha val="50000"/>
-                </a:srgbClr>
+                <a:srgbClr val="60c1eb"/>
               </a:gs>
               <a:gs pos="20313">
-                <a:srgbClr val="60c1eb">
-                  <a:alpha val="50000"/>
-                </a:srgbClr>
+                <a:srgbClr val="60c1eb"/>
               </a:gs>
               <a:gs pos="20313">
-                <a:srgbClr val="5ec0ea">
-                  <a:alpha val="50000"/>
-                </a:srgbClr>
+                <a:srgbClr val="5ec0ea"/>
               </a:gs>
               <a:gs pos="21875">
-                <a:srgbClr val="5ec0ea">
-                  <a:alpha val="50000"/>
-                </a:srgbClr>
+                <a:srgbClr val="5ec0ea"/>
               </a:gs>
               <a:gs pos="21875">
-                <a:srgbClr val="5dc0ea">
-                  <a:alpha val="50000"/>
-                </a:srgbClr>
+                <a:srgbClr val="5dc0ea"/>
               </a:gs>
               <a:gs pos="23438">
-                <a:srgbClr val="5dc0ea">
-                  <a:alpha val="50000"/>
-                </a:srgbClr>
+                <a:srgbClr val="5dc0ea"/>
               </a:gs>
               <a:gs pos="23438">
-                <a:srgbClr val="5bbfea">
-                  <a:alpha val="50000"/>
-                </a:srgbClr>
+                <a:srgbClr val="5bbfea"/>
               </a:gs>
               <a:gs pos="25000">
-                <a:srgbClr val="5bbfea">
-                  <a:alpha val="50000"/>
-                </a:srgbClr>
+                <a:srgbClr val="5bbfea"/>
               </a:gs>
               <a:gs pos="25000">
-                <a:srgbClr val="59beea">
-                  <a:alpha val="50000"/>
-                </a:srgbClr>
+                <a:srgbClr val="59beea"/>
               </a:gs>
               <a:gs pos="26563">
-                <a:srgbClr val="59beea">
-                  <a:alpha val="50000"/>
-                </a:srgbClr>
+                <a:srgbClr val="59beea"/>
               </a:gs>
               <a:gs pos="26563">
-                <a:srgbClr val="57bde9">
-                  <a:alpha val="50000"/>
-                </a:srgbClr>
+                <a:srgbClr val="57bde9"/>
               </a:gs>
               <a:gs pos="28125">
-                <a:srgbClr val="57bde9">
-                  <a:alpha val="50000"/>
-                </a:srgbClr>
+                <a:srgbClr val="57bde9"/>
               </a:gs>
               <a:gs pos="28125">
-                <a:srgbClr val="55bde9">
-                  <a:alpha val="50000"/>
-                </a:srgbClr>
+                <a:srgbClr val="55bde9"/>
               </a:gs>
               <a:gs pos="29688">
-                <a:srgbClr val="55bde9">
-                  <a:alpha val="50000"/>
-                </a:srgbClr>
+                <a:srgbClr val="55bde9"/>
               </a:gs>
               <a:gs pos="29688">
-                <a:srgbClr val="53bce9">
-                  <a:alpha val="50000"/>
-                </a:srgbClr>
+                <a:srgbClr val="53bce9"/>
               </a:gs>
               <a:gs pos="31250">
-                <a:srgbClr val="53bce9">
-                  <a:alpha val="50000"/>
-                </a:srgbClr>
+                <a:srgbClr val="53bce9"/>
               </a:gs>
               <a:gs pos="31250">
-                <a:srgbClr val="51bbe9">
-                  <a:alpha val="50000"/>
-                </a:srgbClr>
+                <a:srgbClr val="51bbe9"/>
               </a:gs>
               <a:gs pos="32813">
-                <a:srgbClr val="51bbe9">
-                  <a:alpha val="50000"/>
-                </a:srgbClr>
+                <a:srgbClr val="51bbe9"/>
               </a:gs>
               <a:gs pos="32813">
-                <a:srgbClr val="4fbae8">
-                  <a:alpha val="50000"/>
-                </a:srgbClr>
+                <a:srgbClr val="4fbae8"/>
               </a:gs>
               <a:gs pos="34375">
-                <a:srgbClr val="4fbae8">
-                  <a:alpha val="50000"/>
-                </a:srgbClr>
+                <a:srgbClr val="4fbae8"/>
               </a:gs>
               <a:gs pos="34375">
-                <a:srgbClr val="4dbae8">
-                  <a:alpha val="50000"/>
-                </a:srgbClr>
+                <a:srgbClr val="4dbae8"/>
               </a:gs>
               <a:gs pos="35938">
-                <a:srgbClr val="4dbae8">
-                  <a:alpha val="50000"/>
-                </a:srgbClr>
+                <a:srgbClr val="4dbae8"/>
               </a:gs>
               <a:gs pos="35938">
-                <a:srgbClr val="4cb9e8">
-                  <a:alpha val="50000"/>
-                </a:srgbClr>
+                <a:srgbClr val="4cb9e8"/>
               </a:gs>
               <a:gs pos="37500">
-                <a:srgbClr val="4cb9e8">
-                  <a:alpha val="50000"/>
-                </a:srgbClr>
+                <a:srgbClr val="4cb9e8"/>
               </a:gs>
               <a:gs pos="37500">
-                <a:srgbClr val="4ab8e8">
-                  <a:alpha val="50000"/>
-                </a:srgbClr>
+                <a:srgbClr val="4ab8e8"/>
               </a:gs>
               <a:gs pos="39063">
-                <a:srgbClr val="4ab8e8">
-                  <a:alpha val="50000"/>
-                </a:srgbClr>
+                <a:srgbClr val="4ab8e8"/>
               </a:gs>
               <a:gs pos="39063">
-                <a:srgbClr val="48b7e7">
-                  <a:alpha val="50000"/>
-                </a:srgbClr>
+                <a:srgbClr val="48b7e7"/>
               </a:gs>
               <a:gs pos="40625">
-                <a:srgbClr val="48b7e7">
-                  <a:alpha val="50000"/>
-                </a:srgbClr>
+                <a:srgbClr val="48b7e7"/>
               </a:gs>
               <a:gs pos="40625">
-                <a:srgbClr val="46b7e7">
-                  <a:alpha val="50000"/>
-                </a:srgbClr>
+                <a:srgbClr val="46b7e7"/>
               </a:gs>
               <a:gs pos="42188">
-                <a:srgbClr val="46b7e7">
-                  <a:alpha val="50000"/>
-                </a:srgbClr>
+                <a:srgbClr val="46b7e7"/>
               </a:gs>
               <a:gs pos="42188">
-                <a:srgbClr val="44b6e7">
-                  <a:alpha val="50000"/>
-                </a:srgbClr>
+                <a:srgbClr val="44b6e7"/>
               </a:gs>
               <a:gs pos="43750">
-                <a:srgbClr val="44b6e7">
-                  <a:alpha val="50000"/>
-                </a:srgbClr>
+                <a:srgbClr val="44b6e7"/>
               </a:gs>
               <a:gs pos="43750">
-                <a:srgbClr val="42b5e6">
-                  <a:alpha val="50000"/>
-                </a:srgbClr>
+                <a:srgbClr val="42b5e6"/>
               </a:gs>
               <a:gs pos="45313">
-                <a:srgbClr val="42b5e6">
-                  <a:alpha val="50000"/>
-                </a:srgbClr>
+                <a:srgbClr val="42b5e6"/>
               </a:gs>
               <a:gs pos="45313">
-                <a:srgbClr val="40b4e6">
-                  <a:alpha val="50000"/>
-                </a:srgbClr>
+                <a:srgbClr val="40b4e6"/>
               </a:gs>
               <a:gs pos="46875">
-                <a:srgbClr val="40b4e6">
-                  <a:alpha val="50000"/>
-                </a:srgbClr>
+                <a:srgbClr val="40b4e6"/>
               </a:gs>
               <a:gs pos="46875">
-                <a:srgbClr val="3eb4e6">
-                  <a:alpha val="50000"/>
-                </a:srgbClr>
+                <a:srgbClr val="3eb4e6"/>
               </a:gs>
               <a:gs pos="48438">
-                <a:srgbClr val="3eb4e6">
-                  <a:alpha val="50000"/>
-                </a:srgbClr>
+                <a:srgbClr val="3eb4e6"/>
               </a:gs>
               <a:gs pos="48438">
-                <a:srgbClr val="3cb3e6">
-                  <a:alpha val="50000"/>
-                </a:srgbClr>
+                <a:srgbClr val="3cb3e6"/>
               </a:gs>
               <a:gs pos="50000">
-                <a:srgbClr val="3cb3e6">
-                  <a:alpha val="50000"/>
-                </a:srgbClr>
+                <a:srgbClr val="3cb3e6"/>
               </a:gs>
               <a:gs pos="50000">
-                <a:srgbClr val="3bb2e5">
-                  <a:alpha val="50000"/>
-                </a:srgbClr>
+                <a:srgbClr val="3bb2e5"/>
               </a:gs>
               <a:gs pos="51563">
-                <a:srgbClr val="3bb2e5">
-                  <a:alpha val="50000"/>
-                </a:srgbClr>
+                <a:srgbClr val="3bb2e5"/>
               </a:gs>
               <a:gs pos="51563">
-                <a:srgbClr val="39b1e5">
-                  <a:alpha val="50000"/>
-                </a:srgbClr>
+                <a:srgbClr val="39b1e5"/>
               </a:gs>
               <a:gs pos="53125">
-                <a:srgbClr val="39b1e5">
-                  <a:alpha val="50000"/>
-                </a:srgbClr>
+                <a:srgbClr val="39b1e5"/>
               </a:gs>
               <a:gs pos="53125">
-                <a:srgbClr val="37b1e5">
-                  <a:alpha val="50000"/>
-                </a:srgbClr>
+                <a:srgbClr val="37b1e5"/>
               </a:gs>
               <a:gs pos="54688">
-                <a:srgbClr val="37b1e5">
-                  <a:alpha val="50000"/>
-                </a:srgbClr>
+                <a:srgbClr val="37b1e5"/>
               </a:gs>
               <a:gs pos="54688">
-                <a:srgbClr val="35b0e5">
-                  <a:alpha val="50000"/>
-                </a:srgbClr>
+                <a:srgbClr val="35b0e5"/>
               </a:gs>
               <a:gs pos="56250">
-                <a:srgbClr val="35b0e5">
-                  <a:alpha val="50000"/>
-                </a:srgbClr>
+                <a:srgbClr val="35b0e5"/>
               </a:gs>
               <a:gs pos="56250">
-                <a:srgbClr val="33afe4">
-                  <a:alpha val="50000"/>
-                </a:srgbClr>
+                <a:srgbClr val="33afe4"/>
               </a:gs>
               <a:gs pos="57813">
-                <a:srgbClr val="33afe4">
-                  <a:alpha val="50000"/>
-                </a:srgbClr>
+                <a:srgbClr val="33afe4"/>
               </a:gs>
               <a:gs pos="57813">
-                <a:srgbClr val="31aee4">
-                  <a:alpha val="50000"/>
-                </a:srgbClr>
+                <a:srgbClr val="31aee4"/>
               </a:gs>
               <a:gs pos="59375">
-                <a:srgbClr val="31aee4">
-                  <a:alpha val="50000"/>
-                </a:srgbClr>
+                <a:srgbClr val="31aee4"/>
               </a:gs>
               <a:gs pos="59375">
-                <a:srgbClr val="2faee4">
-                  <a:alpha val="50000"/>
-                </a:srgbClr>
+                <a:srgbClr val="2faee4"/>
               </a:gs>
               <a:gs pos="60938">
-                <a:srgbClr val="2faee4">
-                  <a:alpha val="50000"/>
-                </a:srgbClr>
+                <a:srgbClr val="2faee4"/>
               </a:gs>
               <a:gs pos="60938">
-                <a:srgbClr val="2dade3">
-                  <a:alpha val="50000"/>
-                </a:srgbClr>
+                <a:srgbClr val="2dade3"/>
               </a:gs>
               <a:gs pos="62500">
-                <a:srgbClr val="2dade3">
-                  <a:alpha val="50000"/>
-                </a:srgbClr>
+                <a:srgbClr val="2dade3"/>
               </a:gs>
               <a:gs pos="62500">
-                <a:srgbClr val="2bace3">
-                  <a:alpha val="50000"/>
-                </a:srgbClr>
+                <a:srgbClr val="2bace3"/>
               </a:gs>
               <a:gs pos="64063">
-                <a:srgbClr val="2bace3">
-                  <a:alpha val="50000"/>
-                </a:srgbClr>
+                <a:srgbClr val="2bace3"/>
               </a:gs>
               <a:gs pos="64063">
-                <a:srgbClr val="2aabe3">
-                  <a:alpha val="50000"/>
-                </a:srgbClr>
+                <a:srgbClr val="2aabe3"/>
               </a:gs>
               <a:gs pos="65625">
-                <a:srgbClr val="2aabe3">
-                  <a:alpha val="50000"/>
-                </a:srgbClr>
+                <a:srgbClr val="2aabe3"/>
               </a:gs>
               <a:gs pos="65625">
-                <a:srgbClr val="28abe3">
-                  <a:alpha val="50000"/>
-                </a:srgbClr>
+                <a:srgbClr val="28abe3"/>
               </a:gs>
               <a:gs pos="67188">
-                <a:srgbClr val="28abe3">
-                  <a:alpha val="50000"/>
-                </a:srgbClr>
+                <a:srgbClr val="28abe3"/>
               </a:gs>
               <a:gs pos="67188">
-                <a:srgbClr val="26aae2">
-                  <a:alpha val="50000"/>
-                </a:srgbClr>
+                <a:srgbClr val="26aae2"/>
               </a:gs>
               <a:gs pos="68750">
-                <a:srgbClr val="26aae2">
-                  <a:alpha val="50000"/>
-                </a:srgbClr>
+                <a:srgbClr val="26aae2"/>
               </a:gs>
               <a:gs pos="68750">
-                <a:srgbClr val="24a9e2">
-                  <a:alpha val="50000"/>
-                </a:srgbClr>
+                <a:srgbClr val="24a9e2"/>
               </a:gs>
               <a:gs pos="70313">
-                <a:srgbClr val="24a9e2">
-                  <a:alpha val="50000"/>
-                </a:srgbClr>
+                <a:srgbClr val="24a9e2"/>
               </a:gs>
               <a:gs pos="70313">
-                <a:srgbClr val="22a8e2">
-                  <a:alpha val="50000"/>
-                </a:srgbClr>
+                <a:srgbClr val="22a8e2"/>
               </a:gs>
               <a:gs pos="71875">
-                <a:srgbClr val="22a8e2">
-                  <a:alpha val="50000"/>
-                </a:srgbClr>
+                <a:srgbClr val="22a8e2"/>
               </a:gs>
               <a:gs pos="71875">
-                <a:srgbClr val="20a8e2">
-                  <a:alpha val="50000"/>
-                </a:srgbClr>
+                <a:srgbClr val="20a8e2"/>
               </a:gs>
               <a:gs pos="73438">
-                <a:srgbClr val="20a8e2">
-                  <a:alpha val="50000"/>
-                </a:srgbClr>
+                <a:srgbClr val="20a8e2"/>
               </a:gs>
               <a:gs pos="73438">
-                <a:srgbClr val="1ea7e1">
-                  <a:alpha val="50000"/>
-                </a:srgbClr>
+                <a:srgbClr val="1ea7e1"/>
               </a:gs>
               <a:gs pos="75000">
-                <a:srgbClr val="1ea7e1">
-                  <a:alpha val="50000"/>
-                </a:srgbClr>
+                <a:srgbClr val="1ea7e1"/>
               </a:gs>
               <a:gs pos="75000">
-                <a:srgbClr val="1ca6e1">
-                  <a:alpha val="50000"/>
-                </a:srgbClr>
+                <a:srgbClr val="1ca6e1"/>
               </a:gs>
               <a:gs pos="76563">
-                <a:srgbClr val="1ca6e1">
-                  <a:alpha val="50000"/>
-                </a:srgbClr>
+                <a:srgbClr val="1ca6e1"/>
               </a:gs>
               <a:gs pos="76563">
-                <a:srgbClr val="1aa5e1">
-                  <a:alpha val="50000"/>
-                </a:srgbClr>
+                <a:srgbClr val="1aa5e1"/>
               </a:gs>
               <a:gs pos="78125">
-                <a:srgbClr val="1aa5e1">
-                  <a:alpha val="50000"/>
-                </a:srgbClr>
+                <a:srgbClr val="1aa5e1"/>
               </a:gs>
               <a:gs pos="78125">
-                <a:srgbClr val="19a5e1">
-                  <a:alpha val="50000"/>
-                </a:srgbClr>
+                <a:srgbClr val="19a5e1"/>
               </a:gs>
               <a:gs pos="79688">
-                <a:srgbClr val="19a5e1">
-                  <a:alpha val="50000"/>
-                </a:srgbClr>
+                <a:srgbClr val="19a5e1"/>
               </a:gs>
               <a:gs pos="79688">
-                <a:srgbClr val="17a4e0">
-                  <a:alpha val="50000"/>
-                </a:srgbClr>
+                <a:srgbClr val="17a4e0"/>
               </a:gs>
               <a:gs pos="81250">
-                <a:srgbClr val="17a4e0">
-                  <a:alpha val="50000"/>
-                </a:srgbClr>
+                <a:srgbClr val="17a4e0"/>
               </a:gs>
               <a:gs pos="81250">
-                <a:srgbClr val="15a3e0">
-                  <a:alpha val="50000"/>
-                </a:srgbClr>
+                <a:srgbClr val="15a3e0"/>
               </a:gs>
               <a:gs pos="82813">
-                <a:srgbClr val="15a3e0">
-                  <a:alpha val="50000"/>
-                </a:srgbClr>
+                <a:srgbClr val="15a3e0"/>
               </a:gs>
               <a:gs pos="82813">
-                <a:srgbClr val="13a2e0">
-                  <a:alpha val="50000"/>
-                </a:srgbClr>
+                <a:srgbClr val="13a2e0"/>
               </a:gs>
               <a:gs pos="84375">
-                <a:srgbClr val="13a2e0">
-                  <a:alpha val="50000"/>
-                </a:srgbClr>
+                <a:srgbClr val="13a2e0"/>
               </a:gs>
               <a:gs pos="84375">
-                <a:srgbClr val="11a2df">
-                  <a:alpha val="50000"/>
-                </a:srgbClr>
+                <a:srgbClr val="11a2df"/>
               </a:gs>
               <a:gs pos="85938">
-                <a:srgbClr val="11a2df">
-                  <a:alpha val="50000"/>
-                </a:srgbClr>
+                <a:srgbClr val="11a2df"/>
               </a:gs>
               <a:gs pos="85938">
-                <a:srgbClr val="0fa1df">
-                  <a:alpha val="50000"/>
-                </a:srgbClr>
+                <a:srgbClr val="0fa1df"/>
               </a:gs>
               <a:gs pos="87500">
-                <a:srgbClr val="0fa1df">
-                  <a:alpha val="50000"/>
-                </a:srgbClr>
+                <a:srgbClr val="0fa1df"/>
               </a:gs>
               <a:gs pos="87500">
-                <a:srgbClr val="0da0df">
-                  <a:alpha val="50000"/>
-                </a:srgbClr>
+                <a:srgbClr val="0da0df"/>
               </a:gs>
               <a:gs pos="89063">
-                <a:srgbClr val="0da0df">
-                  <a:alpha val="50000"/>
-                </a:srgbClr>
+                <a:srgbClr val="0da0df"/>
               </a:gs>
               <a:gs pos="89063">
-                <a:srgbClr val="0b9fdf">
-                  <a:alpha val="50000"/>
-                </a:srgbClr>
+                <a:srgbClr val="0b9fdf"/>
               </a:gs>
               <a:gs pos="90625">
-                <a:srgbClr val="0b9fdf">
-                  <a:alpha val="50000"/>
-                </a:srgbClr>
+                <a:srgbClr val="0b9fdf"/>
               </a:gs>
               <a:gs pos="90625">
-                <a:srgbClr val="099fde">
-                  <a:alpha val="50000"/>
-                </a:srgbClr>
+                <a:srgbClr val="099fde"/>
               </a:gs>
               <a:gs pos="92188">
-                <a:srgbClr val="099fde">
-                  <a:alpha val="50000"/>
-                </a:srgbClr>
+                <a:srgbClr val="099fde"/>
               </a:gs>
               <a:gs pos="92188">
-                <a:srgbClr val="089ede">
-                  <a:alpha val="50000"/>
-                </a:srgbClr>
+                <a:srgbClr val="089ede"/>
               </a:gs>
               <a:gs pos="93750">
-                <a:srgbClr val="089ede">
-                  <a:alpha val="50000"/>
-                </a:srgbClr>
+                <a:srgbClr val="089ede"/>
               </a:gs>
               <a:gs pos="93750">
-                <a:srgbClr val="069dde">
-                  <a:alpha val="50000"/>
-                </a:srgbClr>
+                <a:srgbClr val="069dde"/>
               </a:gs>
               <a:gs pos="95313">
-                <a:srgbClr val="069dde">
-                  <a:alpha val="50000"/>
-                </a:srgbClr>
+                <a:srgbClr val="069dde"/>
               </a:gs>
               <a:gs pos="95313">
-                <a:srgbClr val="049cde">
-                  <a:alpha val="50000"/>
-                </a:srgbClr>
+                <a:srgbClr val="049cde"/>
               </a:gs>
               <a:gs pos="96875">
-                <a:srgbClr val="049cde">
-                  <a:alpha val="50000"/>
-                </a:srgbClr>
+                <a:srgbClr val="049cde"/>
               </a:gs>
               <a:gs pos="96875">
-                <a:srgbClr val="029cdd">
-                  <a:alpha val="50000"/>
-                </a:srgbClr>
+                <a:srgbClr val="029cdd"/>
               </a:gs>
               <a:gs pos="98438">
-                <a:srgbClr val="029cdd">
-                  <a:alpha val="50000"/>
-                </a:srgbClr>
+                <a:srgbClr val="029cdd"/>
               </a:gs>
               <a:gs pos="98438">
-                <a:srgbClr val="009bdd">
-                  <a:alpha val="50000"/>
-                </a:srgbClr>
+                <a:srgbClr val="009bdd"/>
               </a:gs>
               <a:gs pos="100000">
-                <a:srgbClr val="009bdd">
-                  <a:alpha val="50000"/>
-                </a:srgbClr>
+                <a:srgbClr val="009bdd"/>
               </a:gs>
             </a:gsLst>
-            <a:lin ang="10800000"/>
+            <a:lin ang="0"/>
           </a:gradFill>
           <a:ln w="18000">
             <a:noFill/>
           </a:ln>
           <a:effectLst>
-            <a:outerShdw dist="10800" dir="5400000" blurRad="0" rotWithShape="0">
+            <a:outerShdw blurRad="0" dir="5400000" dist="10800" rotWithShape="0">
               <a:srgbClr val="009bdd">
                 <a:alpha val="50000"/>
               </a:srgbClr>
@@ -2091,708 +1865,24 @@
             <a:noAutofit/>
           </a:bodyPr>
           <a:p>
+            <a:pPr>
+              <a:lnSpc>
+                <a:spcPct val="100000"/>
+              </a:lnSpc>
+            </a:pPr>
             <a:endParaRPr b="0" lang="en-GB" sz="1800" spc="-1" strike="noStrike">
               <a:solidFill>
                 <a:srgbClr val="ffffff"/>
               </a:solidFill>
               <a:latin typeface="Arial"/>
+              <a:ea typeface="DejaVu Sans"/>
             </a:endParaRPr>
           </a:p>
         </p:txBody>
       </p:sp>
       <p:sp>
         <p:nvSpPr>
-          <p:cNvPr id="10" name=""/>
-          <p:cNvSpPr/>
-          <p:nvPr/>
-        </p:nvSpPr>
-        <p:spPr>
-          <a:xfrm>
-            <a:off x="3240" y="5040000"/>
-            <a:ext cx="10076760" cy="631440"/>
-          </a:xfrm>
-          <a:prstGeom prst="rect">
-            <a:avLst/>
-          </a:prstGeom>
-          <a:gradFill rotWithShape="0">
-            <a:gsLst>
-              <a:gs pos="0">
-                <a:srgbClr val="77caee">
-                  <a:alpha val="50000"/>
-                </a:srgbClr>
-              </a:gs>
-              <a:gs pos="1563">
-                <a:srgbClr val="77caee">
-                  <a:alpha val="50000"/>
-                </a:srgbClr>
-              </a:gs>
-              <a:gs pos="1563">
-                <a:srgbClr val="75c9ee">
-                  <a:alpha val="50000"/>
-                </a:srgbClr>
-              </a:gs>
-              <a:gs pos="3125">
-                <a:srgbClr val="75c9ee">
-                  <a:alpha val="50000"/>
-                </a:srgbClr>
-              </a:gs>
-              <a:gs pos="3125">
-                <a:srgbClr val="73c9ed">
-                  <a:alpha val="50000"/>
-                </a:srgbClr>
-              </a:gs>
-              <a:gs pos="4688">
-                <a:srgbClr val="73c9ed">
-                  <a:alpha val="50000"/>
-                </a:srgbClr>
-              </a:gs>
-              <a:gs pos="4688">
-                <a:srgbClr val="71c8ed">
-                  <a:alpha val="50000"/>
-                </a:srgbClr>
-              </a:gs>
-              <a:gs pos="6250">
-                <a:srgbClr val="71c8ed">
-                  <a:alpha val="50000"/>
-                </a:srgbClr>
-              </a:gs>
-              <a:gs pos="6250">
-                <a:srgbClr val="6fc7ed">
-                  <a:alpha val="50000"/>
-                </a:srgbClr>
-              </a:gs>
-              <a:gs pos="7813">
-                <a:srgbClr val="6fc7ed">
-                  <a:alpha val="50000"/>
-                </a:srgbClr>
-              </a:gs>
-              <a:gs pos="7813">
-                <a:srgbClr val="6ec6ed">
-                  <a:alpha val="50000"/>
-                </a:srgbClr>
-              </a:gs>
-              <a:gs pos="9375">
-                <a:srgbClr val="6ec6ed">
-                  <a:alpha val="50000"/>
-                </a:srgbClr>
-              </a:gs>
-              <a:gs pos="9375">
-                <a:srgbClr val="6cc6ec">
-                  <a:alpha val="50000"/>
-                </a:srgbClr>
-              </a:gs>
-              <a:gs pos="10938">
-                <a:srgbClr val="6cc6ec">
-                  <a:alpha val="50000"/>
-                </a:srgbClr>
-              </a:gs>
-              <a:gs pos="10938">
-                <a:srgbClr val="6ac5ec">
-                  <a:alpha val="50000"/>
-                </a:srgbClr>
-              </a:gs>
-              <a:gs pos="12500">
-                <a:srgbClr val="6ac5ec">
-                  <a:alpha val="50000"/>
-                </a:srgbClr>
-              </a:gs>
-              <a:gs pos="12500">
-                <a:srgbClr val="68c4ec">
-                  <a:alpha val="50000"/>
-                </a:srgbClr>
-              </a:gs>
-              <a:gs pos="14063">
-                <a:srgbClr val="68c4ec">
-                  <a:alpha val="50000"/>
-                </a:srgbClr>
-              </a:gs>
-              <a:gs pos="14063">
-                <a:srgbClr val="66c3ec">
-                  <a:alpha val="50000"/>
-                </a:srgbClr>
-              </a:gs>
-              <a:gs pos="15625">
-                <a:srgbClr val="66c3ec">
-                  <a:alpha val="50000"/>
-                </a:srgbClr>
-              </a:gs>
-              <a:gs pos="15625">
-                <a:srgbClr val="64c3eb">
-                  <a:alpha val="50000"/>
-                </a:srgbClr>
-              </a:gs>
-              <a:gs pos="17188">
-                <a:srgbClr val="64c3eb">
-                  <a:alpha val="50000"/>
-                </a:srgbClr>
-              </a:gs>
-              <a:gs pos="17188">
-                <a:srgbClr val="62c2eb">
-                  <a:alpha val="50000"/>
-                </a:srgbClr>
-              </a:gs>
-              <a:gs pos="18750">
-                <a:srgbClr val="62c2eb">
-                  <a:alpha val="50000"/>
-                </a:srgbClr>
-              </a:gs>
-              <a:gs pos="18750">
-                <a:srgbClr val="60c1eb">
-                  <a:alpha val="50000"/>
-                </a:srgbClr>
-              </a:gs>
-              <a:gs pos="20313">
-                <a:srgbClr val="60c1eb">
-                  <a:alpha val="50000"/>
-                </a:srgbClr>
-              </a:gs>
-              <a:gs pos="20313">
-                <a:srgbClr val="5ec0ea">
-                  <a:alpha val="50000"/>
-                </a:srgbClr>
-              </a:gs>
-              <a:gs pos="21875">
-                <a:srgbClr val="5ec0ea">
-                  <a:alpha val="50000"/>
-                </a:srgbClr>
-              </a:gs>
-              <a:gs pos="21875">
-                <a:srgbClr val="5dc0ea">
-                  <a:alpha val="50000"/>
-                </a:srgbClr>
-              </a:gs>
-              <a:gs pos="23438">
-                <a:srgbClr val="5dc0ea">
-                  <a:alpha val="50000"/>
-                </a:srgbClr>
-              </a:gs>
-              <a:gs pos="23438">
-                <a:srgbClr val="5bbfea">
-                  <a:alpha val="50000"/>
-                </a:srgbClr>
-              </a:gs>
-              <a:gs pos="25000">
-                <a:srgbClr val="5bbfea">
-                  <a:alpha val="50000"/>
-                </a:srgbClr>
-              </a:gs>
-              <a:gs pos="25000">
-                <a:srgbClr val="59beea">
-                  <a:alpha val="50000"/>
-                </a:srgbClr>
-              </a:gs>
-              <a:gs pos="26563">
-                <a:srgbClr val="59beea">
-                  <a:alpha val="50000"/>
-                </a:srgbClr>
-              </a:gs>
-              <a:gs pos="26563">
-                <a:srgbClr val="57bde9">
-                  <a:alpha val="50000"/>
-                </a:srgbClr>
-              </a:gs>
-              <a:gs pos="28125">
-                <a:srgbClr val="57bde9">
-                  <a:alpha val="50000"/>
-                </a:srgbClr>
-              </a:gs>
-              <a:gs pos="28125">
-                <a:srgbClr val="55bde9">
-                  <a:alpha val="50000"/>
-                </a:srgbClr>
-              </a:gs>
-              <a:gs pos="29688">
-                <a:srgbClr val="55bde9">
-                  <a:alpha val="50000"/>
-                </a:srgbClr>
-              </a:gs>
-              <a:gs pos="29688">
-                <a:srgbClr val="53bce9">
-                  <a:alpha val="50000"/>
-                </a:srgbClr>
-              </a:gs>
-              <a:gs pos="31250">
-                <a:srgbClr val="53bce9">
-                  <a:alpha val="50000"/>
-                </a:srgbClr>
-              </a:gs>
-              <a:gs pos="31250">
-                <a:srgbClr val="51bbe9">
-                  <a:alpha val="50000"/>
-                </a:srgbClr>
-              </a:gs>
-              <a:gs pos="32813">
-                <a:srgbClr val="51bbe9">
-                  <a:alpha val="50000"/>
-                </a:srgbClr>
-              </a:gs>
-              <a:gs pos="32813">
-                <a:srgbClr val="4fbae8">
-                  <a:alpha val="50000"/>
-                </a:srgbClr>
-              </a:gs>
-              <a:gs pos="34375">
-                <a:srgbClr val="4fbae8">
-                  <a:alpha val="50000"/>
-                </a:srgbClr>
-              </a:gs>
-              <a:gs pos="34375">
-                <a:srgbClr val="4dbae8">
-                  <a:alpha val="50000"/>
-                </a:srgbClr>
-              </a:gs>
-              <a:gs pos="35938">
-                <a:srgbClr val="4dbae8">
-                  <a:alpha val="50000"/>
-                </a:srgbClr>
-              </a:gs>
-              <a:gs pos="35938">
-                <a:srgbClr val="4cb9e8">
-                  <a:alpha val="50000"/>
-                </a:srgbClr>
-              </a:gs>
-              <a:gs pos="37500">
-                <a:srgbClr val="4cb9e8">
-                  <a:alpha val="50000"/>
-                </a:srgbClr>
-              </a:gs>
-              <a:gs pos="37500">
-                <a:srgbClr val="4ab8e8">
-                  <a:alpha val="50000"/>
-                </a:srgbClr>
-              </a:gs>
-              <a:gs pos="39063">
-                <a:srgbClr val="4ab8e8">
-                  <a:alpha val="50000"/>
-                </a:srgbClr>
-              </a:gs>
-              <a:gs pos="39063">
-                <a:srgbClr val="48b7e7">
-                  <a:alpha val="50000"/>
-                </a:srgbClr>
-              </a:gs>
-              <a:gs pos="40625">
-                <a:srgbClr val="48b7e7">
-                  <a:alpha val="50000"/>
-                </a:srgbClr>
-              </a:gs>
-              <a:gs pos="40625">
-                <a:srgbClr val="46b7e7">
-                  <a:alpha val="50000"/>
-                </a:srgbClr>
-              </a:gs>
-              <a:gs pos="42188">
-                <a:srgbClr val="46b7e7">
-                  <a:alpha val="50000"/>
-                </a:srgbClr>
-              </a:gs>
-              <a:gs pos="42188">
-                <a:srgbClr val="44b6e7">
-                  <a:alpha val="50000"/>
-                </a:srgbClr>
-              </a:gs>
-              <a:gs pos="43750">
-                <a:srgbClr val="44b6e7">
-                  <a:alpha val="50000"/>
-                </a:srgbClr>
-              </a:gs>
-              <a:gs pos="43750">
-                <a:srgbClr val="42b5e6">
-                  <a:alpha val="50000"/>
-                </a:srgbClr>
-              </a:gs>
-              <a:gs pos="45313">
-                <a:srgbClr val="42b5e6">
-                  <a:alpha val="50000"/>
-                </a:srgbClr>
-              </a:gs>
-              <a:gs pos="45313">
-                <a:srgbClr val="40b4e6">
-                  <a:alpha val="50000"/>
-                </a:srgbClr>
-              </a:gs>
-              <a:gs pos="46875">
-                <a:srgbClr val="40b4e6">
-                  <a:alpha val="50000"/>
-                </a:srgbClr>
-              </a:gs>
-              <a:gs pos="46875">
-                <a:srgbClr val="3eb4e6">
-                  <a:alpha val="50000"/>
-                </a:srgbClr>
-              </a:gs>
-              <a:gs pos="48438">
-                <a:srgbClr val="3eb4e6">
-                  <a:alpha val="50000"/>
-                </a:srgbClr>
-              </a:gs>
-              <a:gs pos="48438">
-                <a:srgbClr val="3cb3e6">
-                  <a:alpha val="50000"/>
-                </a:srgbClr>
-              </a:gs>
-              <a:gs pos="50000">
-                <a:srgbClr val="3cb3e6">
-                  <a:alpha val="50000"/>
-                </a:srgbClr>
-              </a:gs>
-              <a:gs pos="50000">
-                <a:srgbClr val="3bb2e5">
-                  <a:alpha val="50000"/>
-                </a:srgbClr>
-              </a:gs>
-              <a:gs pos="51563">
-                <a:srgbClr val="3bb2e5">
-                  <a:alpha val="50000"/>
-                </a:srgbClr>
-              </a:gs>
-              <a:gs pos="51563">
-                <a:srgbClr val="39b1e5">
-                  <a:alpha val="50000"/>
-                </a:srgbClr>
-              </a:gs>
-              <a:gs pos="53125">
-                <a:srgbClr val="39b1e5">
-                  <a:alpha val="50000"/>
-                </a:srgbClr>
-              </a:gs>
-              <a:gs pos="53125">
-                <a:srgbClr val="37b1e5">
-                  <a:alpha val="50000"/>
-                </a:srgbClr>
-              </a:gs>
-              <a:gs pos="54688">
-                <a:srgbClr val="37b1e5">
-                  <a:alpha val="50000"/>
-                </a:srgbClr>
-              </a:gs>
-              <a:gs pos="54688">
-                <a:srgbClr val="35b0e5">
-                  <a:alpha val="50000"/>
-                </a:srgbClr>
-              </a:gs>
-              <a:gs pos="56250">
-                <a:srgbClr val="35b0e5">
-                  <a:alpha val="50000"/>
-                </a:srgbClr>
-              </a:gs>
-              <a:gs pos="56250">
-                <a:srgbClr val="33afe4">
-                  <a:alpha val="50000"/>
-                </a:srgbClr>
-              </a:gs>
-              <a:gs pos="57813">
-                <a:srgbClr val="33afe4">
-                  <a:alpha val="50000"/>
-                </a:srgbClr>
-              </a:gs>
-              <a:gs pos="57813">
-                <a:srgbClr val="31aee4">
-                  <a:alpha val="50000"/>
-                </a:srgbClr>
-              </a:gs>
-              <a:gs pos="59375">
-                <a:srgbClr val="31aee4">
-                  <a:alpha val="50000"/>
-                </a:srgbClr>
-              </a:gs>
-              <a:gs pos="59375">
-                <a:srgbClr val="2faee4">
-                  <a:alpha val="50000"/>
-                </a:srgbClr>
-              </a:gs>
-              <a:gs pos="60938">
-                <a:srgbClr val="2faee4">
-                  <a:alpha val="50000"/>
-                </a:srgbClr>
-              </a:gs>
-              <a:gs pos="60938">
-                <a:srgbClr val="2dade3">
-                  <a:alpha val="50000"/>
-                </a:srgbClr>
-              </a:gs>
-              <a:gs pos="62500">
-                <a:srgbClr val="2dade3">
-                  <a:alpha val="50000"/>
-                </a:srgbClr>
-              </a:gs>
-              <a:gs pos="62500">
-                <a:srgbClr val="2bace3">
-                  <a:alpha val="50000"/>
-                </a:srgbClr>
-              </a:gs>
-              <a:gs pos="64063">
-                <a:srgbClr val="2bace3">
-                  <a:alpha val="50000"/>
-                </a:srgbClr>
-              </a:gs>
-              <a:gs pos="64063">
-                <a:srgbClr val="2aabe3">
-                  <a:alpha val="50000"/>
-                </a:srgbClr>
-              </a:gs>
-              <a:gs pos="65625">
-                <a:srgbClr val="2aabe3">
-                  <a:alpha val="50000"/>
-                </a:srgbClr>
-              </a:gs>
-              <a:gs pos="65625">
-                <a:srgbClr val="28abe3">
-                  <a:alpha val="50000"/>
-                </a:srgbClr>
-              </a:gs>
-              <a:gs pos="67188">
-                <a:srgbClr val="28abe3">
-                  <a:alpha val="50000"/>
-                </a:srgbClr>
-              </a:gs>
-              <a:gs pos="67188">
-                <a:srgbClr val="26aae2">
-                  <a:alpha val="50000"/>
-                </a:srgbClr>
-              </a:gs>
-              <a:gs pos="68750">
-                <a:srgbClr val="26aae2">
-                  <a:alpha val="50000"/>
-                </a:srgbClr>
-              </a:gs>
-              <a:gs pos="68750">
-                <a:srgbClr val="24a9e2">
-                  <a:alpha val="50000"/>
-                </a:srgbClr>
-              </a:gs>
-              <a:gs pos="70313">
-                <a:srgbClr val="24a9e2">
-                  <a:alpha val="50000"/>
-                </a:srgbClr>
-              </a:gs>
-              <a:gs pos="70313">
-                <a:srgbClr val="22a8e2">
-                  <a:alpha val="50000"/>
-                </a:srgbClr>
-              </a:gs>
-              <a:gs pos="71875">
-                <a:srgbClr val="22a8e2">
-                  <a:alpha val="50000"/>
-                </a:srgbClr>
-              </a:gs>
-              <a:gs pos="71875">
-                <a:srgbClr val="20a8e2">
-                  <a:alpha val="50000"/>
-                </a:srgbClr>
-              </a:gs>
-              <a:gs pos="73438">
-                <a:srgbClr val="20a8e2">
-                  <a:alpha val="50000"/>
-                </a:srgbClr>
-              </a:gs>
-              <a:gs pos="73438">
-                <a:srgbClr val="1ea7e1">
-                  <a:alpha val="50000"/>
-                </a:srgbClr>
-              </a:gs>
-              <a:gs pos="75000">
-                <a:srgbClr val="1ea7e1">
-                  <a:alpha val="50000"/>
-                </a:srgbClr>
-              </a:gs>
-              <a:gs pos="75000">
-                <a:srgbClr val="1ca6e1">
-                  <a:alpha val="50000"/>
-                </a:srgbClr>
-              </a:gs>
-              <a:gs pos="76563">
-                <a:srgbClr val="1ca6e1">
-                  <a:alpha val="50000"/>
-                </a:srgbClr>
-              </a:gs>
-              <a:gs pos="76563">
-                <a:srgbClr val="1aa5e1">
-                  <a:alpha val="50000"/>
-                </a:srgbClr>
-              </a:gs>
-              <a:gs pos="78125">
-                <a:srgbClr val="1aa5e1">
-                  <a:alpha val="50000"/>
-                </a:srgbClr>
-              </a:gs>
-              <a:gs pos="78125">
-                <a:srgbClr val="19a5e1">
-                  <a:alpha val="50000"/>
-                </a:srgbClr>
-              </a:gs>
-              <a:gs pos="79688">
-                <a:srgbClr val="19a5e1">
-                  <a:alpha val="50000"/>
-                </a:srgbClr>
-              </a:gs>
-              <a:gs pos="79688">
-                <a:srgbClr val="17a4e0">
-                  <a:alpha val="50000"/>
-                </a:srgbClr>
-              </a:gs>
-              <a:gs pos="81250">
-                <a:srgbClr val="17a4e0">
-                  <a:alpha val="50000"/>
-                </a:srgbClr>
-              </a:gs>
-              <a:gs pos="81250">
-                <a:srgbClr val="15a3e0">
-                  <a:alpha val="50000"/>
-                </a:srgbClr>
-              </a:gs>
-              <a:gs pos="82813">
-                <a:srgbClr val="15a3e0">
-                  <a:alpha val="50000"/>
-                </a:srgbClr>
-              </a:gs>
-              <a:gs pos="82813">
-                <a:srgbClr val="13a2e0">
-                  <a:alpha val="50000"/>
-                </a:srgbClr>
-              </a:gs>
-              <a:gs pos="84375">
-                <a:srgbClr val="13a2e0">
-                  <a:alpha val="50000"/>
-                </a:srgbClr>
-              </a:gs>
-              <a:gs pos="84375">
-                <a:srgbClr val="11a2df">
-                  <a:alpha val="50000"/>
-                </a:srgbClr>
-              </a:gs>
-              <a:gs pos="85938">
-                <a:srgbClr val="11a2df">
-                  <a:alpha val="50000"/>
-                </a:srgbClr>
-              </a:gs>
-              <a:gs pos="85938">
-                <a:srgbClr val="0fa1df">
-                  <a:alpha val="50000"/>
-                </a:srgbClr>
-              </a:gs>
-              <a:gs pos="87500">
-                <a:srgbClr val="0fa1df">
-                  <a:alpha val="50000"/>
-                </a:srgbClr>
-              </a:gs>
-              <a:gs pos="87500">
-                <a:srgbClr val="0da0df">
-                  <a:alpha val="50000"/>
-                </a:srgbClr>
-              </a:gs>
-              <a:gs pos="89063">
-                <a:srgbClr val="0da0df">
-                  <a:alpha val="50000"/>
-                </a:srgbClr>
-              </a:gs>
-              <a:gs pos="89063">
-                <a:srgbClr val="0b9fdf">
-                  <a:alpha val="50000"/>
-                </a:srgbClr>
-              </a:gs>
-              <a:gs pos="90625">
-                <a:srgbClr val="0b9fdf">
-                  <a:alpha val="50000"/>
-                </a:srgbClr>
-              </a:gs>
-              <a:gs pos="90625">
-                <a:srgbClr val="099fde">
-                  <a:alpha val="50000"/>
-                </a:srgbClr>
-              </a:gs>
-              <a:gs pos="92188">
-                <a:srgbClr val="099fde">
-                  <a:alpha val="50000"/>
-                </a:srgbClr>
-              </a:gs>
-              <a:gs pos="92188">
-                <a:srgbClr val="089ede">
-                  <a:alpha val="50000"/>
-                </a:srgbClr>
-              </a:gs>
-              <a:gs pos="93750">
-                <a:srgbClr val="089ede">
-                  <a:alpha val="50000"/>
-                </a:srgbClr>
-              </a:gs>
-              <a:gs pos="93750">
-                <a:srgbClr val="069dde">
-                  <a:alpha val="50000"/>
-                </a:srgbClr>
-              </a:gs>
-              <a:gs pos="95313">
-                <a:srgbClr val="069dde">
-                  <a:alpha val="50000"/>
-                </a:srgbClr>
-              </a:gs>
-              <a:gs pos="95313">
-                <a:srgbClr val="049cde">
-                  <a:alpha val="50000"/>
-                </a:srgbClr>
-              </a:gs>
-              <a:gs pos="96875">
-                <a:srgbClr val="049cde">
-                  <a:alpha val="50000"/>
-                </a:srgbClr>
-              </a:gs>
-              <a:gs pos="96875">
-                <a:srgbClr val="029cdd">
-                  <a:alpha val="50000"/>
-                </a:srgbClr>
-              </a:gs>
-              <a:gs pos="98438">
-                <a:srgbClr val="029cdd">
-                  <a:alpha val="50000"/>
-                </a:srgbClr>
-              </a:gs>
-              <a:gs pos="98438">
-                <a:srgbClr val="009bdd">
-                  <a:alpha val="50000"/>
-                </a:srgbClr>
-              </a:gs>
-              <a:gs pos="100000">
-                <a:srgbClr val="009bdd">
-                  <a:alpha val="50000"/>
-                </a:srgbClr>
-              </a:gs>
-            </a:gsLst>
-            <a:lin ang="10800000"/>
-          </a:gradFill>
-          <a:ln w="18000">
-            <a:noFill/>
-          </a:ln>
-          <a:effectLst>
-            <a:outerShdw dist="10800" dir="5400000" blurRad="0" rotWithShape="0">
-              <a:srgbClr val="009bdd">
-                <a:alpha val="50000"/>
-              </a:srgbClr>
-            </a:outerShdw>
-          </a:effectLst>
-        </p:spPr>
-        <p:style>
-          <a:lnRef idx="0"/>
-          <a:fillRef idx="0"/>
-          <a:effectRef idx="0"/>
-          <a:fontRef idx="minor"/>
-        </p:style>
-        <p:txBody>
-          <a:bodyPr wrap="none" lIns="90000" rIns="90000" tIns="45000" bIns="45000" anchor="ctr">
-            <a:noAutofit/>
-          </a:bodyPr>
-          <a:p>
-            <a:endParaRPr b="0" lang="en-GB" sz="1800" spc="-1" strike="noStrike">
-              <a:solidFill>
-                <a:srgbClr val="ffffff"/>
-              </a:solidFill>
-              <a:latin typeface="Arial"/>
-            </a:endParaRPr>
-          </a:p>
-        </p:txBody>
-      </p:sp>
-      <p:sp>
-        <p:nvSpPr>
-          <p:cNvPr id="11" name="PlaceHolder 1"/>
+          <p:cNvPr id="8" name="PlaceHolder 1"/>
           <p:cNvSpPr>
             <a:spLocks noGrp="1"/>
           </p:cNvSpPr>
@@ -2803,7 +1893,7 @@
         <p:spPr>
           <a:xfrm>
             <a:off x="360000" y="180000"/>
-            <a:ext cx="9360000" cy="478080"/>
+            <a:ext cx="9359640" cy="477720"/>
           </a:xfrm>
           <a:prstGeom prst="rect">
             <a:avLst/>
@@ -2818,21 +1908,21 @@
             <a:noAutofit/>
           </a:bodyPr>
           <a:p>
-            <a:pPr indent="0" algn="ctr">
+            <a:pPr indent="0">
               <a:buNone/>
             </a:pPr>
             <a:r>
-              <a:rPr b="0" lang="en-GB" sz="3300" spc="-1" strike="noStrike">
-                <a:solidFill>
-                  <a:srgbClr val="ffffff"/>
+              <a:rPr b="0" lang="en-GB" sz="1800" spc="-1" strike="noStrike">
+                <a:solidFill>
+                  <a:srgbClr val="000000"/>
                 </a:solidFill>
                 <a:latin typeface="Arial"/>
               </a:rPr>
               <a:t>Click to edit the title text format</a:t>
             </a:r>
-            <a:endParaRPr b="0" lang="en-GB" sz="3300" spc="-1" strike="noStrike">
-              <a:solidFill>
-                <a:srgbClr val="ffffff"/>
+            <a:endParaRPr b="0" lang="en-GB" sz="1800" spc="-1" strike="noStrike">
+              <a:solidFill>
+                <a:srgbClr val="000000"/>
               </a:solidFill>
               <a:latin typeface="Arial"/>
             </a:endParaRPr>
@@ -2841,7 +1931,7 @@
       </p:sp>
       <p:sp>
         <p:nvSpPr>
-          <p:cNvPr id="12" name="PlaceHolder 2"/>
+          <p:cNvPr id="9" name="PlaceHolder 2"/>
           <p:cNvSpPr>
             <a:spLocks noGrp="1"/>
           </p:cNvSpPr>
@@ -2852,7 +1942,7 @@
         <p:spPr>
           <a:xfrm>
             <a:off x="360000" y="1080000"/>
-            <a:ext cx="9360000" cy="3600000"/>
+            <a:ext cx="9359640" cy="3599640"/>
           </a:xfrm>
           <a:prstGeom prst="rect">
             <a:avLst/>
@@ -2869,66 +1959,122 @@
           <a:p>
             <a:pPr marL="432000" indent="-324000">
               <a:spcBef>
-                <a:spcPts val="1060"/>
+                <a:spcPts val="1417"/>
               </a:spcBef>
               <a:buClr>
-                <a:srgbClr val="77caee"/>
+                <a:srgbClr val="000000"/>
               </a:buClr>
               <a:buSzPct val="45000"/>
               <a:buFont typeface="Wingdings" charset="2"/>
               <a:buChar char=""/>
             </a:pPr>
             <a:r>
-              <a:rPr b="0" lang="en-GB" sz="2400" spc="-1" strike="noStrike">
-                <a:solidFill>
-                  <a:srgbClr val="009bdd"/>
+              <a:rPr b="0" lang="en-GB" sz="1800" spc="-1" strike="noStrike">
+                <a:solidFill>
+                  <a:srgbClr val="000000"/>
                 </a:solidFill>
                 <a:latin typeface="Arial"/>
               </a:rPr>
               <a:t>Click to edit the outline text format</a:t>
             </a:r>
-            <a:endParaRPr b="0" lang="en-GB" sz="2400" spc="-1" strike="noStrike">
-              <a:solidFill>
-                <a:srgbClr val="009bdd"/>
+            <a:endParaRPr b="0" lang="en-GB" sz="1800" spc="-1" strike="noStrike">
+              <a:solidFill>
+                <a:srgbClr val="000000"/>
               </a:solidFill>
               <a:latin typeface="Arial"/>
             </a:endParaRPr>
           </a:p>
           <a:p>
             <a:pPr lvl="1" marL="864000" indent="-324000">
+              <a:spcBef>
+                <a:spcPts val="1134"/>
+              </a:spcBef>
+              <a:buClr>
+                <a:srgbClr val="000000"/>
+              </a:buClr>
+              <a:buSzPct val="75000"/>
+              <a:buFont typeface="Symbol" charset="2"/>
+              <a:buChar char=""/>
+            </a:pPr>
+            <a:r>
+              <a:rPr b="0" lang="en-GB" sz="1800" spc="-1" strike="noStrike">
+                <a:solidFill>
+                  <a:srgbClr val="000000"/>
+                </a:solidFill>
+                <a:latin typeface="Arial"/>
+              </a:rPr>
+              <a:t>Second Outline Level</a:t>
+            </a:r>
+            <a:endParaRPr b="0" lang="en-GB" sz="1800" spc="-1" strike="noStrike">
+              <a:solidFill>
+                <a:srgbClr val="000000"/>
+              </a:solidFill>
+              <a:latin typeface="Arial"/>
+            </a:endParaRPr>
+          </a:p>
+          <a:p>
+            <a:pPr lvl="2" marL="1296000" indent="-288000">
               <a:spcBef>
                 <a:spcPts val="850"/>
               </a:spcBef>
               <a:buClr>
-                <a:srgbClr val="77caee"/>
+                <a:srgbClr val="000000"/>
               </a:buClr>
               <a:buSzPct val="45000"/>
               <a:buFont typeface="Wingdings" charset="2"/>
               <a:buChar char=""/>
             </a:pPr>
             <a:r>
-              <a:rPr b="0" lang="en-GB" sz="2100" spc="-1" strike="noStrike">
-                <a:solidFill>
-                  <a:srgbClr val="009bdd"/>
-                </a:solidFill>
-                <a:latin typeface="Arial"/>
-              </a:rPr>
-              <a:t>Second Outline Level</a:t>
-            </a:r>
-            <a:endParaRPr b="0" lang="en-GB" sz="2100" spc="-1" strike="noStrike">
-              <a:solidFill>
-                <a:srgbClr val="009bdd"/>
+              <a:rPr b="0" lang="en-GB" sz="1800" spc="-1" strike="noStrike">
+                <a:solidFill>
+                  <a:srgbClr val="000000"/>
+                </a:solidFill>
+                <a:latin typeface="Arial"/>
+              </a:rPr>
+              <a:t>Third Outline Level</a:t>
+            </a:r>
+            <a:endParaRPr b="0" lang="en-GB" sz="1800" spc="-1" strike="noStrike">
+              <a:solidFill>
+                <a:srgbClr val="000000"/>
               </a:solidFill>
               <a:latin typeface="Arial"/>
             </a:endParaRPr>
           </a:p>
           <a:p>
-            <a:pPr lvl="2" marL="1296000" indent="-288000">
+            <a:pPr lvl="3" marL="1728000" indent="-216000">
               <a:spcBef>
-                <a:spcPts val="635"/>
+                <a:spcPts val="567"/>
               </a:spcBef>
               <a:buClr>
-                <a:srgbClr val="77caee"/>
+                <a:srgbClr val="000000"/>
+              </a:buClr>
+              <a:buSzPct val="75000"/>
+              <a:buFont typeface="Symbol" charset="2"/>
+              <a:buChar char=""/>
+            </a:pPr>
+            <a:r>
+              <a:rPr b="0" lang="en-GB" sz="1800" spc="-1" strike="noStrike">
+                <a:solidFill>
+                  <a:srgbClr val="000000"/>
+                </a:solidFill>
+                <a:latin typeface="Arial"/>
+              </a:rPr>
+              <a:t>Fourth Outline Level</a:t>
+            </a:r>
+            <a:endParaRPr b="0" lang="en-GB" sz="1800" spc="-1" strike="noStrike">
+              <a:solidFill>
+                <a:srgbClr val="000000"/>
+              </a:solidFill>
+              <a:latin typeface="Arial"/>
+            </a:endParaRPr>
+          </a:p>
+          <a:p>
+            <a:pPr lvl="4" marL="2160000" indent="-216000">
+              <a:spcBef>
+                <a:spcPts val="283"/>
+              </a:spcBef>
+              <a:buClr>
+                <a:srgbClr val="000000"/>
               </a:buClr>
               <a:buSzPct val="45000"/>
               <a:buFont typeface="Wingdings" charset="2"/>
@@ -2937,127 +2083,71 @@
             <a:r>
               <a:rPr b="0" lang="en-GB" sz="1800" spc="-1" strike="noStrike">
                 <a:solidFill>
-                  <a:srgbClr val="009bdd"/>
-                </a:solidFill>
-                <a:latin typeface="Arial"/>
-              </a:rPr>
-              <a:t>Third Outline Level</a:t>
+                  <a:srgbClr val="000000"/>
+                </a:solidFill>
+                <a:latin typeface="Arial"/>
+              </a:rPr>
+              <a:t>Fifth Outline Level</a:t>
             </a:r>
             <a:endParaRPr b="0" lang="en-GB" sz="1800" spc="-1" strike="noStrike">
               <a:solidFill>
-                <a:srgbClr val="009bdd"/>
+                <a:srgbClr val="000000"/>
               </a:solidFill>
               <a:latin typeface="Arial"/>
             </a:endParaRPr>
           </a:p>
           <a:p>
-            <a:pPr lvl="3" marL="1728000" indent="-216000">
+            <a:pPr lvl="5" marL="2592000" indent="-216000">
               <a:spcBef>
-                <a:spcPts val="422"/>
+                <a:spcPts val="283"/>
               </a:spcBef>
               <a:buClr>
-                <a:srgbClr val="77caee"/>
+                <a:srgbClr val="000000"/>
               </a:buClr>
               <a:buSzPct val="45000"/>
               <a:buFont typeface="Wingdings" charset="2"/>
               <a:buChar char=""/>
             </a:pPr>
             <a:r>
-              <a:rPr b="0" lang="en-GB" sz="1500" spc="-1" strike="noStrike">
-                <a:solidFill>
-                  <a:srgbClr val="009bdd"/>
-                </a:solidFill>
-                <a:latin typeface="Arial"/>
-              </a:rPr>
-              <a:t>Fourth Outline Level</a:t>
-            </a:r>
-            <a:endParaRPr b="0" lang="en-GB" sz="1500" spc="-1" strike="noStrike">
-              <a:solidFill>
-                <a:srgbClr val="009bdd"/>
+              <a:rPr b="0" lang="en-GB" sz="1800" spc="-1" strike="noStrike">
+                <a:solidFill>
+                  <a:srgbClr val="000000"/>
+                </a:solidFill>
+                <a:latin typeface="Arial"/>
+              </a:rPr>
+              <a:t>Sixth Outline Level</a:t>
+            </a:r>
+            <a:endParaRPr b="0" lang="en-GB" sz="1800" spc="-1" strike="noStrike">
+              <a:solidFill>
+                <a:srgbClr val="000000"/>
               </a:solidFill>
               <a:latin typeface="Arial"/>
             </a:endParaRPr>
           </a:p>
           <a:p>
-            <a:pPr lvl="4" marL="2160000" indent="-216000">
+            <a:pPr lvl="6" marL="3024000" indent="-216000">
               <a:spcBef>
-                <a:spcPts val="210"/>
+                <a:spcPts val="283"/>
               </a:spcBef>
               <a:buClr>
-                <a:srgbClr val="77caee"/>
+                <a:srgbClr val="000000"/>
               </a:buClr>
               <a:buSzPct val="45000"/>
               <a:buFont typeface="Wingdings" charset="2"/>
               <a:buChar char=""/>
             </a:pPr>
             <a:r>
-              <a:rPr b="0" lang="en-GB" sz="1500" spc="-1" strike="noStrike">
-                <a:solidFill>
-                  <a:srgbClr val="009bdd"/>
-                </a:solidFill>
-                <a:latin typeface="Arial"/>
-              </a:rPr>
-              <a:t>Fifth Outline Level</a:t>
-            </a:r>
-            <a:endParaRPr b="0" lang="en-GB" sz="1500" spc="-1" strike="noStrike">
-              <a:solidFill>
-                <a:srgbClr val="009bdd"/>
-              </a:solidFill>
-              <a:latin typeface="Arial"/>
-            </a:endParaRPr>
-          </a:p>
-          <a:p>
-            <a:pPr lvl="5" marL="2592000" indent="-216000">
-              <a:spcBef>
-                <a:spcPts val="210"/>
-              </a:spcBef>
-              <a:buClr>
-                <a:srgbClr val="77caee"/>
-              </a:buClr>
-              <a:buSzPct val="45000"/>
-              <a:buFont typeface="Wingdings" charset="2"/>
-              <a:buChar char=""/>
-            </a:pPr>
-            <a:r>
-              <a:rPr b="0" lang="en-GB" sz="1500" spc="-1" strike="noStrike">
-                <a:solidFill>
-                  <a:srgbClr val="009bdd"/>
-                </a:solidFill>
-                <a:latin typeface="Arial"/>
-              </a:rPr>
-              <a:t>Sixth Outline Level</a:t>
-            </a:r>
-            <a:endParaRPr b="0" lang="en-GB" sz="1500" spc="-1" strike="noStrike">
-              <a:solidFill>
-                <a:srgbClr val="009bdd"/>
-              </a:solidFill>
-              <a:latin typeface="Arial"/>
-            </a:endParaRPr>
-          </a:p>
-          <a:p>
-            <a:pPr lvl="6" marL="3024000" indent="-216000">
-              <a:spcBef>
-                <a:spcPts val="210"/>
-              </a:spcBef>
-              <a:buClr>
-                <a:srgbClr val="77caee"/>
-              </a:buClr>
-              <a:buSzPct val="45000"/>
-              <a:buFont typeface="Wingdings" charset="2"/>
-              <a:buChar char=""/>
-            </a:pPr>
-            <a:r>
-              <a:rPr b="0" lang="en-GB" sz="1500" spc="-1" strike="noStrike">
-                <a:solidFill>
-                  <a:srgbClr val="009bdd"/>
+              <a:rPr b="0" lang="en-GB" sz="1800" spc="-1" strike="noStrike">
+                <a:solidFill>
+                  <a:srgbClr val="000000"/>
                 </a:solidFill>
                 <a:latin typeface="Arial"/>
               </a:rPr>
               <a:t>Seventh Outline Level</a:t>
             </a:r>
-            <a:endParaRPr b="0" lang="en-GB" sz="1500" spc="-1" strike="noStrike">
-              <a:solidFill>
-                <a:srgbClr val="009bdd"/>
+            <a:endParaRPr b="0" lang="en-GB" sz="1800" spc="-1" strike="noStrike">
+              <a:solidFill>
+                <a:srgbClr val="000000"/>
               </a:solidFill>
               <a:latin typeface="Arial"/>
             </a:endParaRPr>
@@ -3066,18 +2156,162 @@
       </p:sp>
       <p:sp>
         <p:nvSpPr>
-          <p:cNvPr id="13" name="PlaceHolder 3"/>
+          <p:cNvPr id="10" name="PlaceHolder 3"/>
           <p:cNvSpPr>
             <a:spLocks noGrp="1"/>
           </p:cNvSpPr>
           <p:nvPr>
-            <p:ph type="dt" idx="4"/>
+            <p:ph type="ftr" idx="4"/>
+          </p:nvPr>
+        </p:nvSpPr>
+        <p:spPr>
+          <a:xfrm>
+            <a:off x="3420000" y="5220000"/>
+            <a:ext cx="3239640" cy="359640"/>
+          </a:xfrm>
+          <a:prstGeom prst="rect">
+            <a:avLst/>
+          </a:prstGeom>
+          <a:noFill/>
+          <a:ln w="0">
+            <a:noFill/>
+          </a:ln>
+        </p:spPr>
+        <p:txBody>
+          <a:bodyPr lIns="0" rIns="0" tIns="0" bIns="0" anchor="t">
+            <a:noAutofit/>
+          </a:bodyPr>
+          <a:lstStyle>
+            <a:lvl1pPr indent="0" algn="ctr">
+              <a:lnSpc>
+                <a:spcPct val="100000"/>
+              </a:lnSpc>
+              <a:buNone/>
+              <a:tabLst>
+                <a:tab algn="l" pos="0"/>
+              </a:tabLst>
+              <a:defRPr b="0" lang="en-GB" sz="1400" spc="-1" strike="noStrike">
+                <a:solidFill>
+                  <a:srgbClr val="ffffff"/>
+                </a:solidFill>
+                <a:latin typeface="Arial"/>
+              </a:defRPr>
+            </a:lvl1pPr>
+          </a:lstStyle>
+          <a:p>
+            <a:pPr indent="0" algn="ctr">
+              <a:lnSpc>
+                <a:spcPct val="100000"/>
+              </a:lnSpc>
+              <a:buNone/>
+              <a:tabLst>
+                <a:tab algn="l" pos="0"/>
+              </a:tabLst>
+            </a:pPr>
+            <a:r>
+              <a:rPr b="0" lang="en-GB" sz="1400" spc="-1" strike="noStrike">
+                <a:solidFill>
+                  <a:srgbClr val="ffffff"/>
+                </a:solidFill>
+                <a:latin typeface="Arial"/>
+              </a:rPr>
+              <a:t>&lt;footer&gt;</a:t>
+            </a:r>
+            <a:endParaRPr b="0" lang="en-GB" sz="1400" spc="-1" strike="noStrike">
+              <a:solidFill>
+                <a:srgbClr val="000000"/>
+              </a:solidFill>
+              <a:latin typeface="Times New Roman"/>
+            </a:endParaRPr>
+          </a:p>
+        </p:txBody>
+      </p:sp>
+      <p:sp>
+        <p:nvSpPr>
+          <p:cNvPr id="11" name="PlaceHolder 4"/>
+          <p:cNvSpPr>
+            <a:spLocks noGrp="1"/>
+          </p:cNvSpPr>
+          <p:nvPr>
+            <p:ph type="sldNum" idx="5"/>
+          </p:nvPr>
+        </p:nvSpPr>
+        <p:spPr>
+          <a:xfrm>
+            <a:off x="7380000" y="5220000"/>
+            <a:ext cx="2339640" cy="359640"/>
+          </a:xfrm>
+          <a:prstGeom prst="rect">
+            <a:avLst/>
+          </a:prstGeom>
+          <a:noFill/>
+          <a:ln w="0">
+            <a:noFill/>
+          </a:ln>
+        </p:spPr>
+        <p:txBody>
+          <a:bodyPr lIns="0" rIns="0" tIns="0" bIns="0" anchor="t">
+            <a:noAutofit/>
+          </a:bodyPr>
+          <a:lstStyle>
+            <a:lvl1pPr indent="0" algn="r">
+              <a:lnSpc>
+                <a:spcPct val="100000"/>
+              </a:lnSpc>
+              <a:buNone/>
+              <a:tabLst>
+                <a:tab algn="l" pos="0"/>
+              </a:tabLst>
+              <a:defRPr b="0" lang="en-GB" sz="1400" spc="-1" strike="noStrike">
+                <a:solidFill>
+                  <a:srgbClr val="ffffff"/>
+                </a:solidFill>
+                <a:latin typeface="Arial"/>
+              </a:defRPr>
+            </a:lvl1pPr>
+          </a:lstStyle>
+          <a:p>
+            <a:pPr indent="0" algn="r">
+              <a:lnSpc>
+                <a:spcPct val="100000"/>
+              </a:lnSpc>
+              <a:buNone/>
+              <a:tabLst>
+                <a:tab algn="l" pos="0"/>
+              </a:tabLst>
+            </a:pPr>
+            <a:fld id="{3ADBF50D-9BBE-4BE5-8F18-1CD9CCF2598A}" type="slidenum">
+              <a:rPr b="0" lang="en-GB" sz="1400" spc="-1" strike="noStrike">
+                <a:solidFill>
+                  <a:srgbClr val="ffffff"/>
+                </a:solidFill>
+                <a:latin typeface="Arial"/>
+              </a:rPr>
+              <a:t>&lt;number&gt;</a:t>
+            </a:fld>
+            <a:endParaRPr b="0" lang="en-GB" sz="1400" spc="-1" strike="noStrike">
+              <a:solidFill>
+                <a:srgbClr val="000000"/>
+              </a:solidFill>
+              <a:latin typeface="Times New Roman"/>
+            </a:endParaRPr>
+          </a:p>
+        </p:txBody>
+      </p:sp>
+      <p:sp>
+        <p:nvSpPr>
+          <p:cNvPr id="12" name="PlaceHolder 5"/>
+          <p:cNvSpPr>
+            <a:spLocks noGrp="1"/>
+          </p:cNvSpPr>
+          <p:nvPr>
+            <p:ph type="dt" idx="6"/>
           </p:nvPr>
         </p:nvSpPr>
         <p:spPr>
           <a:xfrm>
             <a:off x="360000" y="5220000"/>
-            <a:ext cx="2340000" cy="360000"/>
+            <a:ext cx="2339640" cy="359640"/>
           </a:xfrm>
           <a:prstGeom prst="rect">
             <a:avLst/>
@@ -3096,9 +2330,9 @@
               <a:buNone/>
               <a:defRPr b="0" lang="en-GB" sz="1400" spc="-1" strike="noStrike">
                 <a:solidFill>
-                  <a:srgbClr val="ffffff"/>
-                </a:solidFill>
-                <a:latin typeface="Arial"/>
+                  <a:srgbClr val="000000"/>
+                </a:solidFill>
+                <a:latin typeface="Times New Roman"/>
               </a:defRPr>
             </a:lvl1pPr>
           </a:lstStyle>
@@ -3109,35 +2343,1727 @@
             <a:r>
               <a:rPr b="0" lang="en-GB" sz="1400" spc="-1" strike="noStrike">
                 <a:solidFill>
-                  <a:srgbClr val="ffffff"/>
-                </a:solidFill>
-                <a:latin typeface="Arial"/>
+                  <a:srgbClr val="000000"/>
+                </a:solidFill>
+                <a:latin typeface="Times New Roman"/>
               </a:rPr>
               <a:t>&lt;date/time&gt;</a:t>
             </a:r>
             <a:endParaRPr b="0" lang="en-GB" sz="1400" spc="-1" strike="noStrike">
               <a:solidFill>
+                <a:srgbClr val="000000"/>
+              </a:solidFill>
+              <a:latin typeface="Times New Roman"/>
+            </a:endParaRPr>
+          </a:p>
+        </p:txBody>
+      </p:sp>
+    </p:spTree>
+  </p:cSld>
+  <p:clrMap bg1="lt1" bg2="lt2" tx1="dk1" tx2="dk2" accent1="accent1" accent2="accent2" accent3="accent3" accent4="accent4" accent5="accent5" accent6="accent6" hlink="hlink" folHlink="folHlink"/>
+  <p:sldLayoutIdLst>
+    <p:sldLayoutId id="2147483651" r:id="rId2"/>
+  </p:sldLayoutIdLst>
+</p:sldMaster>
+</file>
+
+<file path=ppt/slideMasters/slideMaster3.xml><?xml version="1.0" encoding="utf-8"?>
+<p:sldMaster xmlns:a="http://schemas.openxmlformats.org/drawingml/2006/main" xmlns:p="http://schemas.openxmlformats.org/presentationml/2006/main" xmlns:r="http://schemas.openxmlformats.org/officeDocument/2006/relationships" xmlns:p14="http://schemas.microsoft.com/office/powerpoint/2010/main" xmlns:p15="http://schemas.microsoft.com/office/powerpoint/2012/main" xmlns:mc="http://schemas.openxmlformats.org/markup-compatibility/2006">
+  <p:cSld>
+    <p:spTree>
+      <p:nvGrpSpPr>
+        <p:cNvPr id="1" name=""/>
+        <p:cNvGrpSpPr/>
+        <p:nvPr/>
+      </p:nvGrpSpPr>
+      <p:grpSpPr>
+        <a:xfrm>
+          <a:off x="0" y="0"/>
+          <a:ext cx="0" cy="0"/>
+          <a:chOff x="0" y="0"/>
+          <a:chExt cx="0" cy="0"/>
+        </a:xfrm>
+      </p:grpSpPr>
+      <p:sp>
+        <p:nvSpPr>
+          <p:cNvPr id="15" name=""/>
+          <p:cNvSpPr/>
+          <p:nvPr/>
+        </p:nvSpPr>
+        <p:spPr>
+          <a:xfrm>
+            <a:off x="0" y="0"/>
+            <a:ext cx="10076400" cy="719640"/>
+          </a:xfrm>
+          <a:prstGeom prst="rect">
+            <a:avLst/>
+          </a:prstGeom>
+          <a:gradFill rotWithShape="0">
+            <a:gsLst>
+              <a:gs pos="0">
+                <a:srgbClr val="77caee">
+                  <a:alpha val="50000"/>
+                </a:srgbClr>
+              </a:gs>
+              <a:gs pos="1563">
+                <a:srgbClr val="77caee">
+                  <a:alpha val="50000"/>
+                </a:srgbClr>
+              </a:gs>
+              <a:gs pos="1563">
+                <a:srgbClr val="75c9ee">
+                  <a:alpha val="50000"/>
+                </a:srgbClr>
+              </a:gs>
+              <a:gs pos="3125">
+                <a:srgbClr val="75c9ee">
+                  <a:alpha val="50000"/>
+                </a:srgbClr>
+              </a:gs>
+              <a:gs pos="3125">
+                <a:srgbClr val="73c9ed">
+                  <a:alpha val="50000"/>
+                </a:srgbClr>
+              </a:gs>
+              <a:gs pos="4688">
+                <a:srgbClr val="73c9ed">
+                  <a:alpha val="50000"/>
+                </a:srgbClr>
+              </a:gs>
+              <a:gs pos="4688">
+                <a:srgbClr val="71c8ed">
+                  <a:alpha val="50000"/>
+                </a:srgbClr>
+              </a:gs>
+              <a:gs pos="6250">
+                <a:srgbClr val="71c8ed">
+                  <a:alpha val="50000"/>
+                </a:srgbClr>
+              </a:gs>
+              <a:gs pos="6250">
+                <a:srgbClr val="6fc7ed">
+                  <a:alpha val="50000"/>
+                </a:srgbClr>
+              </a:gs>
+              <a:gs pos="7813">
+                <a:srgbClr val="6fc7ed">
+                  <a:alpha val="50000"/>
+                </a:srgbClr>
+              </a:gs>
+              <a:gs pos="7813">
+                <a:srgbClr val="6ec6ed">
+                  <a:alpha val="50000"/>
+                </a:srgbClr>
+              </a:gs>
+              <a:gs pos="9375">
+                <a:srgbClr val="6ec6ed">
+                  <a:alpha val="50000"/>
+                </a:srgbClr>
+              </a:gs>
+              <a:gs pos="9375">
+                <a:srgbClr val="6cc6ec">
+                  <a:alpha val="50000"/>
+                </a:srgbClr>
+              </a:gs>
+              <a:gs pos="10938">
+                <a:srgbClr val="6cc6ec">
+                  <a:alpha val="50000"/>
+                </a:srgbClr>
+              </a:gs>
+              <a:gs pos="10938">
+                <a:srgbClr val="6ac5ec">
+                  <a:alpha val="50000"/>
+                </a:srgbClr>
+              </a:gs>
+              <a:gs pos="12500">
+                <a:srgbClr val="6ac5ec">
+                  <a:alpha val="50000"/>
+                </a:srgbClr>
+              </a:gs>
+              <a:gs pos="12500">
+                <a:srgbClr val="68c4ec">
+                  <a:alpha val="50000"/>
+                </a:srgbClr>
+              </a:gs>
+              <a:gs pos="14063">
+                <a:srgbClr val="68c4ec">
+                  <a:alpha val="50000"/>
+                </a:srgbClr>
+              </a:gs>
+              <a:gs pos="14063">
+                <a:srgbClr val="66c3ec">
+                  <a:alpha val="50000"/>
+                </a:srgbClr>
+              </a:gs>
+              <a:gs pos="15625">
+                <a:srgbClr val="66c3ec">
+                  <a:alpha val="50000"/>
+                </a:srgbClr>
+              </a:gs>
+              <a:gs pos="15625">
+                <a:srgbClr val="64c3eb">
+                  <a:alpha val="50000"/>
+                </a:srgbClr>
+              </a:gs>
+              <a:gs pos="17188">
+                <a:srgbClr val="64c3eb">
+                  <a:alpha val="50000"/>
+                </a:srgbClr>
+              </a:gs>
+              <a:gs pos="17188">
+                <a:srgbClr val="62c2eb">
+                  <a:alpha val="50000"/>
+                </a:srgbClr>
+              </a:gs>
+              <a:gs pos="18750">
+                <a:srgbClr val="62c2eb">
+                  <a:alpha val="50000"/>
+                </a:srgbClr>
+              </a:gs>
+              <a:gs pos="18750">
+                <a:srgbClr val="60c1eb">
+                  <a:alpha val="50000"/>
+                </a:srgbClr>
+              </a:gs>
+              <a:gs pos="20313">
+                <a:srgbClr val="60c1eb">
+                  <a:alpha val="50000"/>
+                </a:srgbClr>
+              </a:gs>
+              <a:gs pos="20313">
+                <a:srgbClr val="5ec0ea">
+                  <a:alpha val="50000"/>
+                </a:srgbClr>
+              </a:gs>
+              <a:gs pos="21875">
+                <a:srgbClr val="5ec0ea">
+                  <a:alpha val="50000"/>
+                </a:srgbClr>
+              </a:gs>
+              <a:gs pos="21875">
+                <a:srgbClr val="5dc0ea">
+                  <a:alpha val="50000"/>
+                </a:srgbClr>
+              </a:gs>
+              <a:gs pos="23438">
+                <a:srgbClr val="5dc0ea">
+                  <a:alpha val="50000"/>
+                </a:srgbClr>
+              </a:gs>
+              <a:gs pos="23438">
+                <a:srgbClr val="5bbfea">
+                  <a:alpha val="50000"/>
+                </a:srgbClr>
+              </a:gs>
+              <a:gs pos="25000">
+                <a:srgbClr val="5bbfea">
+                  <a:alpha val="50000"/>
+                </a:srgbClr>
+              </a:gs>
+              <a:gs pos="25000">
+                <a:srgbClr val="59beea">
+                  <a:alpha val="50000"/>
+                </a:srgbClr>
+              </a:gs>
+              <a:gs pos="26563">
+                <a:srgbClr val="59beea">
+                  <a:alpha val="50000"/>
+                </a:srgbClr>
+              </a:gs>
+              <a:gs pos="26563">
+                <a:srgbClr val="57bde9">
+                  <a:alpha val="50000"/>
+                </a:srgbClr>
+              </a:gs>
+              <a:gs pos="28125">
+                <a:srgbClr val="57bde9">
+                  <a:alpha val="50000"/>
+                </a:srgbClr>
+              </a:gs>
+              <a:gs pos="28125">
+                <a:srgbClr val="55bde9">
+                  <a:alpha val="50000"/>
+                </a:srgbClr>
+              </a:gs>
+              <a:gs pos="29688">
+                <a:srgbClr val="55bde9">
+                  <a:alpha val="50000"/>
+                </a:srgbClr>
+              </a:gs>
+              <a:gs pos="29688">
+                <a:srgbClr val="53bce9">
+                  <a:alpha val="50000"/>
+                </a:srgbClr>
+              </a:gs>
+              <a:gs pos="31250">
+                <a:srgbClr val="53bce9">
+                  <a:alpha val="50000"/>
+                </a:srgbClr>
+              </a:gs>
+              <a:gs pos="31250">
+                <a:srgbClr val="51bbe9">
+                  <a:alpha val="50000"/>
+                </a:srgbClr>
+              </a:gs>
+              <a:gs pos="32813">
+                <a:srgbClr val="51bbe9">
+                  <a:alpha val="50000"/>
+                </a:srgbClr>
+              </a:gs>
+              <a:gs pos="32813">
+                <a:srgbClr val="4fbae8">
+                  <a:alpha val="50000"/>
+                </a:srgbClr>
+              </a:gs>
+              <a:gs pos="34375">
+                <a:srgbClr val="4fbae8">
+                  <a:alpha val="50000"/>
+                </a:srgbClr>
+              </a:gs>
+              <a:gs pos="34375">
+                <a:srgbClr val="4dbae8">
+                  <a:alpha val="50000"/>
+                </a:srgbClr>
+              </a:gs>
+              <a:gs pos="35938">
+                <a:srgbClr val="4dbae8">
+                  <a:alpha val="50000"/>
+                </a:srgbClr>
+              </a:gs>
+              <a:gs pos="35938">
+                <a:srgbClr val="4cb9e8">
+                  <a:alpha val="50000"/>
+                </a:srgbClr>
+              </a:gs>
+              <a:gs pos="37500">
+                <a:srgbClr val="4cb9e8">
+                  <a:alpha val="50000"/>
+                </a:srgbClr>
+              </a:gs>
+              <a:gs pos="37500">
+                <a:srgbClr val="4ab8e8">
+                  <a:alpha val="50000"/>
+                </a:srgbClr>
+              </a:gs>
+              <a:gs pos="39063">
+                <a:srgbClr val="4ab8e8">
+                  <a:alpha val="50000"/>
+                </a:srgbClr>
+              </a:gs>
+              <a:gs pos="39063">
+                <a:srgbClr val="48b7e7">
+                  <a:alpha val="50000"/>
+                </a:srgbClr>
+              </a:gs>
+              <a:gs pos="40625">
+                <a:srgbClr val="48b7e7">
+                  <a:alpha val="50000"/>
+                </a:srgbClr>
+              </a:gs>
+              <a:gs pos="40625">
+                <a:srgbClr val="46b7e7">
+                  <a:alpha val="50000"/>
+                </a:srgbClr>
+              </a:gs>
+              <a:gs pos="42188">
+                <a:srgbClr val="46b7e7">
+                  <a:alpha val="50000"/>
+                </a:srgbClr>
+              </a:gs>
+              <a:gs pos="42188">
+                <a:srgbClr val="44b6e7">
+                  <a:alpha val="50000"/>
+                </a:srgbClr>
+              </a:gs>
+              <a:gs pos="43750">
+                <a:srgbClr val="44b6e7">
+                  <a:alpha val="50000"/>
+                </a:srgbClr>
+              </a:gs>
+              <a:gs pos="43750">
+                <a:srgbClr val="42b5e6">
+                  <a:alpha val="50000"/>
+                </a:srgbClr>
+              </a:gs>
+              <a:gs pos="45313">
+                <a:srgbClr val="42b5e6">
+                  <a:alpha val="50000"/>
+                </a:srgbClr>
+              </a:gs>
+              <a:gs pos="45313">
+                <a:srgbClr val="40b4e6">
+                  <a:alpha val="50000"/>
+                </a:srgbClr>
+              </a:gs>
+              <a:gs pos="46875">
+                <a:srgbClr val="40b4e6">
+                  <a:alpha val="50000"/>
+                </a:srgbClr>
+              </a:gs>
+              <a:gs pos="46875">
+                <a:srgbClr val="3eb4e6">
+                  <a:alpha val="50000"/>
+                </a:srgbClr>
+              </a:gs>
+              <a:gs pos="48438">
+                <a:srgbClr val="3eb4e6">
+                  <a:alpha val="50000"/>
+                </a:srgbClr>
+              </a:gs>
+              <a:gs pos="48438">
+                <a:srgbClr val="3cb3e6">
+                  <a:alpha val="50000"/>
+                </a:srgbClr>
+              </a:gs>
+              <a:gs pos="50000">
+                <a:srgbClr val="3cb3e6">
+                  <a:alpha val="50000"/>
+                </a:srgbClr>
+              </a:gs>
+              <a:gs pos="50000">
+                <a:srgbClr val="3bb2e5">
+                  <a:alpha val="50000"/>
+                </a:srgbClr>
+              </a:gs>
+              <a:gs pos="51563">
+                <a:srgbClr val="3bb2e5">
+                  <a:alpha val="50000"/>
+                </a:srgbClr>
+              </a:gs>
+              <a:gs pos="51563">
+                <a:srgbClr val="39b1e5">
+                  <a:alpha val="50000"/>
+                </a:srgbClr>
+              </a:gs>
+              <a:gs pos="53125">
+                <a:srgbClr val="39b1e5">
+                  <a:alpha val="50000"/>
+                </a:srgbClr>
+              </a:gs>
+              <a:gs pos="53125">
+                <a:srgbClr val="37b1e5">
+                  <a:alpha val="50000"/>
+                </a:srgbClr>
+              </a:gs>
+              <a:gs pos="54688">
+                <a:srgbClr val="37b1e5">
+                  <a:alpha val="50000"/>
+                </a:srgbClr>
+              </a:gs>
+              <a:gs pos="54688">
+                <a:srgbClr val="35b0e5">
+                  <a:alpha val="50000"/>
+                </a:srgbClr>
+              </a:gs>
+              <a:gs pos="56250">
+                <a:srgbClr val="35b0e5">
+                  <a:alpha val="50000"/>
+                </a:srgbClr>
+              </a:gs>
+              <a:gs pos="56250">
+                <a:srgbClr val="33afe4">
+                  <a:alpha val="50000"/>
+                </a:srgbClr>
+              </a:gs>
+              <a:gs pos="57813">
+                <a:srgbClr val="33afe4">
+                  <a:alpha val="50000"/>
+                </a:srgbClr>
+              </a:gs>
+              <a:gs pos="57813">
+                <a:srgbClr val="31aee4">
+                  <a:alpha val="50000"/>
+                </a:srgbClr>
+              </a:gs>
+              <a:gs pos="59375">
+                <a:srgbClr val="31aee4">
+                  <a:alpha val="50000"/>
+                </a:srgbClr>
+              </a:gs>
+              <a:gs pos="59375">
+                <a:srgbClr val="2faee4">
+                  <a:alpha val="50000"/>
+                </a:srgbClr>
+              </a:gs>
+              <a:gs pos="60938">
+                <a:srgbClr val="2faee4">
+                  <a:alpha val="50000"/>
+                </a:srgbClr>
+              </a:gs>
+              <a:gs pos="60938">
+                <a:srgbClr val="2dade3">
+                  <a:alpha val="50000"/>
+                </a:srgbClr>
+              </a:gs>
+              <a:gs pos="62500">
+                <a:srgbClr val="2dade3">
+                  <a:alpha val="50000"/>
+                </a:srgbClr>
+              </a:gs>
+              <a:gs pos="62500">
+                <a:srgbClr val="2bace3">
+                  <a:alpha val="50000"/>
+                </a:srgbClr>
+              </a:gs>
+              <a:gs pos="64063">
+                <a:srgbClr val="2bace3">
+                  <a:alpha val="50000"/>
+                </a:srgbClr>
+              </a:gs>
+              <a:gs pos="64063">
+                <a:srgbClr val="2aabe3">
+                  <a:alpha val="50000"/>
+                </a:srgbClr>
+              </a:gs>
+              <a:gs pos="65625">
+                <a:srgbClr val="2aabe3">
+                  <a:alpha val="50000"/>
+                </a:srgbClr>
+              </a:gs>
+              <a:gs pos="65625">
+                <a:srgbClr val="28abe3">
+                  <a:alpha val="50000"/>
+                </a:srgbClr>
+              </a:gs>
+              <a:gs pos="67188">
+                <a:srgbClr val="28abe3">
+                  <a:alpha val="50000"/>
+                </a:srgbClr>
+              </a:gs>
+              <a:gs pos="67188">
+                <a:srgbClr val="26aae2">
+                  <a:alpha val="50000"/>
+                </a:srgbClr>
+              </a:gs>
+              <a:gs pos="68750">
+                <a:srgbClr val="26aae2">
+                  <a:alpha val="50000"/>
+                </a:srgbClr>
+              </a:gs>
+              <a:gs pos="68750">
+                <a:srgbClr val="24a9e2">
+                  <a:alpha val="50000"/>
+                </a:srgbClr>
+              </a:gs>
+              <a:gs pos="70313">
+                <a:srgbClr val="24a9e2">
+                  <a:alpha val="50000"/>
+                </a:srgbClr>
+              </a:gs>
+              <a:gs pos="70313">
+                <a:srgbClr val="22a8e2">
+                  <a:alpha val="50000"/>
+                </a:srgbClr>
+              </a:gs>
+              <a:gs pos="71875">
+                <a:srgbClr val="22a8e2">
+                  <a:alpha val="50000"/>
+                </a:srgbClr>
+              </a:gs>
+              <a:gs pos="71875">
+                <a:srgbClr val="20a8e2">
+                  <a:alpha val="50000"/>
+                </a:srgbClr>
+              </a:gs>
+              <a:gs pos="73438">
+                <a:srgbClr val="20a8e2">
+                  <a:alpha val="50000"/>
+                </a:srgbClr>
+              </a:gs>
+              <a:gs pos="73438">
+                <a:srgbClr val="1ea7e1">
+                  <a:alpha val="50000"/>
+                </a:srgbClr>
+              </a:gs>
+              <a:gs pos="75000">
+                <a:srgbClr val="1ea7e1">
+                  <a:alpha val="50000"/>
+                </a:srgbClr>
+              </a:gs>
+              <a:gs pos="75000">
+                <a:srgbClr val="1ca6e1">
+                  <a:alpha val="50000"/>
+                </a:srgbClr>
+              </a:gs>
+              <a:gs pos="76563">
+                <a:srgbClr val="1ca6e1">
+                  <a:alpha val="50000"/>
+                </a:srgbClr>
+              </a:gs>
+              <a:gs pos="76563">
+                <a:srgbClr val="1aa5e1">
+                  <a:alpha val="50000"/>
+                </a:srgbClr>
+              </a:gs>
+              <a:gs pos="78125">
+                <a:srgbClr val="1aa5e1">
+                  <a:alpha val="50000"/>
+                </a:srgbClr>
+              </a:gs>
+              <a:gs pos="78125">
+                <a:srgbClr val="19a5e1">
+                  <a:alpha val="50000"/>
+                </a:srgbClr>
+              </a:gs>
+              <a:gs pos="79688">
+                <a:srgbClr val="19a5e1">
+                  <a:alpha val="50000"/>
+                </a:srgbClr>
+              </a:gs>
+              <a:gs pos="79688">
+                <a:srgbClr val="17a4e0">
+                  <a:alpha val="50000"/>
+                </a:srgbClr>
+              </a:gs>
+              <a:gs pos="81250">
+                <a:srgbClr val="17a4e0">
+                  <a:alpha val="50000"/>
+                </a:srgbClr>
+              </a:gs>
+              <a:gs pos="81250">
+                <a:srgbClr val="15a3e0">
+                  <a:alpha val="50000"/>
+                </a:srgbClr>
+              </a:gs>
+              <a:gs pos="82813">
+                <a:srgbClr val="15a3e0">
+                  <a:alpha val="50000"/>
+                </a:srgbClr>
+              </a:gs>
+              <a:gs pos="82813">
+                <a:srgbClr val="13a2e0">
+                  <a:alpha val="50000"/>
+                </a:srgbClr>
+              </a:gs>
+              <a:gs pos="84375">
+                <a:srgbClr val="13a2e0">
+                  <a:alpha val="50000"/>
+                </a:srgbClr>
+              </a:gs>
+              <a:gs pos="84375">
+                <a:srgbClr val="11a2df">
+                  <a:alpha val="50000"/>
+                </a:srgbClr>
+              </a:gs>
+              <a:gs pos="85938">
+                <a:srgbClr val="11a2df">
+                  <a:alpha val="50000"/>
+                </a:srgbClr>
+              </a:gs>
+              <a:gs pos="85938">
+                <a:srgbClr val="0fa1df">
+                  <a:alpha val="50000"/>
+                </a:srgbClr>
+              </a:gs>
+              <a:gs pos="87500">
+                <a:srgbClr val="0fa1df">
+                  <a:alpha val="50000"/>
+                </a:srgbClr>
+              </a:gs>
+              <a:gs pos="87500">
+                <a:srgbClr val="0da0df">
+                  <a:alpha val="50000"/>
+                </a:srgbClr>
+              </a:gs>
+              <a:gs pos="89063">
+                <a:srgbClr val="0da0df">
+                  <a:alpha val="50000"/>
+                </a:srgbClr>
+              </a:gs>
+              <a:gs pos="89063">
+                <a:srgbClr val="0b9fdf">
+                  <a:alpha val="50000"/>
+                </a:srgbClr>
+              </a:gs>
+              <a:gs pos="90625">
+                <a:srgbClr val="0b9fdf">
+                  <a:alpha val="50000"/>
+                </a:srgbClr>
+              </a:gs>
+              <a:gs pos="90625">
+                <a:srgbClr val="099fde">
+                  <a:alpha val="50000"/>
+                </a:srgbClr>
+              </a:gs>
+              <a:gs pos="92188">
+                <a:srgbClr val="099fde">
+                  <a:alpha val="50000"/>
+                </a:srgbClr>
+              </a:gs>
+              <a:gs pos="92188">
+                <a:srgbClr val="089ede">
+                  <a:alpha val="50000"/>
+                </a:srgbClr>
+              </a:gs>
+              <a:gs pos="93750">
+                <a:srgbClr val="089ede">
+                  <a:alpha val="50000"/>
+                </a:srgbClr>
+              </a:gs>
+              <a:gs pos="93750">
+                <a:srgbClr val="069dde">
+                  <a:alpha val="50000"/>
+                </a:srgbClr>
+              </a:gs>
+              <a:gs pos="95313">
+                <a:srgbClr val="069dde">
+                  <a:alpha val="50000"/>
+                </a:srgbClr>
+              </a:gs>
+              <a:gs pos="95313">
+                <a:srgbClr val="049cde">
+                  <a:alpha val="50000"/>
+                </a:srgbClr>
+              </a:gs>
+              <a:gs pos="96875">
+                <a:srgbClr val="049cde">
+                  <a:alpha val="50000"/>
+                </a:srgbClr>
+              </a:gs>
+              <a:gs pos="96875">
+                <a:srgbClr val="029cdd">
+                  <a:alpha val="50000"/>
+                </a:srgbClr>
+              </a:gs>
+              <a:gs pos="98438">
+                <a:srgbClr val="029cdd">
+                  <a:alpha val="50000"/>
+                </a:srgbClr>
+              </a:gs>
+              <a:gs pos="98438">
+                <a:srgbClr val="009bdd">
+                  <a:alpha val="50000"/>
+                </a:srgbClr>
+              </a:gs>
+              <a:gs pos="100000">
+                <a:srgbClr val="009bdd">
+                  <a:alpha val="50000"/>
+                </a:srgbClr>
+              </a:gs>
+            </a:gsLst>
+            <a:lin ang="10800000"/>
+          </a:gradFill>
+          <a:ln w="18000">
+            <a:noFill/>
+          </a:ln>
+          <a:effectLst>
+            <a:outerShdw blurRad="0" dir="5400000" dist="10800" rotWithShape="0">
+              <a:srgbClr val="009bdd">
+                <a:alpha val="50000"/>
+              </a:srgbClr>
+            </a:outerShdw>
+          </a:effectLst>
+        </p:spPr>
+        <p:style>
+          <a:lnRef idx="0"/>
+          <a:fillRef idx="0"/>
+          <a:effectRef idx="0"/>
+          <a:fontRef idx="minor"/>
+        </p:style>
+        <p:txBody>
+          <a:bodyPr wrap="none" lIns="90000" rIns="90000" tIns="45000" bIns="45000" anchor="ctr">
+            <a:noAutofit/>
+          </a:bodyPr>
+          <a:p>
+            <a:pPr>
+              <a:lnSpc>
+                <a:spcPct val="100000"/>
+              </a:lnSpc>
+            </a:pPr>
+            <a:endParaRPr b="0" lang="en-GB" sz="1800" spc="-1" strike="noStrike">
+              <a:solidFill>
                 <a:srgbClr val="ffffff"/>
               </a:solidFill>
               <a:latin typeface="Arial"/>
+              <a:ea typeface="DejaVu Sans"/>
             </a:endParaRPr>
           </a:p>
         </p:txBody>
       </p:sp>
       <p:sp>
         <p:nvSpPr>
-          <p:cNvPr id="14" name="PlaceHolder 4"/>
+          <p:cNvPr id="16" name=""/>
+          <p:cNvSpPr/>
+          <p:nvPr/>
+        </p:nvSpPr>
+        <p:spPr>
+          <a:xfrm>
+            <a:off x="3240" y="5040000"/>
+            <a:ext cx="10076400" cy="631080"/>
+          </a:xfrm>
+          <a:prstGeom prst="rect">
+            <a:avLst/>
+          </a:prstGeom>
+          <a:gradFill rotWithShape="0">
+            <a:gsLst>
+              <a:gs pos="0">
+                <a:srgbClr val="77caee">
+                  <a:alpha val="50000"/>
+                </a:srgbClr>
+              </a:gs>
+              <a:gs pos="1563">
+                <a:srgbClr val="77caee">
+                  <a:alpha val="50000"/>
+                </a:srgbClr>
+              </a:gs>
+              <a:gs pos="1563">
+                <a:srgbClr val="75c9ee">
+                  <a:alpha val="50000"/>
+                </a:srgbClr>
+              </a:gs>
+              <a:gs pos="3125">
+                <a:srgbClr val="75c9ee">
+                  <a:alpha val="50000"/>
+                </a:srgbClr>
+              </a:gs>
+              <a:gs pos="3125">
+                <a:srgbClr val="73c9ed">
+                  <a:alpha val="50000"/>
+                </a:srgbClr>
+              </a:gs>
+              <a:gs pos="4688">
+                <a:srgbClr val="73c9ed">
+                  <a:alpha val="50000"/>
+                </a:srgbClr>
+              </a:gs>
+              <a:gs pos="4688">
+                <a:srgbClr val="71c8ed">
+                  <a:alpha val="50000"/>
+                </a:srgbClr>
+              </a:gs>
+              <a:gs pos="6250">
+                <a:srgbClr val="71c8ed">
+                  <a:alpha val="50000"/>
+                </a:srgbClr>
+              </a:gs>
+              <a:gs pos="6250">
+                <a:srgbClr val="6fc7ed">
+                  <a:alpha val="50000"/>
+                </a:srgbClr>
+              </a:gs>
+              <a:gs pos="7813">
+                <a:srgbClr val="6fc7ed">
+                  <a:alpha val="50000"/>
+                </a:srgbClr>
+              </a:gs>
+              <a:gs pos="7813">
+                <a:srgbClr val="6ec6ed">
+                  <a:alpha val="50000"/>
+                </a:srgbClr>
+              </a:gs>
+              <a:gs pos="9375">
+                <a:srgbClr val="6ec6ed">
+                  <a:alpha val="50000"/>
+                </a:srgbClr>
+              </a:gs>
+              <a:gs pos="9375">
+                <a:srgbClr val="6cc6ec">
+                  <a:alpha val="50000"/>
+                </a:srgbClr>
+              </a:gs>
+              <a:gs pos="10938">
+                <a:srgbClr val="6cc6ec">
+                  <a:alpha val="50000"/>
+                </a:srgbClr>
+              </a:gs>
+              <a:gs pos="10938">
+                <a:srgbClr val="6ac5ec">
+                  <a:alpha val="50000"/>
+                </a:srgbClr>
+              </a:gs>
+              <a:gs pos="12500">
+                <a:srgbClr val="6ac5ec">
+                  <a:alpha val="50000"/>
+                </a:srgbClr>
+              </a:gs>
+              <a:gs pos="12500">
+                <a:srgbClr val="68c4ec">
+                  <a:alpha val="50000"/>
+                </a:srgbClr>
+              </a:gs>
+              <a:gs pos="14063">
+                <a:srgbClr val="68c4ec">
+                  <a:alpha val="50000"/>
+                </a:srgbClr>
+              </a:gs>
+              <a:gs pos="14063">
+                <a:srgbClr val="66c3ec">
+                  <a:alpha val="50000"/>
+                </a:srgbClr>
+              </a:gs>
+              <a:gs pos="15625">
+                <a:srgbClr val="66c3ec">
+                  <a:alpha val="50000"/>
+                </a:srgbClr>
+              </a:gs>
+              <a:gs pos="15625">
+                <a:srgbClr val="64c3eb">
+                  <a:alpha val="50000"/>
+                </a:srgbClr>
+              </a:gs>
+              <a:gs pos="17188">
+                <a:srgbClr val="64c3eb">
+                  <a:alpha val="50000"/>
+                </a:srgbClr>
+              </a:gs>
+              <a:gs pos="17188">
+                <a:srgbClr val="62c2eb">
+                  <a:alpha val="50000"/>
+                </a:srgbClr>
+              </a:gs>
+              <a:gs pos="18750">
+                <a:srgbClr val="62c2eb">
+                  <a:alpha val="50000"/>
+                </a:srgbClr>
+              </a:gs>
+              <a:gs pos="18750">
+                <a:srgbClr val="60c1eb">
+                  <a:alpha val="50000"/>
+                </a:srgbClr>
+              </a:gs>
+              <a:gs pos="20313">
+                <a:srgbClr val="60c1eb">
+                  <a:alpha val="50000"/>
+                </a:srgbClr>
+              </a:gs>
+              <a:gs pos="20313">
+                <a:srgbClr val="5ec0ea">
+                  <a:alpha val="50000"/>
+                </a:srgbClr>
+              </a:gs>
+              <a:gs pos="21875">
+                <a:srgbClr val="5ec0ea">
+                  <a:alpha val="50000"/>
+                </a:srgbClr>
+              </a:gs>
+              <a:gs pos="21875">
+                <a:srgbClr val="5dc0ea">
+                  <a:alpha val="50000"/>
+                </a:srgbClr>
+              </a:gs>
+              <a:gs pos="23438">
+                <a:srgbClr val="5dc0ea">
+                  <a:alpha val="50000"/>
+                </a:srgbClr>
+              </a:gs>
+              <a:gs pos="23438">
+                <a:srgbClr val="5bbfea">
+                  <a:alpha val="50000"/>
+                </a:srgbClr>
+              </a:gs>
+              <a:gs pos="25000">
+                <a:srgbClr val="5bbfea">
+                  <a:alpha val="50000"/>
+                </a:srgbClr>
+              </a:gs>
+              <a:gs pos="25000">
+                <a:srgbClr val="59beea">
+                  <a:alpha val="50000"/>
+                </a:srgbClr>
+              </a:gs>
+              <a:gs pos="26563">
+                <a:srgbClr val="59beea">
+                  <a:alpha val="50000"/>
+                </a:srgbClr>
+              </a:gs>
+              <a:gs pos="26563">
+                <a:srgbClr val="57bde9">
+                  <a:alpha val="50000"/>
+                </a:srgbClr>
+              </a:gs>
+              <a:gs pos="28125">
+                <a:srgbClr val="57bde9">
+                  <a:alpha val="50000"/>
+                </a:srgbClr>
+              </a:gs>
+              <a:gs pos="28125">
+                <a:srgbClr val="55bde9">
+                  <a:alpha val="50000"/>
+                </a:srgbClr>
+              </a:gs>
+              <a:gs pos="29688">
+                <a:srgbClr val="55bde9">
+                  <a:alpha val="50000"/>
+                </a:srgbClr>
+              </a:gs>
+              <a:gs pos="29688">
+                <a:srgbClr val="53bce9">
+                  <a:alpha val="50000"/>
+                </a:srgbClr>
+              </a:gs>
+              <a:gs pos="31250">
+                <a:srgbClr val="53bce9">
+                  <a:alpha val="50000"/>
+                </a:srgbClr>
+              </a:gs>
+              <a:gs pos="31250">
+                <a:srgbClr val="51bbe9">
+                  <a:alpha val="50000"/>
+                </a:srgbClr>
+              </a:gs>
+              <a:gs pos="32813">
+                <a:srgbClr val="51bbe9">
+                  <a:alpha val="50000"/>
+                </a:srgbClr>
+              </a:gs>
+              <a:gs pos="32813">
+                <a:srgbClr val="4fbae8">
+                  <a:alpha val="50000"/>
+                </a:srgbClr>
+              </a:gs>
+              <a:gs pos="34375">
+                <a:srgbClr val="4fbae8">
+                  <a:alpha val="50000"/>
+                </a:srgbClr>
+              </a:gs>
+              <a:gs pos="34375">
+                <a:srgbClr val="4dbae8">
+                  <a:alpha val="50000"/>
+                </a:srgbClr>
+              </a:gs>
+              <a:gs pos="35938">
+                <a:srgbClr val="4dbae8">
+                  <a:alpha val="50000"/>
+                </a:srgbClr>
+              </a:gs>
+              <a:gs pos="35938">
+                <a:srgbClr val="4cb9e8">
+                  <a:alpha val="50000"/>
+                </a:srgbClr>
+              </a:gs>
+              <a:gs pos="37500">
+                <a:srgbClr val="4cb9e8">
+                  <a:alpha val="50000"/>
+                </a:srgbClr>
+              </a:gs>
+              <a:gs pos="37500">
+                <a:srgbClr val="4ab8e8">
+                  <a:alpha val="50000"/>
+                </a:srgbClr>
+              </a:gs>
+              <a:gs pos="39063">
+                <a:srgbClr val="4ab8e8">
+                  <a:alpha val="50000"/>
+                </a:srgbClr>
+              </a:gs>
+              <a:gs pos="39063">
+                <a:srgbClr val="48b7e7">
+                  <a:alpha val="50000"/>
+                </a:srgbClr>
+              </a:gs>
+              <a:gs pos="40625">
+                <a:srgbClr val="48b7e7">
+                  <a:alpha val="50000"/>
+                </a:srgbClr>
+              </a:gs>
+              <a:gs pos="40625">
+                <a:srgbClr val="46b7e7">
+                  <a:alpha val="50000"/>
+                </a:srgbClr>
+              </a:gs>
+              <a:gs pos="42188">
+                <a:srgbClr val="46b7e7">
+                  <a:alpha val="50000"/>
+                </a:srgbClr>
+              </a:gs>
+              <a:gs pos="42188">
+                <a:srgbClr val="44b6e7">
+                  <a:alpha val="50000"/>
+                </a:srgbClr>
+              </a:gs>
+              <a:gs pos="43750">
+                <a:srgbClr val="44b6e7">
+                  <a:alpha val="50000"/>
+                </a:srgbClr>
+              </a:gs>
+              <a:gs pos="43750">
+                <a:srgbClr val="42b5e6">
+                  <a:alpha val="50000"/>
+                </a:srgbClr>
+              </a:gs>
+              <a:gs pos="45313">
+                <a:srgbClr val="42b5e6">
+                  <a:alpha val="50000"/>
+                </a:srgbClr>
+              </a:gs>
+              <a:gs pos="45313">
+                <a:srgbClr val="40b4e6">
+                  <a:alpha val="50000"/>
+                </a:srgbClr>
+              </a:gs>
+              <a:gs pos="46875">
+                <a:srgbClr val="40b4e6">
+                  <a:alpha val="50000"/>
+                </a:srgbClr>
+              </a:gs>
+              <a:gs pos="46875">
+                <a:srgbClr val="3eb4e6">
+                  <a:alpha val="50000"/>
+                </a:srgbClr>
+              </a:gs>
+              <a:gs pos="48438">
+                <a:srgbClr val="3eb4e6">
+                  <a:alpha val="50000"/>
+                </a:srgbClr>
+              </a:gs>
+              <a:gs pos="48438">
+                <a:srgbClr val="3cb3e6">
+                  <a:alpha val="50000"/>
+                </a:srgbClr>
+              </a:gs>
+              <a:gs pos="50000">
+                <a:srgbClr val="3cb3e6">
+                  <a:alpha val="50000"/>
+                </a:srgbClr>
+              </a:gs>
+              <a:gs pos="50000">
+                <a:srgbClr val="3bb2e5">
+                  <a:alpha val="50000"/>
+                </a:srgbClr>
+              </a:gs>
+              <a:gs pos="51563">
+                <a:srgbClr val="3bb2e5">
+                  <a:alpha val="50000"/>
+                </a:srgbClr>
+              </a:gs>
+              <a:gs pos="51563">
+                <a:srgbClr val="39b1e5">
+                  <a:alpha val="50000"/>
+                </a:srgbClr>
+              </a:gs>
+              <a:gs pos="53125">
+                <a:srgbClr val="39b1e5">
+                  <a:alpha val="50000"/>
+                </a:srgbClr>
+              </a:gs>
+              <a:gs pos="53125">
+                <a:srgbClr val="37b1e5">
+                  <a:alpha val="50000"/>
+                </a:srgbClr>
+              </a:gs>
+              <a:gs pos="54688">
+                <a:srgbClr val="37b1e5">
+                  <a:alpha val="50000"/>
+                </a:srgbClr>
+              </a:gs>
+              <a:gs pos="54688">
+                <a:srgbClr val="35b0e5">
+                  <a:alpha val="50000"/>
+                </a:srgbClr>
+              </a:gs>
+              <a:gs pos="56250">
+                <a:srgbClr val="35b0e5">
+                  <a:alpha val="50000"/>
+                </a:srgbClr>
+              </a:gs>
+              <a:gs pos="56250">
+                <a:srgbClr val="33afe4">
+                  <a:alpha val="50000"/>
+                </a:srgbClr>
+              </a:gs>
+              <a:gs pos="57813">
+                <a:srgbClr val="33afe4">
+                  <a:alpha val="50000"/>
+                </a:srgbClr>
+              </a:gs>
+              <a:gs pos="57813">
+                <a:srgbClr val="31aee4">
+                  <a:alpha val="50000"/>
+                </a:srgbClr>
+              </a:gs>
+              <a:gs pos="59375">
+                <a:srgbClr val="31aee4">
+                  <a:alpha val="50000"/>
+                </a:srgbClr>
+              </a:gs>
+              <a:gs pos="59375">
+                <a:srgbClr val="2faee4">
+                  <a:alpha val="50000"/>
+                </a:srgbClr>
+              </a:gs>
+              <a:gs pos="60938">
+                <a:srgbClr val="2faee4">
+                  <a:alpha val="50000"/>
+                </a:srgbClr>
+              </a:gs>
+              <a:gs pos="60938">
+                <a:srgbClr val="2dade3">
+                  <a:alpha val="50000"/>
+                </a:srgbClr>
+              </a:gs>
+              <a:gs pos="62500">
+                <a:srgbClr val="2dade3">
+                  <a:alpha val="50000"/>
+                </a:srgbClr>
+              </a:gs>
+              <a:gs pos="62500">
+                <a:srgbClr val="2bace3">
+                  <a:alpha val="50000"/>
+                </a:srgbClr>
+              </a:gs>
+              <a:gs pos="64063">
+                <a:srgbClr val="2bace3">
+                  <a:alpha val="50000"/>
+                </a:srgbClr>
+              </a:gs>
+              <a:gs pos="64063">
+                <a:srgbClr val="2aabe3">
+                  <a:alpha val="50000"/>
+                </a:srgbClr>
+              </a:gs>
+              <a:gs pos="65625">
+                <a:srgbClr val="2aabe3">
+                  <a:alpha val="50000"/>
+                </a:srgbClr>
+              </a:gs>
+              <a:gs pos="65625">
+                <a:srgbClr val="28abe3">
+                  <a:alpha val="50000"/>
+                </a:srgbClr>
+              </a:gs>
+              <a:gs pos="67188">
+                <a:srgbClr val="28abe3">
+                  <a:alpha val="50000"/>
+                </a:srgbClr>
+              </a:gs>
+              <a:gs pos="67188">
+                <a:srgbClr val="26aae2">
+                  <a:alpha val="50000"/>
+                </a:srgbClr>
+              </a:gs>
+              <a:gs pos="68750">
+                <a:srgbClr val="26aae2">
+                  <a:alpha val="50000"/>
+                </a:srgbClr>
+              </a:gs>
+              <a:gs pos="68750">
+                <a:srgbClr val="24a9e2">
+                  <a:alpha val="50000"/>
+                </a:srgbClr>
+              </a:gs>
+              <a:gs pos="70313">
+                <a:srgbClr val="24a9e2">
+                  <a:alpha val="50000"/>
+                </a:srgbClr>
+              </a:gs>
+              <a:gs pos="70313">
+                <a:srgbClr val="22a8e2">
+                  <a:alpha val="50000"/>
+                </a:srgbClr>
+              </a:gs>
+              <a:gs pos="71875">
+                <a:srgbClr val="22a8e2">
+                  <a:alpha val="50000"/>
+                </a:srgbClr>
+              </a:gs>
+              <a:gs pos="71875">
+                <a:srgbClr val="20a8e2">
+                  <a:alpha val="50000"/>
+                </a:srgbClr>
+              </a:gs>
+              <a:gs pos="73438">
+                <a:srgbClr val="20a8e2">
+                  <a:alpha val="50000"/>
+                </a:srgbClr>
+              </a:gs>
+              <a:gs pos="73438">
+                <a:srgbClr val="1ea7e1">
+                  <a:alpha val="50000"/>
+                </a:srgbClr>
+              </a:gs>
+              <a:gs pos="75000">
+                <a:srgbClr val="1ea7e1">
+                  <a:alpha val="50000"/>
+                </a:srgbClr>
+              </a:gs>
+              <a:gs pos="75000">
+                <a:srgbClr val="1ca6e1">
+                  <a:alpha val="50000"/>
+                </a:srgbClr>
+              </a:gs>
+              <a:gs pos="76563">
+                <a:srgbClr val="1ca6e1">
+                  <a:alpha val="50000"/>
+                </a:srgbClr>
+              </a:gs>
+              <a:gs pos="76563">
+                <a:srgbClr val="1aa5e1">
+                  <a:alpha val="50000"/>
+                </a:srgbClr>
+              </a:gs>
+              <a:gs pos="78125">
+                <a:srgbClr val="1aa5e1">
+                  <a:alpha val="50000"/>
+                </a:srgbClr>
+              </a:gs>
+              <a:gs pos="78125">
+                <a:srgbClr val="19a5e1">
+                  <a:alpha val="50000"/>
+                </a:srgbClr>
+              </a:gs>
+              <a:gs pos="79688">
+                <a:srgbClr val="19a5e1">
+                  <a:alpha val="50000"/>
+                </a:srgbClr>
+              </a:gs>
+              <a:gs pos="79688">
+                <a:srgbClr val="17a4e0">
+                  <a:alpha val="50000"/>
+                </a:srgbClr>
+              </a:gs>
+              <a:gs pos="81250">
+                <a:srgbClr val="17a4e0">
+                  <a:alpha val="50000"/>
+                </a:srgbClr>
+              </a:gs>
+              <a:gs pos="81250">
+                <a:srgbClr val="15a3e0">
+                  <a:alpha val="50000"/>
+                </a:srgbClr>
+              </a:gs>
+              <a:gs pos="82813">
+                <a:srgbClr val="15a3e0">
+                  <a:alpha val="50000"/>
+                </a:srgbClr>
+              </a:gs>
+              <a:gs pos="82813">
+                <a:srgbClr val="13a2e0">
+                  <a:alpha val="50000"/>
+                </a:srgbClr>
+              </a:gs>
+              <a:gs pos="84375">
+                <a:srgbClr val="13a2e0">
+                  <a:alpha val="50000"/>
+                </a:srgbClr>
+              </a:gs>
+              <a:gs pos="84375">
+                <a:srgbClr val="11a2df">
+                  <a:alpha val="50000"/>
+                </a:srgbClr>
+              </a:gs>
+              <a:gs pos="85938">
+                <a:srgbClr val="11a2df">
+                  <a:alpha val="50000"/>
+                </a:srgbClr>
+              </a:gs>
+              <a:gs pos="85938">
+                <a:srgbClr val="0fa1df">
+                  <a:alpha val="50000"/>
+                </a:srgbClr>
+              </a:gs>
+              <a:gs pos="87500">
+                <a:srgbClr val="0fa1df">
+                  <a:alpha val="50000"/>
+                </a:srgbClr>
+              </a:gs>
+              <a:gs pos="87500">
+                <a:srgbClr val="0da0df">
+                  <a:alpha val="50000"/>
+                </a:srgbClr>
+              </a:gs>
+              <a:gs pos="89063">
+                <a:srgbClr val="0da0df">
+                  <a:alpha val="50000"/>
+                </a:srgbClr>
+              </a:gs>
+              <a:gs pos="89063">
+                <a:srgbClr val="0b9fdf">
+                  <a:alpha val="50000"/>
+                </a:srgbClr>
+              </a:gs>
+              <a:gs pos="90625">
+                <a:srgbClr val="0b9fdf">
+                  <a:alpha val="50000"/>
+                </a:srgbClr>
+              </a:gs>
+              <a:gs pos="90625">
+                <a:srgbClr val="099fde">
+                  <a:alpha val="50000"/>
+                </a:srgbClr>
+              </a:gs>
+              <a:gs pos="92188">
+                <a:srgbClr val="099fde">
+                  <a:alpha val="50000"/>
+                </a:srgbClr>
+              </a:gs>
+              <a:gs pos="92188">
+                <a:srgbClr val="089ede">
+                  <a:alpha val="50000"/>
+                </a:srgbClr>
+              </a:gs>
+              <a:gs pos="93750">
+                <a:srgbClr val="089ede">
+                  <a:alpha val="50000"/>
+                </a:srgbClr>
+              </a:gs>
+              <a:gs pos="93750">
+                <a:srgbClr val="069dde">
+                  <a:alpha val="50000"/>
+                </a:srgbClr>
+              </a:gs>
+              <a:gs pos="95313">
+                <a:srgbClr val="069dde">
+                  <a:alpha val="50000"/>
+                </a:srgbClr>
+              </a:gs>
+              <a:gs pos="95313">
+                <a:srgbClr val="049cde">
+                  <a:alpha val="50000"/>
+                </a:srgbClr>
+              </a:gs>
+              <a:gs pos="96875">
+                <a:srgbClr val="049cde">
+                  <a:alpha val="50000"/>
+                </a:srgbClr>
+              </a:gs>
+              <a:gs pos="96875">
+                <a:srgbClr val="029cdd">
+                  <a:alpha val="50000"/>
+                </a:srgbClr>
+              </a:gs>
+              <a:gs pos="98438">
+                <a:srgbClr val="029cdd">
+                  <a:alpha val="50000"/>
+                </a:srgbClr>
+              </a:gs>
+              <a:gs pos="98438">
+                <a:srgbClr val="009bdd">
+                  <a:alpha val="50000"/>
+                </a:srgbClr>
+              </a:gs>
+              <a:gs pos="100000">
+                <a:srgbClr val="009bdd">
+                  <a:alpha val="50000"/>
+                </a:srgbClr>
+              </a:gs>
+            </a:gsLst>
+            <a:lin ang="10800000"/>
+          </a:gradFill>
+          <a:ln w="18000">
+            <a:noFill/>
+          </a:ln>
+          <a:effectLst>
+            <a:outerShdw blurRad="0" dir="5400000" dist="10800" rotWithShape="0">
+              <a:srgbClr val="009bdd">
+                <a:alpha val="50000"/>
+              </a:srgbClr>
+            </a:outerShdw>
+          </a:effectLst>
+        </p:spPr>
+        <p:style>
+          <a:lnRef idx="0"/>
+          <a:fillRef idx="0"/>
+          <a:effectRef idx="0"/>
+          <a:fontRef idx="minor"/>
+        </p:style>
+        <p:txBody>
+          <a:bodyPr wrap="none" lIns="90000" rIns="90000" tIns="45000" bIns="45000" anchor="ctr">
+            <a:noAutofit/>
+          </a:bodyPr>
+          <a:p>
+            <a:pPr>
+              <a:lnSpc>
+                <a:spcPct val="100000"/>
+              </a:lnSpc>
+            </a:pPr>
+            <a:endParaRPr b="0" lang="en-GB" sz="1800" spc="-1" strike="noStrike">
+              <a:solidFill>
+                <a:srgbClr val="ffffff"/>
+              </a:solidFill>
+              <a:latin typeface="Arial"/>
+              <a:ea typeface="DejaVu Sans"/>
+            </a:endParaRPr>
+          </a:p>
+        </p:txBody>
+      </p:sp>
+      <p:sp>
+        <p:nvSpPr>
+          <p:cNvPr id="17" name="PlaceHolder 1"/>
           <p:cNvSpPr>
             <a:spLocks noGrp="1"/>
           </p:cNvSpPr>
           <p:nvPr>
-            <p:ph type="ftr" idx="5"/>
+            <p:ph type="title"/>
+          </p:nvPr>
+        </p:nvSpPr>
+        <p:spPr>
+          <a:xfrm>
+            <a:off x="360000" y="180000"/>
+            <a:ext cx="9359640" cy="477720"/>
+          </a:xfrm>
+          <a:prstGeom prst="rect">
+            <a:avLst/>
+          </a:prstGeom>
+          <a:noFill/>
+          <a:ln w="0">
+            <a:noFill/>
+          </a:ln>
+        </p:spPr>
+        <p:txBody>
+          <a:bodyPr lIns="0" rIns="0" tIns="0" bIns="0" anchor="ctr">
+            <a:noAutofit/>
+          </a:bodyPr>
+          <a:p>
+            <a:pPr indent="0">
+              <a:buNone/>
+            </a:pPr>
+            <a:r>
+              <a:rPr b="0" lang="en-GB" sz="1800" spc="-1" strike="noStrike">
+                <a:solidFill>
+                  <a:srgbClr val="000000"/>
+                </a:solidFill>
+                <a:latin typeface="Arial"/>
+              </a:rPr>
+              <a:t>Click to edit the title text format</a:t>
+            </a:r>
+            <a:endParaRPr b="0" lang="en-GB" sz="1800" spc="-1" strike="noStrike">
+              <a:solidFill>
+                <a:srgbClr val="000000"/>
+              </a:solidFill>
+              <a:latin typeface="Arial"/>
+            </a:endParaRPr>
+          </a:p>
+        </p:txBody>
+      </p:sp>
+      <p:sp>
+        <p:nvSpPr>
+          <p:cNvPr id="18" name="PlaceHolder 2"/>
+          <p:cNvSpPr>
+            <a:spLocks noGrp="1"/>
+          </p:cNvSpPr>
+          <p:nvPr>
+            <p:ph type="body"/>
+          </p:nvPr>
+        </p:nvSpPr>
+        <p:spPr>
+          <a:xfrm>
+            <a:off x="360000" y="1080000"/>
+            <a:ext cx="9359640" cy="3599640"/>
+          </a:xfrm>
+          <a:prstGeom prst="rect">
+            <a:avLst/>
+          </a:prstGeom>
+          <a:noFill/>
+          <a:ln w="0">
+            <a:noFill/>
+          </a:ln>
+        </p:spPr>
+        <p:txBody>
+          <a:bodyPr lIns="0" rIns="0" tIns="0" bIns="0" anchor="t">
+            <a:noAutofit/>
+          </a:bodyPr>
+          <a:p>
+            <a:pPr marL="432000" indent="-324000">
+              <a:spcBef>
+                <a:spcPts val="1417"/>
+              </a:spcBef>
+              <a:buClr>
+                <a:srgbClr val="000000"/>
+              </a:buClr>
+              <a:buSzPct val="45000"/>
+              <a:buFont typeface="Wingdings" charset="2"/>
+              <a:buChar char=""/>
+            </a:pPr>
+            <a:r>
+              <a:rPr b="0" lang="en-GB" sz="1800" spc="-1" strike="noStrike">
+                <a:solidFill>
+                  <a:srgbClr val="000000"/>
+                </a:solidFill>
+                <a:latin typeface="Arial"/>
+              </a:rPr>
+              <a:t>Click to edit the outline text format</a:t>
+            </a:r>
+            <a:endParaRPr b="0" lang="en-GB" sz="1800" spc="-1" strike="noStrike">
+              <a:solidFill>
+                <a:srgbClr val="000000"/>
+              </a:solidFill>
+              <a:latin typeface="Arial"/>
+            </a:endParaRPr>
+          </a:p>
+          <a:p>
+            <a:pPr lvl="1" marL="864000" indent="-324000">
+              <a:spcBef>
+                <a:spcPts val="1134"/>
+              </a:spcBef>
+              <a:buClr>
+                <a:srgbClr val="000000"/>
+              </a:buClr>
+              <a:buSzPct val="75000"/>
+              <a:buFont typeface="Symbol" charset="2"/>
+              <a:buChar char=""/>
+            </a:pPr>
+            <a:r>
+              <a:rPr b="0" lang="en-GB" sz="1800" spc="-1" strike="noStrike">
+                <a:solidFill>
+                  <a:srgbClr val="000000"/>
+                </a:solidFill>
+                <a:latin typeface="Arial"/>
+              </a:rPr>
+              <a:t>Second Outline Level</a:t>
+            </a:r>
+            <a:endParaRPr b="0" lang="en-GB" sz="1800" spc="-1" strike="noStrike">
+              <a:solidFill>
+                <a:srgbClr val="000000"/>
+              </a:solidFill>
+              <a:latin typeface="Arial"/>
+            </a:endParaRPr>
+          </a:p>
+          <a:p>
+            <a:pPr lvl="2" marL="1296000" indent="-288000">
+              <a:spcBef>
+                <a:spcPts val="850"/>
+              </a:spcBef>
+              <a:buClr>
+                <a:srgbClr val="000000"/>
+              </a:buClr>
+              <a:buSzPct val="45000"/>
+              <a:buFont typeface="Wingdings" charset="2"/>
+              <a:buChar char=""/>
+            </a:pPr>
+            <a:r>
+              <a:rPr b="0" lang="en-GB" sz="1800" spc="-1" strike="noStrike">
+                <a:solidFill>
+                  <a:srgbClr val="000000"/>
+                </a:solidFill>
+                <a:latin typeface="Arial"/>
+              </a:rPr>
+              <a:t>Third Outline Level</a:t>
+            </a:r>
+            <a:endParaRPr b="0" lang="en-GB" sz="1800" spc="-1" strike="noStrike">
+              <a:solidFill>
+                <a:srgbClr val="000000"/>
+              </a:solidFill>
+              <a:latin typeface="Arial"/>
+            </a:endParaRPr>
+          </a:p>
+          <a:p>
+            <a:pPr lvl="3" marL="1728000" indent="-216000">
+              <a:spcBef>
+                <a:spcPts val="567"/>
+              </a:spcBef>
+              <a:buClr>
+                <a:srgbClr val="000000"/>
+              </a:buClr>
+              <a:buSzPct val="75000"/>
+              <a:buFont typeface="Symbol" charset="2"/>
+              <a:buChar char=""/>
+            </a:pPr>
+            <a:r>
+              <a:rPr b="0" lang="en-GB" sz="1800" spc="-1" strike="noStrike">
+                <a:solidFill>
+                  <a:srgbClr val="000000"/>
+                </a:solidFill>
+                <a:latin typeface="Arial"/>
+              </a:rPr>
+              <a:t>Fourth Outline Level</a:t>
+            </a:r>
+            <a:endParaRPr b="0" lang="en-GB" sz="1800" spc="-1" strike="noStrike">
+              <a:solidFill>
+                <a:srgbClr val="000000"/>
+              </a:solidFill>
+              <a:latin typeface="Arial"/>
+            </a:endParaRPr>
+          </a:p>
+          <a:p>
+            <a:pPr lvl="4" marL="2160000" indent="-216000">
+              <a:spcBef>
+                <a:spcPts val="283"/>
+              </a:spcBef>
+              <a:buClr>
+                <a:srgbClr val="000000"/>
+              </a:buClr>
+              <a:buSzPct val="45000"/>
+              <a:buFont typeface="Wingdings" charset="2"/>
+              <a:buChar char=""/>
+            </a:pPr>
+            <a:r>
+              <a:rPr b="0" lang="en-GB" sz="1800" spc="-1" strike="noStrike">
+                <a:solidFill>
+                  <a:srgbClr val="000000"/>
+                </a:solidFill>
+                <a:latin typeface="Arial"/>
+              </a:rPr>
+              <a:t>Fifth Outline Level</a:t>
+            </a:r>
+            <a:endParaRPr b="0" lang="en-GB" sz="1800" spc="-1" strike="noStrike">
+              <a:solidFill>
+                <a:srgbClr val="000000"/>
+              </a:solidFill>
+              <a:latin typeface="Arial"/>
+            </a:endParaRPr>
+          </a:p>
+          <a:p>
+            <a:pPr lvl="5" marL="2592000" indent="-216000">
+              <a:spcBef>
+                <a:spcPts val="283"/>
+              </a:spcBef>
+              <a:buClr>
+                <a:srgbClr val="000000"/>
+              </a:buClr>
+              <a:buSzPct val="45000"/>
+              <a:buFont typeface="Wingdings" charset="2"/>
+              <a:buChar char=""/>
+            </a:pPr>
+            <a:r>
+              <a:rPr b="0" lang="en-GB" sz="1800" spc="-1" strike="noStrike">
+                <a:solidFill>
+                  <a:srgbClr val="000000"/>
+                </a:solidFill>
+                <a:latin typeface="Arial"/>
+              </a:rPr>
+              <a:t>Sixth Outline Level</a:t>
+            </a:r>
+            <a:endParaRPr b="0" lang="en-GB" sz="1800" spc="-1" strike="noStrike">
+              <a:solidFill>
+                <a:srgbClr val="000000"/>
+              </a:solidFill>
+              <a:latin typeface="Arial"/>
+            </a:endParaRPr>
+          </a:p>
+          <a:p>
+            <a:pPr lvl="6" marL="3024000" indent="-216000">
+              <a:spcBef>
+                <a:spcPts val="283"/>
+              </a:spcBef>
+              <a:buClr>
+                <a:srgbClr val="000000"/>
+              </a:buClr>
+              <a:buSzPct val="45000"/>
+              <a:buFont typeface="Wingdings" charset="2"/>
+              <a:buChar char=""/>
+            </a:pPr>
+            <a:r>
+              <a:rPr b="0" lang="en-GB" sz="1800" spc="-1" strike="noStrike">
+                <a:solidFill>
+                  <a:srgbClr val="000000"/>
+                </a:solidFill>
+                <a:latin typeface="Arial"/>
+              </a:rPr>
+              <a:t>Seventh Outline Level</a:t>
+            </a:r>
+            <a:endParaRPr b="0" lang="en-GB" sz="1800" spc="-1" strike="noStrike">
+              <a:solidFill>
+                <a:srgbClr val="000000"/>
+              </a:solidFill>
+              <a:latin typeface="Arial"/>
+            </a:endParaRPr>
+          </a:p>
+        </p:txBody>
+      </p:sp>
+      <p:sp>
+        <p:nvSpPr>
+          <p:cNvPr id="19" name="PlaceHolder 3"/>
+          <p:cNvSpPr>
+            <a:spLocks noGrp="1"/>
+          </p:cNvSpPr>
+          <p:nvPr>
+            <p:ph type="ftr" idx="7"/>
           </p:nvPr>
         </p:nvSpPr>
         <p:spPr>
           <a:xfrm>
             <a:off x="3420000" y="5220000"/>
-            <a:ext cx="3240000" cy="360000"/>
+            <a:ext cx="3239640" cy="359640"/>
           </a:xfrm>
           <a:prstGeom prst="rect">
             <a:avLst/>
@@ -3153,7 +4079,13 @@
           </a:bodyPr>
           <a:lstStyle>
             <a:lvl1pPr indent="0" algn="ctr">
+              <a:lnSpc>
+                <a:spcPct val="100000"/>
+              </a:lnSpc>
               <a:buNone/>
+              <a:tabLst>
+                <a:tab algn="l" pos="0"/>
+              </a:tabLst>
               <a:defRPr b="0" lang="en-GB" sz="1400" spc="-1" strike="noStrike">
                 <a:solidFill>
                   <a:srgbClr val="ffffff"/>
@@ -3164,7 +4096,13 @@
           </a:lstStyle>
           <a:p>
             <a:pPr indent="0" algn="ctr">
+              <a:lnSpc>
+                <a:spcPct val="100000"/>
+              </a:lnSpc>
               <a:buNone/>
+              <a:tabLst>
+                <a:tab algn="l" pos="0"/>
+              </a:tabLst>
             </a:pPr>
             <a:r>
               <a:rPr b="0" lang="en-GB" sz="1400" spc="-1" strike="noStrike">
@@ -3177,27 +4115,27 @@
             </a:r>
             <a:endParaRPr b="0" lang="en-GB" sz="1400" spc="-1" strike="noStrike">
               <a:solidFill>
-                <a:srgbClr val="ffffff"/>
-              </a:solidFill>
-              <a:latin typeface="Arial"/>
+                <a:srgbClr val="000000"/>
+              </a:solidFill>
+              <a:latin typeface="Times New Roman"/>
             </a:endParaRPr>
           </a:p>
         </p:txBody>
       </p:sp>
       <p:sp>
         <p:nvSpPr>
-          <p:cNvPr id="15" name="PlaceHolder 5"/>
+          <p:cNvPr id="20" name="PlaceHolder 4"/>
           <p:cNvSpPr>
             <a:spLocks noGrp="1"/>
           </p:cNvSpPr>
           <p:nvPr>
-            <p:ph type="sldNum" idx="6"/>
+            <p:ph type="sldNum" idx="8"/>
           </p:nvPr>
         </p:nvSpPr>
         <p:spPr>
           <a:xfrm>
             <a:off x="7380000" y="5220000"/>
-            <a:ext cx="2340000" cy="360000"/>
+            <a:ext cx="2339640" cy="359640"/>
           </a:xfrm>
           <a:prstGeom prst="rect">
             <a:avLst/>
@@ -3213,7 +4151,13 @@
           </a:bodyPr>
           <a:lstStyle>
             <a:lvl1pPr indent="0" algn="r">
+              <a:lnSpc>
+                <a:spcPct val="100000"/>
+              </a:lnSpc>
               <a:buNone/>
+              <a:tabLst>
+                <a:tab algn="l" pos="0"/>
+              </a:tabLst>
               <a:defRPr b="0" lang="en-GB" sz="1400" spc="-1" strike="noStrike">
                 <a:solidFill>
                   <a:srgbClr val="ffffff"/>
@@ -3224,9 +4168,15 @@
           </a:lstStyle>
           <a:p>
             <a:pPr indent="0" algn="r">
+              <a:lnSpc>
+                <a:spcPct val="100000"/>
+              </a:lnSpc>
               <a:buNone/>
-            </a:pPr>
-            <a:fld id="{9A1202AC-18F8-4EE2-9F13-A8FC8E4A1C66}" type="slidenum">
+              <a:tabLst>
+                <a:tab algn="l" pos="0"/>
+              </a:tabLst>
+            </a:pPr>
+            <a:fld id="{00FB3B67-C460-46A3-AF9A-612964FB4255}" type="slidenum">
               <a:rPr b="0" lang="en-GB" sz="1400" spc="-1" strike="noStrike">
                 <a:solidFill>
                   <a:srgbClr val="ffffff"/>
@@ -3237,9 +4187,69 @@
             </a:fld>
             <a:endParaRPr b="0" lang="en-GB" sz="1400" spc="-1" strike="noStrike">
               <a:solidFill>
-                <a:srgbClr val="ffffff"/>
-              </a:solidFill>
-              <a:latin typeface="Arial"/>
+                <a:srgbClr val="000000"/>
+              </a:solidFill>
+              <a:latin typeface="Times New Roman"/>
+            </a:endParaRPr>
+          </a:p>
+        </p:txBody>
+      </p:sp>
+      <p:sp>
+        <p:nvSpPr>
+          <p:cNvPr id="21" name="PlaceHolder 5"/>
+          <p:cNvSpPr>
+            <a:spLocks noGrp="1"/>
+          </p:cNvSpPr>
+          <p:nvPr>
+            <p:ph type="dt" idx="9"/>
+          </p:nvPr>
+        </p:nvSpPr>
+        <p:spPr>
+          <a:xfrm>
+            <a:off x="360000" y="5220000"/>
+            <a:ext cx="2339640" cy="359640"/>
+          </a:xfrm>
+          <a:prstGeom prst="rect">
+            <a:avLst/>
+          </a:prstGeom>
+          <a:noFill/>
+          <a:ln w="0">
+            <a:noFill/>
+          </a:ln>
+        </p:spPr>
+        <p:txBody>
+          <a:bodyPr lIns="0" rIns="0" tIns="0" bIns="0" anchor="t">
+            <a:noAutofit/>
+          </a:bodyPr>
+          <a:lstStyle>
+            <a:lvl1pPr indent="0">
+              <a:buNone/>
+              <a:defRPr b="0" lang="en-GB" sz="1400" spc="-1" strike="noStrike">
+                <a:solidFill>
+                  <a:srgbClr val="000000"/>
+                </a:solidFill>
+                <a:latin typeface="Times New Roman"/>
+              </a:defRPr>
+            </a:lvl1pPr>
+          </a:lstStyle>
+          <a:p>
+            <a:pPr indent="0">
+              <a:buNone/>
+            </a:pPr>
+            <a:r>
+              <a:rPr b="0" lang="en-GB" sz="1400" spc="-1" strike="noStrike">
+                <a:solidFill>
+                  <a:srgbClr val="000000"/>
+                </a:solidFill>
+                <a:latin typeface="Times New Roman"/>
+              </a:rPr>
+              <a:t>&lt;date/time&gt;</a:t>
+            </a:r>
+            <a:endParaRPr b="0" lang="en-GB" sz="1400" spc="-1" strike="noStrike">
+              <a:solidFill>
+                <a:srgbClr val="000000"/>
+              </a:solidFill>
+              <a:latin typeface="Times New Roman"/>
             </a:endParaRPr>
           </a:p>
         </p:txBody>
@@ -3248,7 +4258,7 @@
   </p:cSld>
   <p:clrMap bg1="lt1" bg2="lt2" tx1="dk1" tx2="dk2" accent1="accent1" accent2="accent2" accent3="accent3" accent4="accent4" accent5="accent5" accent6="accent6" hlink="hlink" folHlink="folHlink"/>
   <p:sldLayoutIdLst>
-    <p:sldLayoutId id="2147483652" r:id="rId2"/>
+    <p:sldLayoutId id="2147483653" r:id="rId2"/>
   </p:sldLayoutIdLst>
 </p:sldMaster>
 </file>
@@ -3272,7 +4282,7 @@
       </p:grpSpPr>
       <p:sp>
         <p:nvSpPr>
-          <p:cNvPr id="18" name="PlaceHolder 1"/>
+          <p:cNvPr id="24" name="PlaceHolder 1"/>
           <p:cNvSpPr>
             <a:spLocks noGrp="1"/>
           </p:cNvSpPr>
@@ -3283,7 +4293,7 @@
         <p:spPr>
           <a:xfrm>
             <a:off x="0" y="1620000"/>
-            <a:ext cx="9000000" cy="1080000"/>
+            <a:ext cx="8999640" cy="1079640"/>
           </a:xfrm>
           <a:prstGeom prst="rect">
             <a:avLst/>
@@ -3299,7 +4309,13 @@
           </a:bodyPr>
           <a:p>
             <a:pPr indent="0" algn="ctr">
+              <a:lnSpc>
+                <a:spcPct val="100000"/>
+              </a:lnSpc>
               <a:buNone/>
+              <a:tabLst>
+                <a:tab algn="l" pos="0"/>
+              </a:tabLst>
             </a:pPr>
             <a:r>
               <a:rPr b="0" lang="en-GB" sz="3300" spc="-1" strike="noStrike">
@@ -3312,7 +4328,7 @@
             </a:r>
             <a:endParaRPr b="0" lang="en-GB" sz="3300" spc="-1" strike="noStrike">
               <a:solidFill>
-                <a:srgbClr val="dd4100"/>
+                <a:srgbClr val="000000"/>
               </a:solidFill>
               <a:latin typeface="Arial"/>
             </a:endParaRPr>
@@ -3351,7 +4367,7 @@
       </p:grpSpPr>
       <p:sp>
         <p:nvSpPr>
-          <p:cNvPr id="46" name="PlaceHolder 1"/>
+          <p:cNvPr id="52" name="PlaceHolder 1"/>
           <p:cNvSpPr>
             <a:spLocks noGrp="1"/>
           </p:cNvSpPr>
@@ -3362,7 +4378,7 @@
         <p:spPr>
           <a:xfrm>
             <a:off x="360000" y="180000"/>
-            <a:ext cx="9360000" cy="478080"/>
+            <a:ext cx="9359640" cy="477720"/>
           </a:xfrm>
           <a:prstGeom prst="rect">
             <a:avLst/>
@@ -3378,7 +4394,13 @@
           </a:bodyPr>
           <a:p>
             <a:pPr indent="0" algn="ctr">
+              <a:lnSpc>
+                <a:spcPct val="100000"/>
+              </a:lnSpc>
               <a:buNone/>
+              <a:tabLst>
+                <a:tab algn="l" pos="0"/>
+              </a:tabLst>
             </a:pPr>
             <a:r>
               <a:rPr b="0" lang="en-GB" sz="3300" spc="-1" strike="noStrike">
@@ -3391,7 +4413,7 @@
             </a:r>
             <a:endParaRPr b="0" lang="en-GB" sz="3300" spc="-1" strike="noStrike">
               <a:solidFill>
-                <a:srgbClr val="ffffff"/>
+                <a:srgbClr val="000000"/>
               </a:solidFill>
               <a:latin typeface="Arial"/>
             </a:endParaRPr>
@@ -3400,7 +4422,7 @@
       </p:sp>
       <p:pic>
         <p:nvPicPr>
-          <p:cNvPr id="47" name="" descr=""/>
+          <p:cNvPr id="53" name="" descr=""/>
           <p:cNvPicPr/>
           <p:nvPr/>
         </p:nvPicPr>
@@ -3413,7 +4435,7 @@
         <p:spPr>
           <a:xfrm>
             <a:off x="180000" y="900000"/>
-            <a:ext cx="4680000" cy="2239560"/>
+            <a:ext cx="4679640" cy="2239200"/>
           </a:xfrm>
           <a:prstGeom prst="rect">
             <a:avLst/>
@@ -3425,14 +4447,14 @@
       </p:pic>
       <p:sp>
         <p:nvSpPr>
-          <p:cNvPr id="48" name=""/>
-          <p:cNvSpPr txBox="1"/>
+          <p:cNvPr id="54" name=""/>
+          <p:cNvSpPr/>
           <p:nvPr/>
         </p:nvSpPr>
         <p:spPr>
           <a:xfrm>
             <a:off x="180000" y="3240000"/>
-            <a:ext cx="4680000" cy="1800000"/>
+            <a:ext cx="4679640" cy="1799640"/>
           </a:xfrm>
           <a:prstGeom prst="rect">
             <a:avLst/>
@@ -3442,11 +4464,22 @@
             <a:noFill/>
           </a:ln>
         </p:spPr>
+        <p:style>
+          <a:lnRef idx="0"/>
+          <a:fillRef idx="0"/>
+          <a:effectRef idx="0"/>
+          <a:fontRef idx="minor"/>
+        </p:style>
         <p:txBody>
           <a:bodyPr lIns="90000" rIns="90000" tIns="45000" bIns="45000" anchor="t">
             <a:noAutofit/>
           </a:bodyPr>
           <a:p>
+            <a:pPr>
+              <a:lnSpc>
+                <a:spcPct val="100000"/>
+              </a:lnSpc>
+            </a:pPr>
             <a:r>
               <a:rPr b="0" lang="en-GB" sz="1800" spc="-1" strike="noStrike">
                 <a:solidFill>
@@ -3464,6 +4497,11 @@
             </a:endParaRPr>
           </a:p>
           <a:p>
+            <a:pPr>
+              <a:lnSpc>
+                <a:spcPct val="100000"/>
+              </a:lnSpc>
+            </a:pPr>
             <a:r>
               <a:rPr b="0" lang="en-GB" sz="1800" spc="-1" strike="noStrike">
                 <a:solidFill>
@@ -3490,6 +4528,11 @@
             </a:endParaRPr>
           </a:p>
           <a:p>
+            <a:pPr>
+              <a:lnSpc>
+                <a:spcPct val="100000"/>
+              </a:lnSpc>
+            </a:pPr>
             <a:r>
               <a:rPr b="0" lang="en-GB" sz="1800" spc="-1" strike="noStrike">
                 <a:solidFill>
@@ -3507,6 +4550,11 @@
             </a:endParaRPr>
           </a:p>
           <a:p>
+            <a:pPr>
+              <a:lnSpc>
+                <a:spcPct val="100000"/>
+              </a:lnSpc>
+            </a:pPr>
             <a:r>
               <a:rPr b="0" lang="en-GB" sz="1800" spc="-1" strike="noStrike">
                 <a:solidFill>
@@ -3533,6 +4581,11 @@
             </a:endParaRPr>
           </a:p>
           <a:p>
+            <a:pPr>
+              <a:lnSpc>
+                <a:spcPct val="100000"/>
+              </a:lnSpc>
+            </a:pPr>
             <a:r>
               <a:rPr b="0" lang="en-GB" sz="1800" spc="-1" strike="noStrike">
                 <a:solidFill>
@@ -3550,6 +4603,11 @@
             </a:endParaRPr>
           </a:p>
           <a:p>
+            <a:pPr>
+              <a:lnSpc>
+                <a:spcPct val="100000"/>
+              </a:lnSpc>
+            </a:pPr>
             <a:r>
               <a:rPr b="0" lang="en-GB" sz="1800" spc="-1" strike="noStrike">
                 <a:solidFill>
@@ -3579,14 +4637,14 @@
       </p:sp>
       <p:sp>
         <p:nvSpPr>
-          <p:cNvPr id="49" name=""/>
-          <p:cNvSpPr txBox="1"/>
+          <p:cNvPr id="55" name=""/>
+          <p:cNvSpPr/>
           <p:nvPr/>
         </p:nvSpPr>
         <p:spPr>
           <a:xfrm>
             <a:off x="5040000" y="900000"/>
-            <a:ext cx="4860000" cy="3960000"/>
+            <a:ext cx="4859640" cy="3959640"/>
           </a:xfrm>
           <a:prstGeom prst="rect">
             <a:avLst/>
@@ -3596,11 +4654,22 @@
             <a:noFill/>
           </a:ln>
         </p:spPr>
+        <p:style>
+          <a:lnRef idx="0"/>
+          <a:fillRef idx="0"/>
+          <a:effectRef idx="0"/>
+          <a:fontRef idx="minor"/>
+        </p:style>
         <p:txBody>
           <a:bodyPr lIns="90000" rIns="90000" tIns="45000" bIns="45000" anchor="t">
             <a:noAutofit/>
           </a:bodyPr>
           <a:p>
+            <a:pPr>
+              <a:lnSpc>
+                <a:spcPct val="100000"/>
+              </a:lnSpc>
+            </a:pPr>
             <a:r>
               <a:rPr b="0" lang="en-GB" sz="1800" spc="-1" strike="noStrike">
                 <a:solidFill>
@@ -3618,6 +4687,11 @@
             </a:endParaRPr>
           </a:p>
           <a:p>
+            <a:pPr>
+              <a:lnSpc>
+                <a:spcPct val="100000"/>
+              </a:lnSpc>
+            </a:pPr>
             <a:r>
               <a:rPr b="0" lang="en-GB" sz="1800" spc="-1" strike="noStrike">
                 <a:solidFill>
@@ -3644,6 +4718,11 @@
             </a:endParaRPr>
           </a:p>
           <a:p>
+            <a:pPr>
+              <a:lnSpc>
+                <a:spcPct val="100000"/>
+              </a:lnSpc>
+            </a:pPr>
             <a:r>
               <a:rPr b="0" lang="en-GB" sz="1800" spc="-1" strike="noStrike">
                 <a:solidFill>
@@ -3670,6 +4749,11 @@
             </a:endParaRPr>
           </a:p>
           <a:p>
+            <a:pPr>
+              <a:lnSpc>
+                <a:spcPct val="100000"/>
+              </a:lnSpc>
+            </a:pPr>
             <a:r>
               <a:rPr b="0" lang="en-GB" sz="1800" spc="-1" strike="noStrike">
                 <a:solidFill>
@@ -3696,6 +4780,11 @@
             </a:endParaRPr>
           </a:p>
           <a:p>
+            <a:pPr>
+              <a:lnSpc>
+                <a:spcPct val="100000"/>
+              </a:lnSpc>
+            </a:pPr>
             <a:endParaRPr b="0" lang="en-GB" sz="1800" spc="-1" strike="noStrike">
               <a:solidFill>
                 <a:srgbClr val="000000"/>
@@ -3704,6 +4793,11 @@
             </a:endParaRPr>
           </a:p>
           <a:p>
+            <a:pPr>
+              <a:lnSpc>
+                <a:spcPct val="100000"/>
+              </a:lnSpc>
+            </a:pPr>
             <a:r>
               <a:rPr b="0" lang="en-GB" sz="1800" spc="-1" strike="noStrike">
                 <a:solidFill>
@@ -3721,6 +4815,11 @@
             </a:endParaRPr>
           </a:p>
           <a:p>
+            <a:pPr>
+              <a:lnSpc>
+                <a:spcPct val="100000"/>
+              </a:lnSpc>
+            </a:pPr>
             <a:r>
               <a:rPr b="0" lang="en-GB" sz="1800" spc="-1" strike="noStrike">
                 <a:solidFill>
@@ -3747,6 +4846,11 @@
             </a:endParaRPr>
           </a:p>
           <a:p>
+            <a:pPr>
+              <a:lnSpc>
+                <a:spcPct val="100000"/>
+              </a:lnSpc>
+            </a:pPr>
             <a:r>
               <a:rPr b="0" lang="en-GB" sz="1800" spc="-1" strike="noStrike">
                 <a:solidFill>
@@ -3773,6 +4877,11 @@
             </a:endParaRPr>
           </a:p>
           <a:p>
+            <a:pPr>
+              <a:lnSpc>
+                <a:spcPct val="100000"/>
+              </a:lnSpc>
+            </a:pPr>
             <a:r>
               <a:rPr b="0" lang="en-GB" sz="1800" spc="-1" strike="noStrike">
                 <a:solidFill>
@@ -3807,14 +4916,14 @@
             <a:spLocks noGrp="1"/>
           </p:cNvSpPr>
           <p:nvPr>
-            <p:ph type="sldNum" idx="6"/>
+            <p:ph type="sldNum" idx="8"/>
           </p:nvPr>
         </p:nvSpPr>
         <p:spPr/>
         <p:txBody>
           <a:bodyPr/>
           <a:p>
-            <a:fld id="{7579B82D-FA5F-49F7-9E14-5D0D6F4FBD4F}" type="slidenum">
+            <a:fld id="{BD59F3D6-970C-4CDA-8B28-4D5770D8FE28}" type="slidenum">
               <a:t>10</a:t>
             </a:fld>
           </a:p>
@@ -3852,7 +4961,7 @@
       </p:grpSpPr>
       <p:sp>
         <p:nvSpPr>
-          <p:cNvPr id="50" name="PlaceHolder 1"/>
+          <p:cNvPr id="56" name="PlaceHolder 1"/>
           <p:cNvSpPr>
             <a:spLocks noGrp="1"/>
           </p:cNvSpPr>
@@ -3863,7 +4972,7 @@
         <p:spPr>
           <a:xfrm>
             <a:off x="360000" y="180000"/>
-            <a:ext cx="9360000" cy="478080"/>
+            <a:ext cx="9359640" cy="477720"/>
           </a:xfrm>
           <a:prstGeom prst="rect">
             <a:avLst/>
@@ -3879,7 +4988,13 @@
           </a:bodyPr>
           <a:p>
             <a:pPr indent="0" algn="ctr">
+              <a:lnSpc>
+                <a:spcPct val="100000"/>
+              </a:lnSpc>
               <a:buNone/>
+              <a:tabLst>
+                <a:tab algn="l" pos="0"/>
+              </a:tabLst>
             </a:pPr>
             <a:r>
               <a:rPr b="0" lang="en-GB" sz="3300" spc="-1" strike="noStrike">
@@ -3892,7 +5007,7 @@
             </a:r>
             <a:endParaRPr b="0" lang="en-GB" sz="3300" spc="-1" strike="noStrike">
               <a:solidFill>
-                <a:srgbClr val="ffffff"/>
+                <a:srgbClr val="000000"/>
               </a:solidFill>
               <a:latin typeface="Arial"/>
             </a:endParaRPr>
@@ -3901,7 +5016,7 @@
       </p:sp>
       <p:pic>
         <p:nvPicPr>
-          <p:cNvPr id="51" name="" descr=""/>
+          <p:cNvPr id="57" name="" descr=""/>
           <p:cNvPicPr/>
           <p:nvPr/>
         </p:nvPicPr>
@@ -3913,33 +5028,8 @@
         </p:blipFill>
         <p:spPr>
           <a:xfrm>
-            <a:off x="1260000" y="797400"/>
-            <a:ext cx="7740000" cy="4170600"/>
-          </a:xfrm>
-          <a:prstGeom prst="rect">
-            <a:avLst/>
-          </a:prstGeom>
-          <a:ln w="18000">
-            <a:noFill/>
-          </a:ln>
-        </p:spPr>
-      </p:pic>
-      <p:pic>
-        <p:nvPicPr>
-          <p:cNvPr id="52" name="" descr=""/>
-          <p:cNvPicPr/>
-          <p:nvPr/>
-        </p:nvPicPr>
-        <p:blipFill>
-          <a:blip r:embed="rId2">
-            <a:alphaModFix amt="50000"/>
-          </a:blip>
-          <a:stretch/>
-        </p:blipFill>
-        <p:spPr>
-          <a:xfrm>
-            <a:off x="1260000" y="824760"/>
-            <a:ext cx="7740000" cy="4113720"/>
+            <a:off x="921240" y="720000"/>
+            <a:ext cx="8078400" cy="4293360"/>
           </a:xfrm>
           <a:prstGeom prst="rect">
             <a:avLst/>
@@ -3956,14 +5046,14 @@
             <a:spLocks noGrp="1"/>
           </p:cNvSpPr>
           <p:nvPr>
-            <p:ph type="sldNum" idx="6"/>
+            <p:ph type="sldNum" idx="8"/>
           </p:nvPr>
         </p:nvSpPr>
         <p:spPr/>
         <p:txBody>
           <a:bodyPr/>
           <a:p>
-            <a:fld id="{0AB406A8-642A-4A8E-BDDF-B9672A76BB97}" type="slidenum">
+            <a:fld id="{11830212-F319-49A5-BAF5-44B96EEACA7B}" type="slidenum">
               <a:t>11</a:t>
             </a:fld>
           </a:p>
@@ -4001,7 +5091,7 @@
       </p:grpSpPr>
       <p:sp>
         <p:nvSpPr>
-          <p:cNvPr id="19" name="PlaceHolder 1"/>
+          <p:cNvPr id="25" name="PlaceHolder 1"/>
           <p:cNvSpPr>
             <a:spLocks noGrp="1"/>
           </p:cNvSpPr>
@@ -4012,7 +5102,7 @@
         <p:spPr>
           <a:xfrm>
             <a:off x="360000" y="180000"/>
-            <a:ext cx="9360000" cy="478080"/>
+            <a:ext cx="9359640" cy="477720"/>
           </a:xfrm>
           <a:prstGeom prst="rect">
             <a:avLst/>
@@ -4028,7 +5118,13 @@
           </a:bodyPr>
           <a:p>
             <a:pPr indent="0" algn="ctr">
+              <a:lnSpc>
+                <a:spcPct val="100000"/>
+              </a:lnSpc>
               <a:buNone/>
+              <a:tabLst>
+                <a:tab algn="l" pos="0"/>
+              </a:tabLst>
             </a:pPr>
             <a:r>
               <a:rPr b="0" lang="en-GB" sz="3300" spc="-1" strike="noStrike">
@@ -4041,7 +5137,7 @@
             </a:r>
             <a:endParaRPr b="0" lang="en-GB" sz="3300" spc="-1" strike="noStrike">
               <a:solidFill>
-                <a:srgbClr val="ffffff"/>
+                <a:srgbClr val="000000"/>
               </a:solidFill>
               <a:latin typeface="Arial"/>
             </a:endParaRPr>
@@ -4050,7 +5146,7 @@
       </p:sp>
       <p:pic>
         <p:nvPicPr>
-          <p:cNvPr id="20" name="" descr=""/>
+          <p:cNvPr id="26" name="" descr=""/>
           <p:cNvPicPr/>
           <p:nvPr/>
         </p:nvPicPr>
@@ -4063,7 +5159,7 @@
         <p:spPr>
           <a:xfrm>
             <a:off x="1620000" y="768240"/>
-            <a:ext cx="6660000" cy="4245120"/>
+            <a:ext cx="6659640" cy="4244760"/>
           </a:xfrm>
           <a:prstGeom prst="rect">
             <a:avLst/>
@@ -4080,14 +5176,14 @@
             <a:spLocks noGrp="1"/>
           </p:cNvSpPr>
           <p:nvPr>
-            <p:ph type="sldNum" idx="6"/>
+            <p:ph type="sldNum" idx="8"/>
           </p:nvPr>
         </p:nvSpPr>
         <p:spPr/>
         <p:txBody>
           <a:bodyPr/>
           <a:p>
-            <a:fld id="{E917F3E5-C861-4F24-BDD3-FF228ED323D5}" type="slidenum">
+            <a:fld id="{F1DD5108-5D8D-4B65-8A0B-4F8989EE224D}" type="slidenum">
               <a:t>2</a:t>
             </a:fld>
           </a:p>
@@ -4125,7 +5221,7 @@
       </p:grpSpPr>
       <p:sp>
         <p:nvSpPr>
-          <p:cNvPr id="21" name="PlaceHolder 1"/>
+          <p:cNvPr id="27" name="PlaceHolder 1"/>
           <p:cNvSpPr>
             <a:spLocks noGrp="1"/>
           </p:cNvSpPr>
@@ -4136,7 +5232,7 @@
         <p:spPr>
           <a:xfrm>
             <a:off x="360000" y="180000"/>
-            <a:ext cx="9360000" cy="478080"/>
+            <a:ext cx="9359640" cy="477720"/>
           </a:xfrm>
           <a:prstGeom prst="rect">
             <a:avLst/>
@@ -4152,7 +5248,13 @@
           </a:bodyPr>
           <a:p>
             <a:pPr indent="0" algn="ctr">
+              <a:lnSpc>
+                <a:spcPct val="100000"/>
+              </a:lnSpc>
               <a:buNone/>
+              <a:tabLst>
+                <a:tab algn="l" pos="0"/>
+              </a:tabLst>
             </a:pPr>
             <a:r>
               <a:rPr b="0" lang="en-GB" sz="3300" spc="-1" strike="noStrike">
@@ -4165,7 +5267,7 @@
             </a:r>
             <a:endParaRPr b="0" lang="en-GB" sz="3300" spc="-1" strike="noStrike">
               <a:solidFill>
-                <a:srgbClr val="ffffff"/>
+                <a:srgbClr val="000000"/>
               </a:solidFill>
               <a:latin typeface="Arial"/>
             </a:endParaRPr>
@@ -4174,7 +5276,7 @@
       </p:sp>
       <p:pic>
         <p:nvPicPr>
-          <p:cNvPr id="22" name="" descr=""/>
+          <p:cNvPr id="28" name="" descr=""/>
           <p:cNvPicPr/>
           <p:nvPr/>
         </p:nvPicPr>
@@ -4187,7 +5289,7 @@
         <p:spPr>
           <a:xfrm>
             <a:off x="1620000" y="768240"/>
-            <a:ext cx="6660000" cy="4245120"/>
+            <a:ext cx="6659640" cy="4244760"/>
           </a:xfrm>
           <a:prstGeom prst="rect">
             <a:avLst/>
@@ -4199,14 +5301,14 @@
       </p:pic>
       <p:sp>
         <p:nvSpPr>
-          <p:cNvPr id="23" name=""/>
+          <p:cNvPr id="29" name=""/>
           <p:cNvSpPr/>
           <p:nvPr/>
         </p:nvSpPr>
         <p:spPr>
           <a:xfrm>
             <a:off x="3060000" y="1440000"/>
-            <a:ext cx="1080000" cy="1080000"/>
+            <a:ext cx="1079640" cy="1079640"/>
           </a:xfrm>
           <a:prstGeom prst="ellipse">
             <a:avLst/>
@@ -4234,11 +5336,17 @@
             <a:noAutofit/>
           </a:bodyPr>
           <a:p>
+            <a:pPr>
+              <a:lnSpc>
+                <a:spcPct val="100000"/>
+              </a:lnSpc>
+            </a:pPr>
             <a:endParaRPr b="0" lang="en-GB" sz="1800" spc="-1" strike="noStrike">
               <a:solidFill>
                 <a:srgbClr val="ffffff"/>
               </a:solidFill>
               <a:latin typeface="Arial"/>
+              <a:ea typeface="DejaVu Sans"/>
             </a:endParaRPr>
           </a:p>
         </p:txBody>
@@ -4250,14 +5358,14 @@
             <a:spLocks noGrp="1"/>
           </p:cNvSpPr>
           <p:nvPr>
-            <p:ph type="sldNum" idx="6"/>
+            <p:ph type="sldNum" idx="8"/>
           </p:nvPr>
         </p:nvSpPr>
         <p:spPr/>
         <p:txBody>
           <a:bodyPr/>
           <a:p>
-            <a:fld id="{2ABA7975-24B2-442F-9EB9-CD1265D7B8B3}" type="slidenum">
+            <a:fld id="{F063C2B2-BC53-49D7-9E00-AB05CF3903FE}" type="slidenum">
               <a:t>3</a:t>
             </a:fld>
           </a:p>
@@ -4295,7 +5403,7 @@
       </p:grpSpPr>
       <p:sp>
         <p:nvSpPr>
-          <p:cNvPr id="24" name="PlaceHolder 1"/>
+          <p:cNvPr id="30" name="PlaceHolder 1"/>
           <p:cNvSpPr>
             <a:spLocks noGrp="1"/>
           </p:cNvSpPr>
@@ -4306,7 +5414,7 @@
         <p:spPr>
           <a:xfrm>
             <a:off x="360000" y="180000"/>
-            <a:ext cx="9360000" cy="478080"/>
+            <a:ext cx="9359640" cy="477720"/>
           </a:xfrm>
           <a:prstGeom prst="rect">
             <a:avLst/>
@@ -4322,7 +5430,13 @@
           </a:bodyPr>
           <a:p>
             <a:pPr indent="0" algn="ctr">
+              <a:lnSpc>
+                <a:spcPct val="100000"/>
+              </a:lnSpc>
               <a:buNone/>
+              <a:tabLst>
+                <a:tab algn="l" pos="0"/>
+              </a:tabLst>
             </a:pPr>
             <a:r>
               <a:rPr b="0" lang="en-GB" sz="3300" spc="-1" strike="noStrike">
@@ -4335,7 +5449,7 @@
             </a:r>
             <a:endParaRPr b="0" lang="en-GB" sz="3300" spc="-1" strike="noStrike">
               <a:solidFill>
-                <a:srgbClr val="ffffff"/>
+                <a:srgbClr val="000000"/>
               </a:solidFill>
               <a:latin typeface="Arial"/>
             </a:endParaRPr>
@@ -4344,7 +5458,7 @@
       </p:sp>
       <p:pic>
         <p:nvPicPr>
-          <p:cNvPr id="25" name="" descr=""/>
+          <p:cNvPr id="31" name="" descr=""/>
           <p:cNvPicPr/>
           <p:nvPr/>
         </p:nvPicPr>
@@ -4357,7 +5471,7 @@
         <p:spPr>
           <a:xfrm>
             <a:off x="180000" y="1260000"/>
-            <a:ext cx="3893400" cy="2160000"/>
+            <a:ext cx="3893040" cy="2159640"/>
           </a:xfrm>
           <a:prstGeom prst="rect">
             <a:avLst/>
@@ -4369,14 +5483,14 @@
       </p:pic>
       <p:sp>
         <p:nvSpPr>
-          <p:cNvPr id="26" name=""/>
-          <p:cNvSpPr txBox="1"/>
+          <p:cNvPr id="32" name=""/>
+          <p:cNvSpPr/>
           <p:nvPr/>
         </p:nvSpPr>
         <p:spPr>
           <a:xfrm>
             <a:off x="4140000" y="900000"/>
-            <a:ext cx="2340000" cy="540000"/>
+            <a:ext cx="2339640" cy="539640"/>
           </a:xfrm>
           <a:prstGeom prst="rect">
             <a:avLst/>
@@ -4386,11 +5500,22 @@
             <a:noFill/>
           </a:ln>
         </p:spPr>
+        <p:style>
+          <a:lnRef idx="0"/>
+          <a:fillRef idx="0"/>
+          <a:effectRef idx="0"/>
+          <a:fontRef idx="minor"/>
+        </p:style>
         <p:txBody>
           <a:bodyPr lIns="90000" rIns="90000" tIns="45000" bIns="45000" anchor="t">
             <a:noAutofit/>
           </a:bodyPr>
           <a:p>
+            <a:pPr>
+              <a:lnSpc>
+                <a:spcPct val="100000"/>
+              </a:lnSpc>
+            </a:pPr>
             <a:r>
               <a:rPr b="1" lang="en-GB" sz="1800" spc="-1" strike="noStrike">
                 <a:solidFill>
@@ -4456,14 +5581,14 @@
       </p:sp>
       <p:sp>
         <p:nvSpPr>
-          <p:cNvPr id="27" name=""/>
-          <p:cNvSpPr txBox="1"/>
+          <p:cNvPr id="33" name=""/>
+          <p:cNvSpPr/>
           <p:nvPr/>
         </p:nvSpPr>
         <p:spPr>
           <a:xfrm>
             <a:off x="4500000" y="2049840"/>
-            <a:ext cx="1800000" cy="1370160"/>
+            <a:ext cx="1799640" cy="1369800"/>
           </a:xfrm>
           <a:prstGeom prst="rect">
             <a:avLst/>
@@ -4473,11 +5598,22 @@
             <a:noFill/>
           </a:ln>
         </p:spPr>
+        <p:style>
+          <a:lnRef idx="0"/>
+          <a:fillRef idx="0"/>
+          <a:effectRef idx="0"/>
+          <a:fontRef idx="minor"/>
+        </p:style>
         <p:txBody>
           <a:bodyPr lIns="90000" rIns="90000" tIns="45000" bIns="45000" anchor="t">
             <a:noAutofit/>
           </a:bodyPr>
           <a:p>
+            <a:pPr>
+              <a:lnSpc>
+                <a:spcPct val="100000"/>
+              </a:lnSpc>
+            </a:pPr>
             <a:r>
               <a:rPr b="0" lang="en-GB" sz="1800" spc="-1" strike="noStrike">
                 <a:solidFill>
@@ -4495,6 +5631,11 @@
             </a:endParaRPr>
           </a:p>
           <a:p>
+            <a:pPr>
+              <a:lnSpc>
+                <a:spcPct val="100000"/>
+              </a:lnSpc>
+            </a:pPr>
             <a:r>
               <a:rPr b="0" lang="en-GB" sz="1800" spc="-1" strike="noStrike">
                 <a:solidFill>
@@ -4557,6 +5698,11 @@
             </a:endParaRPr>
           </a:p>
           <a:p>
+            <a:pPr>
+              <a:lnSpc>
+                <a:spcPct val="100000"/>
+              </a:lnSpc>
+            </a:pPr>
             <a:r>
               <a:rPr b="0" lang="en-GB" sz="1800" spc="-1" strike="noStrike">
                 <a:solidFill>
@@ -4574,6 +5720,11 @@
             </a:endParaRPr>
           </a:p>
           <a:p>
+            <a:pPr>
+              <a:lnSpc>
+                <a:spcPct val="100000"/>
+              </a:lnSpc>
+            </a:pPr>
             <a:r>
               <a:rPr b="0" lang="en-GB" sz="1800" spc="-1" strike="noStrike">
                 <a:solidFill>
@@ -4627,6 +5778,11 @@
             </a:endParaRPr>
           </a:p>
           <a:p>
+            <a:pPr>
+              <a:lnSpc>
+                <a:spcPct val="100000"/>
+              </a:lnSpc>
+            </a:pPr>
             <a:endParaRPr b="0" lang="en-GB" sz="1800" spc="-1" strike="noStrike">
               <a:solidFill>
                 <a:srgbClr val="000000"/>
@@ -4638,7 +5794,7 @@
       </p:sp>
       <p:pic>
         <p:nvPicPr>
-          <p:cNvPr id="28" name="" descr=""/>
+          <p:cNvPr id="34" name="" descr=""/>
           <p:cNvPicPr/>
           <p:nvPr/>
         </p:nvPicPr>
@@ -4651,7 +5807,7 @@
         <p:spPr>
           <a:xfrm>
             <a:off x="6840000" y="1275480"/>
-            <a:ext cx="3060000" cy="1863000"/>
+            <a:ext cx="3059640" cy="1862640"/>
           </a:xfrm>
           <a:prstGeom prst="rect">
             <a:avLst/>
@@ -4663,14 +5819,14 @@
       </p:pic>
       <p:sp>
         <p:nvSpPr>
-          <p:cNvPr id="29" name=""/>
-          <p:cNvSpPr txBox="1"/>
+          <p:cNvPr id="35" name=""/>
+          <p:cNvSpPr/>
           <p:nvPr/>
         </p:nvSpPr>
         <p:spPr>
           <a:xfrm>
             <a:off x="7560000" y="900000"/>
-            <a:ext cx="2340000" cy="360000"/>
+            <a:ext cx="2339640" cy="359640"/>
           </a:xfrm>
           <a:prstGeom prst="rect">
             <a:avLst/>
@@ -4680,11 +5836,22 @@
             <a:noFill/>
           </a:ln>
         </p:spPr>
+        <p:style>
+          <a:lnRef idx="0"/>
+          <a:fillRef idx="0"/>
+          <a:effectRef idx="0"/>
+          <a:fontRef idx="minor"/>
+        </p:style>
         <p:txBody>
           <a:bodyPr lIns="90000" rIns="90000" tIns="45000" bIns="45000" anchor="t">
             <a:noAutofit/>
           </a:bodyPr>
           <a:p>
+            <a:pPr>
+              <a:lnSpc>
+                <a:spcPct val="100000"/>
+              </a:lnSpc>
+            </a:pPr>
             <a:r>
               <a:rPr b="0" lang="en-GB" sz="1800" spc="-1" strike="noStrike">
                 <a:solidFill>
@@ -4710,14 +5877,14 @@
             <a:spLocks noGrp="1"/>
           </p:cNvSpPr>
           <p:nvPr>
-            <p:ph type="sldNum" idx="6"/>
+            <p:ph type="sldNum" idx="8"/>
           </p:nvPr>
         </p:nvSpPr>
         <p:spPr/>
         <p:txBody>
           <a:bodyPr/>
           <a:p>
-            <a:fld id="{03CE6247-5381-49B6-AF83-548AF1F22B97}" type="slidenum">
+            <a:fld id="{AAD9169F-9573-48C5-A04F-8CAE04D41EBE}" type="slidenum">
               <a:t>4</a:t>
             </a:fld>
           </a:p>
@@ -4755,7 +5922,7 @@
       </p:grpSpPr>
       <p:sp>
         <p:nvSpPr>
-          <p:cNvPr id="30" name="PlaceHolder 1"/>
+          <p:cNvPr id="36" name="PlaceHolder 1"/>
           <p:cNvSpPr>
             <a:spLocks noGrp="1"/>
           </p:cNvSpPr>
@@ -4766,7 +5933,7 @@
         <p:spPr>
           <a:xfrm>
             <a:off x="360000" y="180000"/>
-            <a:ext cx="9360000" cy="478080"/>
+            <a:ext cx="9359640" cy="477720"/>
           </a:xfrm>
           <a:prstGeom prst="rect">
             <a:avLst/>
@@ -4782,7 +5949,13 @@
           </a:bodyPr>
           <a:p>
             <a:pPr indent="0" algn="ctr">
+              <a:lnSpc>
+                <a:spcPct val="100000"/>
+              </a:lnSpc>
               <a:buNone/>
+              <a:tabLst>
+                <a:tab algn="l" pos="0"/>
+              </a:tabLst>
             </a:pPr>
             <a:r>
               <a:rPr b="0" lang="en-GB" sz="3300" spc="-1" strike="noStrike">
@@ -4795,7 +5968,7 @@
             </a:r>
             <a:endParaRPr b="0" lang="en-GB" sz="3300" spc="-1" strike="noStrike">
               <a:solidFill>
-                <a:srgbClr val="ffffff"/>
+                <a:srgbClr val="000000"/>
               </a:solidFill>
               <a:latin typeface="Arial"/>
             </a:endParaRPr>
@@ -4804,7 +5977,7 @@
       </p:sp>
       <p:pic>
         <p:nvPicPr>
-          <p:cNvPr id="31" name="" descr=""/>
+          <p:cNvPr id="37" name="" descr=""/>
           <p:cNvPicPr/>
           <p:nvPr/>
         </p:nvPicPr>
@@ -4817,7 +5990,7 @@
         <p:spPr>
           <a:xfrm>
             <a:off x="1620000" y="768240"/>
-            <a:ext cx="6660000" cy="4245120"/>
+            <a:ext cx="6659640" cy="4244760"/>
           </a:xfrm>
           <a:prstGeom prst="rect">
             <a:avLst/>
@@ -4829,14 +6002,14 @@
       </p:pic>
       <p:sp>
         <p:nvSpPr>
-          <p:cNvPr id="32" name=""/>
+          <p:cNvPr id="38" name=""/>
           <p:cNvSpPr/>
           <p:nvPr/>
         </p:nvSpPr>
         <p:spPr>
           <a:xfrm>
             <a:off x="2340000" y="1080000"/>
-            <a:ext cx="720000" cy="3060000"/>
+            <a:ext cx="719640" cy="3059640"/>
           </a:xfrm>
           <a:prstGeom prst="ellipse">
             <a:avLst/>
@@ -4864,11 +6037,17 @@
             <a:noAutofit/>
           </a:bodyPr>
           <a:p>
+            <a:pPr>
+              <a:lnSpc>
+                <a:spcPct val="100000"/>
+              </a:lnSpc>
+            </a:pPr>
             <a:endParaRPr b="0" lang="en-GB" sz="1800" spc="-1" strike="noStrike">
               <a:solidFill>
                 <a:srgbClr val="ffffff"/>
               </a:solidFill>
               <a:latin typeface="Arial"/>
+              <a:ea typeface="DejaVu Sans"/>
             </a:endParaRPr>
           </a:p>
         </p:txBody>
@@ -4880,14 +6059,14 @@
             <a:spLocks noGrp="1"/>
           </p:cNvSpPr>
           <p:nvPr>
-            <p:ph type="sldNum" idx="6"/>
+            <p:ph type="sldNum" idx="8"/>
           </p:nvPr>
         </p:nvSpPr>
         <p:spPr/>
         <p:txBody>
           <a:bodyPr/>
           <a:p>
-            <a:fld id="{DD0C9F70-ADF4-41A3-8484-E1D202A62C44}" type="slidenum">
+            <a:fld id="{4FFE1A23-B36E-4F86-9E17-20415FBF8882}" type="slidenum">
               <a:t>5</a:t>
             </a:fld>
           </a:p>
@@ -4925,7 +6104,7 @@
       </p:grpSpPr>
       <p:sp>
         <p:nvSpPr>
-          <p:cNvPr id="33" name="PlaceHolder 1"/>
+          <p:cNvPr id="39" name="PlaceHolder 1"/>
           <p:cNvSpPr>
             <a:spLocks noGrp="1"/>
           </p:cNvSpPr>
@@ -4936,7 +6115,7 @@
         <p:spPr>
           <a:xfrm>
             <a:off x="360000" y="180000"/>
-            <a:ext cx="9360000" cy="478080"/>
+            <a:ext cx="9359640" cy="477720"/>
           </a:xfrm>
           <a:prstGeom prst="rect">
             <a:avLst/>
@@ -4952,7 +6131,13 @@
           </a:bodyPr>
           <a:p>
             <a:pPr indent="0" algn="ctr">
+              <a:lnSpc>
+                <a:spcPct val="100000"/>
+              </a:lnSpc>
               <a:buNone/>
+              <a:tabLst>
+                <a:tab algn="l" pos="0"/>
+              </a:tabLst>
             </a:pPr>
             <a:r>
               <a:rPr b="0" lang="en-GB" sz="3300" spc="-1" strike="noStrike">
@@ -4965,7 +6150,7 @@
             </a:r>
             <a:endParaRPr b="0" lang="en-GB" sz="3300" spc="-1" strike="noStrike">
               <a:solidFill>
-                <a:srgbClr val="ffffff"/>
+                <a:srgbClr val="000000"/>
               </a:solidFill>
               <a:latin typeface="Arial"/>
             </a:endParaRPr>
@@ -4974,7 +6159,7 @@
       </p:sp>
       <p:pic>
         <p:nvPicPr>
-          <p:cNvPr id="34" name="" descr=""/>
+          <p:cNvPr id="40" name="" descr=""/>
           <p:cNvPicPr/>
           <p:nvPr/>
         </p:nvPicPr>
@@ -4987,7 +6172,7 @@
         <p:spPr>
           <a:xfrm>
             <a:off x="246600" y="900000"/>
-            <a:ext cx="1733400" cy="3960000"/>
+            <a:ext cx="1733040" cy="3959640"/>
           </a:xfrm>
           <a:prstGeom prst="rect">
             <a:avLst/>
@@ -4999,14 +6184,14 @@
       </p:pic>
       <p:sp>
         <p:nvSpPr>
-          <p:cNvPr id="35" name=""/>
-          <p:cNvSpPr txBox="1"/>
+          <p:cNvPr id="41" name=""/>
+          <p:cNvSpPr/>
           <p:nvPr/>
         </p:nvSpPr>
         <p:spPr>
           <a:xfrm>
             <a:off x="2160000" y="900000"/>
-            <a:ext cx="2700000" cy="1260000"/>
+            <a:ext cx="2699640" cy="1259640"/>
           </a:xfrm>
           <a:prstGeom prst="rect">
             <a:avLst/>
@@ -5016,11 +6201,22 @@
             <a:noFill/>
           </a:ln>
         </p:spPr>
+        <p:style>
+          <a:lnRef idx="0"/>
+          <a:fillRef idx="0"/>
+          <a:effectRef idx="0"/>
+          <a:fontRef idx="minor"/>
+        </p:style>
         <p:txBody>
           <a:bodyPr lIns="90000" rIns="90000" tIns="45000" bIns="45000" anchor="t">
             <a:noAutofit/>
           </a:bodyPr>
           <a:p>
+            <a:pPr>
+              <a:lnSpc>
+                <a:spcPct val="100000"/>
+              </a:lnSpc>
+            </a:pPr>
             <a:r>
               <a:rPr b="0" lang="en-GB" sz="1800" spc="-1" strike="noStrike">
                 <a:solidFill>
@@ -5038,6 +6234,11 @@
             </a:endParaRPr>
           </a:p>
           <a:p>
+            <a:pPr>
+              <a:lnSpc>
+                <a:spcPct val="100000"/>
+              </a:lnSpc>
+            </a:pPr>
             <a:r>
               <a:rPr b="0" lang="en-GB" sz="1800" spc="-1" strike="noStrike">
                 <a:solidFill>
@@ -5055,6 +6256,11 @@
             </a:endParaRPr>
           </a:p>
           <a:p>
+            <a:pPr>
+              <a:lnSpc>
+                <a:spcPct val="100000"/>
+              </a:lnSpc>
+            </a:pPr>
             <a:r>
               <a:rPr b="0" lang="en-GB" sz="1800" spc="-1" strike="noStrike">
                 <a:solidFill>
@@ -5072,6 +6278,11 @@
             </a:endParaRPr>
           </a:p>
           <a:p>
+            <a:pPr>
+              <a:lnSpc>
+                <a:spcPct val="100000"/>
+              </a:lnSpc>
+            </a:pPr>
             <a:endParaRPr b="0" lang="en-GB" sz="1800" spc="-1" strike="noStrike">
               <a:solidFill>
                 <a:srgbClr val="000000"/>
@@ -5083,7 +6294,7 @@
       </p:sp>
       <p:pic>
         <p:nvPicPr>
-          <p:cNvPr id="36" name="" descr=""/>
+          <p:cNvPr id="42" name="" descr=""/>
           <p:cNvPicPr/>
           <p:nvPr/>
         </p:nvPicPr>
@@ -5096,7 +6307,7 @@
         <p:spPr>
           <a:xfrm>
             <a:off x="2160000" y="1978920"/>
-            <a:ext cx="1951200" cy="2881080"/>
+            <a:ext cx="1950840" cy="2880720"/>
           </a:xfrm>
           <a:prstGeom prst="rect">
             <a:avLst/>
@@ -5113,14 +6324,14 @@
             <a:spLocks noGrp="1"/>
           </p:cNvSpPr>
           <p:nvPr>
-            <p:ph type="sldNum" idx="6"/>
+            <p:ph type="sldNum" idx="8"/>
           </p:nvPr>
         </p:nvSpPr>
         <p:spPr/>
         <p:txBody>
           <a:bodyPr/>
           <a:p>
-            <a:fld id="{C8EB73BF-841F-4C45-AABA-59016D5B80C4}" type="slidenum">
+            <a:fld id="{DC04D259-AE02-44C2-9E6E-B17BFADAE0A2}" type="slidenum">
               <a:t>6</a:t>
             </a:fld>
           </a:p>
@@ -5158,7 +6369,7 @@
       </p:grpSpPr>
       <p:sp>
         <p:nvSpPr>
-          <p:cNvPr id="37" name="PlaceHolder 1"/>
+          <p:cNvPr id="43" name="PlaceHolder 1"/>
           <p:cNvSpPr>
             <a:spLocks noGrp="1"/>
           </p:cNvSpPr>
@@ -5169,7 +6380,7 @@
         <p:spPr>
           <a:xfrm>
             <a:off x="360000" y="180000"/>
-            <a:ext cx="9360000" cy="478080"/>
+            <a:ext cx="9359640" cy="477720"/>
           </a:xfrm>
           <a:prstGeom prst="rect">
             <a:avLst/>
@@ -5185,7 +6396,13 @@
           </a:bodyPr>
           <a:p>
             <a:pPr indent="0" algn="ctr">
+              <a:lnSpc>
+                <a:spcPct val="100000"/>
+              </a:lnSpc>
               <a:buNone/>
+              <a:tabLst>
+                <a:tab algn="l" pos="0"/>
+              </a:tabLst>
             </a:pPr>
             <a:r>
               <a:rPr b="0" lang="en-GB" sz="3300" spc="-1" strike="noStrike">
@@ -5198,7 +6415,7 @@
             </a:r>
             <a:endParaRPr b="0" lang="en-GB" sz="3300" spc="-1" strike="noStrike">
               <a:solidFill>
-                <a:srgbClr val="ffffff"/>
+                <a:srgbClr val="000000"/>
               </a:solidFill>
               <a:latin typeface="Arial"/>
             </a:endParaRPr>
@@ -5207,7 +6424,7 @@
       </p:sp>
       <p:pic>
         <p:nvPicPr>
-          <p:cNvPr id="38" name="" descr=""/>
+          <p:cNvPr id="44" name="" descr=""/>
           <p:cNvPicPr/>
           <p:nvPr/>
         </p:nvPicPr>
@@ -5220,7 +6437,7 @@
         <p:spPr>
           <a:xfrm>
             <a:off x="1620000" y="768240"/>
-            <a:ext cx="6660000" cy="4245120"/>
+            <a:ext cx="6659640" cy="4244760"/>
           </a:xfrm>
           <a:prstGeom prst="rect">
             <a:avLst/>
@@ -5232,14 +6449,14 @@
       </p:pic>
       <p:sp>
         <p:nvSpPr>
-          <p:cNvPr id="39" name=""/>
+          <p:cNvPr id="45" name=""/>
           <p:cNvSpPr/>
           <p:nvPr/>
         </p:nvSpPr>
         <p:spPr>
           <a:xfrm>
             <a:off x="4680000" y="1980000"/>
-            <a:ext cx="1080000" cy="1080000"/>
+            <a:ext cx="1079640" cy="1079640"/>
           </a:xfrm>
           <a:prstGeom prst="ellipse">
             <a:avLst/>
@@ -5267,11 +6484,17 @@
             <a:noAutofit/>
           </a:bodyPr>
           <a:p>
+            <a:pPr>
+              <a:lnSpc>
+                <a:spcPct val="100000"/>
+              </a:lnSpc>
+            </a:pPr>
             <a:endParaRPr b="0" lang="en-GB" sz="1800" spc="-1" strike="noStrike">
               <a:solidFill>
                 <a:srgbClr val="ffffff"/>
               </a:solidFill>
               <a:latin typeface="Arial"/>
+              <a:ea typeface="DejaVu Sans"/>
             </a:endParaRPr>
           </a:p>
         </p:txBody>
@@ -5283,14 +6506,14 @@
             <a:spLocks noGrp="1"/>
           </p:cNvSpPr>
           <p:nvPr>
-            <p:ph type="sldNum" idx="6"/>
+            <p:ph type="sldNum" idx="8"/>
           </p:nvPr>
         </p:nvSpPr>
         <p:spPr/>
         <p:txBody>
           <a:bodyPr/>
           <a:p>
-            <a:fld id="{43E77A31-29B8-47D6-851A-166BF4B325D1}" type="slidenum">
+            <a:fld id="{9EA9D655-E062-47E6-82D5-BABD84A14E26}" type="slidenum">
               <a:t>7</a:t>
             </a:fld>
           </a:p>
@@ -5328,7 +6551,7 @@
       </p:grpSpPr>
       <p:sp>
         <p:nvSpPr>
-          <p:cNvPr id="40" name="PlaceHolder 1"/>
+          <p:cNvPr id="46" name="PlaceHolder 1"/>
           <p:cNvSpPr>
             <a:spLocks noGrp="1"/>
           </p:cNvSpPr>
@@ -5339,7 +6562,7 @@
         <p:spPr>
           <a:xfrm>
             <a:off x="360000" y="180000"/>
-            <a:ext cx="9360000" cy="478080"/>
+            <a:ext cx="9359640" cy="477720"/>
           </a:xfrm>
           <a:prstGeom prst="rect">
             <a:avLst/>
@@ -5355,7 +6578,13 @@
           </a:bodyPr>
           <a:p>
             <a:pPr indent="0" algn="ctr">
+              <a:lnSpc>
+                <a:spcPct val="100000"/>
+              </a:lnSpc>
               <a:buNone/>
+              <a:tabLst>
+                <a:tab algn="l" pos="0"/>
+              </a:tabLst>
             </a:pPr>
             <a:r>
               <a:rPr b="0" lang="en-GB" sz="3300" spc="-1" strike="noStrike">
@@ -5368,7 +6597,7 @@
             </a:r>
             <a:endParaRPr b="0" lang="en-GB" sz="3300" spc="-1" strike="noStrike">
               <a:solidFill>
-                <a:srgbClr val="ffffff"/>
+                <a:srgbClr val="000000"/>
               </a:solidFill>
               <a:latin typeface="Arial"/>
             </a:endParaRPr>
@@ -5377,7 +6606,7 @@
       </p:sp>
       <p:pic>
         <p:nvPicPr>
-          <p:cNvPr id="41" name="" descr=""/>
+          <p:cNvPr id="47" name="" descr=""/>
           <p:cNvPicPr/>
           <p:nvPr/>
         </p:nvPicPr>
@@ -5390,7 +6619,7 @@
         <p:spPr>
           <a:xfrm>
             <a:off x="158040" y="802800"/>
-            <a:ext cx="2361960" cy="2257200"/>
+            <a:ext cx="2361600" cy="2256840"/>
           </a:xfrm>
           <a:prstGeom prst="rect">
             <a:avLst/>
@@ -5402,13 +6631,13 @@
       </p:pic>
       <p:graphicFrame>
         <p:nvGraphicFramePr>
-          <p:cNvPr id="42" name=""/>
+          <p:cNvPr id="48" name=""/>
           <p:cNvGraphicFramePr/>
           <p:nvPr/>
         </p:nvGraphicFramePr>
         <p:xfrm>
           <a:off x="2952000" y="1302480"/>
-          <a:ext cx="5075280" cy="1038600"/>
+          <a:ext cx="5075280" cy="1391040"/>
         </p:xfrm>
         <a:graphic>
           <a:graphicData uri="http://schemas.openxmlformats.org/drawingml/2006/table">
@@ -5422,11 +6651,15 @@
               <a:tr h="346320">
                 <a:tc>
                   <a:txBody>
-                    <a:bodyPr lIns="36000" rIns="36000" tIns="36000" bIns="36000" anchor="t">
+                    <a:bodyPr lIns="36000" rIns="36000" anchor="t">
                       <a:noAutofit/>
                     </a:bodyPr>
                     <a:p>
-                      <a:pPr algn="ctr"/>
+                      <a:pPr algn="ctr">
+                        <a:lnSpc>
+                          <a:spcPct val="100000"/>
+                        </a:lnSpc>
+                      </a:pPr>
                       <a:r>
                         <a:rPr b="0" lang="en-GB" sz="1800" spc="-1" strike="noStrike">
                           <a:solidFill>
@@ -5476,11 +6709,15 @@
                 </a:tc>
                 <a:tc>
                   <a:txBody>
-                    <a:bodyPr lIns="36000" rIns="36000" tIns="36000" bIns="36000" anchor="t">
+                    <a:bodyPr lIns="36000" rIns="36000" anchor="t">
                       <a:noAutofit/>
                     </a:bodyPr>
                     <a:p>
-                      <a:pPr algn="ctr"/>
+                      <a:pPr algn="ctr">
+                        <a:lnSpc>
+                          <a:spcPct val="100000"/>
+                        </a:lnSpc>
+                      </a:pPr>
                       <a:r>
                         <a:rPr b="0" lang="en-GB" sz="1800" spc="-1" strike="noStrike">
                           <a:solidFill>
@@ -5530,11 +6767,15 @@
                 </a:tc>
                 <a:tc>
                   <a:txBody>
-                    <a:bodyPr lIns="36000" rIns="36000" tIns="36000" bIns="36000" anchor="t">
+                    <a:bodyPr lIns="36000" rIns="36000" anchor="t">
                       <a:noAutofit/>
                     </a:bodyPr>
                     <a:p>
-                      <a:pPr algn="ctr"/>
+                      <a:pPr algn="ctr">
+                        <a:lnSpc>
+                          <a:spcPct val="100000"/>
+                        </a:lnSpc>
+                      </a:pPr>
                       <a:r>
                         <a:rPr b="0" lang="en-GB" sz="1800" spc="-1" strike="noStrike">
                           <a:solidFill>
@@ -5586,11 +6827,15 @@
               <a:tr h="346320">
                 <a:tc>
                   <a:txBody>
-                    <a:bodyPr lIns="36000" rIns="36000" tIns="36000" bIns="36000" anchor="t">
+                    <a:bodyPr lIns="36000" rIns="36000" anchor="t">
                       <a:noAutofit/>
                     </a:bodyPr>
                     <a:p>
-                      <a:pPr algn="ctr"/>
+                      <a:pPr algn="ctr">
+                        <a:lnSpc>
+                          <a:spcPct val="100000"/>
+                        </a:lnSpc>
+                      </a:pPr>
                       <a:r>
                         <a:rPr b="0" lang="en-GB" sz="1800" spc="-1" strike="noStrike">
                           <a:solidFill>
@@ -5640,11 +6885,15 @@
                 </a:tc>
                 <a:tc>
                   <a:txBody>
-                    <a:bodyPr lIns="36000" rIns="36000" tIns="36000" bIns="36000" anchor="t">
+                    <a:bodyPr lIns="36000" rIns="36000" anchor="t">
                       <a:noAutofit/>
                     </a:bodyPr>
                     <a:p>
-                      <a:pPr algn="ctr"/>
+                      <a:pPr algn="ctr">
+                        <a:lnSpc>
+                          <a:spcPct val="100000"/>
+                        </a:lnSpc>
+                      </a:pPr>
                       <a:r>
                         <a:rPr b="0" lang="en-GB" sz="1800" spc="-1" strike="noStrike">
                           <a:solidFill>
@@ -5694,11 +6943,15 @@
                 </a:tc>
                 <a:tc>
                   <a:txBody>
-                    <a:bodyPr lIns="36000" rIns="36000" tIns="36000" bIns="36000" anchor="t">
+                    <a:bodyPr lIns="36000" rIns="36000" anchor="t">
                       <a:noAutofit/>
                     </a:bodyPr>
                     <a:p>
-                      <a:pPr algn="ctr"/>
+                      <a:pPr algn="ctr">
+                        <a:lnSpc>
+                          <a:spcPct val="100000"/>
+                        </a:lnSpc>
+                      </a:pPr>
                       <a:r>
                         <a:rPr b="0" lang="en-GB" sz="1800" spc="-1" strike="noStrike">
                           <a:solidFill>
@@ -5750,11 +7003,15 @@
               <a:tr h="346320">
                 <a:tc>
                   <a:txBody>
-                    <a:bodyPr lIns="36000" rIns="36000" tIns="36000" bIns="36000" anchor="t">
+                    <a:bodyPr lIns="36000" rIns="36000" anchor="t">
                       <a:noAutofit/>
                     </a:bodyPr>
                     <a:p>
-                      <a:pPr algn="ctr"/>
+                      <a:pPr algn="ctr">
+                        <a:lnSpc>
+                          <a:spcPct val="100000"/>
+                        </a:lnSpc>
+                      </a:pPr>
                       <a:r>
                         <a:rPr b="0" lang="en-GB" sz="1800" spc="-1" strike="noStrike">
                           <a:solidFill>
@@ -5804,11 +7061,15 @@
                 </a:tc>
                 <a:tc>
                   <a:txBody>
-                    <a:bodyPr lIns="36000" rIns="36000" tIns="36000" bIns="36000" anchor="t">
+                    <a:bodyPr lIns="36000" rIns="36000" anchor="t">
                       <a:noAutofit/>
                     </a:bodyPr>
                     <a:p>
-                      <a:pPr algn="ctr"/>
+                      <a:pPr algn="ctr">
+                        <a:lnSpc>
+                          <a:spcPct val="100000"/>
+                        </a:lnSpc>
+                      </a:pPr>
                       <a:r>
                         <a:rPr b="0" lang="en-GB" sz="1800" spc="-1" strike="noStrike">
                           <a:solidFill>
@@ -5858,11 +7119,15 @@
                 </a:tc>
                 <a:tc>
                   <a:txBody>
-                    <a:bodyPr lIns="36000" rIns="36000" tIns="36000" bIns="36000" anchor="t">
+                    <a:bodyPr lIns="36000" rIns="36000" anchor="t">
                       <a:noAutofit/>
                     </a:bodyPr>
                     <a:p>
-                      <a:pPr algn="ctr"/>
+                      <a:pPr algn="ctr">
+                        <a:lnSpc>
+                          <a:spcPct val="100000"/>
+                        </a:lnSpc>
+                      </a:pPr>
                       <a:r>
                         <a:rPr b="0" lang="en-GB" sz="1800" spc="-1" strike="noStrike">
                           <a:solidFill>
@@ -5914,11 +7179,15 @@
               <a:tr h="346320">
                 <a:tc>
                   <a:txBody>
-                    <a:bodyPr lIns="36000" rIns="36000" tIns="36000" bIns="36000" anchor="t">
+                    <a:bodyPr lIns="36000" rIns="36000" anchor="t">
                       <a:noAutofit/>
                     </a:bodyPr>
                     <a:p>
-                      <a:pPr algn="ctr"/>
+                      <a:pPr algn="ctr">
+                        <a:lnSpc>
+                          <a:spcPct val="100000"/>
+                        </a:lnSpc>
+                      </a:pPr>
                       <a:r>
                         <a:rPr b="0" lang="en-GB" sz="1800" spc="-1" strike="noStrike">
                           <a:solidFill>
@@ -5968,11 +7237,15 @@
                 </a:tc>
                 <a:tc>
                   <a:txBody>
-                    <a:bodyPr lIns="36000" rIns="36000" tIns="36000" bIns="36000" anchor="t">
+                    <a:bodyPr lIns="36000" rIns="36000" anchor="t">
                       <a:noAutofit/>
                     </a:bodyPr>
                     <a:p>
-                      <a:pPr algn="ctr"/>
+                      <a:pPr algn="ctr">
+                        <a:lnSpc>
+                          <a:spcPct val="100000"/>
+                        </a:lnSpc>
+                      </a:pPr>
                       <a:r>
                         <a:rPr b="0" lang="en-GB" sz="1800" spc="-1" strike="noStrike">
                           <a:solidFill>
@@ -6022,11 +7295,15 @@
                 </a:tc>
                 <a:tc>
                   <a:txBody>
-                    <a:bodyPr lIns="36000" rIns="36000" tIns="36000" bIns="36000" anchor="t">
+                    <a:bodyPr lIns="36000" rIns="36000" anchor="t">
                       <a:noAutofit/>
                     </a:bodyPr>
                     <a:p>
-                      <a:pPr algn="ctr"/>
+                      <a:pPr algn="ctr">
+                        <a:lnSpc>
+                          <a:spcPct val="100000"/>
+                        </a:lnSpc>
+                      </a:pPr>
                       <a:r>
                         <a:rPr b="0" lang="en-GB" sz="1800" spc="-1" strike="noStrike">
                           <a:solidFill>
@@ -6086,14 +7363,14 @@
             <a:spLocks noGrp="1"/>
           </p:cNvSpPr>
           <p:nvPr>
-            <p:ph type="sldNum" idx="6"/>
+            <p:ph type="sldNum" idx="8"/>
           </p:nvPr>
         </p:nvSpPr>
         <p:spPr/>
         <p:txBody>
           <a:bodyPr/>
           <a:p>
-            <a:fld id="{0647E947-0517-4900-BC67-71F8EE40E9FD}" type="slidenum">
+            <a:fld id="{C3522323-B6BB-4402-88CF-7CF9CC01BF77}" type="slidenum">
               <a:t>8</a:t>
             </a:fld>
           </a:p>
@@ -6131,7 +7408,7 @@
       </p:grpSpPr>
       <p:sp>
         <p:nvSpPr>
-          <p:cNvPr id="43" name="PlaceHolder 1"/>
+          <p:cNvPr id="49" name="PlaceHolder 1"/>
           <p:cNvSpPr>
             <a:spLocks noGrp="1"/>
           </p:cNvSpPr>
@@ -6142,7 +7419,7 @@
         <p:spPr>
           <a:xfrm>
             <a:off x="360000" y="180000"/>
-            <a:ext cx="9360000" cy="478080"/>
+            <a:ext cx="9359640" cy="477720"/>
           </a:xfrm>
           <a:prstGeom prst="rect">
             <a:avLst/>
@@ -6158,7 +7435,13 @@
           </a:bodyPr>
           <a:p>
             <a:pPr indent="0" algn="ctr">
+              <a:lnSpc>
+                <a:spcPct val="100000"/>
+              </a:lnSpc>
               <a:buNone/>
+              <a:tabLst>
+                <a:tab algn="l" pos="0"/>
+              </a:tabLst>
             </a:pPr>
             <a:r>
               <a:rPr b="0" lang="en-GB" sz="3300" spc="-1" strike="noStrike">
@@ -6171,7 +7454,7 @@
             </a:r>
             <a:endParaRPr b="0" lang="en-GB" sz="3300" spc="-1" strike="noStrike">
               <a:solidFill>
-                <a:srgbClr val="ffffff"/>
+                <a:srgbClr val="000000"/>
               </a:solidFill>
               <a:latin typeface="Arial"/>
             </a:endParaRPr>
@@ -6180,7 +7463,7 @@
       </p:sp>
       <p:pic>
         <p:nvPicPr>
-          <p:cNvPr id="44" name="" descr=""/>
+          <p:cNvPr id="50" name="" descr=""/>
           <p:cNvPicPr/>
           <p:nvPr/>
         </p:nvPicPr>
@@ -6193,7 +7476,7 @@
         <p:spPr>
           <a:xfrm>
             <a:off x="1620000" y="768240"/>
-            <a:ext cx="6660000" cy="4245120"/>
+            <a:ext cx="6659640" cy="4244760"/>
           </a:xfrm>
           <a:prstGeom prst="rect">
             <a:avLst/>
@@ -6205,14 +7488,14 @@
       </p:pic>
       <p:sp>
         <p:nvSpPr>
-          <p:cNvPr id="45" name=""/>
+          <p:cNvPr id="51" name=""/>
           <p:cNvSpPr/>
           <p:nvPr/>
         </p:nvSpPr>
         <p:spPr>
           <a:xfrm>
             <a:off x="5400000" y="2700000"/>
-            <a:ext cx="1980000" cy="1440000"/>
+            <a:ext cx="1979640" cy="1439640"/>
           </a:xfrm>
           <a:prstGeom prst="ellipse">
             <a:avLst/>
@@ -6240,11 +7523,17 @@
             <a:noAutofit/>
           </a:bodyPr>
           <a:p>
+            <a:pPr>
+              <a:lnSpc>
+                <a:spcPct val="100000"/>
+              </a:lnSpc>
+            </a:pPr>
             <a:endParaRPr b="0" lang="en-GB" sz="1800" spc="-1" strike="noStrike">
               <a:solidFill>
                 <a:srgbClr val="ffffff"/>
               </a:solidFill>
               <a:latin typeface="Arial"/>
+              <a:ea typeface="DejaVu Sans"/>
             </a:endParaRPr>
           </a:p>
         </p:txBody>
@@ -6256,14 +7545,14 @@
             <a:spLocks noGrp="1"/>
           </p:cNvSpPr>
           <p:nvPr>
-            <p:ph type="sldNum" idx="6"/>
+            <p:ph type="sldNum" idx="8"/>
           </p:nvPr>
         </p:nvSpPr>
         <p:spPr/>
         <p:txBody>
           <a:bodyPr/>
           <a:p>
-            <a:fld id="{7A9F7959-E319-4C41-B37D-F9FB05401014}" type="slidenum">
+            <a:fld id="{32419AD4-1557-4C98-B77B-04D4E5262B76}" type="slidenum">
               <a:t>9</a:t>
             </a:fld>
           </a:p>
@@ -6492,4 +7781,110 @@
     </a:fmtScheme>
   </a:themeElements>
 </a:theme>
+</file>
+
+<file path=ppt/theme/theme3.xml><?xml version="1.0" encoding="utf-8"?>
+<a:theme xmlns:a="http://schemas.openxmlformats.org/drawingml/2006/main" xmlns:r="http://schemas.openxmlformats.org/officeDocument/2006/relationships" name="Office">
+  <a:themeElements>
+    <a:clrScheme name="LibreOffice">
+      <a:dk1>
+        <a:srgbClr val="000000"/>
+      </a:dk1>
+      <a:lt1>
+        <a:srgbClr val="ffffff"/>
+      </a:lt1>
+      <a:dk2>
+        <a:srgbClr val="000000"/>
+      </a:dk2>
+      <a:lt2>
+        <a:srgbClr val="ffffff"/>
+      </a:lt2>
+      <a:accent1>
+        <a:srgbClr val="18a303"/>
+      </a:accent1>
+      <a:accent2>
+        <a:srgbClr val="0369a3"/>
+      </a:accent2>
+      <a:accent3>
+        <a:srgbClr val="a33e03"/>
+      </a:accent3>
+      <a:accent4>
+        <a:srgbClr val="8e03a3"/>
+      </a:accent4>
+      <a:accent5>
+        <a:srgbClr val="c99c00"/>
+      </a:accent5>
+      <a:accent6>
+        <a:srgbClr val="c9211e"/>
+      </a:accent6>
+      <a:hlink>
+        <a:srgbClr val="0000ee"/>
+      </a:hlink>
+      <a:folHlink>
+        <a:srgbClr val="551a8b"/>
+      </a:folHlink>
+    </a:clrScheme>
+    <a:fontScheme name="Office">
+      <a:majorFont>
+        <a:latin typeface="Arial" pitchFamily="0" charset="1"/>
+        <a:ea typeface="DejaVu Sans" pitchFamily="0" charset="1"/>
+        <a:cs typeface="DejaVu Sans" pitchFamily="0" charset="1"/>
+      </a:majorFont>
+      <a:minorFont>
+        <a:latin typeface="Arial" pitchFamily="0" charset="1"/>
+        <a:ea typeface="DejaVu Sans" pitchFamily="0" charset="1"/>
+        <a:cs typeface="DejaVu Sans" pitchFamily="0" charset="1"/>
+      </a:minorFont>
+    </a:fontScheme>
+    <a:fmtScheme>
+      <a:fillStyleLst>
+        <a:solidFill>
+          <a:schemeClr val="phClr"/>
+        </a:solidFill>
+        <a:solidFill>
+          <a:schemeClr val="phClr"/>
+        </a:solidFill>
+        <a:solidFill>
+          <a:schemeClr val="phClr"/>
+        </a:solidFill>
+      </a:fillStyleLst>
+      <a:lnStyleLst>
+        <a:ln w="6350" cap="flat" cmpd="sng" algn="ctr">
+          <a:prstDash val="solid"/>
+          <a:miter/>
+        </a:ln>
+        <a:ln w="6350" cap="flat" cmpd="sng" algn="ctr">
+          <a:prstDash val="solid"/>
+          <a:miter/>
+        </a:ln>
+        <a:ln w="6350" cap="flat" cmpd="sng" algn="ctr">
+          <a:prstDash val="solid"/>
+          <a:miter/>
+        </a:ln>
+      </a:lnStyleLst>
+      <a:effectStyleLst>
+        <a:effectStyle>
+          <a:effectLst/>
+        </a:effectStyle>
+        <a:effectStyle>
+          <a:effectLst/>
+        </a:effectStyle>
+        <a:effectStyle>
+          <a:effectLst/>
+        </a:effectStyle>
+      </a:effectStyleLst>
+      <a:bgFillStyleLst>
+        <a:solidFill>
+          <a:schemeClr val="phClr"/>
+        </a:solidFill>
+        <a:solidFill>
+          <a:schemeClr val="phClr"/>
+        </a:solidFill>
+        <a:solidFill>
+          <a:schemeClr val="phClr"/>
+        </a:solidFill>
+      </a:bgFillStyleLst>
+    </a:fmtScheme>
+  </a:themeElements>
+</a:theme>
 </file>
--- a/SummerCamp/day2.pptx
+++ b/SummerCamp/day2.pptx
@@ -18,6 +18,8 @@
     <p:sldId id="264" r:id="rId13"/>
     <p:sldId id="265" r:id="rId14"/>
     <p:sldId id="266" r:id="rId15"/>
+    <p:sldId id="267" r:id="rId16"/>
+    <p:sldId id="268" r:id="rId17"/>
   </p:sldIdLst>
   <p:sldSz cx="10080625" cy="5670550"/>
   <p:notesSz cx="7559675" cy="10691813"/>
@@ -54,7 +56,7 @@
         <p:spPr>
           <a:xfrm>
             <a:off x="360000" y="106200"/>
-            <a:ext cx="9359640" cy="625320"/>
+            <a:ext cx="9359280" cy="625320"/>
           </a:xfrm>
           <a:prstGeom prst="rect">
             <a:avLst/>
@@ -115,7 +117,7 @@
         <p:txBody>
           <a:bodyPr/>
           <a:p>
-            <a:fld id="{84233ECA-96BE-4E52-BD34-8DB1C71034A1}" type="slidenum">
+            <a:fld id="{761F8089-900D-4351-9354-E03A21084CCD}" type="slidenum">
               <a:t>&lt;#&gt;</a:t>
             </a:fld>
           </a:p>
@@ -177,7 +179,7 @@
         <p:spPr>
           <a:xfrm>
             <a:off x="360000" y="106200"/>
-            <a:ext cx="9359640" cy="625320"/>
+            <a:ext cx="9359280" cy="625320"/>
           </a:xfrm>
           <a:prstGeom prst="rect">
             <a:avLst/>
@@ -217,7 +219,7 @@
         <p:spPr>
           <a:xfrm>
             <a:off x="360000" y="1080000"/>
-            <a:ext cx="9359640" cy="3599640"/>
+            <a:ext cx="9359280" cy="3599280"/>
           </a:xfrm>
           <a:prstGeom prst="rect">
             <a:avLst/>
@@ -281,7 +283,7 @@
         <p:txBody>
           <a:bodyPr/>
           <a:p>
-            <a:fld id="{9EEF924D-0324-4D93-BF72-06E3058EFC3E}" type="slidenum">
+            <a:fld id="{95CF1EF2-D621-415B-AED0-1BBAC09030B6}" type="slidenum">
               <a:t>&lt;#&gt;</a:t>
             </a:fld>
           </a:p>
@@ -343,7 +345,7 @@
         <p:spPr>
           <a:xfrm>
             <a:off x="360000" y="106200"/>
-            <a:ext cx="9359640" cy="625320"/>
+            <a:ext cx="9359280" cy="625320"/>
           </a:xfrm>
           <a:prstGeom prst="rect">
             <a:avLst/>
@@ -383,7 +385,7 @@
         <p:spPr>
           <a:xfrm>
             <a:off x="360000" y="1080000"/>
-            <a:ext cx="9359640" cy="3599640"/>
+            <a:ext cx="9359280" cy="3599280"/>
           </a:xfrm>
           <a:prstGeom prst="rect">
             <a:avLst/>
@@ -447,7 +449,7 @@
         <p:txBody>
           <a:bodyPr/>
           <a:p>
-            <a:fld id="{E878F9B5-DB33-4E8D-B23F-B34F10703F7F}" type="slidenum">
+            <a:fld id="{EE87EEC3-6720-484C-A88A-C30DFEC144BA}" type="slidenum">
               <a:t>&lt;#&gt;</a:t>
             </a:fld>
           </a:p>
@@ -505,7 +507,7 @@
         <p:spPr>
           <a:xfrm flipH="1" flipV="1">
             <a:off x="-720" y="4499280"/>
-            <a:ext cx="10079640" cy="1169640"/>
+            <a:ext cx="10079280" cy="1169280"/>
           </a:xfrm>
           <a:prstGeom prst="flowChartDocument">
             <a:avLst/>
@@ -897,7 +899,7 @@
                 <a:srgbClr val="009bdd"/>
               </a:gs>
             </a:gsLst>
-            <a:lin ang="0"/>
+            <a:lin ang="10800000"/>
           </a:gradFill>
           <a:ln w="18000">
             <a:noFill/>
@@ -948,8 +950,8 @@
         </p:nvSpPr>
         <p:spPr>
           <a:xfrm>
-            <a:off x="360000" y="180000"/>
-            <a:ext cx="9359640" cy="477720"/>
+            <a:off x="360000" y="106200"/>
+            <a:ext cx="9359280" cy="624960"/>
           </a:xfrm>
           <a:prstGeom prst="rect">
             <a:avLst/>
@@ -998,7 +1000,7 @@
         <p:spPr>
           <a:xfrm>
             <a:off x="3420000" y="5220000"/>
-            <a:ext cx="3239640" cy="359640"/>
+            <a:ext cx="3239280" cy="359280"/>
           </a:xfrm>
           <a:prstGeom prst="rect">
             <a:avLst/>
@@ -1070,7 +1072,7 @@
         <p:spPr>
           <a:xfrm>
             <a:off x="7380000" y="5220000"/>
-            <a:ext cx="2339640" cy="359640"/>
+            <a:ext cx="2339280" cy="359280"/>
           </a:xfrm>
           <a:prstGeom prst="rect">
             <a:avLst/>
@@ -1111,7 +1113,7 @@
                 <a:tab algn="l" pos="0"/>
               </a:tabLst>
             </a:pPr>
-            <a:fld id="{F45F98E5-F76C-4CF0-BA05-34F788E1FB31}" type="slidenum">
+            <a:fld id="{BF7E781B-F42A-4B90-8FDB-9BD4878EBE30}" type="slidenum">
               <a:rPr b="0" lang="en-GB" sz="1400" spc="-1" strike="noStrike">
                 <a:solidFill>
                   <a:srgbClr val="ffffff"/>
@@ -1142,7 +1144,7 @@
         <p:spPr>
           <a:xfrm>
             <a:off x="360000" y="5220000"/>
-            <a:ext cx="2339640" cy="359640"/>
+            <a:ext cx="2339280" cy="359280"/>
           </a:xfrm>
           <a:prstGeom prst="rect">
             <a:avLst/>
@@ -1449,7 +1451,7 @@
         <p:spPr>
           <a:xfrm flipH="1" flipV="1">
             <a:off x="-720" y="4499280"/>
-            <a:ext cx="10079640" cy="1169640"/>
+            <a:ext cx="10079280" cy="1169280"/>
           </a:xfrm>
           <a:prstGeom prst="flowChartDocument">
             <a:avLst/>
@@ -1841,7 +1843,7 @@
                 <a:srgbClr val="009bdd"/>
               </a:gs>
             </a:gsLst>
-            <a:lin ang="0"/>
+            <a:lin ang="10800000"/>
           </a:gradFill>
           <a:ln w="18000">
             <a:noFill/>
@@ -1892,8 +1894,8 @@
         </p:nvSpPr>
         <p:spPr>
           <a:xfrm>
-            <a:off x="360000" y="180000"/>
-            <a:ext cx="9359640" cy="477720"/>
+            <a:off x="360000" y="106200"/>
+            <a:ext cx="9359280" cy="624960"/>
           </a:xfrm>
           <a:prstGeom prst="rect">
             <a:avLst/>
@@ -1942,7 +1944,7 @@
         <p:spPr>
           <a:xfrm>
             <a:off x="360000" y="1080000"/>
-            <a:ext cx="9359640" cy="3599640"/>
+            <a:ext cx="9359280" cy="3599280"/>
           </a:xfrm>
           <a:prstGeom prst="rect">
             <a:avLst/>
@@ -1954,7 +1956,7 @@
         </p:spPr>
         <p:txBody>
           <a:bodyPr lIns="0" rIns="0" tIns="0" bIns="0" anchor="t">
-            <a:noAutofit/>
+            <a:normAutofit/>
           </a:bodyPr>
           <a:p>
             <a:pPr marL="432000" indent="-324000">
@@ -2167,7 +2169,7 @@
         <p:spPr>
           <a:xfrm>
             <a:off x="3420000" y="5220000"/>
-            <a:ext cx="3239640" cy="359640"/>
+            <a:ext cx="3239280" cy="359280"/>
           </a:xfrm>
           <a:prstGeom prst="rect">
             <a:avLst/>
@@ -2239,7 +2241,7 @@
         <p:spPr>
           <a:xfrm>
             <a:off x="7380000" y="5220000"/>
-            <a:ext cx="2339640" cy="359640"/>
+            <a:ext cx="2339280" cy="359280"/>
           </a:xfrm>
           <a:prstGeom prst="rect">
             <a:avLst/>
@@ -2280,7 +2282,7 @@
                 <a:tab algn="l" pos="0"/>
               </a:tabLst>
             </a:pPr>
-            <a:fld id="{3ADBF50D-9BBE-4BE5-8F18-1CD9CCF2598A}" type="slidenum">
+            <a:fld id="{DCDDFEEE-96DE-4EE4-BE0C-E36BD7B20BCE}" type="slidenum">
               <a:rPr b="0" lang="en-GB" sz="1400" spc="-1" strike="noStrike">
                 <a:solidFill>
                   <a:srgbClr val="ffffff"/>
@@ -2311,7 +2313,7 @@
         <p:spPr>
           <a:xfrm>
             <a:off x="360000" y="5220000"/>
-            <a:ext cx="2339640" cy="359640"/>
+            <a:ext cx="2339280" cy="359280"/>
           </a:xfrm>
           <a:prstGeom prst="rect">
             <a:avLst/>
@@ -2393,7 +2395,7 @@
         <p:spPr>
           <a:xfrm>
             <a:off x="0" y="0"/>
-            <a:ext cx="10076400" cy="719640"/>
+            <a:ext cx="10076040" cy="719280"/>
           </a:xfrm>
           <a:prstGeom prst="rect">
             <a:avLst/>
@@ -3089,7 +3091,7 @@
         <p:spPr>
           <a:xfrm>
             <a:off x="3240" y="5040000"/>
-            <a:ext cx="10076400" cy="631080"/>
+            <a:ext cx="10076040" cy="630720"/>
           </a:xfrm>
           <a:prstGeom prst="rect">
             <a:avLst/>
@@ -3788,8 +3790,8 @@
         </p:nvSpPr>
         <p:spPr>
           <a:xfrm>
-            <a:off x="360000" y="180000"/>
-            <a:ext cx="9359640" cy="477720"/>
+            <a:off x="360000" y="106200"/>
+            <a:ext cx="9359280" cy="624960"/>
           </a:xfrm>
           <a:prstGeom prst="rect">
             <a:avLst/>
@@ -3838,7 +3840,7 @@
         <p:spPr>
           <a:xfrm>
             <a:off x="360000" y="1080000"/>
-            <a:ext cx="9359640" cy="3599640"/>
+            <a:ext cx="9359280" cy="3599280"/>
           </a:xfrm>
           <a:prstGeom prst="rect">
             <a:avLst/>
@@ -3850,7 +3852,7 @@
         </p:spPr>
         <p:txBody>
           <a:bodyPr lIns="0" rIns="0" tIns="0" bIns="0" anchor="t">
-            <a:noAutofit/>
+            <a:normAutofit/>
           </a:bodyPr>
           <a:p>
             <a:pPr marL="432000" indent="-324000">
@@ -4063,7 +4065,7 @@
         <p:spPr>
           <a:xfrm>
             <a:off x="3420000" y="5220000"/>
-            <a:ext cx="3239640" cy="359640"/>
+            <a:ext cx="3239280" cy="359280"/>
           </a:xfrm>
           <a:prstGeom prst="rect">
             <a:avLst/>
@@ -4135,7 +4137,7 @@
         <p:spPr>
           <a:xfrm>
             <a:off x="7380000" y="5220000"/>
-            <a:ext cx="2339640" cy="359640"/>
+            <a:ext cx="2339280" cy="359280"/>
           </a:xfrm>
           <a:prstGeom prst="rect">
             <a:avLst/>
@@ -4176,7 +4178,7 @@
                 <a:tab algn="l" pos="0"/>
               </a:tabLst>
             </a:pPr>
-            <a:fld id="{00FB3B67-C460-46A3-AF9A-612964FB4255}" type="slidenum">
+            <a:fld id="{7D18C114-950B-4710-BBF7-96FDB9572D39}" type="slidenum">
               <a:rPr b="0" lang="en-GB" sz="1400" spc="-1" strike="noStrike">
                 <a:solidFill>
                   <a:srgbClr val="ffffff"/>
@@ -4207,7 +4209,7 @@
         <p:spPr>
           <a:xfrm>
             <a:off x="360000" y="5220000"/>
-            <a:ext cx="2339640" cy="359640"/>
+            <a:ext cx="2339280" cy="359280"/>
           </a:xfrm>
           <a:prstGeom prst="rect">
             <a:avLst/>
@@ -4293,7 +4295,7 @@
         <p:spPr>
           <a:xfrm>
             <a:off x="0" y="1620000"/>
-            <a:ext cx="8999640" cy="1079640"/>
+            <a:ext cx="8999280" cy="1079280"/>
           </a:xfrm>
           <a:prstGeom prst="rect">
             <a:avLst/>
@@ -4367,7 +4369,7 @@
       </p:grpSpPr>
       <p:sp>
         <p:nvSpPr>
-          <p:cNvPr id="52" name="PlaceHolder 1"/>
+          <p:cNvPr id="60" name="PlaceHolder 1"/>
           <p:cNvSpPr>
             <a:spLocks noGrp="1"/>
           </p:cNvSpPr>
@@ -4378,7 +4380,7 @@
         <p:spPr>
           <a:xfrm>
             <a:off x="360000" y="180000"/>
-            <a:ext cx="9359640" cy="477720"/>
+            <a:ext cx="9359280" cy="477360"/>
           </a:xfrm>
           <a:prstGeom prst="rect">
             <a:avLst/>
@@ -4409,7 +4411,7 @@
                 </a:solidFill>
                 <a:latin typeface="Arial"/>
               </a:rPr>
-              <a:t>Transistor (diode)</a:t>
+              <a:t>RS Trigger</a:t>
             </a:r>
             <a:endParaRPr b="0" lang="en-GB" sz="3300" spc="-1" strike="noStrike">
               <a:solidFill>
@@ -4422,2191 +4424,7 @@
       </p:sp>
       <p:pic>
         <p:nvPicPr>
-          <p:cNvPr id="53" name="" descr=""/>
-          <p:cNvPicPr/>
-          <p:nvPr/>
-        </p:nvPicPr>
-        <p:blipFill>
-          <a:blip r:embed="rId1">
-            <a:alphaModFix amt="50000"/>
-          </a:blip>
-          <a:stretch/>
-        </p:blipFill>
-        <p:spPr>
-          <a:xfrm>
-            <a:off x="180000" y="900000"/>
-            <a:ext cx="4679640" cy="2239200"/>
-          </a:xfrm>
-          <a:prstGeom prst="rect">
-            <a:avLst/>
-          </a:prstGeom>
-          <a:ln w="18000">
-            <a:noFill/>
-          </a:ln>
-        </p:spPr>
-      </p:pic>
-      <p:sp>
-        <p:nvSpPr>
-          <p:cNvPr id="54" name=""/>
-          <p:cNvSpPr/>
-          <p:nvPr/>
-        </p:nvSpPr>
-        <p:spPr>
-          <a:xfrm>
-            <a:off x="180000" y="3240000"/>
-            <a:ext cx="4679640" cy="1799640"/>
-          </a:xfrm>
-          <a:prstGeom prst="rect">
-            <a:avLst/>
-          </a:prstGeom>
-          <a:noFill/>
-          <a:ln w="18000">
-            <a:noFill/>
-          </a:ln>
-        </p:spPr>
-        <p:style>
-          <a:lnRef idx="0"/>
-          <a:fillRef idx="0"/>
-          <a:effectRef idx="0"/>
-          <a:fontRef idx="minor"/>
-        </p:style>
-        <p:txBody>
-          <a:bodyPr lIns="90000" rIns="90000" tIns="45000" bIns="45000" anchor="t">
-            <a:noAutofit/>
-          </a:bodyPr>
-          <a:p>
-            <a:pPr>
-              <a:lnSpc>
-                <a:spcPct val="100000"/>
-              </a:lnSpc>
-            </a:pPr>
-            <a:r>
-              <a:rPr b="0" lang="en-GB" sz="1800" spc="-1" strike="noStrike">
-                <a:solidFill>
-                  <a:srgbClr val="000000"/>
-                </a:solidFill>
-                <a:latin typeface="Arial"/>
-              </a:rPr>
-              <a:t>Diode – One direction of current flow</a:t>
-            </a:r>
-            <a:endParaRPr b="0" lang="en-GB" sz="1800" spc="-1" strike="noStrike">
-              <a:solidFill>
-                <a:srgbClr val="000000"/>
-              </a:solidFill>
-              <a:latin typeface="Arial"/>
-            </a:endParaRPr>
-          </a:p>
-          <a:p>
-            <a:pPr>
-              <a:lnSpc>
-                <a:spcPct val="100000"/>
-              </a:lnSpc>
-            </a:pPr>
-            <a:r>
-              <a:rPr b="0" lang="en-GB" sz="1800" spc="-1" strike="noStrike">
-                <a:solidFill>
-                  <a:srgbClr val="000000"/>
-                </a:solidFill>
-                <a:latin typeface="Arial"/>
-              </a:rPr>
-              <a:t>	</a:t>
-            </a:r>
-            <a:r>
-              <a:rPr b="0" lang="en-GB" sz="1800" spc="-1" strike="noStrike">
-                <a:solidFill>
-                  <a:srgbClr val="000000"/>
-                </a:solidFill>
-                <a:latin typeface="Arial"/>
-              </a:rPr>
-              <a:t>Vf, If (LED)</a:t>
-            </a:r>
-            <a:endParaRPr b="0" lang="en-GB" sz="1800" spc="-1" strike="noStrike">
-              <a:solidFill>
-                <a:srgbClr val="000000"/>
-              </a:solidFill>
-              <a:latin typeface="Arial"/>
-            </a:endParaRPr>
-          </a:p>
-          <a:p>
-            <a:pPr>
-              <a:lnSpc>
-                <a:spcPct val="100000"/>
-              </a:lnSpc>
-            </a:pPr>
-            <a:r>
-              <a:rPr b="0" lang="en-GB" sz="1800" spc="-1" strike="noStrike">
-                <a:solidFill>
-                  <a:srgbClr val="000000"/>
-                </a:solidFill>
-                <a:latin typeface="Arial"/>
-              </a:rPr>
-              <a:t>BJT – Current controlled device</a:t>
-            </a:r>
-            <a:endParaRPr b="0" lang="en-GB" sz="1800" spc="-1" strike="noStrike">
-              <a:solidFill>
-                <a:srgbClr val="000000"/>
-              </a:solidFill>
-              <a:latin typeface="Arial"/>
-            </a:endParaRPr>
-          </a:p>
-          <a:p>
-            <a:pPr>
-              <a:lnSpc>
-                <a:spcPct val="100000"/>
-              </a:lnSpc>
-            </a:pPr>
-            <a:r>
-              <a:rPr b="0" lang="en-GB" sz="1800" spc="-1" strike="noStrike">
-                <a:solidFill>
-                  <a:srgbClr val="000000"/>
-                </a:solidFill>
-                <a:latin typeface="Arial"/>
-              </a:rPr>
-              <a:t>	</a:t>
-            </a:r>
-            <a:r>
-              <a:rPr b="0" lang="en-GB" sz="1800" spc="-1" strike="noStrike">
-                <a:solidFill>
-                  <a:srgbClr val="000000"/>
-                </a:solidFill>
-                <a:latin typeface="Arial"/>
-              </a:rPr>
-              <a:t>h21e, Ic</a:t>
-            </a:r>
-            <a:endParaRPr b="0" lang="en-GB" sz="1800" spc="-1" strike="noStrike">
-              <a:solidFill>
-                <a:srgbClr val="000000"/>
-              </a:solidFill>
-              <a:latin typeface="Arial"/>
-            </a:endParaRPr>
-          </a:p>
-          <a:p>
-            <a:pPr>
-              <a:lnSpc>
-                <a:spcPct val="100000"/>
-              </a:lnSpc>
-            </a:pPr>
-            <a:r>
-              <a:rPr b="0" lang="en-GB" sz="1800" spc="-1" strike="noStrike">
-                <a:solidFill>
-                  <a:srgbClr val="000000"/>
-                </a:solidFill>
-                <a:latin typeface="Arial"/>
-              </a:rPr>
-              <a:t>MOSFET – Voltage controlled device</a:t>
-            </a:r>
-            <a:endParaRPr b="0" lang="en-GB" sz="1800" spc="-1" strike="noStrike">
-              <a:solidFill>
-                <a:srgbClr val="000000"/>
-              </a:solidFill>
-              <a:latin typeface="Arial"/>
-            </a:endParaRPr>
-          </a:p>
-          <a:p>
-            <a:pPr>
-              <a:lnSpc>
-                <a:spcPct val="100000"/>
-              </a:lnSpc>
-            </a:pPr>
-            <a:r>
-              <a:rPr b="0" lang="en-GB" sz="1800" spc="-1" strike="noStrike">
-                <a:solidFill>
-                  <a:srgbClr val="000000"/>
-                </a:solidFill>
-                <a:latin typeface="Arial"/>
-              </a:rPr>
-              <a:t>	</a:t>
-            </a:r>
-            <a:r>
-              <a:rPr b="0" lang="en-GB" sz="1800" spc="-1" strike="noStrike">
-                <a:solidFill>
-                  <a:srgbClr val="000000"/>
-                </a:solidFill>
-                <a:latin typeface="Arial"/>
-              </a:rPr>
-              <a:t>Vth, Id, QGate</a:t>
-            </a:r>
-            <a:endParaRPr b="0" lang="en-GB" sz="1800" spc="-1" strike="noStrike">
-              <a:solidFill>
-                <a:srgbClr val="000000"/>
-              </a:solidFill>
-              <a:latin typeface="Arial"/>
-            </a:endParaRPr>
-          </a:p>
-        </p:txBody>
-      </p:sp>
-      <p:sp>
-        <p:nvSpPr>
-          <p:cNvPr id="55" name=""/>
-          <p:cNvSpPr/>
-          <p:nvPr/>
-        </p:nvSpPr>
-        <p:spPr>
-          <a:xfrm>
-            <a:off x="5040000" y="900000"/>
-            <a:ext cx="4859640" cy="3959640"/>
-          </a:xfrm>
-          <a:prstGeom prst="rect">
-            <a:avLst/>
-          </a:prstGeom>
-          <a:noFill/>
-          <a:ln w="18000">
-            <a:noFill/>
-          </a:ln>
-        </p:spPr>
-        <p:style>
-          <a:lnRef idx="0"/>
-          <a:fillRef idx="0"/>
-          <a:effectRef idx="0"/>
-          <a:fontRef idx="minor"/>
-        </p:style>
-        <p:txBody>
-          <a:bodyPr lIns="90000" rIns="90000" tIns="45000" bIns="45000" anchor="t">
-            <a:noAutofit/>
-          </a:bodyPr>
-          <a:p>
-            <a:pPr>
-              <a:lnSpc>
-                <a:spcPct val="100000"/>
-              </a:lnSpc>
-            </a:pPr>
-            <a:r>
-              <a:rPr b="0" lang="en-GB" sz="1800" spc="-1" strike="noStrike">
-                <a:solidFill>
-                  <a:srgbClr val="000000"/>
-                </a:solidFill>
-                <a:latin typeface="Arial"/>
-              </a:rPr>
-              <a:t>Биполярный транзистор:</a:t>
-            </a:r>
-            <a:endParaRPr b="0" lang="en-GB" sz="1800" spc="-1" strike="noStrike">
-              <a:solidFill>
-                <a:srgbClr val="000000"/>
-              </a:solidFill>
-              <a:latin typeface="Arial"/>
-            </a:endParaRPr>
-          </a:p>
-          <a:p>
-            <a:pPr>
-              <a:lnSpc>
-                <a:spcPct val="100000"/>
-              </a:lnSpc>
-            </a:pPr>
-            <a:r>
-              <a:rPr b="0" lang="en-GB" sz="1800" spc="-1" strike="noStrike">
-                <a:solidFill>
-                  <a:srgbClr val="000000"/>
-                </a:solidFill>
-                <a:latin typeface="Arial"/>
-              </a:rPr>
-              <a:t>	</a:t>
-            </a:r>
-            <a:r>
-              <a:rPr b="0" lang="en-GB" sz="1800" spc="-1" strike="noStrike">
-                <a:solidFill>
-                  <a:srgbClr val="000000"/>
-                </a:solidFill>
-                <a:latin typeface="Arial"/>
-              </a:rPr>
-              <a:t>+ Дешёвый</a:t>
-            </a:r>
-            <a:endParaRPr b="0" lang="en-GB" sz="1800" spc="-1" strike="noStrike">
-              <a:solidFill>
-                <a:srgbClr val="000000"/>
-              </a:solidFill>
-              <a:latin typeface="Arial"/>
-            </a:endParaRPr>
-          </a:p>
-          <a:p>
-            <a:pPr>
-              <a:lnSpc>
-                <a:spcPct val="100000"/>
-              </a:lnSpc>
-            </a:pPr>
-            <a:r>
-              <a:rPr b="0" lang="en-GB" sz="1800" spc="-1" strike="noStrike">
-                <a:solidFill>
-                  <a:srgbClr val="000000"/>
-                </a:solidFill>
-                <a:latin typeface="Arial"/>
-              </a:rPr>
-              <a:t>	</a:t>
-            </a:r>
-            <a:r>
-              <a:rPr b="0" lang="en-GB" sz="1800" spc="-1" strike="noStrike">
-                <a:solidFill>
-                  <a:srgbClr val="000000"/>
-                </a:solidFill>
-                <a:latin typeface="Arial"/>
-              </a:rPr>
-              <a:t>+ Малое напряжение для включения</a:t>
-            </a:r>
-            <a:endParaRPr b="0" lang="en-GB" sz="1800" spc="-1" strike="noStrike">
-              <a:solidFill>
-                <a:srgbClr val="000000"/>
-              </a:solidFill>
-              <a:latin typeface="Arial"/>
-            </a:endParaRPr>
-          </a:p>
-          <a:p>
-            <a:pPr>
-              <a:lnSpc>
-                <a:spcPct val="100000"/>
-              </a:lnSpc>
-            </a:pPr>
-            <a:r>
-              <a:rPr b="0" lang="en-GB" sz="1800" spc="-1" strike="noStrike">
-                <a:solidFill>
-                  <a:srgbClr val="000000"/>
-                </a:solidFill>
-                <a:latin typeface="Arial"/>
-              </a:rPr>
-              <a:t>	</a:t>
-            </a:r>
-            <a:r>
-              <a:rPr b="0" lang="en-GB" sz="1800" spc="-1" strike="noStrike">
-                <a:solidFill>
-                  <a:srgbClr val="000000"/>
-                </a:solidFill>
-                <a:latin typeface="Arial"/>
-              </a:rPr>
-              <a:t>- Проблемы при коммутации больших токов</a:t>
-            </a:r>
-            <a:endParaRPr b="0" lang="en-GB" sz="1800" spc="-1" strike="noStrike">
-              <a:solidFill>
-                <a:srgbClr val="000000"/>
-              </a:solidFill>
-              <a:latin typeface="Arial"/>
-            </a:endParaRPr>
-          </a:p>
-          <a:p>
-            <a:pPr>
-              <a:lnSpc>
-                <a:spcPct val="100000"/>
-              </a:lnSpc>
-            </a:pPr>
-            <a:endParaRPr b="0" lang="en-GB" sz="1800" spc="-1" strike="noStrike">
-              <a:solidFill>
-                <a:srgbClr val="000000"/>
-              </a:solidFill>
-              <a:latin typeface="Arial"/>
-            </a:endParaRPr>
-          </a:p>
-          <a:p>
-            <a:pPr>
-              <a:lnSpc>
-                <a:spcPct val="100000"/>
-              </a:lnSpc>
-            </a:pPr>
-            <a:r>
-              <a:rPr b="0" lang="en-GB" sz="1800" spc="-1" strike="noStrike">
-                <a:solidFill>
-                  <a:srgbClr val="000000"/>
-                </a:solidFill>
-                <a:latin typeface="Arial"/>
-              </a:rPr>
-              <a:t>Полевой транзистор:</a:t>
-            </a:r>
-            <a:endParaRPr b="0" lang="en-GB" sz="1800" spc="-1" strike="noStrike">
-              <a:solidFill>
-                <a:srgbClr val="000000"/>
-              </a:solidFill>
-              <a:latin typeface="Arial"/>
-            </a:endParaRPr>
-          </a:p>
-          <a:p>
-            <a:pPr>
-              <a:lnSpc>
-                <a:spcPct val="100000"/>
-              </a:lnSpc>
-            </a:pPr>
-            <a:r>
-              <a:rPr b="0" lang="en-GB" sz="1800" spc="-1" strike="noStrike">
-                <a:solidFill>
-                  <a:srgbClr val="000000"/>
-                </a:solidFill>
-                <a:latin typeface="Arial"/>
-              </a:rPr>
-              <a:t>	</a:t>
-            </a:r>
-            <a:r>
-              <a:rPr b="0" lang="en-GB" sz="1800" spc="-1" strike="noStrike">
-                <a:solidFill>
-                  <a:srgbClr val="000000"/>
-                </a:solidFill>
-                <a:latin typeface="Arial"/>
-              </a:rPr>
-              <a:t>+ Может комутировать большие токи</a:t>
-            </a:r>
-            <a:endParaRPr b="0" lang="en-GB" sz="1800" spc="-1" strike="noStrike">
-              <a:solidFill>
-                <a:srgbClr val="000000"/>
-              </a:solidFill>
-              <a:latin typeface="Arial"/>
-            </a:endParaRPr>
-          </a:p>
-          <a:p>
-            <a:pPr>
-              <a:lnSpc>
-                <a:spcPct val="100000"/>
-              </a:lnSpc>
-            </a:pPr>
-            <a:r>
-              <a:rPr b="0" lang="en-GB" sz="1800" spc="-1" strike="noStrike">
-                <a:solidFill>
-                  <a:srgbClr val="000000"/>
-                </a:solidFill>
-                <a:latin typeface="Arial"/>
-              </a:rPr>
-              <a:t>	</a:t>
-            </a:r>
-            <a:r>
-              <a:rPr b="0" lang="en-GB" sz="1800" spc="-1" strike="noStrike">
-                <a:solidFill>
-                  <a:srgbClr val="000000"/>
-                </a:solidFill>
-                <a:latin typeface="Arial"/>
-              </a:rPr>
-              <a:t>+ Не требует мощных управляющих сигналов</a:t>
-            </a:r>
-            <a:endParaRPr b="0" lang="en-GB" sz="1800" spc="-1" strike="noStrike">
-              <a:solidFill>
-                <a:srgbClr val="000000"/>
-              </a:solidFill>
-              <a:latin typeface="Arial"/>
-            </a:endParaRPr>
-          </a:p>
-          <a:p>
-            <a:pPr>
-              <a:lnSpc>
-                <a:spcPct val="100000"/>
-              </a:lnSpc>
-            </a:pPr>
-            <a:r>
-              <a:rPr b="0" lang="en-GB" sz="1800" spc="-1" strike="noStrike">
-                <a:solidFill>
-                  <a:srgbClr val="000000"/>
-                </a:solidFill>
-                <a:latin typeface="Arial"/>
-              </a:rPr>
-              <a:t>	</a:t>
-            </a:r>
-            <a:r>
-              <a:rPr b="0" lang="en-GB" sz="1800" spc="-1" strike="noStrike">
-                <a:solidFill>
-                  <a:srgbClr val="000000"/>
-                </a:solidFill>
-                <a:latin typeface="Arial"/>
-              </a:rPr>
-              <a:t>- Для обеспечения быстрого включений требует мощных драйверов</a:t>
-            </a:r>
-            <a:endParaRPr b="0" lang="en-GB" sz="1800" spc="-1" strike="noStrike">
-              <a:solidFill>
-                <a:srgbClr val="000000"/>
-              </a:solidFill>
-              <a:latin typeface="Arial"/>
-            </a:endParaRPr>
-          </a:p>
-        </p:txBody>
-      </p:sp>
-      <p:sp>
-        <p:nvSpPr>
-          <p:cNvPr id="3" name="PlaceHolder 2"/>
-          <p:cNvSpPr>
-            <a:spLocks noGrp="1"/>
-          </p:cNvSpPr>
-          <p:nvPr>
-            <p:ph type="sldNum" idx="8"/>
-          </p:nvPr>
-        </p:nvSpPr>
-        <p:spPr/>
-        <p:txBody>
-          <a:bodyPr/>
-          <a:p>
-            <a:fld id="{BD59F3D6-970C-4CDA-8B28-4D5770D8FE28}" type="slidenum">
-              <a:t>10</a:t>
-            </a:fld>
-          </a:p>
-        </p:txBody>
-      </p:sp>
-    </p:spTree>
-  </p:cSld>
-  <mc:AlternateContent>
-    <mc:Choice Requires="p14">
-      <p:transition spd="slow" p14:dur="2000"/>
-    </mc:Choice>
-    <mc:Fallback>
-      <p:transition spd="slow"/>
-    </mc:Fallback>
-  </mc:AlternateContent>
-</p:sld>
-</file>
-
-<file path=ppt/slides/slide11.xml><?xml version="1.0" encoding="utf-8"?>
-<p:sld xmlns:a="http://schemas.openxmlformats.org/drawingml/2006/main" xmlns:p="http://schemas.openxmlformats.org/presentationml/2006/main" xmlns:r="http://schemas.openxmlformats.org/officeDocument/2006/relationships" xmlns:p14="http://schemas.microsoft.com/office/powerpoint/2010/main" xmlns:p15="http://schemas.microsoft.com/office/powerpoint/2012/main" xmlns:mc="http://schemas.openxmlformats.org/markup-compatibility/2006">
-  <p:cSld>
-    <p:spTree>
-      <p:nvGrpSpPr>
-        <p:cNvPr id="1" name=""/>
-        <p:cNvGrpSpPr/>
-        <p:nvPr/>
-      </p:nvGrpSpPr>
-      <p:grpSpPr>
-        <a:xfrm>
-          <a:off x="0" y="0"/>
-          <a:ext cx="0" cy="0"/>
-          <a:chOff x="0" y="0"/>
-          <a:chExt cx="0" cy="0"/>
-        </a:xfrm>
-      </p:grpSpPr>
-      <p:sp>
-        <p:nvSpPr>
-          <p:cNvPr id="56" name="PlaceHolder 1"/>
-          <p:cNvSpPr>
-            <a:spLocks noGrp="1"/>
-          </p:cNvSpPr>
-          <p:nvPr>
-            <p:ph type="title"/>
-          </p:nvPr>
-        </p:nvSpPr>
-        <p:spPr>
-          <a:xfrm>
-            <a:off x="360000" y="180000"/>
-            <a:ext cx="9359640" cy="477720"/>
-          </a:xfrm>
-          <a:prstGeom prst="rect">
-            <a:avLst/>
-          </a:prstGeom>
-          <a:noFill/>
-          <a:ln w="0">
-            <a:noFill/>
-          </a:ln>
-        </p:spPr>
-        <p:txBody>
-          <a:bodyPr lIns="0" rIns="0" tIns="0" bIns="0" anchor="ctr">
-            <a:noAutofit/>
-          </a:bodyPr>
-          <a:p>
-            <a:pPr indent="0" algn="ctr">
-              <a:lnSpc>
-                <a:spcPct val="100000"/>
-              </a:lnSpc>
-              <a:buNone/>
-              <a:tabLst>
-                <a:tab algn="l" pos="0"/>
-              </a:tabLst>
-            </a:pPr>
-            <a:r>
-              <a:rPr b="0" lang="en-GB" sz="3300" spc="-1" strike="noStrike">
-                <a:solidFill>
-                  <a:srgbClr val="ffffff"/>
-                </a:solidFill>
-                <a:latin typeface="Arial"/>
-              </a:rPr>
-              <a:t>Blinker</a:t>
-            </a:r>
-            <a:endParaRPr b="0" lang="en-GB" sz="3300" spc="-1" strike="noStrike">
-              <a:solidFill>
-                <a:srgbClr val="000000"/>
-              </a:solidFill>
-              <a:latin typeface="Arial"/>
-            </a:endParaRPr>
-          </a:p>
-        </p:txBody>
-      </p:sp>
-      <p:pic>
-        <p:nvPicPr>
-          <p:cNvPr id="57" name="" descr=""/>
-          <p:cNvPicPr/>
-          <p:nvPr/>
-        </p:nvPicPr>
-        <p:blipFill>
-          <a:blip r:embed="rId1">
-            <a:alphaModFix amt="50000"/>
-          </a:blip>
-          <a:stretch/>
-        </p:blipFill>
-        <p:spPr>
-          <a:xfrm>
-            <a:off x="921240" y="720000"/>
-            <a:ext cx="8078400" cy="4293360"/>
-          </a:xfrm>
-          <a:prstGeom prst="rect">
-            <a:avLst/>
-          </a:prstGeom>
-          <a:ln w="18000">
-            <a:noFill/>
-          </a:ln>
-        </p:spPr>
-      </p:pic>
-      <p:sp>
-        <p:nvSpPr>
-          <p:cNvPr id="3" name="PlaceHolder 2"/>
-          <p:cNvSpPr>
-            <a:spLocks noGrp="1"/>
-          </p:cNvSpPr>
-          <p:nvPr>
-            <p:ph type="sldNum" idx="8"/>
-          </p:nvPr>
-        </p:nvSpPr>
-        <p:spPr/>
-        <p:txBody>
-          <a:bodyPr/>
-          <a:p>
-            <a:fld id="{11830212-F319-49A5-BAF5-44B96EEACA7B}" type="slidenum">
-              <a:t>11</a:t>
-            </a:fld>
-          </a:p>
-        </p:txBody>
-      </p:sp>
-    </p:spTree>
-  </p:cSld>
-  <mc:AlternateContent>
-    <mc:Choice Requires="p14">
-      <p:transition spd="slow" p14:dur="2000"/>
-    </mc:Choice>
-    <mc:Fallback>
-      <p:transition spd="slow"/>
-    </mc:Fallback>
-  </mc:AlternateContent>
-</p:sld>
-</file>
-
-<file path=ppt/slides/slide2.xml><?xml version="1.0" encoding="utf-8"?>
-<p:sld xmlns:a="http://schemas.openxmlformats.org/drawingml/2006/main" xmlns:p="http://schemas.openxmlformats.org/presentationml/2006/main" xmlns:r="http://schemas.openxmlformats.org/officeDocument/2006/relationships" xmlns:p14="http://schemas.microsoft.com/office/powerpoint/2010/main" xmlns:p15="http://schemas.microsoft.com/office/powerpoint/2012/main" xmlns:mc="http://schemas.openxmlformats.org/markup-compatibility/2006">
-  <p:cSld>
-    <p:spTree>
-      <p:nvGrpSpPr>
-        <p:cNvPr id="1" name=""/>
-        <p:cNvGrpSpPr/>
-        <p:nvPr/>
-      </p:nvGrpSpPr>
-      <p:grpSpPr>
-        <a:xfrm>
-          <a:off x="0" y="0"/>
-          <a:ext cx="0" cy="0"/>
-          <a:chOff x="0" y="0"/>
-          <a:chExt cx="0" cy="0"/>
-        </a:xfrm>
-      </p:grpSpPr>
-      <p:sp>
-        <p:nvSpPr>
-          <p:cNvPr id="25" name="PlaceHolder 1"/>
-          <p:cNvSpPr>
-            <a:spLocks noGrp="1"/>
-          </p:cNvSpPr>
-          <p:nvPr>
-            <p:ph type="title"/>
-          </p:nvPr>
-        </p:nvSpPr>
-        <p:spPr>
-          <a:xfrm>
-            <a:off x="360000" y="180000"/>
-            <a:ext cx="9359640" cy="477720"/>
-          </a:xfrm>
-          <a:prstGeom prst="rect">
-            <a:avLst/>
-          </a:prstGeom>
-          <a:noFill/>
-          <a:ln w="0">
-            <a:noFill/>
-          </a:ln>
-        </p:spPr>
-        <p:txBody>
-          <a:bodyPr lIns="0" rIns="0" tIns="0" bIns="0" anchor="ctr">
-            <a:noAutofit/>
-          </a:bodyPr>
-          <a:p>
-            <a:pPr indent="0" algn="ctr">
-              <a:lnSpc>
-                <a:spcPct val="100000"/>
-              </a:lnSpc>
-              <a:buNone/>
-              <a:tabLst>
-                <a:tab algn="l" pos="0"/>
-              </a:tabLst>
-            </a:pPr>
-            <a:r>
-              <a:rPr b="0" lang="en-GB" sz="3300" spc="-1" strike="noStrike">
-                <a:solidFill>
-                  <a:srgbClr val="ffffff"/>
-                </a:solidFill>
-                <a:latin typeface="Arial"/>
-              </a:rPr>
-              <a:t>NE555</a:t>
-            </a:r>
-            <a:endParaRPr b="0" lang="en-GB" sz="3300" spc="-1" strike="noStrike">
-              <a:solidFill>
-                <a:srgbClr val="000000"/>
-              </a:solidFill>
-              <a:latin typeface="Arial"/>
-            </a:endParaRPr>
-          </a:p>
-        </p:txBody>
-      </p:sp>
-      <p:pic>
-        <p:nvPicPr>
-          <p:cNvPr id="26" name="" descr=""/>
-          <p:cNvPicPr/>
-          <p:nvPr/>
-        </p:nvPicPr>
-        <p:blipFill>
-          <a:blip r:embed="rId1">
-            <a:alphaModFix amt="50000"/>
-          </a:blip>
-          <a:stretch/>
-        </p:blipFill>
-        <p:spPr>
-          <a:xfrm>
-            <a:off x="1620000" y="768240"/>
-            <a:ext cx="6659640" cy="4244760"/>
-          </a:xfrm>
-          <a:prstGeom prst="rect">
-            <a:avLst/>
-          </a:prstGeom>
-          <a:ln w="18000">
-            <a:noFill/>
-          </a:ln>
-        </p:spPr>
-      </p:pic>
-      <p:sp>
-        <p:nvSpPr>
-          <p:cNvPr id="3" name="PlaceHolder 2"/>
-          <p:cNvSpPr>
-            <a:spLocks noGrp="1"/>
-          </p:cNvSpPr>
-          <p:nvPr>
-            <p:ph type="sldNum" idx="8"/>
-          </p:nvPr>
-        </p:nvSpPr>
-        <p:spPr/>
-        <p:txBody>
-          <a:bodyPr/>
-          <a:p>
-            <a:fld id="{F1DD5108-5D8D-4B65-8A0B-4F8989EE224D}" type="slidenum">
-              <a:t>2</a:t>
-            </a:fld>
-          </a:p>
-        </p:txBody>
-      </p:sp>
-    </p:spTree>
-  </p:cSld>
-  <mc:AlternateContent>
-    <mc:Choice Requires="p14">
-      <p:transition spd="slow" p14:dur="2000"/>
-    </mc:Choice>
-    <mc:Fallback>
-      <p:transition spd="slow"/>
-    </mc:Fallback>
-  </mc:AlternateContent>
-</p:sld>
-</file>
-
-<file path=ppt/slides/slide3.xml><?xml version="1.0" encoding="utf-8"?>
-<p:sld xmlns:a="http://schemas.openxmlformats.org/drawingml/2006/main" xmlns:p="http://schemas.openxmlformats.org/presentationml/2006/main" xmlns:r="http://schemas.openxmlformats.org/officeDocument/2006/relationships" xmlns:p14="http://schemas.microsoft.com/office/powerpoint/2010/main" xmlns:p15="http://schemas.microsoft.com/office/powerpoint/2012/main" xmlns:mc="http://schemas.openxmlformats.org/markup-compatibility/2006">
-  <p:cSld>
-    <p:spTree>
-      <p:nvGrpSpPr>
-        <p:cNvPr id="1" name=""/>
-        <p:cNvGrpSpPr/>
-        <p:nvPr/>
-      </p:nvGrpSpPr>
-      <p:grpSpPr>
-        <a:xfrm>
-          <a:off x="0" y="0"/>
-          <a:ext cx="0" cy="0"/>
-          <a:chOff x="0" y="0"/>
-          <a:chExt cx="0" cy="0"/>
-        </a:xfrm>
-      </p:grpSpPr>
-      <p:sp>
-        <p:nvSpPr>
-          <p:cNvPr id="27" name="PlaceHolder 1"/>
-          <p:cNvSpPr>
-            <a:spLocks noGrp="1"/>
-          </p:cNvSpPr>
-          <p:nvPr>
-            <p:ph type="title"/>
-          </p:nvPr>
-        </p:nvSpPr>
-        <p:spPr>
-          <a:xfrm>
-            <a:off x="360000" y="180000"/>
-            <a:ext cx="9359640" cy="477720"/>
-          </a:xfrm>
-          <a:prstGeom prst="rect">
-            <a:avLst/>
-          </a:prstGeom>
-          <a:noFill/>
-          <a:ln w="0">
-            <a:noFill/>
-          </a:ln>
-        </p:spPr>
-        <p:txBody>
-          <a:bodyPr lIns="0" rIns="0" tIns="0" bIns="0" anchor="ctr">
-            <a:noAutofit/>
-          </a:bodyPr>
-          <a:p>
-            <a:pPr indent="0" algn="ctr">
-              <a:lnSpc>
-                <a:spcPct val="100000"/>
-              </a:lnSpc>
-              <a:buNone/>
-              <a:tabLst>
-                <a:tab algn="l" pos="0"/>
-              </a:tabLst>
-            </a:pPr>
-            <a:r>
-              <a:rPr b="0" lang="en-GB" sz="3300" spc="-1" strike="noStrike">
-                <a:solidFill>
-                  <a:srgbClr val="ffffff"/>
-                </a:solidFill>
-                <a:latin typeface="Arial"/>
-              </a:rPr>
-              <a:t>NE555</a:t>
-            </a:r>
-            <a:endParaRPr b="0" lang="en-GB" sz="3300" spc="-1" strike="noStrike">
-              <a:solidFill>
-                <a:srgbClr val="000000"/>
-              </a:solidFill>
-              <a:latin typeface="Arial"/>
-            </a:endParaRPr>
-          </a:p>
-        </p:txBody>
-      </p:sp>
-      <p:pic>
-        <p:nvPicPr>
-          <p:cNvPr id="28" name="" descr=""/>
-          <p:cNvPicPr/>
-          <p:nvPr/>
-        </p:nvPicPr>
-        <p:blipFill>
-          <a:blip r:embed="rId1">
-            <a:alphaModFix amt="50000"/>
-          </a:blip>
-          <a:stretch/>
-        </p:blipFill>
-        <p:spPr>
-          <a:xfrm>
-            <a:off x="1620000" y="768240"/>
-            <a:ext cx="6659640" cy="4244760"/>
-          </a:xfrm>
-          <a:prstGeom prst="rect">
-            <a:avLst/>
-          </a:prstGeom>
-          <a:ln w="18000">
-            <a:noFill/>
-          </a:ln>
-        </p:spPr>
-      </p:pic>
-      <p:sp>
-        <p:nvSpPr>
-          <p:cNvPr id="29" name=""/>
-          <p:cNvSpPr/>
-          <p:nvPr/>
-        </p:nvSpPr>
-        <p:spPr>
-          <a:xfrm>
-            <a:off x="3060000" y="1440000"/>
-            <a:ext cx="1079640" cy="1079640"/>
-          </a:xfrm>
-          <a:prstGeom prst="ellipse">
-            <a:avLst/>
-          </a:prstGeom>
-          <a:solidFill>
-            <a:srgbClr val="39b2e5">
-              <a:alpha val="50000"/>
-            </a:srgbClr>
-          </a:solidFill>
-          <a:ln w="18000">
-            <a:solidFill>
-              <a:srgbClr val="009bdd"/>
-            </a:solidFill>
-            <a:round/>
-          </a:ln>
-        </p:spPr>
-        <p:style>
-          <a:lnRef idx="0"/>
-          <a:fillRef idx="0"/>
-          <a:effectRef idx="0"/>
-          <a:fontRef idx="minor"/>
-        </p:style>
-        <p:txBody>
-          <a:bodyPr lIns="90000" rIns="90000" tIns="45000" bIns="45000" anchor="ctr">
-            <a:noAutofit/>
-          </a:bodyPr>
-          <a:p>
-            <a:pPr>
-              <a:lnSpc>
-                <a:spcPct val="100000"/>
-              </a:lnSpc>
-            </a:pPr>
-            <a:endParaRPr b="0" lang="en-GB" sz="1800" spc="-1" strike="noStrike">
-              <a:solidFill>
-                <a:srgbClr val="ffffff"/>
-              </a:solidFill>
-              <a:latin typeface="Arial"/>
-              <a:ea typeface="DejaVu Sans"/>
-            </a:endParaRPr>
-          </a:p>
-        </p:txBody>
-      </p:sp>
-      <p:sp>
-        <p:nvSpPr>
-          <p:cNvPr id="3" name="PlaceHolder 2"/>
-          <p:cNvSpPr>
-            <a:spLocks noGrp="1"/>
-          </p:cNvSpPr>
-          <p:nvPr>
-            <p:ph type="sldNum" idx="8"/>
-          </p:nvPr>
-        </p:nvSpPr>
-        <p:spPr/>
-        <p:txBody>
-          <a:bodyPr/>
-          <a:p>
-            <a:fld id="{F063C2B2-BC53-49D7-9E00-AB05CF3903FE}" type="slidenum">
-              <a:t>3</a:t>
-            </a:fld>
-          </a:p>
-        </p:txBody>
-      </p:sp>
-    </p:spTree>
-  </p:cSld>
-  <mc:AlternateContent>
-    <mc:Choice Requires="p14">
-      <p:transition spd="slow" p14:dur="2000"/>
-    </mc:Choice>
-    <mc:Fallback>
-      <p:transition spd="slow"/>
-    </mc:Fallback>
-  </mc:AlternateContent>
-</p:sld>
-</file>
-
-<file path=ppt/slides/slide4.xml><?xml version="1.0" encoding="utf-8"?>
-<p:sld xmlns:a="http://schemas.openxmlformats.org/drawingml/2006/main" xmlns:p="http://schemas.openxmlformats.org/presentationml/2006/main" xmlns:r="http://schemas.openxmlformats.org/officeDocument/2006/relationships" xmlns:p14="http://schemas.microsoft.com/office/powerpoint/2010/main" xmlns:p15="http://schemas.microsoft.com/office/powerpoint/2012/main" xmlns:mc="http://schemas.openxmlformats.org/markup-compatibility/2006">
-  <p:cSld>
-    <p:spTree>
-      <p:nvGrpSpPr>
-        <p:cNvPr id="1" name=""/>
-        <p:cNvGrpSpPr/>
-        <p:nvPr/>
-      </p:nvGrpSpPr>
-      <p:grpSpPr>
-        <a:xfrm>
-          <a:off x="0" y="0"/>
-          <a:ext cx="0" cy="0"/>
-          <a:chOff x="0" y="0"/>
-          <a:chExt cx="0" cy="0"/>
-        </a:xfrm>
-      </p:grpSpPr>
-      <p:sp>
-        <p:nvSpPr>
-          <p:cNvPr id="30" name="PlaceHolder 1"/>
-          <p:cNvSpPr>
-            <a:spLocks noGrp="1"/>
-          </p:cNvSpPr>
-          <p:nvPr>
-            <p:ph type="title"/>
-          </p:nvPr>
-        </p:nvSpPr>
-        <p:spPr>
-          <a:xfrm>
-            <a:off x="360000" y="180000"/>
-            <a:ext cx="9359640" cy="477720"/>
-          </a:xfrm>
-          <a:prstGeom prst="rect">
-            <a:avLst/>
-          </a:prstGeom>
-          <a:noFill/>
-          <a:ln w="0">
-            <a:noFill/>
-          </a:ln>
-        </p:spPr>
-        <p:txBody>
-          <a:bodyPr lIns="0" rIns="0" tIns="0" bIns="0" anchor="ctr">
-            <a:noAutofit/>
-          </a:bodyPr>
-          <a:p>
-            <a:pPr indent="0" algn="ctr">
-              <a:lnSpc>
-                <a:spcPct val="100000"/>
-              </a:lnSpc>
-              <a:buNone/>
-              <a:tabLst>
-                <a:tab algn="l" pos="0"/>
-              </a:tabLst>
-            </a:pPr>
-            <a:r>
-              <a:rPr b="0" lang="en-GB" sz="3300" spc="-1" strike="noStrike">
-                <a:solidFill>
-                  <a:srgbClr val="ffffff"/>
-                </a:solidFill>
-                <a:latin typeface="Arial"/>
-              </a:rPr>
-              <a:t>OpAmp/Comparator</a:t>
-            </a:r>
-            <a:endParaRPr b="0" lang="en-GB" sz="3300" spc="-1" strike="noStrike">
-              <a:solidFill>
-                <a:srgbClr val="000000"/>
-              </a:solidFill>
-              <a:latin typeface="Arial"/>
-            </a:endParaRPr>
-          </a:p>
-        </p:txBody>
-      </p:sp>
-      <p:pic>
-        <p:nvPicPr>
-          <p:cNvPr id="31" name="" descr=""/>
-          <p:cNvPicPr/>
-          <p:nvPr/>
-        </p:nvPicPr>
-        <p:blipFill>
-          <a:blip r:embed="rId1">
-            <a:alphaModFix amt="50000"/>
-          </a:blip>
-          <a:stretch/>
-        </p:blipFill>
-        <p:spPr>
-          <a:xfrm>
-            <a:off x="180000" y="1260000"/>
-            <a:ext cx="3893040" cy="2159640"/>
-          </a:xfrm>
-          <a:prstGeom prst="rect">
-            <a:avLst/>
-          </a:prstGeom>
-          <a:ln w="18000">
-            <a:noFill/>
-          </a:ln>
-        </p:spPr>
-      </p:pic>
-      <p:sp>
-        <p:nvSpPr>
-          <p:cNvPr id="32" name=""/>
-          <p:cNvSpPr/>
-          <p:nvPr/>
-        </p:nvSpPr>
-        <p:spPr>
-          <a:xfrm>
-            <a:off x="4140000" y="900000"/>
-            <a:ext cx="2339640" cy="539640"/>
-          </a:xfrm>
-          <a:prstGeom prst="rect">
-            <a:avLst/>
-          </a:prstGeom>
-          <a:noFill/>
-          <a:ln w="18000">
-            <a:noFill/>
-          </a:ln>
-        </p:spPr>
-        <p:style>
-          <a:lnRef idx="0"/>
-          <a:fillRef idx="0"/>
-          <a:effectRef idx="0"/>
-          <a:fontRef idx="minor"/>
-        </p:style>
-        <p:txBody>
-          <a:bodyPr lIns="90000" rIns="90000" tIns="45000" bIns="45000" anchor="t">
-            <a:noAutofit/>
-          </a:bodyPr>
-          <a:p>
-            <a:pPr>
-              <a:lnSpc>
-                <a:spcPct val="100000"/>
-              </a:lnSpc>
-            </a:pPr>
-            <a:r>
-              <a:rPr b="1" lang="en-GB" sz="1800" spc="-1" strike="noStrike">
-                <a:solidFill>
-                  <a:srgbClr val="000000"/>
-                </a:solidFill>
-                <a:latin typeface="Arial"/>
-              </a:rPr>
-              <a:t>OUT</a:t>
-            </a:r>
-            <a:r>
-              <a:rPr b="0" lang="en-GB" sz="1800" spc="-1" strike="noStrike">
-                <a:solidFill>
-                  <a:srgbClr val="000000"/>
-                </a:solidFill>
-                <a:latin typeface="Arial"/>
-              </a:rPr>
-              <a:t> = K * (</a:t>
-            </a:r>
-            <a:r>
-              <a:rPr b="1" lang="en-GB" sz="1800" spc="-1" strike="noStrike">
-                <a:solidFill>
-                  <a:srgbClr val="000000"/>
-                </a:solidFill>
-                <a:latin typeface="Arial"/>
-              </a:rPr>
-              <a:t>IN+</a:t>
-            </a:r>
-            <a:r>
-              <a:rPr b="0" lang="en-GB" sz="1800" spc="-1" strike="noStrike">
-                <a:solidFill>
-                  <a:srgbClr val="000000"/>
-                </a:solidFill>
-                <a:latin typeface="Arial"/>
-              </a:rPr>
-              <a:t> - </a:t>
-            </a:r>
-            <a:r>
-              <a:rPr b="1" lang="en-GB" sz="1800" spc="-1" strike="noStrike">
-                <a:solidFill>
-                  <a:srgbClr val="000000"/>
-                </a:solidFill>
-                <a:latin typeface="Arial"/>
-              </a:rPr>
-              <a:t>IN-</a:t>
-            </a:r>
-            <a:r>
-              <a:rPr b="0" lang="en-GB" sz="1800" spc="-1" strike="noStrike">
-                <a:solidFill>
-                  <a:srgbClr val="000000"/>
-                </a:solidFill>
-                <a:latin typeface="Arial"/>
-              </a:rPr>
-              <a:t>)</a:t>
-            </a:r>
-            <a:endParaRPr b="0" lang="en-GB" sz="1800" spc="-1" strike="noStrike">
-              <a:solidFill>
-                <a:srgbClr val="000000"/>
-              </a:solidFill>
-              <a:latin typeface="Arial"/>
-            </a:endParaRPr>
-          </a:p>
-        </p:txBody>
-      </p:sp>
-      <p:sp>
-        <p:nvSpPr>
-          <p:cNvPr id="33" name=""/>
-          <p:cNvSpPr/>
-          <p:nvPr/>
-        </p:nvSpPr>
-        <p:spPr>
-          <a:xfrm>
-            <a:off x="4500000" y="2049840"/>
-            <a:ext cx="1799640" cy="1369800"/>
-          </a:xfrm>
-          <a:prstGeom prst="rect">
-            <a:avLst/>
-          </a:prstGeom>
-          <a:noFill/>
-          <a:ln w="18000">
-            <a:noFill/>
-          </a:ln>
-        </p:spPr>
-        <p:style>
-          <a:lnRef idx="0"/>
-          <a:fillRef idx="0"/>
-          <a:effectRef idx="0"/>
-          <a:fontRef idx="minor"/>
-        </p:style>
-        <p:txBody>
-          <a:bodyPr lIns="90000" rIns="90000" tIns="45000" bIns="45000" anchor="t">
-            <a:noAutofit/>
-          </a:bodyPr>
-          <a:p>
-            <a:pPr>
-              <a:lnSpc>
-                <a:spcPct val="100000"/>
-              </a:lnSpc>
-            </a:pPr>
-            <a:r>
-              <a:rPr b="0" lang="en-GB" sz="1800" spc="-1" strike="noStrike">
-                <a:solidFill>
-                  <a:srgbClr val="000000"/>
-                </a:solidFill>
-                <a:latin typeface="Arial"/>
-              </a:rPr>
-              <a:t>OpAmp:</a:t>
-            </a:r>
-            <a:endParaRPr b="0" lang="en-GB" sz="1800" spc="-1" strike="noStrike">
-              <a:solidFill>
-                <a:srgbClr val="000000"/>
-              </a:solidFill>
-              <a:latin typeface="Arial"/>
-            </a:endParaRPr>
-          </a:p>
-          <a:p>
-            <a:pPr>
-              <a:lnSpc>
-                <a:spcPct val="100000"/>
-              </a:lnSpc>
-            </a:pPr>
-            <a:r>
-              <a:rPr b="0" lang="en-GB" sz="1800" spc="-1" strike="noStrike">
-                <a:solidFill>
-                  <a:srgbClr val="000000"/>
-                </a:solidFill>
-                <a:latin typeface="Arial"/>
-              </a:rPr>
-              <a:t>	</a:t>
-            </a:r>
-            <a:r>
-              <a:rPr b="1" lang="en-GB" sz="1800" spc="-1" strike="noStrike">
-                <a:solidFill>
-                  <a:srgbClr val="000000"/>
-                </a:solidFill>
-                <a:latin typeface="Arial"/>
-              </a:rPr>
-              <a:t>IN+</a:t>
-            </a:r>
-            <a:r>
-              <a:rPr b="0" lang="en-GB" sz="1800" spc="-1" strike="noStrike">
-                <a:solidFill>
-                  <a:srgbClr val="000000"/>
-                </a:solidFill>
-                <a:latin typeface="Arial"/>
-              </a:rPr>
-              <a:t> </a:t>
-            </a:r>
-            <a:r>
-              <a:rPr b="0" lang="en-GB" sz="1450" spc="-1" strike="noStrike">
-                <a:solidFill>
-                  <a:srgbClr val="000000"/>
-                </a:solidFill>
-                <a:latin typeface="Arial"/>
-              </a:rPr>
-              <a:t>≈</a:t>
-            </a:r>
-            <a:r>
-              <a:rPr b="0" lang="en-GB" sz="1800" spc="-1" strike="noStrike">
-                <a:solidFill>
-                  <a:srgbClr val="000000"/>
-                </a:solidFill>
-                <a:latin typeface="Arial"/>
-              </a:rPr>
-              <a:t> </a:t>
-            </a:r>
-            <a:r>
-              <a:rPr b="1" lang="en-GB" sz="1800" spc="-1" strike="noStrike">
-                <a:solidFill>
-                  <a:srgbClr val="000000"/>
-                </a:solidFill>
-                <a:latin typeface="Arial"/>
-              </a:rPr>
-              <a:t>IN-</a:t>
-            </a:r>
-            <a:endParaRPr b="0" lang="en-GB" sz="1800" spc="-1" strike="noStrike">
-              <a:solidFill>
-                <a:srgbClr val="000000"/>
-              </a:solidFill>
-              <a:latin typeface="Arial"/>
-            </a:endParaRPr>
-          </a:p>
-          <a:p>
-            <a:pPr>
-              <a:lnSpc>
-                <a:spcPct val="100000"/>
-              </a:lnSpc>
-            </a:pPr>
-            <a:r>
-              <a:rPr b="0" lang="en-GB" sz="1800" spc="-1" strike="noStrike">
-                <a:solidFill>
-                  <a:srgbClr val="000000"/>
-                </a:solidFill>
-                <a:latin typeface="Arial"/>
-              </a:rPr>
-              <a:t>Comparator:</a:t>
-            </a:r>
-            <a:endParaRPr b="0" lang="en-GB" sz="1800" spc="-1" strike="noStrike">
-              <a:solidFill>
-                <a:srgbClr val="000000"/>
-              </a:solidFill>
-              <a:latin typeface="Arial"/>
-            </a:endParaRPr>
-          </a:p>
-          <a:p>
-            <a:pPr>
-              <a:lnSpc>
-                <a:spcPct val="100000"/>
-              </a:lnSpc>
-            </a:pPr>
-            <a:r>
-              <a:rPr b="0" lang="en-GB" sz="1800" spc="-1" strike="noStrike">
-                <a:solidFill>
-                  <a:srgbClr val="000000"/>
-                </a:solidFill>
-                <a:latin typeface="Arial"/>
-              </a:rPr>
-              <a:t>	</a:t>
-            </a:r>
-            <a:r>
-              <a:rPr b="1" lang="en-GB" sz="1800" spc="-1" strike="noStrike">
-                <a:solidFill>
-                  <a:srgbClr val="000000"/>
-                </a:solidFill>
-                <a:latin typeface="Arial"/>
-              </a:rPr>
-              <a:t>IN+</a:t>
-            </a:r>
-            <a:r>
-              <a:rPr b="0" lang="en-GB" sz="1800" spc="-1" strike="noStrike">
-                <a:solidFill>
-                  <a:srgbClr val="000000"/>
-                </a:solidFill>
-                <a:latin typeface="Arial"/>
-              </a:rPr>
-              <a:t> </a:t>
-            </a:r>
-            <a:r>
-              <a:rPr b="0" lang="en-GB" sz="1450" spc="-1" strike="noStrike">
-                <a:solidFill>
-                  <a:srgbClr val="000000"/>
-                </a:solidFill>
-                <a:latin typeface="Arial"/>
-              </a:rPr>
-              <a:t>≠ </a:t>
-            </a:r>
-            <a:r>
-              <a:rPr b="1" lang="en-GB" sz="1450" spc="-1" strike="noStrike">
-                <a:solidFill>
-                  <a:srgbClr val="000000"/>
-                </a:solidFill>
-                <a:latin typeface="Arial"/>
-              </a:rPr>
-              <a:t>IN-</a:t>
-            </a:r>
-            <a:endParaRPr b="0" lang="en-GB" sz="1450" spc="-1" strike="noStrike">
-              <a:solidFill>
-                <a:srgbClr val="000000"/>
-              </a:solidFill>
-              <a:latin typeface="Arial"/>
-            </a:endParaRPr>
-          </a:p>
-          <a:p>
-            <a:pPr>
-              <a:lnSpc>
-                <a:spcPct val="100000"/>
-              </a:lnSpc>
-            </a:pPr>
-            <a:endParaRPr b="0" lang="en-GB" sz="1800" spc="-1" strike="noStrike">
-              <a:solidFill>
-                <a:srgbClr val="000000"/>
-              </a:solidFill>
-              <a:latin typeface="Arial"/>
-            </a:endParaRPr>
-          </a:p>
-        </p:txBody>
-      </p:sp>
-      <p:pic>
-        <p:nvPicPr>
-          <p:cNvPr id="34" name="" descr=""/>
-          <p:cNvPicPr/>
-          <p:nvPr/>
-        </p:nvPicPr>
-        <p:blipFill>
-          <a:blip r:embed="rId2">
-            <a:alphaModFix amt="50000"/>
-          </a:blip>
-          <a:stretch/>
-        </p:blipFill>
-        <p:spPr>
-          <a:xfrm>
-            <a:off x="6840000" y="1275480"/>
-            <a:ext cx="3059640" cy="1862640"/>
-          </a:xfrm>
-          <a:prstGeom prst="rect">
-            <a:avLst/>
-          </a:prstGeom>
-          <a:ln w="18000">
-            <a:noFill/>
-          </a:ln>
-        </p:spPr>
-      </p:pic>
-      <p:sp>
-        <p:nvSpPr>
-          <p:cNvPr id="35" name=""/>
-          <p:cNvSpPr/>
-          <p:nvPr/>
-        </p:nvSpPr>
-        <p:spPr>
-          <a:xfrm>
-            <a:off x="7560000" y="900000"/>
-            <a:ext cx="2339640" cy="359640"/>
-          </a:xfrm>
-          <a:prstGeom prst="rect">
-            <a:avLst/>
-          </a:prstGeom>
-          <a:noFill/>
-          <a:ln w="18000">
-            <a:noFill/>
-          </a:ln>
-        </p:spPr>
-        <p:style>
-          <a:lnRef idx="0"/>
-          <a:fillRef idx="0"/>
-          <a:effectRef idx="0"/>
-          <a:fontRef idx="minor"/>
-        </p:style>
-        <p:txBody>
-          <a:bodyPr lIns="90000" rIns="90000" tIns="45000" bIns="45000" anchor="t">
-            <a:noAutofit/>
-          </a:bodyPr>
-          <a:p>
-            <a:pPr>
-              <a:lnSpc>
-                <a:spcPct val="100000"/>
-              </a:lnSpc>
-            </a:pPr>
-            <a:r>
-              <a:rPr b="0" lang="en-GB" sz="1800" spc="-1" strike="noStrike">
-                <a:solidFill>
-                  <a:srgbClr val="000000"/>
-                </a:solidFill>
-                <a:latin typeface="Arial"/>
-              </a:rPr>
-              <a:t>OpAmp</a:t>
-            </a:r>
-            <a:endParaRPr b="0" lang="en-GB" sz="1800" spc="-1" strike="noStrike">
-              <a:solidFill>
-                <a:srgbClr val="000000"/>
-              </a:solidFill>
-              <a:latin typeface="Arial"/>
-            </a:endParaRPr>
-          </a:p>
-        </p:txBody>
-      </p:sp>
-      <p:sp>
-        <p:nvSpPr>
-          <p:cNvPr id="3" name="PlaceHolder 2"/>
-          <p:cNvSpPr>
-            <a:spLocks noGrp="1"/>
-          </p:cNvSpPr>
-          <p:nvPr>
-            <p:ph type="sldNum" idx="8"/>
-          </p:nvPr>
-        </p:nvSpPr>
-        <p:spPr/>
-        <p:txBody>
-          <a:bodyPr/>
-          <a:p>
-            <a:fld id="{AAD9169F-9573-48C5-A04F-8CAE04D41EBE}" type="slidenum">
-              <a:t>4</a:t>
-            </a:fld>
-          </a:p>
-        </p:txBody>
-      </p:sp>
-    </p:spTree>
-  </p:cSld>
-  <mc:AlternateContent>
-    <mc:Choice Requires="p14">
-      <p:transition spd="slow" p14:dur="2000"/>
-    </mc:Choice>
-    <mc:Fallback>
-      <p:transition spd="slow"/>
-    </mc:Fallback>
-  </mc:AlternateContent>
-</p:sld>
-</file>
-
-<file path=ppt/slides/slide5.xml><?xml version="1.0" encoding="utf-8"?>
-<p:sld xmlns:a="http://schemas.openxmlformats.org/drawingml/2006/main" xmlns:p="http://schemas.openxmlformats.org/presentationml/2006/main" xmlns:r="http://schemas.openxmlformats.org/officeDocument/2006/relationships" xmlns:p14="http://schemas.microsoft.com/office/powerpoint/2010/main" xmlns:p15="http://schemas.microsoft.com/office/powerpoint/2012/main" xmlns:mc="http://schemas.openxmlformats.org/markup-compatibility/2006">
-  <p:cSld>
-    <p:spTree>
-      <p:nvGrpSpPr>
-        <p:cNvPr id="1" name=""/>
-        <p:cNvGrpSpPr/>
-        <p:nvPr/>
-      </p:nvGrpSpPr>
-      <p:grpSpPr>
-        <a:xfrm>
-          <a:off x="0" y="0"/>
-          <a:ext cx="0" cy="0"/>
-          <a:chOff x="0" y="0"/>
-          <a:chExt cx="0" cy="0"/>
-        </a:xfrm>
-      </p:grpSpPr>
-      <p:sp>
-        <p:nvSpPr>
-          <p:cNvPr id="36" name="PlaceHolder 1"/>
-          <p:cNvSpPr>
-            <a:spLocks noGrp="1"/>
-          </p:cNvSpPr>
-          <p:nvPr>
-            <p:ph type="title"/>
-          </p:nvPr>
-        </p:nvSpPr>
-        <p:spPr>
-          <a:xfrm>
-            <a:off x="360000" y="180000"/>
-            <a:ext cx="9359640" cy="477720"/>
-          </a:xfrm>
-          <a:prstGeom prst="rect">
-            <a:avLst/>
-          </a:prstGeom>
-          <a:noFill/>
-          <a:ln w="0">
-            <a:noFill/>
-          </a:ln>
-        </p:spPr>
-        <p:txBody>
-          <a:bodyPr lIns="0" rIns="0" tIns="0" bIns="0" anchor="ctr">
-            <a:noAutofit/>
-          </a:bodyPr>
-          <a:p>
-            <a:pPr indent="0" algn="ctr">
-              <a:lnSpc>
-                <a:spcPct val="100000"/>
-              </a:lnSpc>
-              <a:buNone/>
-              <a:tabLst>
-                <a:tab algn="l" pos="0"/>
-              </a:tabLst>
-            </a:pPr>
-            <a:r>
-              <a:rPr b="0" lang="en-GB" sz="3300" spc="-1" strike="noStrike">
-                <a:solidFill>
-                  <a:srgbClr val="ffffff"/>
-                </a:solidFill>
-                <a:latin typeface="Arial"/>
-              </a:rPr>
-              <a:t>NE555</a:t>
-            </a:r>
-            <a:endParaRPr b="0" lang="en-GB" sz="3300" spc="-1" strike="noStrike">
-              <a:solidFill>
-                <a:srgbClr val="000000"/>
-              </a:solidFill>
-              <a:latin typeface="Arial"/>
-            </a:endParaRPr>
-          </a:p>
-        </p:txBody>
-      </p:sp>
-      <p:pic>
-        <p:nvPicPr>
-          <p:cNvPr id="37" name="" descr=""/>
-          <p:cNvPicPr/>
-          <p:nvPr/>
-        </p:nvPicPr>
-        <p:blipFill>
-          <a:blip r:embed="rId1">
-            <a:alphaModFix amt="50000"/>
-          </a:blip>
-          <a:stretch/>
-        </p:blipFill>
-        <p:spPr>
-          <a:xfrm>
-            <a:off x="1620000" y="768240"/>
-            <a:ext cx="6659640" cy="4244760"/>
-          </a:xfrm>
-          <a:prstGeom prst="rect">
-            <a:avLst/>
-          </a:prstGeom>
-          <a:ln w="18000">
-            <a:noFill/>
-          </a:ln>
-        </p:spPr>
-      </p:pic>
-      <p:sp>
-        <p:nvSpPr>
-          <p:cNvPr id="38" name=""/>
-          <p:cNvSpPr/>
-          <p:nvPr/>
-        </p:nvSpPr>
-        <p:spPr>
-          <a:xfrm>
-            <a:off x="2340000" y="1080000"/>
-            <a:ext cx="719640" cy="3059640"/>
-          </a:xfrm>
-          <a:prstGeom prst="ellipse">
-            <a:avLst/>
-          </a:prstGeom>
-          <a:solidFill>
-            <a:srgbClr val="39b2e5">
-              <a:alpha val="50000"/>
-            </a:srgbClr>
-          </a:solidFill>
-          <a:ln w="18000">
-            <a:solidFill>
-              <a:srgbClr val="009bdd"/>
-            </a:solidFill>
-            <a:round/>
-          </a:ln>
-        </p:spPr>
-        <p:style>
-          <a:lnRef idx="0"/>
-          <a:fillRef idx="0"/>
-          <a:effectRef idx="0"/>
-          <a:fontRef idx="minor"/>
-        </p:style>
-        <p:txBody>
-          <a:bodyPr wrap="none" lIns="90000" rIns="90000" tIns="45000" bIns="45000" anchor="ctr">
-            <a:noAutofit/>
-          </a:bodyPr>
-          <a:p>
-            <a:pPr>
-              <a:lnSpc>
-                <a:spcPct val="100000"/>
-              </a:lnSpc>
-            </a:pPr>
-            <a:endParaRPr b="0" lang="en-GB" sz="1800" spc="-1" strike="noStrike">
-              <a:solidFill>
-                <a:srgbClr val="ffffff"/>
-              </a:solidFill>
-              <a:latin typeface="Arial"/>
-              <a:ea typeface="DejaVu Sans"/>
-            </a:endParaRPr>
-          </a:p>
-        </p:txBody>
-      </p:sp>
-      <p:sp>
-        <p:nvSpPr>
-          <p:cNvPr id="3" name="PlaceHolder 2"/>
-          <p:cNvSpPr>
-            <a:spLocks noGrp="1"/>
-          </p:cNvSpPr>
-          <p:nvPr>
-            <p:ph type="sldNum" idx="8"/>
-          </p:nvPr>
-        </p:nvSpPr>
-        <p:spPr/>
-        <p:txBody>
-          <a:bodyPr/>
-          <a:p>
-            <a:fld id="{4FFE1A23-B36E-4F86-9E17-20415FBF8882}" type="slidenum">
-              <a:t>5</a:t>
-            </a:fld>
-          </a:p>
-        </p:txBody>
-      </p:sp>
-    </p:spTree>
-  </p:cSld>
-  <mc:AlternateContent>
-    <mc:Choice Requires="p14">
-      <p:transition spd="slow" p14:dur="2000"/>
-    </mc:Choice>
-    <mc:Fallback>
-      <p:transition spd="slow"/>
-    </mc:Fallback>
-  </mc:AlternateContent>
-</p:sld>
-</file>
-
-<file path=ppt/slides/slide6.xml><?xml version="1.0" encoding="utf-8"?>
-<p:sld xmlns:a="http://schemas.openxmlformats.org/drawingml/2006/main" xmlns:p="http://schemas.openxmlformats.org/presentationml/2006/main" xmlns:r="http://schemas.openxmlformats.org/officeDocument/2006/relationships" xmlns:p14="http://schemas.microsoft.com/office/powerpoint/2010/main" xmlns:p15="http://schemas.microsoft.com/office/powerpoint/2012/main" xmlns:mc="http://schemas.openxmlformats.org/markup-compatibility/2006">
-  <p:cSld>
-    <p:spTree>
-      <p:nvGrpSpPr>
-        <p:cNvPr id="1" name=""/>
-        <p:cNvGrpSpPr/>
-        <p:nvPr/>
-      </p:nvGrpSpPr>
-      <p:grpSpPr>
-        <a:xfrm>
-          <a:off x="0" y="0"/>
-          <a:ext cx="0" cy="0"/>
-          <a:chOff x="0" y="0"/>
-          <a:chExt cx="0" cy="0"/>
-        </a:xfrm>
-      </p:grpSpPr>
-      <p:sp>
-        <p:nvSpPr>
-          <p:cNvPr id="39" name="PlaceHolder 1"/>
-          <p:cNvSpPr>
-            <a:spLocks noGrp="1"/>
-          </p:cNvSpPr>
-          <p:nvPr>
-            <p:ph type="title"/>
-          </p:nvPr>
-        </p:nvSpPr>
-        <p:spPr>
-          <a:xfrm>
-            <a:off x="360000" y="180000"/>
-            <a:ext cx="9359640" cy="477720"/>
-          </a:xfrm>
-          <a:prstGeom prst="rect">
-            <a:avLst/>
-          </a:prstGeom>
-          <a:noFill/>
-          <a:ln w="0">
-            <a:noFill/>
-          </a:ln>
-        </p:spPr>
-        <p:txBody>
-          <a:bodyPr lIns="0" rIns="0" tIns="0" bIns="0" anchor="ctr">
-            <a:noAutofit/>
-          </a:bodyPr>
-          <a:p>
-            <a:pPr indent="0" algn="ctr">
-              <a:lnSpc>
-                <a:spcPct val="100000"/>
-              </a:lnSpc>
-              <a:buNone/>
-              <a:tabLst>
-                <a:tab algn="l" pos="0"/>
-              </a:tabLst>
-            </a:pPr>
-            <a:r>
-              <a:rPr b="0" lang="en-GB" sz="3300" spc="-1" strike="noStrike">
-                <a:solidFill>
-                  <a:srgbClr val="ffffff"/>
-                </a:solidFill>
-                <a:latin typeface="Arial"/>
-              </a:rPr>
-              <a:t>Resistive voltage divider</a:t>
-            </a:r>
-            <a:endParaRPr b="0" lang="en-GB" sz="3300" spc="-1" strike="noStrike">
-              <a:solidFill>
-                <a:srgbClr val="000000"/>
-              </a:solidFill>
-              <a:latin typeface="Arial"/>
-            </a:endParaRPr>
-          </a:p>
-        </p:txBody>
-      </p:sp>
-      <p:pic>
-        <p:nvPicPr>
-          <p:cNvPr id="40" name="" descr=""/>
-          <p:cNvPicPr/>
-          <p:nvPr/>
-        </p:nvPicPr>
-        <p:blipFill>
-          <a:blip r:embed="rId1">
-            <a:alphaModFix amt="50000"/>
-          </a:blip>
-          <a:stretch/>
-        </p:blipFill>
-        <p:spPr>
-          <a:xfrm>
-            <a:off x="246600" y="900000"/>
-            <a:ext cx="1733040" cy="3959640"/>
-          </a:xfrm>
-          <a:prstGeom prst="rect">
-            <a:avLst/>
-          </a:prstGeom>
-          <a:ln w="18000">
-            <a:noFill/>
-          </a:ln>
-        </p:spPr>
-      </p:pic>
-      <p:sp>
-        <p:nvSpPr>
-          <p:cNvPr id="41" name=""/>
-          <p:cNvSpPr/>
-          <p:nvPr/>
-        </p:nvSpPr>
-        <p:spPr>
-          <a:xfrm>
-            <a:off x="2160000" y="900000"/>
-            <a:ext cx="2699640" cy="1259640"/>
-          </a:xfrm>
-          <a:prstGeom prst="rect">
-            <a:avLst/>
-          </a:prstGeom>
-          <a:noFill/>
-          <a:ln w="18000">
-            <a:noFill/>
-          </a:ln>
-        </p:spPr>
-        <p:style>
-          <a:lnRef idx="0"/>
-          <a:fillRef idx="0"/>
-          <a:effectRef idx="0"/>
-          <a:fontRef idx="minor"/>
-        </p:style>
-        <p:txBody>
-          <a:bodyPr lIns="90000" rIns="90000" tIns="45000" bIns="45000" anchor="t">
-            <a:noAutofit/>
-          </a:bodyPr>
-          <a:p>
-            <a:pPr>
-              <a:lnSpc>
-                <a:spcPct val="100000"/>
-              </a:lnSpc>
-            </a:pPr>
-            <a:r>
-              <a:rPr b="0" lang="en-GB" sz="1800" spc="-1" strike="noStrike">
-                <a:solidFill>
-                  <a:srgbClr val="000000"/>
-                </a:solidFill>
-                <a:latin typeface="Arial"/>
-              </a:rPr>
-              <a:t>I = V / (R1 + R2)</a:t>
-            </a:r>
-            <a:endParaRPr b="0" lang="en-GB" sz="1800" spc="-1" strike="noStrike">
-              <a:solidFill>
-                <a:srgbClr val="000000"/>
-              </a:solidFill>
-              <a:latin typeface="Arial"/>
-            </a:endParaRPr>
-          </a:p>
-          <a:p>
-            <a:pPr>
-              <a:lnSpc>
-                <a:spcPct val="100000"/>
-              </a:lnSpc>
-            </a:pPr>
-            <a:r>
-              <a:rPr b="0" lang="en-GB" sz="1800" spc="-1" strike="noStrike">
-                <a:solidFill>
-                  <a:srgbClr val="000000"/>
-                </a:solidFill>
-                <a:latin typeface="Arial"/>
-              </a:rPr>
-              <a:t>OUT = I * R2</a:t>
-            </a:r>
-            <a:endParaRPr b="0" lang="en-GB" sz="1800" spc="-1" strike="noStrike">
-              <a:solidFill>
-                <a:srgbClr val="000000"/>
-              </a:solidFill>
-              <a:latin typeface="Arial"/>
-            </a:endParaRPr>
-          </a:p>
-          <a:p>
-            <a:pPr>
-              <a:lnSpc>
-                <a:spcPct val="100000"/>
-              </a:lnSpc>
-            </a:pPr>
-            <a:r>
-              <a:rPr b="0" lang="en-GB" sz="1800" spc="-1" strike="noStrike">
-                <a:solidFill>
-                  <a:srgbClr val="000000"/>
-                </a:solidFill>
-                <a:latin typeface="Arial"/>
-              </a:rPr>
-              <a:t>OUT = V * R2 / (R1+R2)</a:t>
-            </a:r>
-            <a:endParaRPr b="0" lang="en-GB" sz="1800" spc="-1" strike="noStrike">
-              <a:solidFill>
-                <a:srgbClr val="000000"/>
-              </a:solidFill>
-              <a:latin typeface="Arial"/>
-            </a:endParaRPr>
-          </a:p>
-          <a:p>
-            <a:pPr>
-              <a:lnSpc>
-                <a:spcPct val="100000"/>
-              </a:lnSpc>
-            </a:pPr>
-            <a:endParaRPr b="0" lang="en-GB" sz="1800" spc="-1" strike="noStrike">
-              <a:solidFill>
-                <a:srgbClr val="000000"/>
-              </a:solidFill>
-              <a:latin typeface="Arial"/>
-            </a:endParaRPr>
-          </a:p>
-        </p:txBody>
-      </p:sp>
-      <p:pic>
-        <p:nvPicPr>
-          <p:cNvPr id="42" name="" descr=""/>
-          <p:cNvPicPr/>
-          <p:nvPr/>
-        </p:nvPicPr>
-        <p:blipFill>
-          <a:blip r:embed="rId2">
-            <a:alphaModFix amt="50000"/>
-          </a:blip>
-          <a:stretch/>
-        </p:blipFill>
-        <p:spPr>
-          <a:xfrm>
-            <a:off x="2160000" y="1978920"/>
-            <a:ext cx="1950840" cy="2880720"/>
-          </a:xfrm>
-          <a:prstGeom prst="rect">
-            <a:avLst/>
-          </a:prstGeom>
-          <a:ln w="18000">
-            <a:noFill/>
-          </a:ln>
-        </p:spPr>
-      </p:pic>
-      <p:sp>
-        <p:nvSpPr>
-          <p:cNvPr id="3" name="PlaceHolder 2"/>
-          <p:cNvSpPr>
-            <a:spLocks noGrp="1"/>
-          </p:cNvSpPr>
-          <p:nvPr>
-            <p:ph type="sldNum" idx="8"/>
-          </p:nvPr>
-        </p:nvSpPr>
-        <p:spPr/>
-        <p:txBody>
-          <a:bodyPr/>
-          <a:p>
-            <a:fld id="{DC04D259-AE02-44C2-9E6E-B17BFADAE0A2}" type="slidenum">
-              <a:t>6</a:t>
-            </a:fld>
-          </a:p>
-        </p:txBody>
-      </p:sp>
-    </p:spTree>
-  </p:cSld>
-  <mc:AlternateContent>
-    <mc:Choice Requires="p14">
-      <p:transition spd="slow" p14:dur="2000"/>
-    </mc:Choice>
-    <mc:Fallback>
-      <p:transition spd="slow"/>
-    </mc:Fallback>
-  </mc:AlternateContent>
-</p:sld>
-</file>
-
-<file path=ppt/slides/slide7.xml><?xml version="1.0" encoding="utf-8"?>
-<p:sld xmlns:a="http://schemas.openxmlformats.org/drawingml/2006/main" xmlns:p="http://schemas.openxmlformats.org/presentationml/2006/main" xmlns:r="http://schemas.openxmlformats.org/officeDocument/2006/relationships" xmlns:p14="http://schemas.microsoft.com/office/powerpoint/2010/main" xmlns:p15="http://schemas.microsoft.com/office/powerpoint/2012/main" xmlns:mc="http://schemas.openxmlformats.org/markup-compatibility/2006">
-  <p:cSld>
-    <p:spTree>
-      <p:nvGrpSpPr>
-        <p:cNvPr id="1" name=""/>
-        <p:cNvGrpSpPr/>
-        <p:nvPr/>
-      </p:nvGrpSpPr>
-      <p:grpSpPr>
-        <a:xfrm>
-          <a:off x="0" y="0"/>
-          <a:ext cx="0" cy="0"/>
-          <a:chOff x="0" y="0"/>
-          <a:chExt cx="0" cy="0"/>
-        </a:xfrm>
-      </p:grpSpPr>
-      <p:sp>
-        <p:nvSpPr>
-          <p:cNvPr id="43" name="PlaceHolder 1"/>
-          <p:cNvSpPr>
-            <a:spLocks noGrp="1"/>
-          </p:cNvSpPr>
-          <p:nvPr>
-            <p:ph type="title"/>
-          </p:nvPr>
-        </p:nvSpPr>
-        <p:spPr>
-          <a:xfrm>
-            <a:off x="360000" y="180000"/>
-            <a:ext cx="9359640" cy="477720"/>
-          </a:xfrm>
-          <a:prstGeom prst="rect">
-            <a:avLst/>
-          </a:prstGeom>
-          <a:noFill/>
-          <a:ln w="0">
-            <a:noFill/>
-          </a:ln>
-        </p:spPr>
-        <p:txBody>
-          <a:bodyPr lIns="0" rIns="0" tIns="0" bIns="0" anchor="ctr">
-            <a:noAutofit/>
-          </a:bodyPr>
-          <a:p>
-            <a:pPr indent="0" algn="ctr">
-              <a:lnSpc>
-                <a:spcPct val="100000"/>
-              </a:lnSpc>
-              <a:buNone/>
-              <a:tabLst>
-                <a:tab algn="l" pos="0"/>
-              </a:tabLst>
-            </a:pPr>
-            <a:r>
-              <a:rPr b="0" lang="en-GB" sz="3300" spc="-1" strike="noStrike">
-                <a:solidFill>
-                  <a:srgbClr val="ffffff"/>
-                </a:solidFill>
-                <a:latin typeface="Arial"/>
-              </a:rPr>
-              <a:t>NE555</a:t>
-            </a:r>
-            <a:endParaRPr b="0" lang="en-GB" sz="3300" spc="-1" strike="noStrike">
-              <a:solidFill>
-                <a:srgbClr val="000000"/>
-              </a:solidFill>
-              <a:latin typeface="Arial"/>
-            </a:endParaRPr>
-          </a:p>
-        </p:txBody>
-      </p:sp>
-      <p:pic>
-        <p:nvPicPr>
-          <p:cNvPr id="44" name="" descr=""/>
-          <p:cNvPicPr/>
-          <p:nvPr/>
-        </p:nvPicPr>
-        <p:blipFill>
-          <a:blip r:embed="rId1">
-            <a:alphaModFix amt="50000"/>
-          </a:blip>
-          <a:stretch/>
-        </p:blipFill>
-        <p:spPr>
-          <a:xfrm>
-            <a:off x="1620000" y="768240"/>
-            <a:ext cx="6659640" cy="4244760"/>
-          </a:xfrm>
-          <a:prstGeom prst="rect">
-            <a:avLst/>
-          </a:prstGeom>
-          <a:ln w="18000">
-            <a:noFill/>
-          </a:ln>
-        </p:spPr>
-      </p:pic>
-      <p:sp>
-        <p:nvSpPr>
-          <p:cNvPr id="45" name=""/>
-          <p:cNvSpPr/>
-          <p:nvPr/>
-        </p:nvSpPr>
-        <p:spPr>
-          <a:xfrm>
-            <a:off x="4680000" y="1980000"/>
-            <a:ext cx="1079640" cy="1079640"/>
-          </a:xfrm>
-          <a:prstGeom prst="ellipse">
-            <a:avLst/>
-          </a:prstGeom>
-          <a:solidFill>
-            <a:srgbClr val="39b2e5">
-              <a:alpha val="50000"/>
-            </a:srgbClr>
-          </a:solidFill>
-          <a:ln w="18000">
-            <a:solidFill>
-              <a:srgbClr val="009bdd"/>
-            </a:solidFill>
-            <a:round/>
-          </a:ln>
-        </p:spPr>
-        <p:style>
-          <a:lnRef idx="0"/>
-          <a:fillRef idx="0"/>
-          <a:effectRef idx="0"/>
-          <a:fontRef idx="minor"/>
-        </p:style>
-        <p:txBody>
-          <a:bodyPr wrap="none" lIns="90000" rIns="90000" tIns="45000" bIns="45000" anchor="ctr">
-            <a:noAutofit/>
-          </a:bodyPr>
-          <a:p>
-            <a:pPr>
-              <a:lnSpc>
-                <a:spcPct val="100000"/>
-              </a:lnSpc>
-            </a:pPr>
-            <a:endParaRPr b="0" lang="en-GB" sz="1800" spc="-1" strike="noStrike">
-              <a:solidFill>
-                <a:srgbClr val="ffffff"/>
-              </a:solidFill>
-              <a:latin typeface="Arial"/>
-              <a:ea typeface="DejaVu Sans"/>
-            </a:endParaRPr>
-          </a:p>
-        </p:txBody>
-      </p:sp>
-      <p:sp>
-        <p:nvSpPr>
-          <p:cNvPr id="3" name="PlaceHolder 2"/>
-          <p:cNvSpPr>
-            <a:spLocks noGrp="1"/>
-          </p:cNvSpPr>
-          <p:nvPr>
-            <p:ph type="sldNum" idx="8"/>
-          </p:nvPr>
-        </p:nvSpPr>
-        <p:spPr/>
-        <p:txBody>
-          <a:bodyPr/>
-          <a:p>
-            <a:fld id="{9EA9D655-E062-47E6-82D5-BABD84A14E26}" type="slidenum">
-              <a:t>7</a:t>
-            </a:fld>
-          </a:p>
-        </p:txBody>
-      </p:sp>
-    </p:spTree>
-  </p:cSld>
-  <mc:AlternateContent>
-    <mc:Choice Requires="p14">
-      <p:transition spd="slow" p14:dur="2000"/>
-    </mc:Choice>
-    <mc:Fallback>
-      <p:transition spd="slow"/>
-    </mc:Fallback>
-  </mc:AlternateContent>
-</p:sld>
-</file>
-
-<file path=ppt/slides/slide8.xml><?xml version="1.0" encoding="utf-8"?>
-<p:sld xmlns:a="http://schemas.openxmlformats.org/drawingml/2006/main" xmlns:p="http://schemas.openxmlformats.org/presentationml/2006/main" xmlns:r="http://schemas.openxmlformats.org/officeDocument/2006/relationships" xmlns:p14="http://schemas.microsoft.com/office/powerpoint/2010/main" xmlns:p15="http://schemas.microsoft.com/office/powerpoint/2012/main" xmlns:mc="http://schemas.openxmlformats.org/markup-compatibility/2006">
-  <p:cSld>
-    <p:spTree>
-      <p:nvGrpSpPr>
-        <p:cNvPr id="1" name=""/>
-        <p:cNvGrpSpPr/>
-        <p:nvPr/>
-      </p:nvGrpSpPr>
-      <p:grpSpPr>
-        <a:xfrm>
-          <a:off x="0" y="0"/>
-          <a:ext cx="0" cy="0"/>
-          <a:chOff x="0" y="0"/>
-          <a:chExt cx="0" cy="0"/>
-        </a:xfrm>
-      </p:grpSpPr>
-      <p:sp>
-        <p:nvSpPr>
-          <p:cNvPr id="46" name="PlaceHolder 1"/>
-          <p:cNvSpPr>
-            <a:spLocks noGrp="1"/>
-          </p:cNvSpPr>
-          <p:nvPr>
-            <p:ph type="title"/>
-          </p:nvPr>
-        </p:nvSpPr>
-        <p:spPr>
-          <a:xfrm>
-            <a:off x="360000" y="180000"/>
-            <a:ext cx="9359640" cy="477720"/>
-          </a:xfrm>
-          <a:prstGeom prst="rect">
-            <a:avLst/>
-          </a:prstGeom>
-          <a:noFill/>
-          <a:ln w="0">
-            <a:noFill/>
-          </a:ln>
-        </p:spPr>
-        <p:txBody>
-          <a:bodyPr lIns="0" rIns="0" tIns="0" bIns="0" anchor="ctr">
-            <a:noAutofit/>
-          </a:bodyPr>
-          <a:p>
-            <a:pPr indent="0" algn="ctr">
-              <a:lnSpc>
-                <a:spcPct val="100000"/>
-              </a:lnSpc>
-              <a:buNone/>
-              <a:tabLst>
-                <a:tab algn="l" pos="0"/>
-              </a:tabLst>
-            </a:pPr>
-            <a:r>
-              <a:rPr b="0" lang="en-GB" sz="3300" spc="-1" strike="noStrike">
-                <a:solidFill>
-                  <a:srgbClr val="ffffff"/>
-                </a:solidFill>
-                <a:latin typeface="Arial"/>
-              </a:rPr>
-              <a:t>RS Trigger</a:t>
-            </a:r>
-            <a:endParaRPr b="0" lang="en-GB" sz="3300" spc="-1" strike="noStrike">
-              <a:solidFill>
-                <a:srgbClr val="000000"/>
-              </a:solidFill>
-              <a:latin typeface="Arial"/>
-            </a:endParaRPr>
-          </a:p>
-        </p:txBody>
-      </p:sp>
-      <p:pic>
-        <p:nvPicPr>
-          <p:cNvPr id="47" name="" descr=""/>
+          <p:cNvPr id="61" name="" descr=""/>
           <p:cNvPicPr/>
           <p:nvPr/>
         </p:nvPicPr>
@@ -6619,7 +4437,7 @@
         <p:spPr>
           <a:xfrm>
             <a:off x="158040" y="802800"/>
-            <a:ext cx="2361600" cy="2256840"/>
+            <a:ext cx="2361240" cy="2256480"/>
           </a:xfrm>
           <a:prstGeom prst="rect">
             <a:avLst/>
@@ -6631,7 +4449,7 @@
       </p:pic>
       <p:graphicFrame>
         <p:nvGraphicFramePr>
-          <p:cNvPr id="48" name=""/>
+          <p:cNvPr id="62" name=""/>
           <p:cNvGraphicFramePr/>
           <p:nvPr/>
         </p:nvGraphicFramePr>
@@ -7370,7 +5188,4492 @@
         <p:txBody>
           <a:bodyPr/>
           <a:p>
-            <a:fld id="{C3522323-B6BB-4402-88CF-7CF9CC01BF77}" type="slidenum">
+            <a:fld id="{27C54F05-780B-4289-BAE8-008C231008C5}" type="slidenum">
+              <a:t>10</a:t>
+            </a:fld>
+          </a:p>
+        </p:txBody>
+      </p:sp>
+    </p:spTree>
+  </p:cSld>
+  <mc:AlternateContent>
+    <mc:Choice Requires="p14">
+      <p:transition spd="slow" p14:dur="2000"/>
+    </mc:Choice>
+    <mc:Fallback>
+      <p:transition spd="slow"/>
+    </mc:Fallback>
+  </mc:AlternateContent>
+</p:sld>
+</file>
+
+<file path=ppt/slides/slide11.xml><?xml version="1.0" encoding="utf-8"?>
+<p:sld xmlns:a="http://schemas.openxmlformats.org/drawingml/2006/main" xmlns:p="http://schemas.openxmlformats.org/presentationml/2006/main" xmlns:r="http://schemas.openxmlformats.org/officeDocument/2006/relationships" xmlns:p14="http://schemas.microsoft.com/office/powerpoint/2010/main" xmlns:p15="http://schemas.microsoft.com/office/powerpoint/2012/main" xmlns:mc="http://schemas.openxmlformats.org/markup-compatibility/2006">
+  <p:cSld>
+    <p:spTree>
+      <p:nvGrpSpPr>
+        <p:cNvPr id="1" name=""/>
+        <p:cNvGrpSpPr/>
+        <p:nvPr/>
+      </p:nvGrpSpPr>
+      <p:grpSpPr>
+        <a:xfrm>
+          <a:off x="0" y="0"/>
+          <a:ext cx="0" cy="0"/>
+          <a:chOff x="0" y="0"/>
+          <a:chExt cx="0" cy="0"/>
+        </a:xfrm>
+      </p:grpSpPr>
+      <p:sp>
+        <p:nvSpPr>
+          <p:cNvPr id="63" name="PlaceHolder 1"/>
+          <p:cNvSpPr>
+            <a:spLocks noGrp="1"/>
+          </p:cNvSpPr>
+          <p:nvPr>
+            <p:ph type="title"/>
+          </p:nvPr>
+        </p:nvSpPr>
+        <p:spPr>
+          <a:xfrm>
+            <a:off x="360000" y="180000"/>
+            <a:ext cx="9359280" cy="477360"/>
+          </a:xfrm>
+          <a:prstGeom prst="rect">
+            <a:avLst/>
+          </a:prstGeom>
+          <a:noFill/>
+          <a:ln w="0">
+            <a:noFill/>
+          </a:ln>
+        </p:spPr>
+        <p:txBody>
+          <a:bodyPr lIns="0" rIns="0" tIns="0" bIns="0" anchor="ctr">
+            <a:noAutofit/>
+          </a:bodyPr>
+          <a:p>
+            <a:pPr indent="0" algn="ctr">
+              <a:lnSpc>
+                <a:spcPct val="100000"/>
+              </a:lnSpc>
+              <a:buNone/>
+              <a:tabLst>
+                <a:tab algn="l" pos="0"/>
+              </a:tabLst>
+            </a:pPr>
+            <a:r>
+              <a:rPr b="0" lang="en-GB" sz="3300" spc="-1" strike="noStrike">
+                <a:solidFill>
+                  <a:srgbClr val="ffffff"/>
+                </a:solidFill>
+                <a:latin typeface="Arial"/>
+              </a:rPr>
+              <a:t>NE555</a:t>
+            </a:r>
+            <a:endParaRPr b="0" lang="en-GB" sz="3300" spc="-1" strike="noStrike">
+              <a:solidFill>
+                <a:srgbClr val="000000"/>
+              </a:solidFill>
+              <a:latin typeface="Arial"/>
+            </a:endParaRPr>
+          </a:p>
+        </p:txBody>
+      </p:sp>
+      <p:pic>
+        <p:nvPicPr>
+          <p:cNvPr id="64" name="" descr=""/>
+          <p:cNvPicPr/>
+          <p:nvPr/>
+        </p:nvPicPr>
+        <p:blipFill>
+          <a:blip r:embed="rId1">
+            <a:alphaModFix amt="50000"/>
+          </a:blip>
+          <a:stretch/>
+        </p:blipFill>
+        <p:spPr>
+          <a:xfrm>
+            <a:off x="1620000" y="768240"/>
+            <a:ext cx="6659280" cy="4244400"/>
+          </a:xfrm>
+          <a:prstGeom prst="rect">
+            <a:avLst/>
+          </a:prstGeom>
+          <a:ln w="18000">
+            <a:noFill/>
+          </a:ln>
+        </p:spPr>
+      </p:pic>
+      <p:sp>
+        <p:nvSpPr>
+          <p:cNvPr id="65" name=""/>
+          <p:cNvSpPr/>
+          <p:nvPr/>
+        </p:nvSpPr>
+        <p:spPr>
+          <a:xfrm>
+            <a:off x="5400000" y="2700000"/>
+            <a:ext cx="1979280" cy="1439280"/>
+          </a:xfrm>
+          <a:prstGeom prst="ellipse">
+            <a:avLst/>
+          </a:prstGeom>
+          <a:solidFill>
+            <a:srgbClr val="39b2e5">
+              <a:alpha val="50000"/>
+            </a:srgbClr>
+          </a:solidFill>
+          <a:ln w="18000">
+            <a:solidFill>
+              <a:srgbClr val="009bdd"/>
+            </a:solidFill>
+            <a:round/>
+          </a:ln>
+        </p:spPr>
+        <p:style>
+          <a:lnRef idx="0"/>
+          <a:fillRef idx="0"/>
+          <a:effectRef idx="0"/>
+          <a:fontRef idx="minor"/>
+        </p:style>
+        <p:txBody>
+          <a:bodyPr wrap="none" lIns="90000" rIns="90000" tIns="45000" bIns="45000" anchor="ctr">
+            <a:noAutofit/>
+          </a:bodyPr>
+          <a:p>
+            <a:pPr>
+              <a:lnSpc>
+                <a:spcPct val="100000"/>
+              </a:lnSpc>
+            </a:pPr>
+            <a:endParaRPr b="0" lang="en-GB" sz="1800" spc="-1" strike="noStrike">
+              <a:solidFill>
+                <a:srgbClr val="ffffff"/>
+              </a:solidFill>
+              <a:latin typeface="Arial"/>
+              <a:ea typeface="DejaVu Sans"/>
+            </a:endParaRPr>
+          </a:p>
+        </p:txBody>
+      </p:sp>
+      <p:sp>
+        <p:nvSpPr>
+          <p:cNvPr id="3" name="PlaceHolder 2"/>
+          <p:cNvSpPr>
+            <a:spLocks noGrp="1"/>
+          </p:cNvSpPr>
+          <p:nvPr>
+            <p:ph type="sldNum" idx="8"/>
+          </p:nvPr>
+        </p:nvSpPr>
+        <p:spPr/>
+        <p:txBody>
+          <a:bodyPr/>
+          <a:p>
+            <a:fld id="{AB4E8822-07E5-4E63-A557-E834FE2C9D2F}" type="slidenum">
+              <a:t>11</a:t>
+            </a:fld>
+          </a:p>
+        </p:txBody>
+      </p:sp>
+    </p:spTree>
+  </p:cSld>
+  <mc:AlternateContent>
+    <mc:Choice Requires="p14">
+      <p:transition spd="slow" p14:dur="2000"/>
+    </mc:Choice>
+    <mc:Fallback>
+      <p:transition spd="slow"/>
+    </mc:Fallback>
+  </mc:AlternateContent>
+</p:sld>
+</file>
+
+<file path=ppt/slides/slide12.xml><?xml version="1.0" encoding="utf-8"?>
+<p:sld xmlns:a="http://schemas.openxmlformats.org/drawingml/2006/main" xmlns:p="http://schemas.openxmlformats.org/presentationml/2006/main" xmlns:r="http://schemas.openxmlformats.org/officeDocument/2006/relationships" xmlns:p14="http://schemas.microsoft.com/office/powerpoint/2010/main" xmlns:p15="http://schemas.microsoft.com/office/powerpoint/2012/main" xmlns:mc="http://schemas.openxmlformats.org/markup-compatibility/2006">
+  <p:cSld>
+    <p:spTree>
+      <p:nvGrpSpPr>
+        <p:cNvPr id="1" name=""/>
+        <p:cNvGrpSpPr/>
+        <p:nvPr/>
+      </p:nvGrpSpPr>
+      <p:grpSpPr>
+        <a:xfrm>
+          <a:off x="0" y="0"/>
+          <a:ext cx="0" cy="0"/>
+          <a:chOff x="0" y="0"/>
+          <a:chExt cx="0" cy="0"/>
+        </a:xfrm>
+      </p:grpSpPr>
+      <p:sp>
+        <p:nvSpPr>
+          <p:cNvPr id="66" name="PlaceHolder 1"/>
+          <p:cNvSpPr>
+            <a:spLocks noGrp="1"/>
+          </p:cNvSpPr>
+          <p:nvPr>
+            <p:ph type="title"/>
+          </p:nvPr>
+        </p:nvSpPr>
+        <p:spPr>
+          <a:xfrm>
+            <a:off x="360000" y="180000"/>
+            <a:ext cx="9359280" cy="477360"/>
+          </a:xfrm>
+          <a:prstGeom prst="rect">
+            <a:avLst/>
+          </a:prstGeom>
+          <a:noFill/>
+          <a:ln w="0">
+            <a:noFill/>
+          </a:ln>
+        </p:spPr>
+        <p:txBody>
+          <a:bodyPr lIns="0" rIns="0" tIns="0" bIns="0" anchor="ctr">
+            <a:noAutofit/>
+          </a:bodyPr>
+          <a:p>
+            <a:pPr indent="0" algn="ctr">
+              <a:lnSpc>
+                <a:spcPct val="100000"/>
+              </a:lnSpc>
+              <a:buNone/>
+              <a:tabLst>
+                <a:tab algn="l" pos="0"/>
+              </a:tabLst>
+            </a:pPr>
+            <a:r>
+              <a:rPr b="0" lang="en-GB" sz="3300" spc="-1" strike="noStrike">
+                <a:solidFill>
+                  <a:srgbClr val="ffffff"/>
+                </a:solidFill>
+                <a:latin typeface="Arial"/>
+              </a:rPr>
+              <a:t>Transistor (diode)</a:t>
+            </a:r>
+            <a:endParaRPr b="0" lang="en-GB" sz="3300" spc="-1" strike="noStrike">
+              <a:solidFill>
+                <a:srgbClr val="000000"/>
+              </a:solidFill>
+              <a:latin typeface="Arial"/>
+            </a:endParaRPr>
+          </a:p>
+        </p:txBody>
+      </p:sp>
+      <p:pic>
+        <p:nvPicPr>
+          <p:cNvPr id="67" name="" descr=""/>
+          <p:cNvPicPr/>
+          <p:nvPr/>
+        </p:nvPicPr>
+        <p:blipFill>
+          <a:blip r:embed="rId1">
+            <a:alphaModFix amt="50000"/>
+          </a:blip>
+          <a:stretch/>
+        </p:blipFill>
+        <p:spPr>
+          <a:xfrm>
+            <a:off x="180000" y="900000"/>
+            <a:ext cx="4679280" cy="2238840"/>
+          </a:xfrm>
+          <a:prstGeom prst="rect">
+            <a:avLst/>
+          </a:prstGeom>
+          <a:ln w="18000">
+            <a:noFill/>
+          </a:ln>
+        </p:spPr>
+      </p:pic>
+      <p:sp>
+        <p:nvSpPr>
+          <p:cNvPr id="68" name=""/>
+          <p:cNvSpPr/>
+          <p:nvPr/>
+        </p:nvSpPr>
+        <p:spPr>
+          <a:xfrm>
+            <a:off x="180000" y="3240000"/>
+            <a:ext cx="4679280" cy="1799280"/>
+          </a:xfrm>
+          <a:prstGeom prst="rect">
+            <a:avLst/>
+          </a:prstGeom>
+          <a:noFill/>
+          <a:ln w="18000">
+            <a:noFill/>
+          </a:ln>
+        </p:spPr>
+        <p:style>
+          <a:lnRef idx="0"/>
+          <a:fillRef idx="0"/>
+          <a:effectRef idx="0"/>
+          <a:fontRef idx="minor"/>
+        </p:style>
+        <p:txBody>
+          <a:bodyPr lIns="90000" rIns="90000" tIns="45000" bIns="45000" anchor="t">
+            <a:noAutofit/>
+          </a:bodyPr>
+          <a:p>
+            <a:pPr>
+              <a:lnSpc>
+                <a:spcPct val="100000"/>
+              </a:lnSpc>
+            </a:pPr>
+            <a:r>
+              <a:rPr b="0" lang="en-GB" sz="1800" spc="-1" strike="noStrike">
+                <a:solidFill>
+                  <a:srgbClr val="000000"/>
+                </a:solidFill>
+                <a:latin typeface="Arial"/>
+                <a:ea typeface="DejaVu Sans"/>
+              </a:rPr>
+              <a:t>Diode – One direction of current flow</a:t>
+            </a:r>
+            <a:endParaRPr b="0" lang="en-GB" sz="1800" spc="-1" strike="noStrike">
+              <a:solidFill>
+                <a:srgbClr val="000000"/>
+              </a:solidFill>
+              <a:latin typeface="Arial"/>
+            </a:endParaRPr>
+          </a:p>
+          <a:p>
+            <a:pPr>
+              <a:lnSpc>
+                <a:spcPct val="100000"/>
+              </a:lnSpc>
+            </a:pPr>
+            <a:r>
+              <a:rPr b="0" lang="en-GB" sz="1800" spc="-1" strike="noStrike">
+                <a:solidFill>
+                  <a:srgbClr val="000000"/>
+                </a:solidFill>
+                <a:latin typeface="Arial"/>
+                <a:ea typeface="DejaVu Sans"/>
+              </a:rPr>
+              <a:t>	</a:t>
+            </a:r>
+            <a:r>
+              <a:rPr b="0" lang="en-GB" sz="1800" spc="-1" strike="noStrike">
+                <a:solidFill>
+                  <a:srgbClr val="000000"/>
+                </a:solidFill>
+                <a:latin typeface="Arial"/>
+                <a:ea typeface="DejaVu Sans"/>
+              </a:rPr>
+              <a:t>Vf, If (LED)</a:t>
+            </a:r>
+            <a:endParaRPr b="0" lang="en-GB" sz="1800" spc="-1" strike="noStrike">
+              <a:solidFill>
+                <a:srgbClr val="000000"/>
+              </a:solidFill>
+              <a:latin typeface="Arial"/>
+            </a:endParaRPr>
+          </a:p>
+          <a:p>
+            <a:pPr>
+              <a:lnSpc>
+                <a:spcPct val="100000"/>
+              </a:lnSpc>
+            </a:pPr>
+            <a:r>
+              <a:rPr b="0" lang="en-GB" sz="1800" spc="-1" strike="noStrike">
+                <a:solidFill>
+                  <a:srgbClr val="000000"/>
+                </a:solidFill>
+                <a:latin typeface="Arial"/>
+                <a:ea typeface="DejaVu Sans"/>
+              </a:rPr>
+              <a:t>BJT – Current controlled device</a:t>
+            </a:r>
+            <a:endParaRPr b="0" lang="en-GB" sz="1800" spc="-1" strike="noStrike">
+              <a:solidFill>
+                <a:srgbClr val="000000"/>
+              </a:solidFill>
+              <a:latin typeface="Arial"/>
+            </a:endParaRPr>
+          </a:p>
+          <a:p>
+            <a:pPr>
+              <a:lnSpc>
+                <a:spcPct val="100000"/>
+              </a:lnSpc>
+            </a:pPr>
+            <a:r>
+              <a:rPr b="0" lang="en-GB" sz="1800" spc="-1" strike="noStrike">
+                <a:solidFill>
+                  <a:srgbClr val="000000"/>
+                </a:solidFill>
+                <a:latin typeface="Arial"/>
+                <a:ea typeface="DejaVu Sans"/>
+              </a:rPr>
+              <a:t>	</a:t>
+            </a:r>
+            <a:r>
+              <a:rPr b="0" lang="en-GB" sz="1800" spc="-1" strike="noStrike">
+                <a:solidFill>
+                  <a:srgbClr val="000000"/>
+                </a:solidFill>
+                <a:latin typeface="Arial"/>
+                <a:ea typeface="DejaVu Sans"/>
+              </a:rPr>
+              <a:t>h21e, Ic</a:t>
+            </a:r>
+            <a:endParaRPr b="0" lang="en-GB" sz="1800" spc="-1" strike="noStrike">
+              <a:solidFill>
+                <a:srgbClr val="000000"/>
+              </a:solidFill>
+              <a:latin typeface="Arial"/>
+            </a:endParaRPr>
+          </a:p>
+          <a:p>
+            <a:pPr>
+              <a:lnSpc>
+                <a:spcPct val="100000"/>
+              </a:lnSpc>
+            </a:pPr>
+            <a:r>
+              <a:rPr b="0" lang="en-GB" sz="1800" spc="-1" strike="noStrike">
+                <a:solidFill>
+                  <a:srgbClr val="000000"/>
+                </a:solidFill>
+                <a:latin typeface="Arial"/>
+                <a:ea typeface="DejaVu Sans"/>
+              </a:rPr>
+              <a:t>MOSFET – Voltage controlled device</a:t>
+            </a:r>
+            <a:endParaRPr b="0" lang="en-GB" sz="1800" spc="-1" strike="noStrike">
+              <a:solidFill>
+                <a:srgbClr val="000000"/>
+              </a:solidFill>
+              <a:latin typeface="Arial"/>
+            </a:endParaRPr>
+          </a:p>
+          <a:p>
+            <a:pPr>
+              <a:lnSpc>
+                <a:spcPct val="100000"/>
+              </a:lnSpc>
+            </a:pPr>
+            <a:r>
+              <a:rPr b="0" lang="en-GB" sz="1800" spc="-1" strike="noStrike">
+                <a:solidFill>
+                  <a:srgbClr val="000000"/>
+                </a:solidFill>
+                <a:latin typeface="Arial"/>
+                <a:ea typeface="DejaVu Sans"/>
+              </a:rPr>
+              <a:t>	</a:t>
+            </a:r>
+            <a:r>
+              <a:rPr b="0" lang="en-GB" sz="1800" spc="-1" strike="noStrike">
+                <a:solidFill>
+                  <a:srgbClr val="000000"/>
+                </a:solidFill>
+                <a:latin typeface="Arial"/>
+                <a:ea typeface="DejaVu Sans"/>
+              </a:rPr>
+              <a:t>Vth, Id, QGate</a:t>
+            </a:r>
+            <a:endParaRPr b="0" lang="en-GB" sz="1800" spc="-1" strike="noStrike">
+              <a:solidFill>
+                <a:srgbClr val="000000"/>
+              </a:solidFill>
+              <a:latin typeface="Arial"/>
+            </a:endParaRPr>
+          </a:p>
+        </p:txBody>
+      </p:sp>
+      <p:sp>
+        <p:nvSpPr>
+          <p:cNvPr id="69" name=""/>
+          <p:cNvSpPr/>
+          <p:nvPr/>
+        </p:nvSpPr>
+        <p:spPr>
+          <a:xfrm>
+            <a:off x="5040000" y="900000"/>
+            <a:ext cx="4859280" cy="3959280"/>
+          </a:xfrm>
+          <a:prstGeom prst="rect">
+            <a:avLst/>
+          </a:prstGeom>
+          <a:noFill/>
+          <a:ln w="18000">
+            <a:noFill/>
+          </a:ln>
+        </p:spPr>
+        <p:style>
+          <a:lnRef idx="0"/>
+          <a:fillRef idx="0"/>
+          <a:effectRef idx="0"/>
+          <a:fontRef idx="minor"/>
+        </p:style>
+        <p:txBody>
+          <a:bodyPr lIns="90000" rIns="90000" tIns="45000" bIns="45000" anchor="t">
+            <a:noAutofit/>
+          </a:bodyPr>
+          <a:p>
+            <a:pPr>
+              <a:lnSpc>
+                <a:spcPct val="100000"/>
+              </a:lnSpc>
+            </a:pPr>
+            <a:r>
+              <a:rPr b="0" lang="en-GB" sz="1800" spc="-1" strike="noStrike">
+                <a:solidFill>
+                  <a:srgbClr val="000000"/>
+                </a:solidFill>
+                <a:latin typeface="Arial"/>
+                <a:ea typeface="DejaVu Sans"/>
+              </a:rPr>
+              <a:t>Биполярный транзистор:</a:t>
+            </a:r>
+            <a:endParaRPr b="0" lang="en-GB" sz="1800" spc="-1" strike="noStrike">
+              <a:solidFill>
+                <a:srgbClr val="000000"/>
+              </a:solidFill>
+              <a:latin typeface="Arial"/>
+            </a:endParaRPr>
+          </a:p>
+          <a:p>
+            <a:pPr>
+              <a:lnSpc>
+                <a:spcPct val="100000"/>
+              </a:lnSpc>
+            </a:pPr>
+            <a:r>
+              <a:rPr b="0" lang="en-GB" sz="1800" spc="-1" strike="noStrike">
+                <a:solidFill>
+                  <a:srgbClr val="000000"/>
+                </a:solidFill>
+                <a:latin typeface="Arial"/>
+                <a:ea typeface="DejaVu Sans"/>
+              </a:rPr>
+              <a:t>	</a:t>
+            </a:r>
+            <a:r>
+              <a:rPr b="0" lang="en-GB" sz="1800" spc="-1" strike="noStrike">
+                <a:solidFill>
+                  <a:srgbClr val="000000"/>
+                </a:solidFill>
+                <a:latin typeface="Arial"/>
+                <a:ea typeface="DejaVu Sans"/>
+              </a:rPr>
+              <a:t>+ Дешёвый</a:t>
+            </a:r>
+            <a:endParaRPr b="0" lang="en-GB" sz="1800" spc="-1" strike="noStrike">
+              <a:solidFill>
+                <a:srgbClr val="000000"/>
+              </a:solidFill>
+              <a:latin typeface="Arial"/>
+            </a:endParaRPr>
+          </a:p>
+          <a:p>
+            <a:pPr>
+              <a:lnSpc>
+                <a:spcPct val="100000"/>
+              </a:lnSpc>
+            </a:pPr>
+            <a:r>
+              <a:rPr b="0" lang="en-GB" sz="1800" spc="-1" strike="noStrike">
+                <a:solidFill>
+                  <a:srgbClr val="000000"/>
+                </a:solidFill>
+                <a:latin typeface="Arial"/>
+                <a:ea typeface="DejaVu Sans"/>
+              </a:rPr>
+              <a:t>	</a:t>
+            </a:r>
+            <a:r>
+              <a:rPr b="0" lang="en-GB" sz="1800" spc="-1" strike="noStrike">
+                <a:solidFill>
+                  <a:srgbClr val="000000"/>
+                </a:solidFill>
+                <a:latin typeface="Arial"/>
+                <a:ea typeface="DejaVu Sans"/>
+              </a:rPr>
+              <a:t>+ Малое напряжение для включения</a:t>
+            </a:r>
+            <a:endParaRPr b="0" lang="en-GB" sz="1800" spc="-1" strike="noStrike">
+              <a:solidFill>
+                <a:srgbClr val="000000"/>
+              </a:solidFill>
+              <a:latin typeface="Arial"/>
+            </a:endParaRPr>
+          </a:p>
+          <a:p>
+            <a:pPr>
+              <a:lnSpc>
+                <a:spcPct val="100000"/>
+              </a:lnSpc>
+            </a:pPr>
+            <a:r>
+              <a:rPr b="0" lang="en-GB" sz="1800" spc="-1" strike="noStrike">
+                <a:solidFill>
+                  <a:srgbClr val="000000"/>
+                </a:solidFill>
+                <a:latin typeface="Arial"/>
+                <a:ea typeface="DejaVu Sans"/>
+              </a:rPr>
+              <a:t>	</a:t>
+            </a:r>
+            <a:r>
+              <a:rPr b="0" lang="en-GB" sz="1800" spc="-1" strike="noStrike">
+                <a:solidFill>
+                  <a:srgbClr val="000000"/>
+                </a:solidFill>
+                <a:latin typeface="Arial"/>
+                <a:ea typeface="DejaVu Sans"/>
+              </a:rPr>
+              <a:t>- Проблемы при коммутации больших токов</a:t>
+            </a:r>
+            <a:endParaRPr b="0" lang="en-GB" sz="1800" spc="-1" strike="noStrike">
+              <a:solidFill>
+                <a:srgbClr val="000000"/>
+              </a:solidFill>
+              <a:latin typeface="Arial"/>
+            </a:endParaRPr>
+          </a:p>
+          <a:p>
+            <a:pPr>
+              <a:lnSpc>
+                <a:spcPct val="100000"/>
+              </a:lnSpc>
+            </a:pPr>
+            <a:endParaRPr b="0" lang="en-GB" sz="1800" spc="-1" strike="noStrike">
+              <a:solidFill>
+                <a:srgbClr val="000000"/>
+              </a:solidFill>
+              <a:latin typeface="Arial"/>
+            </a:endParaRPr>
+          </a:p>
+          <a:p>
+            <a:pPr>
+              <a:lnSpc>
+                <a:spcPct val="100000"/>
+              </a:lnSpc>
+            </a:pPr>
+            <a:r>
+              <a:rPr b="0" lang="en-GB" sz="1800" spc="-1" strike="noStrike">
+                <a:solidFill>
+                  <a:srgbClr val="000000"/>
+                </a:solidFill>
+                <a:latin typeface="Arial"/>
+                <a:ea typeface="DejaVu Sans"/>
+              </a:rPr>
+              <a:t>Полевой транзистор:</a:t>
+            </a:r>
+            <a:endParaRPr b="0" lang="en-GB" sz="1800" spc="-1" strike="noStrike">
+              <a:solidFill>
+                <a:srgbClr val="000000"/>
+              </a:solidFill>
+              <a:latin typeface="Arial"/>
+            </a:endParaRPr>
+          </a:p>
+          <a:p>
+            <a:pPr>
+              <a:lnSpc>
+                <a:spcPct val="100000"/>
+              </a:lnSpc>
+            </a:pPr>
+            <a:r>
+              <a:rPr b="0" lang="en-GB" sz="1800" spc="-1" strike="noStrike">
+                <a:solidFill>
+                  <a:srgbClr val="000000"/>
+                </a:solidFill>
+                <a:latin typeface="Arial"/>
+                <a:ea typeface="DejaVu Sans"/>
+              </a:rPr>
+              <a:t>	</a:t>
+            </a:r>
+            <a:r>
+              <a:rPr b="0" lang="en-GB" sz="1800" spc="-1" strike="noStrike">
+                <a:solidFill>
+                  <a:srgbClr val="000000"/>
+                </a:solidFill>
+                <a:latin typeface="Arial"/>
+                <a:ea typeface="DejaVu Sans"/>
+              </a:rPr>
+              <a:t>+ Может комутировать большие токи</a:t>
+            </a:r>
+            <a:endParaRPr b="0" lang="en-GB" sz="1800" spc="-1" strike="noStrike">
+              <a:solidFill>
+                <a:srgbClr val="000000"/>
+              </a:solidFill>
+              <a:latin typeface="Arial"/>
+            </a:endParaRPr>
+          </a:p>
+          <a:p>
+            <a:pPr>
+              <a:lnSpc>
+                <a:spcPct val="100000"/>
+              </a:lnSpc>
+            </a:pPr>
+            <a:r>
+              <a:rPr b="0" lang="en-GB" sz="1800" spc="-1" strike="noStrike">
+                <a:solidFill>
+                  <a:srgbClr val="000000"/>
+                </a:solidFill>
+                <a:latin typeface="Arial"/>
+                <a:ea typeface="DejaVu Sans"/>
+              </a:rPr>
+              <a:t>	</a:t>
+            </a:r>
+            <a:r>
+              <a:rPr b="0" lang="en-GB" sz="1800" spc="-1" strike="noStrike">
+                <a:solidFill>
+                  <a:srgbClr val="000000"/>
+                </a:solidFill>
+                <a:latin typeface="Arial"/>
+                <a:ea typeface="DejaVu Sans"/>
+              </a:rPr>
+              <a:t>+ Не требует мощных управляющих сигналов</a:t>
+            </a:r>
+            <a:endParaRPr b="0" lang="en-GB" sz="1800" spc="-1" strike="noStrike">
+              <a:solidFill>
+                <a:srgbClr val="000000"/>
+              </a:solidFill>
+              <a:latin typeface="Arial"/>
+            </a:endParaRPr>
+          </a:p>
+          <a:p>
+            <a:pPr>
+              <a:lnSpc>
+                <a:spcPct val="100000"/>
+              </a:lnSpc>
+            </a:pPr>
+            <a:r>
+              <a:rPr b="0" lang="en-GB" sz="1800" spc="-1" strike="noStrike">
+                <a:solidFill>
+                  <a:srgbClr val="000000"/>
+                </a:solidFill>
+                <a:latin typeface="Arial"/>
+                <a:ea typeface="DejaVu Sans"/>
+              </a:rPr>
+              <a:t>	</a:t>
+            </a:r>
+            <a:r>
+              <a:rPr b="0" lang="en-GB" sz="1800" spc="-1" strike="noStrike">
+                <a:solidFill>
+                  <a:srgbClr val="000000"/>
+                </a:solidFill>
+                <a:latin typeface="Arial"/>
+                <a:ea typeface="DejaVu Sans"/>
+              </a:rPr>
+              <a:t>- Для обеспечения быстрого включений требует мощных драйверов</a:t>
+            </a:r>
+            <a:endParaRPr b="0" lang="en-GB" sz="1800" spc="-1" strike="noStrike">
+              <a:solidFill>
+                <a:srgbClr val="000000"/>
+              </a:solidFill>
+              <a:latin typeface="Arial"/>
+            </a:endParaRPr>
+          </a:p>
+        </p:txBody>
+      </p:sp>
+      <p:sp>
+        <p:nvSpPr>
+          <p:cNvPr id="3" name="PlaceHolder 2"/>
+          <p:cNvSpPr>
+            <a:spLocks noGrp="1"/>
+          </p:cNvSpPr>
+          <p:nvPr>
+            <p:ph type="sldNum" idx="8"/>
+          </p:nvPr>
+        </p:nvSpPr>
+        <p:spPr/>
+        <p:txBody>
+          <a:bodyPr/>
+          <a:p>
+            <a:fld id="{C2553F8B-838D-482F-9A53-2B63FC0C5C65}" type="slidenum">
+              <a:t>12</a:t>
+            </a:fld>
+          </a:p>
+        </p:txBody>
+      </p:sp>
+    </p:spTree>
+  </p:cSld>
+  <mc:AlternateContent>
+    <mc:Choice Requires="p14">
+      <p:transition spd="slow" p14:dur="2000"/>
+    </mc:Choice>
+    <mc:Fallback>
+      <p:transition spd="slow"/>
+    </mc:Fallback>
+  </mc:AlternateContent>
+</p:sld>
+</file>
+
+<file path=ppt/slides/slide13.xml><?xml version="1.0" encoding="utf-8"?>
+<p:sld xmlns:a="http://schemas.openxmlformats.org/drawingml/2006/main" xmlns:p="http://schemas.openxmlformats.org/presentationml/2006/main" xmlns:r="http://schemas.openxmlformats.org/officeDocument/2006/relationships" xmlns:p14="http://schemas.microsoft.com/office/powerpoint/2010/main" xmlns:p15="http://schemas.microsoft.com/office/powerpoint/2012/main" xmlns:mc="http://schemas.openxmlformats.org/markup-compatibility/2006">
+  <p:cSld>
+    <p:spTree>
+      <p:nvGrpSpPr>
+        <p:cNvPr id="1" name=""/>
+        <p:cNvGrpSpPr/>
+        <p:nvPr/>
+      </p:nvGrpSpPr>
+      <p:grpSpPr>
+        <a:xfrm>
+          <a:off x="0" y="0"/>
+          <a:ext cx="0" cy="0"/>
+          <a:chOff x="0" y="0"/>
+          <a:chExt cx="0" cy="0"/>
+        </a:xfrm>
+      </p:grpSpPr>
+      <p:sp>
+        <p:nvSpPr>
+          <p:cNvPr id="70" name="PlaceHolder 1"/>
+          <p:cNvSpPr>
+            <a:spLocks noGrp="1"/>
+          </p:cNvSpPr>
+          <p:nvPr>
+            <p:ph type="title"/>
+          </p:nvPr>
+        </p:nvSpPr>
+        <p:spPr>
+          <a:xfrm>
+            <a:off x="360000" y="180000"/>
+            <a:ext cx="9359280" cy="477360"/>
+          </a:xfrm>
+          <a:prstGeom prst="rect">
+            <a:avLst/>
+          </a:prstGeom>
+          <a:noFill/>
+          <a:ln w="0">
+            <a:noFill/>
+          </a:ln>
+        </p:spPr>
+        <p:txBody>
+          <a:bodyPr lIns="0" rIns="0" tIns="0" bIns="0" anchor="ctr">
+            <a:noAutofit/>
+          </a:bodyPr>
+          <a:p>
+            <a:pPr indent="0" algn="ctr">
+              <a:lnSpc>
+                <a:spcPct val="100000"/>
+              </a:lnSpc>
+              <a:buNone/>
+              <a:tabLst>
+                <a:tab algn="l" pos="0"/>
+              </a:tabLst>
+            </a:pPr>
+            <a:r>
+              <a:rPr b="0" lang="en-GB" sz="3300" spc="-1" strike="noStrike">
+                <a:solidFill>
+                  <a:srgbClr val="ffffff"/>
+                </a:solidFill>
+                <a:latin typeface="Arial"/>
+              </a:rPr>
+              <a:t>Blinker</a:t>
+            </a:r>
+            <a:endParaRPr b="0" lang="en-GB" sz="3300" spc="-1" strike="noStrike">
+              <a:solidFill>
+                <a:srgbClr val="000000"/>
+              </a:solidFill>
+              <a:latin typeface="Arial"/>
+            </a:endParaRPr>
+          </a:p>
+        </p:txBody>
+      </p:sp>
+      <p:pic>
+        <p:nvPicPr>
+          <p:cNvPr id="71" name="" descr=""/>
+          <p:cNvPicPr/>
+          <p:nvPr/>
+        </p:nvPicPr>
+        <p:blipFill>
+          <a:blip r:embed="rId1">
+            <a:alphaModFix amt="50000"/>
+          </a:blip>
+          <a:stretch/>
+        </p:blipFill>
+        <p:spPr>
+          <a:xfrm>
+            <a:off x="921240" y="720000"/>
+            <a:ext cx="8078040" cy="4293000"/>
+          </a:xfrm>
+          <a:prstGeom prst="rect">
+            <a:avLst/>
+          </a:prstGeom>
+          <a:ln w="18000">
+            <a:noFill/>
+          </a:ln>
+        </p:spPr>
+      </p:pic>
+      <p:sp>
+        <p:nvSpPr>
+          <p:cNvPr id="3" name="PlaceHolder 2"/>
+          <p:cNvSpPr>
+            <a:spLocks noGrp="1"/>
+          </p:cNvSpPr>
+          <p:nvPr>
+            <p:ph type="sldNum" idx="8"/>
+          </p:nvPr>
+        </p:nvSpPr>
+        <p:spPr/>
+        <p:txBody>
+          <a:bodyPr/>
+          <a:p>
+            <a:fld id="{D9AAC165-872D-472D-90DB-A774F8F64CE0}" type="slidenum">
+              <a:t>13</a:t>
+            </a:fld>
+          </a:p>
+        </p:txBody>
+      </p:sp>
+    </p:spTree>
+  </p:cSld>
+  <mc:AlternateContent>
+    <mc:Choice Requires="p14">
+      <p:transition spd="slow" p14:dur="2000"/>
+    </mc:Choice>
+    <mc:Fallback>
+      <p:transition spd="slow"/>
+    </mc:Fallback>
+  </mc:AlternateContent>
+</p:sld>
+</file>
+
+<file path=ppt/slides/slide2.xml><?xml version="1.0" encoding="utf-8"?>
+<p:sld xmlns:a="http://schemas.openxmlformats.org/drawingml/2006/main" xmlns:p="http://schemas.openxmlformats.org/presentationml/2006/main" xmlns:r="http://schemas.openxmlformats.org/officeDocument/2006/relationships" xmlns:p14="http://schemas.microsoft.com/office/powerpoint/2010/main" xmlns:p15="http://schemas.microsoft.com/office/powerpoint/2012/main" xmlns:mc="http://schemas.openxmlformats.org/markup-compatibility/2006">
+  <p:cSld>
+    <p:spTree>
+      <p:nvGrpSpPr>
+        <p:cNvPr id="1" name=""/>
+        <p:cNvGrpSpPr/>
+        <p:nvPr/>
+      </p:nvGrpSpPr>
+      <p:grpSpPr>
+        <a:xfrm>
+          <a:off x="0" y="0"/>
+          <a:ext cx="0" cy="0"/>
+          <a:chOff x="0" y="0"/>
+          <a:chExt cx="0" cy="0"/>
+        </a:xfrm>
+      </p:grpSpPr>
+      <p:sp>
+        <p:nvSpPr>
+          <p:cNvPr id="25" name="PlaceHolder 1"/>
+          <p:cNvSpPr>
+            <a:spLocks noGrp="1"/>
+          </p:cNvSpPr>
+          <p:nvPr>
+            <p:ph type="title"/>
+          </p:nvPr>
+        </p:nvSpPr>
+        <p:spPr>
+          <a:xfrm>
+            <a:off x="360000" y="106200"/>
+            <a:ext cx="9359280" cy="625320"/>
+          </a:xfrm>
+          <a:prstGeom prst="rect">
+            <a:avLst/>
+          </a:prstGeom>
+          <a:noFill/>
+          <a:ln w="0">
+            <a:noFill/>
+          </a:ln>
+        </p:spPr>
+        <p:txBody>
+          <a:bodyPr lIns="0" rIns="0" tIns="0" bIns="0" anchor="ctr">
+            <a:noAutofit/>
+          </a:bodyPr>
+          <a:p>
+            <a:pPr indent="0" algn="ctr">
+              <a:buNone/>
+            </a:pPr>
+            <a:r>
+              <a:rPr b="0" lang="en-GB" sz="4400" spc="-1" strike="noStrike">
+                <a:solidFill>
+                  <a:srgbClr val="000000"/>
+                </a:solidFill>
+                <a:latin typeface="Arial"/>
+              </a:rPr>
+              <a:t>Digital vs Analog</a:t>
+            </a:r>
+            <a:endParaRPr b="0" lang="en-GB" sz="4400" spc="-1" strike="noStrike">
+              <a:solidFill>
+                <a:srgbClr val="000000"/>
+              </a:solidFill>
+              <a:latin typeface="Arial"/>
+            </a:endParaRPr>
+          </a:p>
+        </p:txBody>
+      </p:sp>
+      <p:sp>
+        <p:nvSpPr>
+          <p:cNvPr id="26" name=""/>
+          <p:cNvSpPr txBox="1"/>
+          <p:nvPr/>
+        </p:nvSpPr>
+        <p:spPr>
+          <a:xfrm>
+            <a:off x="180000" y="900000"/>
+            <a:ext cx="3780000" cy="3792240"/>
+          </a:xfrm>
+          <a:prstGeom prst="rect">
+            <a:avLst/>
+          </a:prstGeom>
+          <a:noFill/>
+          <a:ln w="12600">
+            <a:solidFill>
+              <a:srgbClr val="000000"/>
+            </a:solidFill>
+            <a:round/>
+          </a:ln>
+        </p:spPr>
+        <p:txBody>
+          <a:bodyPr lIns="96120" rIns="96120" tIns="51120" bIns="51120" anchor="t">
+            <a:noAutofit/>
+          </a:bodyPr>
+          <a:p>
+            <a:pPr algn="ctr"/>
+            <a:r>
+              <a:rPr b="1" lang="en-GB" sz="2100" spc="-1" strike="noStrike">
+                <a:solidFill>
+                  <a:srgbClr val="000000"/>
+                </a:solidFill>
+                <a:latin typeface="Arial"/>
+              </a:rPr>
+              <a:t>Digital</a:t>
+            </a:r>
+            <a:endParaRPr b="1" lang="en-GB" sz="2100" spc="-1" strike="noStrike">
+              <a:solidFill>
+                <a:srgbClr val="000000"/>
+              </a:solidFill>
+              <a:latin typeface="Arial"/>
+            </a:endParaRPr>
+          </a:p>
+          <a:p>
+            <a:pPr algn="ctr"/>
+            <a:endParaRPr b="1" lang="en-GB" sz="2100" spc="-1" strike="noStrike">
+              <a:solidFill>
+                <a:srgbClr val="000000"/>
+              </a:solidFill>
+              <a:latin typeface="Arial"/>
+            </a:endParaRPr>
+          </a:p>
+          <a:p>
+            <a:r>
+              <a:rPr b="0" lang="en-GB" sz="2100" spc="-1" strike="noStrike">
+                <a:solidFill>
+                  <a:srgbClr val="000000"/>
+                </a:solidFill>
+                <a:latin typeface="Arial"/>
+              </a:rPr>
+              <a:t>2 состояния</a:t>
+            </a:r>
+            <a:endParaRPr b="1" lang="en-GB" sz="2100" spc="-1" strike="noStrike">
+              <a:solidFill>
+                <a:srgbClr val="000000"/>
+              </a:solidFill>
+              <a:latin typeface="Arial"/>
+            </a:endParaRPr>
+          </a:p>
+          <a:p>
+            <a:r>
+              <a:rPr b="0" lang="en-GB" sz="2100" spc="-1" strike="noStrike">
+                <a:solidFill>
+                  <a:srgbClr val="000000"/>
+                </a:solidFill>
+                <a:latin typeface="Arial"/>
+              </a:rPr>
+              <a:t>Без ошибок</a:t>
+            </a:r>
+            <a:endParaRPr b="1" lang="en-GB" sz="2100" spc="-1" strike="noStrike">
+              <a:solidFill>
+                <a:srgbClr val="000000"/>
+              </a:solidFill>
+              <a:latin typeface="Arial"/>
+            </a:endParaRPr>
+          </a:p>
+          <a:p>
+            <a:r>
+              <a:rPr b="0" lang="en-GB" sz="2100" spc="-1" strike="noStrike">
+                <a:solidFill>
+                  <a:srgbClr val="000000"/>
+                </a:solidFill>
+                <a:latin typeface="Arial"/>
+              </a:rPr>
+              <a:t>Не чуствительна к помехам</a:t>
+            </a:r>
+            <a:endParaRPr b="1" lang="en-GB" sz="2100" spc="-1" strike="noStrike">
+              <a:solidFill>
+                <a:srgbClr val="000000"/>
+              </a:solidFill>
+              <a:latin typeface="Arial"/>
+            </a:endParaRPr>
+          </a:p>
+        </p:txBody>
+      </p:sp>
+      <p:sp>
+        <p:nvSpPr>
+          <p:cNvPr id="27" name=""/>
+          <p:cNvSpPr txBox="1"/>
+          <p:nvPr/>
+        </p:nvSpPr>
+        <p:spPr>
+          <a:xfrm>
+            <a:off x="6480000" y="900000"/>
+            <a:ext cx="3420000" cy="3792240"/>
+          </a:xfrm>
+          <a:prstGeom prst="rect">
+            <a:avLst/>
+          </a:prstGeom>
+          <a:noFill/>
+          <a:ln w="12600">
+            <a:solidFill>
+              <a:srgbClr val="000000"/>
+            </a:solidFill>
+            <a:round/>
+          </a:ln>
+        </p:spPr>
+        <p:txBody>
+          <a:bodyPr lIns="96120" rIns="96120" tIns="51120" bIns="51120" anchor="t">
+            <a:noAutofit/>
+          </a:bodyPr>
+          <a:p>
+            <a:pPr algn="ctr"/>
+            <a:r>
+              <a:rPr b="1" lang="en-GB" sz="2100" spc="-1" strike="noStrike">
+                <a:solidFill>
+                  <a:srgbClr val="000000"/>
+                </a:solidFill>
+                <a:latin typeface="Arial"/>
+              </a:rPr>
+              <a:t>Analog</a:t>
+            </a:r>
+            <a:endParaRPr b="1" lang="en-GB" sz="2100" spc="-1" strike="noStrike">
+              <a:solidFill>
+                <a:srgbClr val="000000"/>
+              </a:solidFill>
+              <a:latin typeface="Arial"/>
+            </a:endParaRPr>
+          </a:p>
+          <a:p>
+            <a:pPr algn="ctr"/>
+            <a:endParaRPr b="1" lang="en-GB" sz="2100" spc="-1" strike="noStrike">
+              <a:solidFill>
+                <a:srgbClr val="000000"/>
+              </a:solidFill>
+              <a:latin typeface="Arial"/>
+            </a:endParaRPr>
+          </a:p>
+          <a:p>
+            <a:r>
+              <a:rPr b="0" lang="en-GB" sz="2100" spc="-1" strike="noStrike">
+                <a:solidFill>
+                  <a:srgbClr val="000000"/>
+                </a:solidFill>
+                <a:latin typeface="Arial"/>
+              </a:rPr>
+              <a:t>Непрерывная величина</a:t>
+            </a:r>
+            <a:endParaRPr b="1" lang="en-GB" sz="2100" spc="-1" strike="noStrike">
+              <a:solidFill>
+                <a:srgbClr val="000000"/>
+              </a:solidFill>
+              <a:latin typeface="Arial"/>
+            </a:endParaRPr>
+          </a:p>
+          <a:p>
+            <a:r>
+              <a:rPr b="0" lang="en-GB" sz="2100" spc="-1" strike="noStrike">
+                <a:solidFill>
+                  <a:srgbClr val="000000"/>
+                </a:solidFill>
+                <a:latin typeface="Arial"/>
+              </a:rPr>
+              <a:t>Ошибки есть</a:t>
+            </a:r>
+            <a:endParaRPr b="1" lang="en-GB" sz="2100" spc="-1" strike="noStrike">
+              <a:solidFill>
+                <a:srgbClr val="000000"/>
+              </a:solidFill>
+              <a:latin typeface="Arial"/>
+            </a:endParaRPr>
+          </a:p>
+          <a:p>
+            <a:r>
+              <a:rPr b="0" lang="en-GB" sz="2100" spc="-1" strike="noStrike">
+                <a:solidFill>
+                  <a:srgbClr val="000000"/>
+                </a:solidFill>
+                <a:latin typeface="Arial"/>
+              </a:rPr>
+              <a:t>Ошибки накапливаются</a:t>
+            </a:r>
+            <a:endParaRPr b="1" lang="en-GB" sz="2100" spc="-1" strike="noStrike">
+              <a:solidFill>
+                <a:srgbClr val="000000"/>
+              </a:solidFill>
+              <a:latin typeface="Arial"/>
+            </a:endParaRPr>
+          </a:p>
+          <a:p>
+            <a:r>
+              <a:rPr b="0" lang="en-GB" sz="2100" spc="-1" strike="noStrike">
+                <a:solidFill>
+                  <a:srgbClr val="000000"/>
+                </a:solidFill>
+                <a:latin typeface="Arial"/>
+              </a:rPr>
+              <a:t>Чуствительна к помехам</a:t>
+            </a:r>
+            <a:endParaRPr b="1" lang="en-GB" sz="2100" spc="-1" strike="noStrike">
+              <a:solidFill>
+                <a:srgbClr val="000000"/>
+              </a:solidFill>
+              <a:latin typeface="Arial"/>
+            </a:endParaRPr>
+          </a:p>
+        </p:txBody>
+      </p:sp>
+      <p:sp>
+        <p:nvSpPr>
+          <p:cNvPr id="28" name=""/>
+          <p:cNvSpPr/>
+          <p:nvPr/>
+        </p:nvSpPr>
+        <p:spPr>
+          <a:xfrm>
+            <a:off x="4140000" y="1080000"/>
+            <a:ext cx="2340000" cy="1260000"/>
+          </a:xfrm>
+          <a:custGeom>
+            <a:avLst/>
+            <a:gdLst>
+              <a:gd name="textAreaLeft" fmla="*/ 0 w 2340000"/>
+              <a:gd name="textAreaRight" fmla="*/ 2340000 w 2340000"/>
+              <a:gd name="textAreaTop" fmla="*/ 0 h 1260000"/>
+              <a:gd name="textAreaBottom" fmla="*/ 1260360 h 1260000"/>
+            </a:gdLst>
+            <a:ahLst/>
+            <a:rect l="textAreaLeft" t="textAreaTop" r="textAreaRight" b="textAreaBottom"/>
+            <a:pathLst>
+              <a:path w="21600" h="21600">
+                <a:moveTo>
+                  <a:pt x="0" y="0"/>
+                </a:moveTo>
+                <a:lnTo>
+                  <a:pt x="16198" y="0"/>
+                </a:lnTo>
+                <a:lnTo>
+                  <a:pt x="21600" y="10800"/>
+                </a:lnTo>
+                <a:lnTo>
+                  <a:pt x="16198" y="21600"/>
+                </a:lnTo>
+                <a:lnTo>
+                  <a:pt x="0" y="21600"/>
+                </a:lnTo>
+                <a:close/>
+              </a:path>
+            </a:pathLst>
+          </a:custGeom>
+          <a:solidFill>
+            <a:srgbClr val="729fcf"/>
+          </a:solidFill>
+          <a:ln w="0">
+            <a:solidFill>
+              <a:srgbClr val="3465a4"/>
+            </a:solidFill>
+          </a:ln>
+        </p:spPr>
+        <p:style>
+          <a:lnRef idx="0"/>
+          <a:fillRef idx="0"/>
+          <a:effectRef idx="0"/>
+          <a:fontRef idx="minor"/>
+        </p:style>
+        <p:txBody>
+          <a:bodyPr lIns="90000" rIns="90000" tIns="45000" bIns="45000" anchor="ctr">
+            <a:noAutofit/>
+          </a:bodyPr>
+          <a:p>
+            <a:pPr algn="ctr"/>
+            <a:r>
+              <a:rPr b="0" lang="en-GB" sz="1800" spc="-1" strike="noStrike">
+                <a:solidFill>
+                  <a:srgbClr val="000000"/>
+                </a:solidFill>
+                <a:latin typeface="Arial"/>
+              </a:rPr>
+              <a:t>DAC</a:t>
+            </a:r>
+            <a:endParaRPr b="0" lang="en-GB" sz="1800" spc="-1" strike="noStrike">
+              <a:solidFill>
+                <a:srgbClr val="000000"/>
+              </a:solidFill>
+              <a:latin typeface="Arial"/>
+            </a:endParaRPr>
+          </a:p>
+          <a:p>
+            <a:pPr algn="ctr"/>
+            <a:r>
+              <a:rPr b="0" lang="ru-RU" sz="1800" spc="-1" strike="noStrike">
+                <a:solidFill>
+                  <a:srgbClr val="000000"/>
+                </a:solidFill>
+                <a:latin typeface="Arial"/>
+              </a:rPr>
+              <a:t>Ключи</a:t>
+            </a:r>
+            <a:endParaRPr b="0" lang="en-GB" sz="1800" spc="-1" strike="noStrike">
+              <a:solidFill>
+                <a:srgbClr val="000000"/>
+              </a:solidFill>
+              <a:latin typeface="Arial"/>
+            </a:endParaRPr>
+          </a:p>
+          <a:p>
+            <a:pPr algn="ctr"/>
+            <a:r>
+              <a:rPr b="0" lang="en-GB" sz="1800" spc="-1" strike="noStrike">
+                <a:solidFill>
+                  <a:srgbClr val="000000"/>
+                </a:solidFill>
+                <a:latin typeface="Arial"/>
+              </a:rPr>
+              <a:t>PWM</a:t>
+            </a:r>
+            <a:endParaRPr b="0" lang="en-GB" sz="1800" spc="-1" strike="noStrike">
+              <a:solidFill>
+                <a:srgbClr val="000000"/>
+              </a:solidFill>
+              <a:latin typeface="Arial"/>
+            </a:endParaRPr>
+          </a:p>
+        </p:txBody>
+      </p:sp>
+      <p:sp>
+        <p:nvSpPr>
+          <p:cNvPr id="29" name=""/>
+          <p:cNvSpPr/>
+          <p:nvPr/>
+        </p:nvSpPr>
+        <p:spPr>
+          <a:xfrm flipH="1">
+            <a:off x="4140000" y="3240000"/>
+            <a:ext cx="2160000" cy="1260000"/>
+          </a:xfrm>
+          <a:custGeom>
+            <a:avLst/>
+            <a:gdLst>
+              <a:gd name="textAreaLeft" fmla="*/ 360 w 2160000"/>
+              <a:gd name="textAreaRight" fmla="*/ 2160720 w 2160000"/>
+              <a:gd name="textAreaTop" fmla="*/ 0 h 1260000"/>
+              <a:gd name="textAreaBottom" fmla="*/ 1260360 h 1260000"/>
+            </a:gdLst>
+            <a:ahLst/>
+            <a:rect l="textAreaLeft" t="textAreaTop" r="textAreaRight" b="textAreaBottom"/>
+            <a:pathLst>
+              <a:path w="21600" h="21600">
+                <a:moveTo>
+                  <a:pt x="0" y="0"/>
+                </a:moveTo>
+                <a:lnTo>
+                  <a:pt x="16200" y="0"/>
+                </a:lnTo>
+                <a:lnTo>
+                  <a:pt x="21600" y="10800"/>
+                </a:lnTo>
+                <a:lnTo>
+                  <a:pt x="16200" y="21600"/>
+                </a:lnTo>
+                <a:lnTo>
+                  <a:pt x="0" y="21600"/>
+                </a:lnTo>
+                <a:close/>
+              </a:path>
+            </a:pathLst>
+          </a:custGeom>
+          <a:solidFill>
+            <a:srgbClr val="729fcf"/>
+          </a:solidFill>
+          <a:ln w="0">
+            <a:solidFill>
+              <a:srgbClr val="3465a4"/>
+            </a:solidFill>
+          </a:ln>
+        </p:spPr>
+        <p:style>
+          <a:lnRef idx="0"/>
+          <a:fillRef idx="0"/>
+          <a:effectRef idx="0"/>
+          <a:fontRef idx="minor"/>
+        </p:style>
+        <p:txBody>
+          <a:bodyPr lIns="90000" rIns="90000" tIns="45000" bIns="45000" anchor="ctr">
+            <a:noAutofit/>
+          </a:bodyPr>
+          <a:p>
+            <a:pPr algn="ctr">
+              <a:lnSpc>
+                <a:spcPct val="100000"/>
+              </a:lnSpc>
+            </a:pPr>
+            <a:r>
+              <a:rPr b="0" lang="en-GB" sz="1800" spc="-1" strike="noStrike">
+                <a:solidFill>
+                  <a:srgbClr val="000000"/>
+                </a:solidFill>
+                <a:latin typeface="Arial"/>
+              </a:rPr>
+              <a:t>ADC</a:t>
+            </a:r>
+            <a:endParaRPr b="0" lang="en-GB" sz="1800" spc="-1" strike="noStrike">
+              <a:solidFill>
+                <a:srgbClr val="000000"/>
+              </a:solidFill>
+              <a:latin typeface="Arial"/>
+            </a:endParaRPr>
+          </a:p>
+          <a:p>
+            <a:pPr algn="ctr">
+              <a:lnSpc>
+                <a:spcPct val="100000"/>
+              </a:lnSpc>
+            </a:pPr>
+            <a:r>
+              <a:rPr b="0" lang="ru-RU" sz="1800" spc="-1" strike="noStrike">
+                <a:solidFill>
+                  <a:srgbClr val="000000"/>
+                </a:solidFill>
+                <a:latin typeface="Arial"/>
+              </a:rPr>
+              <a:t>Компараторы</a:t>
+            </a:r>
+            <a:endParaRPr b="0" lang="en-GB" sz="1800" spc="-1" strike="noStrike">
+              <a:solidFill>
+                <a:srgbClr val="000000"/>
+              </a:solidFill>
+              <a:latin typeface="Arial"/>
+            </a:endParaRPr>
+          </a:p>
+        </p:txBody>
+      </p:sp>
+      <p:sp>
+        <p:nvSpPr>
+          <p:cNvPr id="3" name="PlaceHolder 2"/>
+          <p:cNvSpPr>
+            <a:spLocks noGrp="1"/>
+          </p:cNvSpPr>
+          <p:nvPr>
+            <p:ph type="sldNum" idx="8"/>
+          </p:nvPr>
+        </p:nvSpPr>
+        <p:spPr/>
+        <p:txBody>
+          <a:bodyPr/>
+          <a:p>
+            <a:fld id="{9073BB45-7D9D-453B-AD16-EA17BB78A71E}" type="slidenum">
+              <a:t>2</a:t>
+            </a:fld>
+          </a:p>
+        </p:txBody>
+      </p:sp>
+    </p:spTree>
+  </p:cSld>
+  <mc:AlternateContent>
+    <mc:Choice Requires="p14">
+      <p:transition spd="slow" p14:dur="2000"/>
+    </mc:Choice>
+    <mc:Fallback>
+      <p:transition spd="slow"/>
+    </mc:Fallback>
+  </mc:AlternateContent>
+</p:sld>
+</file>
+
+<file path=ppt/slides/slide3.xml><?xml version="1.0" encoding="utf-8"?>
+<p:sld xmlns:a="http://schemas.openxmlformats.org/drawingml/2006/main" xmlns:p="http://schemas.openxmlformats.org/presentationml/2006/main" xmlns:r="http://schemas.openxmlformats.org/officeDocument/2006/relationships" xmlns:p14="http://schemas.microsoft.com/office/powerpoint/2010/main" xmlns:p15="http://schemas.microsoft.com/office/powerpoint/2012/main" xmlns:mc="http://schemas.openxmlformats.org/markup-compatibility/2006">
+  <p:cSld>
+    <p:spTree>
+      <p:nvGrpSpPr>
+        <p:cNvPr id="1" name=""/>
+        <p:cNvGrpSpPr/>
+        <p:nvPr/>
+      </p:nvGrpSpPr>
+      <p:grpSpPr>
+        <a:xfrm>
+          <a:off x="0" y="0"/>
+          <a:ext cx="0" cy="0"/>
+          <a:chOff x="0" y="0"/>
+          <a:chExt cx="0" cy="0"/>
+        </a:xfrm>
+      </p:grpSpPr>
+      <p:sp>
+        <p:nvSpPr>
+          <p:cNvPr id="30" name="PlaceHolder 1"/>
+          <p:cNvSpPr>
+            <a:spLocks noGrp="1"/>
+          </p:cNvSpPr>
+          <p:nvPr>
+            <p:ph type="title"/>
+          </p:nvPr>
+        </p:nvSpPr>
+        <p:spPr>
+          <a:xfrm>
+            <a:off x="360000" y="106200"/>
+            <a:ext cx="9359280" cy="625320"/>
+          </a:xfrm>
+          <a:prstGeom prst="rect">
+            <a:avLst/>
+          </a:prstGeom>
+          <a:noFill/>
+          <a:ln w="0">
+            <a:noFill/>
+          </a:ln>
+        </p:spPr>
+        <p:txBody>
+          <a:bodyPr lIns="0" rIns="0" tIns="0" bIns="0" anchor="ctr">
+            <a:noAutofit/>
+          </a:bodyPr>
+          <a:p>
+            <a:pPr indent="0" algn="ctr">
+              <a:buNone/>
+            </a:pPr>
+            <a:r>
+              <a:rPr b="0" lang="en-GB" sz="4400" spc="-1" strike="noStrike">
+                <a:solidFill>
+                  <a:srgbClr val="000000"/>
+                </a:solidFill>
+                <a:latin typeface="Arial"/>
+              </a:rPr>
+              <a:t>Ситемы счисления</a:t>
+            </a:r>
+            <a:endParaRPr b="0" lang="en-GB" sz="4400" spc="-1" strike="noStrike">
+              <a:solidFill>
+                <a:srgbClr val="000000"/>
+              </a:solidFill>
+              <a:latin typeface="Arial"/>
+            </a:endParaRPr>
+          </a:p>
+        </p:txBody>
+      </p:sp>
+      <p:graphicFrame>
+        <p:nvGraphicFramePr>
+          <p:cNvPr id="31" name=""/>
+          <p:cNvGraphicFramePr/>
+          <p:nvPr/>
+        </p:nvGraphicFramePr>
+        <p:xfrm>
+          <a:off x="1942560" y="1109160"/>
+          <a:ext cx="1826640" cy="710640"/>
+        </p:xfrm>
+        <a:graphic>
+          <a:graphicData uri="http://schemas.openxmlformats.org/drawingml/2006/table">
+            <a:tbl>
+              <a:tblPr/>
+              <a:tblGrid>
+                <a:gridCol w="609120"/>
+                <a:gridCol w="609120"/>
+                <a:gridCol w="608400"/>
+              </a:tblGrid>
+              <a:tr h="355320">
+                <a:tc>
+                  <a:txBody>
+                    <a:bodyPr lIns="36000" rIns="36000" tIns="36000" bIns="36000" anchor="t">
+                      <a:noAutofit/>
+                    </a:bodyPr>
+                    <a:p>
+                      <a:pPr algn="ctr"/>
+                      <a:r>
+                        <a:rPr b="0" lang="en-GB" sz="1800" spc="-1" strike="noStrike">
+                          <a:solidFill>
+                            <a:srgbClr val="ffffff"/>
+                          </a:solidFill>
+                          <a:latin typeface="Arial"/>
+                        </a:rPr>
+                        <a:t>100x</a:t>
+                      </a:r>
+                      <a:endParaRPr b="0" lang="en-GB" sz="1800" spc="-1" strike="noStrike">
+                        <a:solidFill>
+                          <a:srgbClr val="ffffff"/>
+                        </a:solidFill>
+                        <a:latin typeface="Arial"/>
+                      </a:endParaRPr>
+                    </a:p>
+                  </a:txBody>
+                  <a:tcPr anchor="t" marL="36000" marR="36000">
+                    <a:lnL w="7200">
+                      <a:solidFill>
+                        <a:srgbClr val="ffffff"/>
+                      </a:solidFill>
+                      <a:prstDash val="solid"/>
+                    </a:lnL>
+                    <a:lnR w="7200">
+                      <a:solidFill>
+                        <a:srgbClr val="ffffff"/>
+                      </a:solidFill>
+                      <a:prstDash val="solid"/>
+                    </a:lnR>
+                    <a:lnT w="7200">
+                      <a:solidFill>
+                        <a:srgbClr val="ffffff"/>
+                      </a:solidFill>
+                      <a:prstDash val="solid"/>
+                    </a:lnT>
+                    <a:lnB w="7200">
+                      <a:solidFill>
+                        <a:srgbClr val="ffffff"/>
+                      </a:solidFill>
+                      <a:prstDash val="solid"/>
+                    </a:lnB>
+                    <a:solidFill>
+                      <a:srgbClr val="5983b0"/>
+                    </a:solidFill>
+                  </a:tcPr>
+                </a:tc>
+                <a:tc>
+                  <a:txBody>
+                    <a:bodyPr lIns="36000" rIns="36000" tIns="36000" bIns="36000" anchor="t">
+                      <a:noAutofit/>
+                    </a:bodyPr>
+                    <a:p>
+                      <a:pPr algn="ctr"/>
+                      <a:r>
+                        <a:rPr b="0" lang="en-GB" sz="1800" spc="-1" strike="noStrike">
+                          <a:solidFill>
+                            <a:srgbClr val="ffffff"/>
+                          </a:solidFill>
+                          <a:latin typeface="Arial"/>
+                        </a:rPr>
+                        <a:t>10x</a:t>
+                      </a:r>
+                      <a:endParaRPr b="0" lang="en-GB" sz="1800" spc="-1" strike="noStrike">
+                        <a:solidFill>
+                          <a:srgbClr val="ffffff"/>
+                        </a:solidFill>
+                        <a:latin typeface="Arial"/>
+                      </a:endParaRPr>
+                    </a:p>
+                  </a:txBody>
+                  <a:tcPr anchor="t" marL="36000" marR="36000">
+                    <a:lnL w="7200">
+                      <a:solidFill>
+                        <a:srgbClr val="ffffff"/>
+                      </a:solidFill>
+                      <a:prstDash val="solid"/>
+                    </a:lnL>
+                    <a:lnR w="7200">
+                      <a:solidFill>
+                        <a:srgbClr val="ffffff"/>
+                      </a:solidFill>
+                      <a:prstDash val="solid"/>
+                    </a:lnR>
+                    <a:lnT w="7200">
+                      <a:solidFill>
+                        <a:srgbClr val="ffffff"/>
+                      </a:solidFill>
+                      <a:prstDash val="solid"/>
+                    </a:lnT>
+                    <a:lnB w="7200">
+                      <a:solidFill>
+                        <a:srgbClr val="ffffff"/>
+                      </a:solidFill>
+                      <a:prstDash val="solid"/>
+                    </a:lnB>
+                    <a:solidFill>
+                      <a:srgbClr val="5983b0"/>
+                    </a:solidFill>
+                  </a:tcPr>
+                </a:tc>
+                <a:tc>
+                  <a:txBody>
+                    <a:bodyPr lIns="36000" rIns="36000" tIns="36000" bIns="36000" anchor="t">
+                      <a:noAutofit/>
+                    </a:bodyPr>
+                    <a:p>
+                      <a:pPr algn="ctr"/>
+                      <a:r>
+                        <a:rPr b="0" lang="en-GB" sz="1800" spc="-1" strike="noStrike">
+                          <a:solidFill>
+                            <a:srgbClr val="ffffff"/>
+                          </a:solidFill>
+                          <a:latin typeface="Arial"/>
+                        </a:rPr>
+                        <a:t>1x</a:t>
+                      </a:r>
+                      <a:endParaRPr b="0" lang="en-GB" sz="1800" spc="-1" strike="noStrike">
+                        <a:solidFill>
+                          <a:srgbClr val="ffffff"/>
+                        </a:solidFill>
+                        <a:latin typeface="Arial"/>
+                      </a:endParaRPr>
+                    </a:p>
+                  </a:txBody>
+                  <a:tcPr anchor="t" marL="36000" marR="36000">
+                    <a:lnL w="7200">
+                      <a:solidFill>
+                        <a:srgbClr val="ffffff"/>
+                      </a:solidFill>
+                      <a:prstDash val="solid"/>
+                    </a:lnL>
+                    <a:lnR w="7200">
+                      <a:solidFill>
+                        <a:srgbClr val="ffffff"/>
+                      </a:solidFill>
+                      <a:prstDash val="solid"/>
+                    </a:lnR>
+                    <a:lnT w="7200">
+                      <a:solidFill>
+                        <a:srgbClr val="ffffff"/>
+                      </a:solidFill>
+                      <a:prstDash val="solid"/>
+                    </a:lnT>
+                    <a:lnB w="7200">
+                      <a:solidFill>
+                        <a:srgbClr val="ffffff"/>
+                      </a:solidFill>
+                      <a:prstDash val="solid"/>
+                    </a:lnB>
+                    <a:solidFill>
+                      <a:srgbClr val="5983b0"/>
+                    </a:solidFill>
+                  </a:tcPr>
+                </a:tc>
+              </a:tr>
+              <a:tr h="355320">
+                <a:tc>
+                  <a:txBody>
+                    <a:bodyPr lIns="36000" rIns="36000" tIns="36000" bIns="36000" anchor="t">
+                      <a:noAutofit/>
+                    </a:bodyPr>
+                    <a:p>
+                      <a:pPr algn="ctr"/>
+                      <a:r>
+                        <a:rPr b="0" lang="en-GB" sz="1800" spc="-1" strike="noStrike">
+                          <a:solidFill>
+                            <a:srgbClr val="000000"/>
+                          </a:solidFill>
+                          <a:latin typeface="Arial"/>
+                        </a:rPr>
+                        <a:t>0</a:t>
+                      </a:r>
+                      <a:endParaRPr b="0" lang="en-GB" sz="1800" spc="-1" strike="noStrike">
+                        <a:solidFill>
+                          <a:srgbClr val="000000"/>
+                        </a:solidFill>
+                        <a:latin typeface="Arial"/>
+                      </a:endParaRPr>
+                    </a:p>
+                  </a:txBody>
+                  <a:tcPr anchor="t" marL="36000" marR="36000">
+                    <a:lnL w="7200">
+                      <a:solidFill>
+                        <a:srgbClr val="ffffff"/>
+                      </a:solidFill>
+                      <a:prstDash val="solid"/>
+                    </a:lnL>
+                    <a:lnR w="7200">
+                      <a:solidFill>
+                        <a:srgbClr val="ffffff"/>
+                      </a:solidFill>
+                      <a:prstDash val="solid"/>
+                    </a:lnR>
+                    <a:lnT w="7200">
+                      <a:solidFill>
+                        <a:srgbClr val="ffffff"/>
+                      </a:solidFill>
+                      <a:prstDash val="solid"/>
+                    </a:lnT>
+                    <a:lnB w="7200">
+                      <a:solidFill>
+                        <a:srgbClr val="ffffff"/>
+                      </a:solidFill>
+                      <a:prstDash val="solid"/>
+                    </a:lnB>
+                    <a:solidFill>
+                      <a:srgbClr val="b4c7dc"/>
+                    </a:solidFill>
+                  </a:tcPr>
+                </a:tc>
+                <a:tc>
+                  <a:txBody>
+                    <a:bodyPr lIns="36000" rIns="36000" tIns="36000" bIns="36000" anchor="t">
+                      <a:noAutofit/>
+                    </a:bodyPr>
+                    <a:p>
+                      <a:pPr algn="ctr"/>
+                      <a:r>
+                        <a:rPr b="0" lang="en-GB" sz="1800" spc="-1" strike="noStrike">
+                          <a:solidFill>
+                            <a:srgbClr val="000000"/>
+                          </a:solidFill>
+                          <a:latin typeface="Arial"/>
+                        </a:rPr>
+                        <a:t>1</a:t>
+                      </a:r>
+                      <a:endParaRPr b="0" lang="en-GB" sz="1800" spc="-1" strike="noStrike">
+                        <a:solidFill>
+                          <a:srgbClr val="000000"/>
+                        </a:solidFill>
+                        <a:latin typeface="Arial"/>
+                      </a:endParaRPr>
+                    </a:p>
+                  </a:txBody>
+                  <a:tcPr anchor="t" marL="36000" marR="36000">
+                    <a:lnL w="7200">
+                      <a:solidFill>
+                        <a:srgbClr val="ffffff"/>
+                      </a:solidFill>
+                      <a:prstDash val="solid"/>
+                    </a:lnL>
+                    <a:lnR w="7200">
+                      <a:solidFill>
+                        <a:srgbClr val="ffffff"/>
+                      </a:solidFill>
+                      <a:prstDash val="solid"/>
+                    </a:lnR>
+                    <a:lnT w="7200">
+                      <a:solidFill>
+                        <a:srgbClr val="ffffff"/>
+                      </a:solidFill>
+                      <a:prstDash val="solid"/>
+                    </a:lnT>
+                    <a:lnB w="7200">
+                      <a:solidFill>
+                        <a:srgbClr val="ffffff"/>
+                      </a:solidFill>
+                      <a:prstDash val="solid"/>
+                    </a:lnB>
+                    <a:solidFill>
+                      <a:srgbClr val="b4c7dc"/>
+                    </a:solidFill>
+                  </a:tcPr>
+                </a:tc>
+                <a:tc>
+                  <a:txBody>
+                    <a:bodyPr lIns="36000" rIns="36000" tIns="36000" bIns="36000" anchor="t">
+                      <a:noAutofit/>
+                    </a:bodyPr>
+                    <a:p>
+                      <a:pPr algn="ctr"/>
+                      <a:r>
+                        <a:rPr b="0" lang="en-GB" sz="1800" spc="-1" strike="noStrike">
+                          <a:solidFill>
+                            <a:srgbClr val="000000"/>
+                          </a:solidFill>
+                          <a:latin typeface="Arial"/>
+                        </a:rPr>
+                        <a:t>1</a:t>
+                      </a:r>
+                      <a:endParaRPr b="0" lang="en-GB" sz="1800" spc="-1" strike="noStrike">
+                        <a:solidFill>
+                          <a:srgbClr val="000000"/>
+                        </a:solidFill>
+                        <a:latin typeface="Arial"/>
+                      </a:endParaRPr>
+                    </a:p>
+                  </a:txBody>
+                  <a:tcPr anchor="t" marL="36000" marR="36000">
+                    <a:lnL w="7200">
+                      <a:solidFill>
+                        <a:srgbClr val="ffffff"/>
+                      </a:solidFill>
+                      <a:prstDash val="solid"/>
+                    </a:lnL>
+                    <a:lnR w="7200">
+                      <a:solidFill>
+                        <a:srgbClr val="ffffff"/>
+                      </a:solidFill>
+                      <a:prstDash val="solid"/>
+                    </a:lnR>
+                    <a:lnT w="7200">
+                      <a:solidFill>
+                        <a:srgbClr val="ffffff"/>
+                      </a:solidFill>
+                      <a:prstDash val="solid"/>
+                    </a:lnT>
+                    <a:lnB w="7200">
+                      <a:solidFill>
+                        <a:srgbClr val="ffffff"/>
+                      </a:solidFill>
+                      <a:prstDash val="solid"/>
+                    </a:lnB>
+                    <a:solidFill>
+                      <a:srgbClr val="b4c7dc"/>
+                    </a:solidFill>
+                  </a:tcPr>
+                </a:tc>
+              </a:tr>
+            </a:tbl>
+          </a:graphicData>
+        </a:graphic>
+      </p:graphicFrame>
+      <p:sp>
+        <p:nvSpPr>
+          <p:cNvPr id="32" name=""/>
+          <p:cNvSpPr txBox="1"/>
+          <p:nvPr/>
+        </p:nvSpPr>
+        <p:spPr>
+          <a:xfrm>
+            <a:off x="180000" y="1080000"/>
+            <a:ext cx="1620000" cy="720000"/>
+          </a:xfrm>
+          <a:prstGeom prst="rect">
+            <a:avLst/>
+          </a:prstGeom>
+          <a:noFill/>
+          <a:ln w="0">
+            <a:noFill/>
+          </a:ln>
+        </p:spPr>
+        <p:txBody>
+          <a:bodyPr lIns="90000" rIns="90000" tIns="45000" bIns="45000" anchor="ctr">
+            <a:noAutofit/>
+          </a:bodyPr>
+          <a:p>
+            <a:pPr algn="r"/>
+            <a:r>
+              <a:rPr b="0" lang="en-GB" sz="1800" spc="-1" strike="noStrike">
+                <a:solidFill>
+                  <a:srgbClr val="000000"/>
+                </a:solidFill>
+                <a:latin typeface="Arial"/>
+              </a:rPr>
+              <a:t>Десятичная</a:t>
+            </a:r>
+            <a:endParaRPr b="0" lang="en-GB" sz="1800" spc="-1" strike="noStrike">
+              <a:solidFill>
+                <a:srgbClr val="000000"/>
+              </a:solidFill>
+              <a:latin typeface="Arial"/>
+            </a:endParaRPr>
+          </a:p>
+        </p:txBody>
+      </p:sp>
+      <p:sp>
+        <p:nvSpPr>
+          <p:cNvPr id="33" name=""/>
+          <p:cNvSpPr txBox="1"/>
+          <p:nvPr/>
+        </p:nvSpPr>
+        <p:spPr>
+          <a:xfrm>
+            <a:off x="3960000" y="1080000"/>
+            <a:ext cx="3060000" cy="720000"/>
+          </a:xfrm>
+          <a:prstGeom prst="rect">
+            <a:avLst/>
+          </a:prstGeom>
+          <a:noFill/>
+          <a:ln w="0">
+            <a:noFill/>
+          </a:ln>
+        </p:spPr>
+        <p:txBody>
+          <a:bodyPr lIns="90000" rIns="90000" tIns="45000" bIns="45000" anchor="ctr">
+            <a:noAutofit/>
+          </a:bodyPr>
+          <a:p>
+            <a:r>
+              <a:rPr b="0" lang="en-GB" sz="1800" spc="-1" strike="noStrike">
+                <a:solidFill>
+                  <a:srgbClr val="000000"/>
+                </a:solidFill>
+                <a:latin typeface="Arial"/>
+              </a:rPr>
+              <a:t>= 100*0 + 10*1 + 1*1 = 11</a:t>
+            </a:r>
+            <a:endParaRPr b="0" lang="en-GB" sz="1800" spc="-1" strike="noStrike">
+              <a:solidFill>
+                <a:srgbClr val="000000"/>
+              </a:solidFill>
+              <a:latin typeface="Arial"/>
+            </a:endParaRPr>
+          </a:p>
+        </p:txBody>
+      </p:sp>
+      <p:graphicFrame>
+        <p:nvGraphicFramePr>
+          <p:cNvPr id="34" name=""/>
+          <p:cNvGraphicFramePr/>
+          <p:nvPr/>
+        </p:nvGraphicFramePr>
+        <p:xfrm>
+          <a:off x="1926360" y="2017080"/>
+          <a:ext cx="1853640" cy="862920"/>
+        </p:xfrm>
+        <a:graphic>
+          <a:graphicData uri="http://schemas.openxmlformats.org/drawingml/2006/table">
+            <a:tbl>
+              <a:tblPr/>
+              <a:tblGrid>
+                <a:gridCol w="463680"/>
+                <a:gridCol w="463680"/>
+                <a:gridCol w="463680"/>
+                <a:gridCol w="462600"/>
+              </a:tblGrid>
+              <a:tr h="328320">
+                <a:tc>
+                  <a:txBody>
+                    <a:bodyPr lIns="36000" rIns="36000" tIns="36000" bIns="36000" anchor="t">
+                      <a:noAutofit/>
+                    </a:bodyPr>
+                    <a:p>
+                      <a:pPr algn="ctr"/>
+                      <a:r>
+                        <a:rPr b="0" lang="en-GB" sz="1800" spc="-1" strike="noStrike">
+                          <a:solidFill>
+                            <a:srgbClr val="ffffff"/>
+                          </a:solidFill>
+                          <a:latin typeface="Arial"/>
+                        </a:rPr>
+                        <a:t>8x</a:t>
+                      </a:r>
+                      <a:endParaRPr b="0" lang="en-GB" sz="1800" spc="-1" strike="noStrike">
+                        <a:solidFill>
+                          <a:srgbClr val="ffffff"/>
+                        </a:solidFill>
+                        <a:latin typeface="Arial"/>
+                      </a:endParaRPr>
+                    </a:p>
+                  </a:txBody>
+                  <a:tcPr anchor="t" marL="36000" marR="36000">
+                    <a:lnL w="7200">
+                      <a:solidFill>
+                        <a:srgbClr val="ffffff"/>
+                      </a:solidFill>
+                      <a:prstDash val="solid"/>
+                    </a:lnL>
+                    <a:lnR w="7200">
+                      <a:solidFill>
+                        <a:srgbClr val="ffffff"/>
+                      </a:solidFill>
+                      <a:prstDash val="solid"/>
+                    </a:lnR>
+                    <a:lnT w="7200">
+                      <a:solidFill>
+                        <a:srgbClr val="ffffff"/>
+                      </a:solidFill>
+                      <a:prstDash val="solid"/>
+                    </a:lnT>
+                    <a:lnB w="7200">
+                      <a:solidFill>
+                        <a:srgbClr val="ffffff"/>
+                      </a:solidFill>
+                      <a:prstDash val="solid"/>
+                    </a:lnB>
+                    <a:solidFill>
+                      <a:srgbClr val="5983b0"/>
+                    </a:solidFill>
+                  </a:tcPr>
+                </a:tc>
+                <a:tc>
+                  <a:txBody>
+                    <a:bodyPr lIns="36000" rIns="36000" tIns="36000" bIns="36000" anchor="t">
+                      <a:noAutofit/>
+                    </a:bodyPr>
+                    <a:p>
+                      <a:pPr algn="ctr"/>
+                      <a:r>
+                        <a:rPr b="0" lang="en-GB" sz="1800" spc="-1" strike="noStrike">
+                          <a:solidFill>
+                            <a:srgbClr val="ffffff"/>
+                          </a:solidFill>
+                          <a:latin typeface="Arial"/>
+                        </a:rPr>
+                        <a:t>4x</a:t>
+                      </a:r>
+                      <a:endParaRPr b="0" lang="en-GB" sz="1800" spc="-1" strike="noStrike">
+                        <a:solidFill>
+                          <a:srgbClr val="ffffff"/>
+                        </a:solidFill>
+                        <a:latin typeface="Arial"/>
+                      </a:endParaRPr>
+                    </a:p>
+                  </a:txBody>
+                  <a:tcPr anchor="t" marL="36000" marR="36000">
+                    <a:lnL w="7200">
+                      <a:solidFill>
+                        <a:srgbClr val="ffffff"/>
+                      </a:solidFill>
+                      <a:prstDash val="solid"/>
+                    </a:lnL>
+                    <a:lnR w="7200">
+                      <a:solidFill>
+                        <a:srgbClr val="ffffff"/>
+                      </a:solidFill>
+                      <a:prstDash val="solid"/>
+                    </a:lnR>
+                    <a:lnT w="7200">
+                      <a:solidFill>
+                        <a:srgbClr val="ffffff"/>
+                      </a:solidFill>
+                      <a:prstDash val="solid"/>
+                    </a:lnT>
+                    <a:lnB w="7200">
+                      <a:solidFill>
+                        <a:srgbClr val="ffffff"/>
+                      </a:solidFill>
+                      <a:prstDash val="solid"/>
+                    </a:lnB>
+                    <a:solidFill>
+                      <a:srgbClr val="5983b0"/>
+                    </a:solidFill>
+                  </a:tcPr>
+                </a:tc>
+                <a:tc>
+                  <a:txBody>
+                    <a:bodyPr lIns="36000" rIns="36000" tIns="36000" bIns="36000" anchor="t">
+                      <a:noAutofit/>
+                    </a:bodyPr>
+                    <a:p>
+                      <a:pPr algn="ctr"/>
+                      <a:r>
+                        <a:rPr b="0" lang="en-GB" sz="1800" spc="-1" strike="noStrike">
+                          <a:solidFill>
+                            <a:srgbClr val="ffffff"/>
+                          </a:solidFill>
+                          <a:latin typeface="Arial"/>
+                        </a:rPr>
+                        <a:t>2x</a:t>
+                      </a:r>
+                      <a:endParaRPr b="0" lang="en-GB" sz="1800" spc="-1" strike="noStrike">
+                        <a:solidFill>
+                          <a:srgbClr val="ffffff"/>
+                        </a:solidFill>
+                        <a:latin typeface="Arial"/>
+                      </a:endParaRPr>
+                    </a:p>
+                  </a:txBody>
+                  <a:tcPr anchor="t" marL="36000" marR="36000">
+                    <a:lnL w="7200">
+                      <a:solidFill>
+                        <a:srgbClr val="ffffff"/>
+                      </a:solidFill>
+                      <a:prstDash val="solid"/>
+                    </a:lnL>
+                    <a:lnR w="7200">
+                      <a:solidFill>
+                        <a:srgbClr val="ffffff"/>
+                      </a:solidFill>
+                      <a:prstDash val="solid"/>
+                    </a:lnR>
+                    <a:lnT w="7200">
+                      <a:solidFill>
+                        <a:srgbClr val="ffffff"/>
+                      </a:solidFill>
+                      <a:prstDash val="solid"/>
+                    </a:lnT>
+                    <a:lnB w="7200">
+                      <a:solidFill>
+                        <a:srgbClr val="ffffff"/>
+                      </a:solidFill>
+                      <a:prstDash val="solid"/>
+                    </a:lnB>
+                    <a:solidFill>
+                      <a:srgbClr val="5983b0"/>
+                    </a:solidFill>
+                  </a:tcPr>
+                </a:tc>
+                <a:tc>
+                  <a:txBody>
+                    <a:bodyPr lIns="36000" rIns="36000" tIns="36000" bIns="36000" anchor="t">
+                      <a:noAutofit/>
+                    </a:bodyPr>
+                    <a:p>
+                      <a:pPr algn="ctr"/>
+                      <a:r>
+                        <a:rPr b="0" lang="en-GB" sz="1800" spc="-1" strike="noStrike">
+                          <a:solidFill>
+                            <a:srgbClr val="ffffff"/>
+                          </a:solidFill>
+                          <a:latin typeface="Arial"/>
+                        </a:rPr>
+                        <a:t>1x</a:t>
+                      </a:r>
+                      <a:endParaRPr b="0" lang="en-GB" sz="1800" spc="-1" strike="noStrike">
+                        <a:solidFill>
+                          <a:srgbClr val="ffffff"/>
+                        </a:solidFill>
+                        <a:latin typeface="Arial"/>
+                      </a:endParaRPr>
+                    </a:p>
+                  </a:txBody>
+                  <a:tcPr anchor="t" marL="36000" marR="36000">
+                    <a:lnL w="7200">
+                      <a:solidFill>
+                        <a:srgbClr val="ffffff"/>
+                      </a:solidFill>
+                      <a:prstDash val="solid"/>
+                    </a:lnL>
+                    <a:lnR w="7200">
+                      <a:solidFill>
+                        <a:srgbClr val="ffffff"/>
+                      </a:solidFill>
+                      <a:prstDash val="solid"/>
+                    </a:lnR>
+                    <a:lnT w="7200">
+                      <a:solidFill>
+                        <a:srgbClr val="ffffff"/>
+                      </a:solidFill>
+                      <a:prstDash val="solid"/>
+                    </a:lnT>
+                    <a:lnB w="7200">
+                      <a:solidFill>
+                        <a:srgbClr val="ffffff"/>
+                      </a:solidFill>
+                      <a:prstDash val="solid"/>
+                    </a:lnB>
+                    <a:solidFill>
+                      <a:srgbClr val="5983b0"/>
+                    </a:solidFill>
+                  </a:tcPr>
+                </a:tc>
+              </a:tr>
+              <a:tr h="328320">
+                <a:tc>
+                  <a:txBody>
+                    <a:bodyPr lIns="36000" rIns="36000" tIns="36000" bIns="36000" anchor="t">
+                      <a:noAutofit/>
+                    </a:bodyPr>
+                    <a:p>
+                      <a:pPr algn="ctr"/>
+                      <a:r>
+                        <a:rPr b="0" lang="en-GB" sz="1800" spc="-1" strike="noStrike">
+                          <a:solidFill>
+                            <a:srgbClr val="000000"/>
+                          </a:solidFill>
+                          <a:latin typeface="Arial"/>
+                        </a:rPr>
+                        <a:t>0</a:t>
+                      </a:r>
+                      <a:endParaRPr b="0" lang="en-GB" sz="1800" spc="-1" strike="noStrike">
+                        <a:solidFill>
+                          <a:srgbClr val="000000"/>
+                        </a:solidFill>
+                        <a:latin typeface="Arial"/>
+                      </a:endParaRPr>
+                    </a:p>
+                  </a:txBody>
+                  <a:tcPr anchor="t" marL="36000" marR="36000">
+                    <a:lnL w="7200">
+                      <a:solidFill>
+                        <a:srgbClr val="ffffff"/>
+                      </a:solidFill>
+                      <a:prstDash val="solid"/>
+                    </a:lnL>
+                    <a:lnR w="7200">
+                      <a:solidFill>
+                        <a:srgbClr val="ffffff"/>
+                      </a:solidFill>
+                      <a:prstDash val="solid"/>
+                    </a:lnR>
+                    <a:lnT w="7200">
+                      <a:solidFill>
+                        <a:srgbClr val="ffffff"/>
+                      </a:solidFill>
+                      <a:prstDash val="solid"/>
+                    </a:lnT>
+                    <a:lnB w="7200">
+                      <a:solidFill>
+                        <a:srgbClr val="ffffff"/>
+                      </a:solidFill>
+                      <a:prstDash val="solid"/>
+                    </a:lnB>
+                    <a:solidFill>
+                      <a:srgbClr val="b4c7dc"/>
+                    </a:solidFill>
+                  </a:tcPr>
+                </a:tc>
+                <a:tc>
+                  <a:txBody>
+                    <a:bodyPr lIns="36000" rIns="36000" tIns="36000" bIns="36000" anchor="t">
+                      <a:noAutofit/>
+                    </a:bodyPr>
+                    <a:p>
+                      <a:pPr algn="ctr"/>
+                      <a:r>
+                        <a:rPr b="0" lang="en-GB" sz="1800" spc="-1" strike="noStrike">
+                          <a:solidFill>
+                            <a:srgbClr val="000000"/>
+                          </a:solidFill>
+                          <a:latin typeface="Arial"/>
+                        </a:rPr>
+                        <a:t>0</a:t>
+                      </a:r>
+                      <a:endParaRPr b="0" lang="en-GB" sz="1800" spc="-1" strike="noStrike">
+                        <a:solidFill>
+                          <a:srgbClr val="000000"/>
+                        </a:solidFill>
+                        <a:latin typeface="Arial"/>
+                      </a:endParaRPr>
+                    </a:p>
+                  </a:txBody>
+                  <a:tcPr anchor="t" marL="36000" marR="36000">
+                    <a:lnL w="7200">
+                      <a:solidFill>
+                        <a:srgbClr val="ffffff"/>
+                      </a:solidFill>
+                      <a:prstDash val="solid"/>
+                    </a:lnL>
+                    <a:lnR w="7200">
+                      <a:solidFill>
+                        <a:srgbClr val="ffffff"/>
+                      </a:solidFill>
+                      <a:prstDash val="solid"/>
+                    </a:lnR>
+                    <a:lnT w="7200">
+                      <a:solidFill>
+                        <a:srgbClr val="ffffff"/>
+                      </a:solidFill>
+                      <a:prstDash val="solid"/>
+                    </a:lnT>
+                    <a:lnB w="7200">
+                      <a:solidFill>
+                        <a:srgbClr val="ffffff"/>
+                      </a:solidFill>
+                      <a:prstDash val="solid"/>
+                    </a:lnB>
+                    <a:solidFill>
+                      <a:srgbClr val="b4c7dc"/>
+                    </a:solidFill>
+                  </a:tcPr>
+                </a:tc>
+                <a:tc>
+                  <a:txBody>
+                    <a:bodyPr lIns="36000" rIns="36000" tIns="36000" bIns="36000" anchor="t">
+                      <a:noAutofit/>
+                    </a:bodyPr>
+                    <a:p>
+                      <a:pPr algn="ctr"/>
+                      <a:r>
+                        <a:rPr b="0" lang="en-GB" sz="1800" spc="-1" strike="noStrike">
+                          <a:solidFill>
+                            <a:srgbClr val="000000"/>
+                          </a:solidFill>
+                          <a:latin typeface="Arial"/>
+                        </a:rPr>
+                        <a:t>1</a:t>
+                      </a:r>
+                      <a:endParaRPr b="0" lang="en-GB" sz="1800" spc="-1" strike="noStrike">
+                        <a:solidFill>
+                          <a:srgbClr val="000000"/>
+                        </a:solidFill>
+                        <a:latin typeface="Arial"/>
+                      </a:endParaRPr>
+                    </a:p>
+                  </a:txBody>
+                  <a:tcPr anchor="t" marL="36000" marR="36000">
+                    <a:lnL w="7200">
+                      <a:solidFill>
+                        <a:srgbClr val="ffffff"/>
+                      </a:solidFill>
+                      <a:prstDash val="solid"/>
+                    </a:lnL>
+                    <a:lnR w="7200">
+                      <a:solidFill>
+                        <a:srgbClr val="ffffff"/>
+                      </a:solidFill>
+                      <a:prstDash val="solid"/>
+                    </a:lnR>
+                    <a:lnT w="7200">
+                      <a:solidFill>
+                        <a:srgbClr val="ffffff"/>
+                      </a:solidFill>
+                      <a:prstDash val="solid"/>
+                    </a:lnT>
+                    <a:lnB w="7200">
+                      <a:solidFill>
+                        <a:srgbClr val="ffffff"/>
+                      </a:solidFill>
+                      <a:prstDash val="solid"/>
+                    </a:lnB>
+                    <a:solidFill>
+                      <a:srgbClr val="b4c7dc"/>
+                    </a:solidFill>
+                  </a:tcPr>
+                </a:tc>
+                <a:tc>
+                  <a:txBody>
+                    <a:bodyPr lIns="36000" rIns="36000" tIns="36000" bIns="36000" anchor="t">
+                      <a:noAutofit/>
+                    </a:bodyPr>
+                    <a:p>
+                      <a:pPr algn="ctr"/>
+                      <a:r>
+                        <a:rPr b="0" lang="en-GB" sz="1800" spc="-1" strike="noStrike">
+                          <a:solidFill>
+                            <a:srgbClr val="000000"/>
+                          </a:solidFill>
+                          <a:latin typeface="Arial"/>
+                        </a:rPr>
+                        <a:t>1</a:t>
+                      </a:r>
+                      <a:endParaRPr b="0" lang="en-GB" sz="1800" spc="-1" strike="noStrike">
+                        <a:solidFill>
+                          <a:srgbClr val="000000"/>
+                        </a:solidFill>
+                        <a:latin typeface="Arial"/>
+                      </a:endParaRPr>
+                    </a:p>
+                  </a:txBody>
+                  <a:tcPr anchor="t" marL="36000" marR="36000">
+                    <a:lnL w="7200">
+                      <a:solidFill>
+                        <a:srgbClr val="ffffff"/>
+                      </a:solidFill>
+                      <a:prstDash val="solid"/>
+                    </a:lnL>
+                    <a:lnR w="7200">
+                      <a:solidFill>
+                        <a:srgbClr val="ffffff"/>
+                      </a:solidFill>
+                      <a:prstDash val="solid"/>
+                    </a:lnR>
+                    <a:lnT w="7200">
+                      <a:solidFill>
+                        <a:srgbClr val="ffffff"/>
+                      </a:solidFill>
+                      <a:prstDash val="solid"/>
+                    </a:lnT>
+                    <a:lnB w="7200">
+                      <a:solidFill>
+                        <a:srgbClr val="ffffff"/>
+                      </a:solidFill>
+                      <a:prstDash val="solid"/>
+                    </a:lnB>
+                    <a:solidFill>
+                      <a:srgbClr val="b4c7dc"/>
+                    </a:solidFill>
+                  </a:tcPr>
+                </a:tc>
+              </a:tr>
+              <a:tr h="328320">
+                <a:tc>
+                  <a:txBody>
+                    <a:bodyPr lIns="36000" rIns="36000" tIns="36000" bIns="36000" anchor="t">
+                      <a:noAutofit/>
+                    </a:bodyPr>
+                    <a:p>
+                      <a:pPr algn="ctr"/>
+                      <a:r>
+                        <a:rPr b="0" lang="en-GB" sz="1800" spc="-1" strike="noStrike">
+                          <a:solidFill>
+                            <a:srgbClr val="000000"/>
+                          </a:solidFill>
+                          <a:latin typeface="Arial"/>
+                        </a:rPr>
+                        <a:t>1</a:t>
+                      </a:r>
+                      <a:endParaRPr b="0" lang="en-GB" sz="1800" spc="-1" strike="noStrike">
+                        <a:solidFill>
+                          <a:srgbClr val="000000"/>
+                        </a:solidFill>
+                        <a:latin typeface="Arial"/>
+                      </a:endParaRPr>
+                    </a:p>
+                  </a:txBody>
+                  <a:tcPr anchor="t" marL="36000" marR="36000">
+                    <a:lnL w="7200">
+                      <a:solidFill>
+                        <a:srgbClr val="ffffff"/>
+                      </a:solidFill>
+                      <a:prstDash val="solid"/>
+                    </a:lnL>
+                    <a:lnR w="7200">
+                      <a:solidFill>
+                        <a:srgbClr val="ffffff"/>
+                      </a:solidFill>
+                      <a:prstDash val="solid"/>
+                    </a:lnR>
+                    <a:lnT w="7200">
+                      <a:solidFill>
+                        <a:srgbClr val="ffffff"/>
+                      </a:solidFill>
+                      <a:prstDash val="solid"/>
+                    </a:lnT>
+                    <a:lnB w="7200">
+                      <a:solidFill>
+                        <a:srgbClr val="ffffff"/>
+                      </a:solidFill>
+                      <a:prstDash val="solid"/>
+                    </a:lnB>
+                    <a:solidFill>
+                      <a:srgbClr val="dee6ef"/>
+                    </a:solidFill>
+                  </a:tcPr>
+                </a:tc>
+                <a:tc>
+                  <a:txBody>
+                    <a:bodyPr lIns="36000" rIns="36000" tIns="36000" bIns="36000" anchor="t">
+                      <a:noAutofit/>
+                    </a:bodyPr>
+                    <a:p>
+                      <a:pPr algn="ctr"/>
+                      <a:r>
+                        <a:rPr b="0" lang="en-GB" sz="1800" spc="-1" strike="noStrike">
+                          <a:solidFill>
+                            <a:srgbClr val="000000"/>
+                          </a:solidFill>
+                          <a:latin typeface="Arial"/>
+                        </a:rPr>
+                        <a:t>0</a:t>
+                      </a:r>
+                      <a:endParaRPr b="0" lang="en-GB" sz="1800" spc="-1" strike="noStrike">
+                        <a:solidFill>
+                          <a:srgbClr val="000000"/>
+                        </a:solidFill>
+                        <a:latin typeface="Arial"/>
+                      </a:endParaRPr>
+                    </a:p>
+                  </a:txBody>
+                  <a:tcPr anchor="t" marL="36000" marR="36000">
+                    <a:lnL w="7200">
+                      <a:solidFill>
+                        <a:srgbClr val="ffffff"/>
+                      </a:solidFill>
+                      <a:prstDash val="solid"/>
+                    </a:lnL>
+                    <a:lnR w="7200">
+                      <a:solidFill>
+                        <a:srgbClr val="ffffff"/>
+                      </a:solidFill>
+                      <a:prstDash val="solid"/>
+                    </a:lnR>
+                    <a:lnT w="7200">
+                      <a:solidFill>
+                        <a:srgbClr val="ffffff"/>
+                      </a:solidFill>
+                      <a:prstDash val="solid"/>
+                    </a:lnT>
+                    <a:lnB w="7200">
+                      <a:solidFill>
+                        <a:srgbClr val="ffffff"/>
+                      </a:solidFill>
+                      <a:prstDash val="solid"/>
+                    </a:lnB>
+                    <a:solidFill>
+                      <a:srgbClr val="dee6ef"/>
+                    </a:solidFill>
+                  </a:tcPr>
+                </a:tc>
+                <a:tc>
+                  <a:txBody>
+                    <a:bodyPr lIns="36000" rIns="36000" tIns="36000" bIns="36000" anchor="t">
+                      <a:noAutofit/>
+                    </a:bodyPr>
+                    <a:p>
+                      <a:pPr algn="ctr"/>
+                      <a:r>
+                        <a:rPr b="0" lang="en-GB" sz="1800" spc="-1" strike="noStrike">
+                          <a:solidFill>
+                            <a:srgbClr val="000000"/>
+                          </a:solidFill>
+                          <a:latin typeface="Arial"/>
+                        </a:rPr>
+                        <a:t>1</a:t>
+                      </a:r>
+                      <a:endParaRPr b="0" lang="en-GB" sz="1800" spc="-1" strike="noStrike">
+                        <a:solidFill>
+                          <a:srgbClr val="000000"/>
+                        </a:solidFill>
+                        <a:latin typeface="Arial"/>
+                      </a:endParaRPr>
+                    </a:p>
+                  </a:txBody>
+                  <a:tcPr anchor="t" marL="36000" marR="36000">
+                    <a:lnL w="7200">
+                      <a:solidFill>
+                        <a:srgbClr val="ffffff"/>
+                      </a:solidFill>
+                      <a:prstDash val="solid"/>
+                    </a:lnL>
+                    <a:lnR w="7200">
+                      <a:solidFill>
+                        <a:srgbClr val="ffffff"/>
+                      </a:solidFill>
+                      <a:prstDash val="solid"/>
+                    </a:lnR>
+                    <a:lnT w="7200">
+                      <a:solidFill>
+                        <a:srgbClr val="ffffff"/>
+                      </a:solidFill>
+                      <a:prstDash val="solid"/>
+                    </a:lnT>
+                    <a:lnB w="7200">
+                      <a:solidFill>
+                        <a:srgbClr val="ffffff"/>
+                      </a:solidFill>
+                      <a:prstDash val="solid"/>
+                    </a:lnB>
+                    <a:solidFill>
+                      <a:srgbClr val="dee6ef"/>
+                    </a:solidFill>
+                  </a:tcPr>
+                </a:tc>
+                <a:tc>
+                  <a:txBody>
+                    <a:bodyPr lIns="36000" rIns="36000" tIns="36000" bIns="36000" anchor="t">
+                      <a:noAutofit/>
+                    </a:bodyPr>
+                    <a:p>
+                      <a:pPr algn="ctr"/>
+                      <a:r>
+                        <a:rPr b="0" lang="en-GB" sz="1800" spc="-1" strike="noStrike">
+                          <a:solidFill>
+                            <a:srgbClr val="000000"/>
+                          </a:solidFill>
+                          <a:latin typeface="Arial"/>
+                        </a:rPr>
+                        <a:t>1</a:t>
+                      </a:r>
+                      <a:endParaRPr b="0" lang="en-GB" sz="1800" spc="-1" strike="noStrike">
+                        <a:solidFill>
+                          <a:srgbClr val="000000"/>
+                        </a:solidFill>
+                        <a:latin typeface="Arial"/>
+                      </a:endParaRPr>
+                    </a:p>
+                  </a:txBody>
+                  <a:tcPr anchor="t" marL="36000" marR="36000">
+                    <a:lnL w="7200">
+                      <a:solidFill>
+                        <a:srgbClr val="ffffff"/>
+                      </a:solidFill>
+                      <a:prstDash val="solid"/>
+                    </a:lnL>
+                    <a:lnR w="7200">
+                      <a:solidFill>
+                        <a:srgbClr val="ffffff"/>
+                      </a:solidFill>
+                      <a:prstDash val="solid"/>
+                    </a:lnR>
+                    <a:lnT w="7200">
+                      <a:solidFill>
+                        <a:srgbClr val="ffffff"/>
+                      </a:solidFill>
+                      <a:prstDash val="solid"/>
+                    </a:lnT>
+                    <a:lnB w="7200">
+                      <a:solidFill>
+                        <a:srgbClr val="ffffff"/>
+                      </a:solidFill>
+                      <a:prstDash val="solid"/>
+                    </a:lnB>
+                    <a:solidFill>
+                      <a:srgbClr val="dee6ef"/>
+                    </a:solidFill>
+                  </a:tcPr>
+                </a:tc>
+              </a:tr>
+            </a:tbl>
+          </a:graphicData>
+        </a:graphic>
+      </p:graphicFrame>
+      <p:sp>
+        <p:nvSpPr>
+          <p:cNvPr id="35" name=""/>
+          <p:cNvSpPr txBox="1"/>
+          <p:nvPr/>
+        </p:nvSpPr>
+        <p:spPr>
+          <a:xfrm>
+            <a:off x="360000" y="1980000"/>
+            <a:ext cx="1440000" cy="1080000"/>
+          </a:xfrm>
+          <a:prstGeom prst="rect">
+            <a:avLst/>
+          </a:prstGeom>
+          <a:noFill/>
+          <a:ln w="0">
+            <a:noFill/>
+          </a:ln>
+        </p:spPr>
+        <p:txBody>
+          <a:bodyPr lIns="90000" rIns="90000" tIns="45000" bIns="45000" anchor="ctr">
+            <a:noAutofit/>
+          </a:bodyPr>
+          <a:p>
+            <a:pPr algn="r"/>
+            <a:r>
+              <a:rPr b="0" lang="en-GB" sz="1800" spc="-1" strike="noStrike">
+                <a:solidFill>
+                  <a:srgbClr val="000000"/>
+                </a:solidFill>
+                <a:latin typeface="Arial"/>
+              </a:rPr>
+              <a:t>Двоичная</a:t>
+            </a:r>
+            <a:endParaRPr b="0" lang="en-GB" sz="1800" spc="-1" strike="noStrike">
+              <a:solidFill>
+                <a:srgbClr val="000000"/>
+              </a:solidFill>
+              <a:latin typeface="Arial"/>
+            </a:endParaRPr>
+          </a:p>
+        </p:txBody>
+      </p:sp>
+      <p:sp>
+        <p:nvSpPr>
+          <p:cNvPr id="36" name=""/>
+          <p:cNvSpPr txBox="1"/>
+          <p:nvPr/>
+        </p:nvSpPr>
+        <p:spPr>
+          <a:xfrm>
+            <a:off x="3960000" y="2340000"/>
+            <a:ext cx="3240000" cy="720000"/>
+          </a:xfrm>
+          <a:prstGeom prst="rect">
+            <a:avLst/>
+          </a:prstGeom>
+          <a:noFill/>
+          <a:ln w="0">
+            <a:noFill/>
+          </a:ln>
+        </p:spPr>
+        <p:txBody>
+          <a:bodyPr lIns="90000" rIns="90000" tIns="45000" bIns="45000" anchor="t">
+            <a:noAutofit/>
+          </a:bodyPr>
+          <a:p>
+            <a:r>
+              <a:rPr b="0" lang="en-GB" sz="1800" spc="-1" strike="noStrike">
+                <a:solidFill>
+                  <a:srgbClr val="000000"/>
+                </a:solidFill>
+                <a:latin typeface="Arial"/>
+              </a:rPr>
+              <a:t>= 8*0 + 4*0 + 2*1 + 1*1 = 3</a:t>
+            </a:r>
+            <a:endParaRPr b="0" lang="en-GB" sz="1800" spc="-1" strike="noStrike">
+              <a:solidFill>
+                <a:srgbClr val="000000"/>
+              </a:solidFill>
+              <a:latin typeface="Arial"/>
+            </a:endParaRPr>
+          </a:p>
+          <a:p>
+            <a:r>
+              <a:rPr b="0" lang="en-GB" sz="1800" spc="-1" strike="noStrike">
+                <a:solidFill>
+                  <a:srgbClr val="000000"/>
+                </a:solidFill>
+                <a:latin typeface="Arial"/>
+              </a:rPr>
+              <a:t>= 8*1 + 4*0 + 2*1 + 1*1 = 11</a:t>
+            </a:r>
+            <a:endParaRPr b="0" lang="en-GB" sz="1800" spc="-1" strike="noStrike">
+              <a:solidFill>
+                <a:srgbClr val="000000"/>
+              </a:solidFill>
+              <a:latin typeface="Arial"/>
+            </a:endParaRPr>
+          </a:p>
+        </p:txBody>
+      </p:sp>
+      <p:graphicFrame>
+        <p:nvGraphicFramePr>
+          <p:cNvPr id="37" name=""/>
+          <p:cNvGraphicFramePr/>
+          <p:nvPr/>
+        </p:nvGraphicFramePr>
+        <p:xfrm>
+          <a:off x="8077320" y="2017800"/>
+          <a:ext cx="1280520" cy="884880"/>
+        </p:xfrm>
+        <a:graphic>
+          <a:graphicData uri="http://schemas.openxmlformats.org/drawingml/2006/table">
+            <a:tbl>
+              <a:tblPr/>
+              <a:tblGrid>
+                <a:gridCol w="640440"/>
+                <a:gridCol w="640440"/>
+              </a:tblGrid>
+              <a:tr h="328320">
+                <a:tc>
+                  <a:txBody>
+                    <a:bodyPr lIns="36000" rIns="36000" tIns="36000" bIns="36000" anchor="t">
+                      <a:noAutofit/>
+                    </a:bodyPr>
+                    <a:p>
+                      <a:r>
+                        <a:rPr b="0" lang="en-GB" sz="1800" spc="-1" strike="noStrike">
+                          <a:solidFill>
+                            <a:srgbClr val="ffffff"/>
+                          </a:solidFill>
+                          <a:latin typeface="Arial"/>
+                        </a:rPr>
+                        <a:t>16x</a:t>
+                      </a:r>
+                      <a:endParaRPr b="0" lang="en-GB" sz="1800" spc="-1" strike="noStrike">
+                        <a:solidFill>
+                          <a:srgbClr val="ffffff"/>
+                        </a:solidFill>
+                        <a:latin typeface="Arial"/>
+                      </a:endParaRPr>
+                    </a:p>
+                  </a:txBody>
+                  <a:tcPr anchor="t" marL="36000" marR="36000">
+                    <a:lnL w="7200">
+                      <a:solidFill>
+                        <a:srgbClr val="ffffff"/>
+                      </a:solidFill>
+                      <a:prstDash val="solid"/>
+                    </a:lnL>
+                    <a:lnR w="7200">
+                      <a:solidFill>
+                        <a:srgbClr val="ffffff"/>
+                      </a:solidFill>
+                      <a:prstDash val="solid"/>
+                    </a:lnR>
+                    <a:lnT w="7200">
+                      <a:solidFill>
+                        <a:srgbClr val="ffffff"/>
+                      </a:solidFill>
+                      <a:prstDash val="solid"/>
+                    </a:lnT>
+                    <a:lnB w="7200">
+                      <a:solidFill>
+                        <a:srgbClr val="ffffff"/>
+                      </a:solidFill>
+                      <a:prstDash val="solid"/>
+                    </a:lnB>
+                    <a:solidFill>
+                      <a:srgbClr val="5983b0"/>
+                    </a:solidFill>
+                  </a:tcPr>
+                </a:tc>
+                <a:tc>
+                  <a:txBody>
+                    <a:bodyPr lIns="36000" rIns="36000" tIns="36000" bIns="36000" anchor="t">
+                      <a:noAutofit/>
+                    </a:bodyPr>
+                    <a:p>
+                      <a:r>
+                        <a:rPr b="0" lang="en-GB" sz="1800" spc="-1" strike="noStrike">
+                          <a:solidFill>
+                            <a:srgbClr val="ffffff"/>
+                          </a:solidFill>
+                          <a:latin typeface="Arial"/>
+                        </a:rPr>
+                        <a:t>1x</a:t>
+                      </a:r>
+                      <a:endParaRPr b="0" lang="en-GB" sz="1800" spc="-1" strike="noStrike">
+                        <a:solidFill>
+                          <a:srgbClr val="ffffff"/>
+                        </a:solidFill>
+                        <a:latin typeface="Arial"/>
+                      </a:endParaRPr>
+                    </a:p>
+                  </a:txBody>
+                  <a:tcPr anchor="t" marL="36000" marR="36000">
+                    <a:lnL w="7200">
+                      <a:solidFill>
+                        <a:srgbClr val="ffffff"/>
+                      </a:solidFill>
+                      <a:prstDash val="solid"/>
+                    </a:lnL>
+                    <a:lnR w="7200">
+                      <a:solidFill>
+                        <a:srgbClr val="ffffff"/>
+                      </a:solidFill>
+                      <a:prstDash val="solid"/>
+                    </a:lnR>
+                    <a:lnT w="7200">
+                      <a:solidFill>
+                        <a:srgbClr val="ffffff"/>
+                      </a:solidFill>
+                      <a:prstDash val="solid"/>
+                    </a:lnT>
+                    <a:lnB w="7200">
+                      <a:solidFill>
+                        <a:srgbClr val="ffffff"/>
+                      </a:solidFill>
+                      <a:prstDash val="solid"/>
+                    </a:lnB>
+                    <a:solidFill>
+                      <a:srgbClr val="5983b0"/>
+                    </a:solidFill>
+                  </a:tcPr>
+                </a:tc>
+              </a:tr>
+              <a:tr h="328320">
+                <a:tc>
+                  <a:txBody>
+                    <a:bodyPr lIns="36000" rIns="36000" tIns="36000" bIns="36000" anchor="t">
+                      <a:noAutofit/>
+                    </a:bodyPr>
+                    <a:p>
+                      <a:r>
+                        <a:rPr b="0" lang="en-GB" sz="1800" spc="-1" strike="noStrike">
+                          <a:solidFill>
+                            <a:srgbClr val="000000"/>
+                          </a:solidFill>
+                          <a:latin typeface="Arial"/>
+                        </a:rPr>
+                        <a:t>0</a:t>
+                      </a:r>
+                      <a:endParaRPr b="0" lang="en-GB" sz="1800" spc="-1" strike="noStrike">
+                        <a:solidFill>
+                          <a:srgbClr val="000000"/>
+                        </a:solidFill>
+                        <a:latin typeface="Arial"/>
+                      </a:endParaRPr>
+                    </a:p>
+                  </a:txBody>
+                  <a:tcPr anchor="t" marL="36000" marR="36000">
+                    <a:lnL w="7200">
+                      <a:solidFill>
+                        <a:srgbClr val="ffffff"/>
+                      </a:solidFill>
+                      <a:prstDash val="solid"/>
+                    </a:lnL>
+                    <a:lnR w="7200">
+                      <a:solidFill>
+                        <a:srgbClr val="ffffff"/>
+                      </a:solidFill>
+                      <a:prstDash val="solid"/>
+                    </a:lnR>
+                    <a:lnT w="7200">
+                      <a:solidFill>
+                        <a:srgbClr val="ffffff"/>
+                      </a:solidFill>
+                      <a:prstDash val="solid"/>
+                    </a:lnT>
+                    <a:lnB w="7200">
+                      <a:solidFill>
+                        <a:srgbClr val="ffffff"/>
+                      </a:solidFill>
+                      <a:prstDash val="solid"/>
+                    </a:lnB>
+                    <a:solidFill>
+                      <a:srgbClr val="b4c7dc"/>
+                    </a:solidFill>
+                  </a:tcPr>
+                </a:tc>
+                <a:tc>
+                  <a:txBody>
+                    <a:bodyPr lIns="36000" rIns="36000" tIns="36000" bIns="36000" anchor="t">
+                      <a:noAutofit/>
+                    </a:bodyPr>
+                    <a:p>
+                      <a:r>
+                        <a:rPr b="0" lang="en-GB" sz="1800" spc="-1" strike="noStrike">
+                          <a:solidFill>
+                            <a:srgbClr val="000000"/>
+                          </a:solidFill>
+                          <a:latin typeface="Arial"/>
+                        </a:rPr>
+                        <a:t>3</a:t>
+                      </a:r>
+                      <a:endParaRPr b="0" lang="en-GB" sz="1800" spc="-1" strike="noStrike">
+                        <a:solidFill>
+                          <a:srgbClr val="000000"/>
+                        </a:solidFill>
+                        <a:latin typeface="Arial"/>
+                      </a:endParaRPr>
+                    </a:p>
+                  </a:txBody>
+                  <a:tcPr anchor="t" marL="36000" marR="36000">
+                    <a:lnL w="7200">
+                      <a:solidFill>
+                        <a:srgbClr val="ffffff"/>
+                      </a:solidFill>
+                      <a:prstDash val="solid"/>
+                    </a:lnL>
+                    <a:lnR w="7200">
+                      <a:solidFill>
+                        <a:srgbClr val="ffffff"/>
+                      </a:solidFill>
+                      <a:prstDash val="solid"/>
+                    </a:lnR>
+                    <a:lnT w="7200">
+                      <a:solidFill>
+                        <a:srgbClr val="ffffff"/>
+                      </a:solidFill>
+                      <a:prstDash val="solid"/>
+                    </a:lnT>
+                    <a:lnB w="7200">
+                      <a:solidFill>
+                        <a:srgbClr val="ffffff"/>
+                      </a:solidFill>
+                      <a:prstDash val="solid"/>
+                    </a:lnB>
+                    <a:solidFill>
+                      <a:srgbClr val="b4c7dc"/>
+                    </a:solidFill>
+                  </a:tcPr>
+                </a:tc>
+              </a:tr>
+              <a:tr h="328320">
+                <a:tc>
+                  <a:txBody>
+                    <a:bodyPr lIns="36000" rIns="36000" tIns="36000" bIns="36000" anchor="t">
+                      <a:noAutofit/>
+                    </a:bodyPr>
+                    <a:p>
+                      <a:r>
+                        <a:rPr b="0" lang="en-GB" sz="1800" spc="-1" strike="noStrike">
+                          <a:solidFill>
+                            <a:srgbClr val="000000"/>
+                          </a:solidFill>
+                          <a:latin typeface="Arial"/>
+                        </a:rPr>
+                        <a:t>0</a:t>
+                      </a:r>
+                      <a:endParaRPr b="0" lang="en-GB" sz="1800" spc="-1" strike="noStrike">
+                        <a:solidFill>
+                          <a:srgbClr val="000000"/>
+                        </a:solidFill>
+                        <a:latin typeface="Arial"/>
+                      </a:endParaRPr>
+                    </a:p>
+                  </a:txBody>
+                  <a:tcPr anchor="t" marL="36000" marR="36000">
+                    <a:lnL w="7200">
+                      <a:solidFill>
+                        <a:srgbClr val="ffffff"/>
+                      </a:solidFill>
+                      <a:prstDash val="solid"/>
+                    </a:lnL>
+                    <a:lnR w="7200">
+                      <a:solidFill>
+                        <a:srgbClr val="ffffff"/>
+                      </a:solidFill>
+                      <a:prstDash val="solid"/>
+                    </a:lnR>
+                    <a:lnT w="7200">
+                      <a:solidFill>
+                        <a:srgbClr val="ffffff"/>
+                      </a:solidFill>
+                      <a:prstDash val="solid"/>
+                    </a:lnT>
+                    <a:lnB w="7200">
+                      <a:solidFill>
+                        <a:srgbClr val="ffffff"/>
+                      </a:solidFill>
+                      <a:prstDash val="solid"/>
+                    </a:lnB>
+                    <a:solidFill>
+                      <a:srgbClr val="dee6ef"/>
+                    </a:solidFill>
+                  </a:tcPr>
+                </a:tc>
+                <a:tc>
+                  <a:txBody>
+                    <a:bodyPr lIns="36000" rIns="36000" tIns="36000" bIns="36000" anchor="t">
+                      <a:noAutofit/>
+                    </a:bodyPr>
+                    <a:p>
+                      <a:r>
+                        <a:rPr b="0" lang="en-GB" sz="1800" spc="-1" strike="noStrike">
+                          <a:solidFill>
+                            <a:srgbClr val="000000"/>
+                          </a:solidFill>
+                          <a:latin typeface="Arial"/>
+                        </a:rPr>
+                        <a:t>B</a:t>
+                      </a:r>
+                      <a:endParaRPr b="0" lang="en-GB" sz="1800" spc="-1" strike="noStrike">
+                        <a:solidFill>
+                          <a:srgbClr val="000000"/>
+                        </a:solidFill>
+                        <a:latin typeface="Arial"/>
+                      </a:endParaRPr>
+                    </a:p>
+                  </a:txBody>
+                  <a:tcPr anchor="t" marL="36000" marR="36000">
+                    <a:lnL w="7200">
+                      <a:solidFill>
+                        <a:srgbClr val="ffffff"/>
+                      </a:solidFill>
+                      <a:prstDash val="solid"/>
+                    </a:lnL>
+                    <a:lnR w="7200">
+                      <a:solidFill>
+                        <a:srgbClr val="ffffff"/>
+                      </a:solidFill>
+                      <a:prstDash val="solid"/>
+                    </a:lnR>
+                    <a:lnT w="7200">
+                      <a:solidFill>
+                        <a:srgbClr val="ffffff"/>
+                      </a:solidFill>
+                      <a:prstDash val="solid"/>
+                    </a:lnT>
+                    <a:lnB w="7200">
+                      <a:solidFill>
+                        <a:srgbClr val="ffffff"/>
+                      </a:solidFill>
+                      <a:prstDash val="solid"/>
+                    </a:lnB>
+                    <a:solidFill>
+                      <a:srgbClr val="dee6ef"/>
+                    </a:solidFill>
+                  </a:tcPr>
+                </a:tc>
+              </a:tr>
+            </a:tbl>
+          </a:graphicData>
+        </a:graphic>
+      </p:graphicFrame>
+      <p:sp>
+        <p:nvSpPr>
+          <p:cNvPr id="38" name=""/>
+          <p:cNvSpPr txBox="1"/>
+          <p:nvPr/>
+        </p:nvSpPr>
+        <p:spPr>
+          <a:xfrm>
+            <a:off x="7380000" y="3060000"/>
+            <a:ext cx="2520000" cy="602280"/>
+          </a:xfrm>
+          <a:prstGeom prst="rect">
+            <a:avLst/>
+          </a:prstGeom>
+          <a:noFill/>
+          <a:ln w="0">
+            <a:noFill/>
+          </a:ln>
+        </p:spPr>
+        <p:txBody>
+          <a:bodyPr lIns="90000" rIns="90000" tIns="45000" bIns="45000" anchor="t">
+            <a:noAutofit/>
+          </a:bodyPr>
+          <a:p>
+            <a:r>
+              <a:rPr b="0" lang="en-GB" sz="1800" spc="-1" strike="noStrike">
+                <a:solidFill>
+                  <a:srgbClr val="000000"/>
+                </a:solidFill>
+                <a:latin typeface="Arial"/>
+              </a:rPr>
+              <a:t>Шестнадцатиричная</a:t>
+            </a:r>
+            <a:endParaRPr b="0" lang="en-GB" sz="1800" spc="-1" strike="noStrike">
+              <a:solidFill>
+                <a:srgbClr val="000000"/>
+              </a:solidFill>
+              <a:latin typeface="Arial"/>
+            </a:endParaRPr>
+          </a:p>
+        </p:txBody>
+      </p:sp>
+      <p:sp>
+        <p:nvSpPr>
+          <p:cNvPr id="3" name="PlaceHolder 2"/>
+          <p:cNvSpPr>
+            <a:spLocks noGrp="1"/>
+          </p:cNvSpPr>
+          <p:nvPr>
+            <p:ph type="sldNum" idx="8"/>
+          </p:nvPr>
+        </p:nvSpPr>
+        <p:spPr/>
+        <p:txBody>
+          <a:bodyPr/>
+          <a:p>
+            <a:fld id="{AE1C7F1A-F271-45B8-BEF9-72B87514BA7F}" type="slidenum">
+              <a:t>3</a:t>
+            </a:fld>
+          </a:p>
+        </p:txBody>
+      </p:sp>
+    </p:spTree>
+  </p:cSld>
+  <mc:AlternateContent>
+    <mc:Choice Requires="p14">
+      <p:transition spd="slow" p14:dur="2000"/>
+    </mc:Choice>
+    <mc:Fallback>
+      <p:transition spd="slow"/>
+    </mc:Fallback>
+  </mc:AlternateContent>
+</p:sld>
+</file>
+
+<file path=ppt/slides/slide4.xml><?xml version="1.0" encoding="utf-8"?>
+<p:sld xmlns:a="http://schemas.openxmlformats.org/drawingml/2006/main" xmlns:p="http://schemas.openxmlformats.org/presentationml/2006/main" xmlns:r="http://schemas.openxmlformats.org/officeDocument/2006/relationships" xmlns:p14="http://schemas.microsoft.com/office/powerpoint/2010/main" xmlns:p15="http://schemas.microsoft.com/office/powerpoint/2012/main" xmlns:mc="http://schemas.openxmlformats.org/markup-compatibility/2006">
+  <p:cSld>
+    <p:spTree>
+      <p:nvGrpSpPr>
+        <p:cNvPr id="1" name=""/>
+        <p:cNvGrpSpPr/>
+        <p:nvPr/>
+      </p:nvGrpSpPr>
+      <p:grpSpPr>
+        <a:xfrm>
+          <a:off x="0" y="0"/>
+          <a:ext cx="0" cy="0"/>
+          <a:chOff x="0" y="0"/>
+          <a:chExt cx="0" cy="0"/>
+        </a:xfrm>
+      </p:grpSpPr>
+      <p:sp>
+        <p:nvSpPr>
+          <p:cNvPr id="39" name="PlaceHolder 1"/>
+          <p:cNvSpPr>
+            <a:spLocks noGrp="1"/>
+          </p:cNvSpPr>
+          <p:nvPr>
+            <p:ph type="title"/>
+          </p:nvPr>
+        </p:nvSpPr>
+        <p:spPr>
+          <a:xfrm>
+            <a:off x="360000" y="180000"/>
+            <a:ext cx="9359280" cy="477360"/>
+          </a:xfrm>
+          <a:prstGeom prst="rect">
+            <a:avLst/>
+          </a:prstGeom>
+          <a:noFill/>
+          <a:ln w="0">
+            <a:noFill/>
+          </a:ln>
+        </p:spPr>
+        <p:txBody>
+          <a:bodyPr lIns="0" rIns="0" tIns="0" bIns="0" anchor="ctr">
+            <a:noAutofit/>
+          </a:bodyPr>
+          <a:p>
+            <a:pPr indent="0" algn="ctr">
+              <a:lnSpc>
+                <a:spcPct val="100000"/>
+              </a:lnSpc>
+              <a:buNone/>
+              <a:tabLst>
+                <a:tab algn="l" pos="0"/>
+              </a:tabLst>
+            </a:pPr>
+            <a:r>
+              <a:rPr b="0" lang="en-GB" sz="3300" spc="-1" strike="noStrike">
+                <a:solidFill>
+                  <a:srgbClr val="ffffff"/>
+                </a:solidFill>
+                <a:latin typeface="Arial"/>
+              </a:rPr>
+              <a:t>NE555</a:t>
+            </a:r>
+            <a:endParaRPr b="0" lang="en-GB" sz="3300" spc="-1" strike="noStrike">
+              <a:solidFill>
+                <a:srgbClr val="000000"/>
+              </a:solidFill>
+              <a:latin typeface="Arial"/>
+            </a:endParaRPr>
+          </a:p>
+        </p:txBody>
+      </p:sp>
+      <p:pic>
+        <p:nvPicPr>
+          <p:cNvPr id="40" name="" descr=""/>
+          <p:cNvPicPr/>
+          <p:nvPr/>
+        </p:nvPicPr>
+        <p:blipFill>
+          <a:blip r:embed="rId1">
+            <a:alphaModFix amt="50000"/>
+          </a:blip>
+          <a:stretch/>
+        </p:blipFill>
+        <p:spPr>
+          <a:xfrm>
+            <a:off x="1620000" y="768240"/>
+            <a:ext cx="6659280" cy="4244400"/>
+          </a:xfrm>
+          <a:prstGeom prst="rect">
+            <a:avLst/>
+          </a:prstGeom>
+          <a:ln w="18000">
+            <a:noFill/>
+          </a:ln>
+        </p:spPr>
+      </p:pic>
+      <p:sp>
+        <p:nvSpPr>
+          <p:cNvPr id="3" name="PlaceHolder 2"/>
+          <p:cNvSpPr>
+            <a:spLocks noGrp="1"/>
+          </p:cNvSpPr>
+          <p:nvPr>
+            <p:ph type="sldNum" idx="8"/>
+          </p:nvPr>
+        </p:nvSpPr>
+        <p:spPr/>
+        <p:txBody>
+          <a:bodyPr/>
+          <a:p>
+            <a:fld id="{470220A7-B998-4F52-B105-D7C6BAAD7943}" type="slidenum">
+              <a:t>4</a:t>
+            </a:fld>
+          </a:p>
+        </p:txBody>
+      </p:sp>
+    </p:spTree>
+  </p:cSld>
+  <mc:AlternateContent>
+    <mc:Choice Requires="p14">
+      <p:transition spd="slow" p14:dur="2000"/>
+    </mc:Choice>
+    <mc:Fallback>
+      <p:transition spd="slow"/>
+    </mc:Fallback>
+  </mc:AlternateContent>
+</p:sld>
+</file>
+
+<file path=ppt/slides/slide5.xml><?xml version="1.0" encoding="utf-8"?>
+<p:sld xmlns:a="http://schemas.openxmlformats.org/drawingml/2006/main" xmlns:p="http://schemas.openxmlformats.org/presentationml/2006/main" xmlns:r="http://schemas.openxmlformats.org/officeDocument/2006/relationships" xmlns:p14="http://schemas.microsoft.com/office/powerpoint/2010/main" xmlns:p15="http://schemas.microsoft.com/office/powerpoint/2012/main" xmlns:mc="http://schemas.openxmlformats.org/markup-compatibility/2006">
+  <p:cSld>
+    <p:spTree>
+      <p:nvGrpSpPr>
+        <p:cNvPr id="1" name=""/>
+        <p:cNvGrpSpPr/>
+        <p:nvPr/>
+      </p:nvGrpSpPr>
+      <p:grpSpPr>
+        <a:xfrm>
+          <a:off x="0" y="0"/>
+          <a:ext cx="0" cy="0"/>
+          <a:chOff x="0" y="0"/>
+          <a:chExt cx="0" cy="0"/>
+        </a:xfrm>
+      </p:grpSpPr>
+      <p:sp>
+        <p:nvSpPr>
+          <p:cNvPr id="41" name="PlaceHolder 1"/>
+          <p:cNvSpPr>
+            <a:spLocks noGrp="1"/>
+          </p:cNvSpPr>
+          <p:nvPr>
+            <p:ph type="title"/>
+          </p:nvPr>
+        </p:nvSpPr>
+        <p:spPr>
+          <a:xfrm>
+            <a:off x="360000" y="180000"/>
+            <a:ext cx="9359280" cy="477360"/>
+          </a:xfrm>
+          <a:prstGeom prst="rect">
+            <a:avLst/>
+          </a:prstGeom>
+          <a:noFill/>
+          <a:ln w="0">
+            <a:noFill/>
+          </a:ln>
+        </p:spPr>
+        <p:txBody>
+          <a:bodyPr lIns="0" rIns="0" tIns="0" bIns="0" anchor="ctr">
+            <a:noAutofit/>
+          </a:bodyPr>
+          <a:p>
+            <a:pPr indent="0" algn="ctr">
+              <a:lnSpc>
+                <a:spcPct val="100000"/>
+              </a:lnSpc>
+              <a:buNone/>
+              <a:tabLst>
+                <a:tab algn="l" pos="0"/>
+              </a:tabLst>
+            </a:pPr>
+            <a:r>
+              <a:rPr b="0" lang="en-GB" sz="3300" spc="-1" strike="noStrike">
+                <a:solidFill>
+                  <a:srgbClr val="ffffff"/>
+                </a:solidFill>
+                <a:latin typeface="Arial"/>
+              </a:rPr>
+              <a:t>NE555</a:t>
+            </a:r>
+            <a:endParaRPr b="0" lang="en-GB" sz="3300" spc="-1" strike="noStrike">
+              <a:solidFill>
+                <a:srgbClr val="000000"/>
+              </a:solidFill>
+              <a:latin typeface="Arial"/>
+            </a:endParaRPr>
+          </a:p>
+        </p:txBody>
+      </p:sp>
+      <p:pic>
+        <p:nvPicPr>
+          <p:cNvPr id="42" name="" descr=""/>
+          <p:cNvPicPr/>
+          <p:nvPr/>
+        </p:nvPicPr>
+        <p:blipFill>
+          <a:blip r:embed="rId1">
+            <a:alphaModFix amt="50000"/>
+          </a:blip>
+          <a:stretch/>
+        </p:blipFill>
+        <p:spPr>
+          <a:xfrm>
+            <a:off x="1620000" y="768240"/>
+            <a:ext cx="6659280" cy="4244400"/>
+          </a:xfrm>
+          <a:prstGeom prst="rect">
+            <a:avLst/>
+          </a:prstGeom>
+          <a:ln w="18000">
+            <a:noFill/>
+          </a:ln>
+        </p:spPr>
+      </p:pic>
+      <p:sp>
+        <p:nvSpPr>
+          <p:cNvPr id="43" name=""/>
+          <p:cNvSpPr/>
+          <p:nvPr/>
+        </p:nvSpPr>
+        <p:spPr>
+          <a:xfrm>
+            <a:off x="3060000" y="1440000"/>
+            <a:ext cx="1079280" cy="1079280"/>
+          </a:xfrm>
+          <a:prstGeom prst="ellipse">
+            <a:avLst/>
+          </a:prstGeom>
+          <a:solidFill>
+            <a:srgbClr val="39b2e5">
+              <a:alpha val="50000"/>
+            </a:srgbClr>
+          </a:solidFill>
+          <a:ln w="18000">
+            <a:solidFill>
+              <a:srgbClr val="009bdd"/>
+            </a:solidFill>
+            <a:round/>
+          </a:ln>
+        </p:spPr>
+        <p:style>
+          <a:lnRef idx="0"/>
+          <a:fillRef idx="0"/>
+          <a:effectRef idx="0"/>
+          <a:fontRef idx="minor"/>
+        </p:style>
+        <p:txBody>
+          <a:bodyPr lIns="90000" rIns="90000" tIns="45000" bIns="45000" anchor="ctr">
+            <a:noAutofit/>
+          </a:bodyPr>
+          <a:p>
+            <a:pPr>
+              <a:lnSpc>
+                <a:spcPct val="100000"/>
+              </a:lnSpc>
+            </a:pPr>
+            <a:endParaRPr b="0" lang="en-GB" sz="1800" spc="-1" strike="noStrike">
+              <a:solidFill>
+                <a:srgbClr val="ffffff"/>
+              </a:solidFill>
+              <a:latin typeface="Arial"/>
+              <a:ea typeface="DejaVu Sans"/>
+            </a:endParaRPr>
+          </a:p>
+        </p:txBody>
+      </p:sp>
+      <p:sp>
+        <p:nvSpPr>
+          <p:cNvPr id="3" name="PlaceHolder 2"/>
+          <p:cNvSpPr>
+            <a:spLocks noGrp="1"/>
+          </p:cNvSpPr>
+          <p:nvPr>
+            <p:ph type="sldNum" idx="8"/>
+          </p:nvPr>
+        </p:nvSpPr>
+        <p:spPr/>
+        <p:txBody>
+          <a:bodyPr/>
+          <a:p>
+            <a:fld id="{BBECE5F2-9D32-4C7F-A68D-56F66265AB8E}" type="slidenum">
+              <a:t>5</a:t>
+            </a:fld>
+          </a:p>
+        </p:txBody>
+      </p:sp>
+    </p:spTree>
+  </p:cSld>
+  <mc:AlternateContent>
+    <mc:Choice Requires="p14">
+      <p:transition spd="slow" p14:dur="2000"/>
+    </mc:Choice>
+    <mc:Fallback>
+      <p:transition spd="slow"/>
+    </mc:Fallback>
+  </mc:AlternateContent>
+</p:sld>
+</file>
+
+<file path=ppt/slides/slide6.xml><?xml version="1.0" encoding="utf-8"?>
+<p:sld xmlns:a="http://schemas.openxmlformats.org/drawingml/2006/main" xmlns:p="http://schemas.openxmlformats.org/presentationml/2006/main" xmlns:r="http://schemas.openxmlformats.org/officeDocument/2006/relationships" xmlns:p14="http://schemas.microsoft.com/office/powerpoint/2010/main" xmlns:p15="http://schemas.microsoft.com/office/powerpoint/2012/main" xmlns:mc="http://schemas.openxmlformats.org/markup-compatibility/2006">
+  <p:cSld>
+    <p:spTree>
+      <p:nvGrpSpPr>
+        <p:cNvPr id="1" name=""/>
+        <p:cNvGrpSpPr/>
+        <p:nvPr/>
+      </p:nvGrpSpPr>
+      <p:grpSpPr>
+        <a:xfrm>
+          <a:off x="0" y="0"/>
+          <a:ext cx="0" cy="0"/>
+          <a:chOff x="0" y="0"/>
+          <a:chExt cx="0" cy="0"/>
+        </a:xfrm>
+      </p:grpSpPr>
+      <p:sp>
+        <p:nvSpPr>
+          <p:cNvPr id="44" name="PlaceHolder 1"/>
+          <p:cNvSpPr>
+            <a:spLocks noGrp="1"/>
+          </p:cNvSpPr>
+          <p:nvPr>
+            <p:ph type="title"/>
+          </p:nvPr>
+        </p:nvSpPr>
+        <p:spPr>
+          <a:xfrm>
+            <a:off x="360000" y="180000"/>
+            <a:ext cx="9359280" cy="477360"/>
+          </a:xfrm>
+          <a:prstGeom prst="rect">
+            <a:avLst/>
+          </a:prstGeom>
+          <a:noFill/>
+          <a:ln w="0">
+            <a:noFill/>
+          </a:ln>
+        </p:spPr>
+        <p:txBody>
+          <a:bodyPr lIns="0" rIns="0" tIns="0" bIns="0" anchor="ctr">
+            <a:noAutofit/>
+          </a:bodyPr>
+          <a:p>
+            <a:pPr indent="0" algn="ctr">
+              <a:lnSpc>
+                <a:spcPct val="100000"/>
+              </a:lnSpc>
+              <a:buNone/>
+              <a:tabLst>
+                <a:tab algn="l" pos="0"/>
+              </a:tabLst>
+            </a:pPr>
+            <a:r>
+              <a:rPr b="0" lang="en-GB" sz="3300" spc="-1" strike="noStrike">
+                <a:solidFill>
+                  <a:srgbClr val="ffffff"/>
+                </a:solidFill>
+                <a:latin typeface="Arial"/>
+              </a:rPr>
+              <a:t>OpAmp/Comparator</a:t>
+            </a:r>
+            <a:endParaRPr b="0" lang="en-GB" sz="3300" spc="-1" strike="noStrike">
+              <a:solidFill>
+                <a:srgbClr val="000000"/>
+              </a:solidFill>
+              <a:latin typeface="Arial"/>
+            </a:endParaRPr>
+          </a:p>
+        </p:txBody>
+      </p:sp>
+      <p:pic>
+        <p:nvPicPr>
+          <p:cNvPr id="45" name="" descr=""/>
+          <p:cNvPicPr/>
+          <p:nvPr/>
+        </p:nvPicPr>
+        <p:blipFill>
+          <a:blip r:embed="rId1">
+            <a:alphaModFix amt="50000"/>
+          </a:blip>
+          <a:stretch/>
+        </p:blipFill>
+        <p:spPr>
+          <a:xfrm>
+            <a:off x="180000" y="1260000"/>
+            <a:ext cx="3892680" cy="2159280"/>
+          </a:xfrm>
+          <a:prstGeom prst="rect">
+            <a:avLst/>
+          </a:prstGeom>
+          <a:ln w="18000">
+            <a:noFill/>
+          </a:ln>
+        </p:spPr>
+      </p:pic>
+      <p:sp>
+        <p:nvSpPr>
+          <p:cNvPr id="46" name=""/>
+          <p:cNvSpPr/>
+          <p:nvPr/>
+        </p:nvSpPr>
+        <p:spPr>
+          <a:xfrm>
+            <a:off x="4140000" y="900000"/>
+            <a:ext cx="2339280" cy="539280"/>
+          </a:xfrm>
+          <a:prstGeom prst="rect">
+            <a:avLst/>
+          </a:prstGeom>
+          <a:noFill/>
+          <a:ln w="18000">
+            <a:noFill/>
+          </a:ln>
+        </p:spPr>
+        <p:style>
+          <a:lnRef idx="0"/>
+          <a:fillRef idx="0"/>
+          <a:effectRef idx="0"/>
+          <a:fontRef idx="minor"/>
+        </p:style>
+        <p:txBody>
+          <a:bodyPr lIns="90000" rIns="90000" tIns="45000" bIns="45000" anchor="t">
+            <a:noAutofit/>
+          </a:bodyPr>
+          <a:p>
+            <a:pPr>
+              <a:lnSpc>
+                <a:spcPct val="100000"/>
+              </a:lnSpc>
+            </a:pPr>
+            <a:r>
+              <a:rPr b="1" lang="en-GB" sz="1800" spc="-1" strike="noStrike">
+                <a:solidFill>
+                  <a:srgbClr val="000000"/>
+                </a:solidFill>
+                <a:latin typeface="Arial"/>
+                <a:ea typeface="DejaVu Sans"/>
+              </a:rPr>
+              <a:t>OUT</a:t>
+            </a:r>
+            <a:r>
+              <a:rPr b="0" lang="en-GB" sz="1800" spc="-1" strike="noStrike">
+                <a:solidFill>
+                  <a:srgbClr val="000000"/>
+                </a:solidFill>
+                <a:latin typeface="Arial"/>
+                <a:ea typeface="DejaVu Sans"/>
+              </a:rPr>
+              <a:t> = K * (</a:t>
+            </a:r>
+            <a:r>
+              <a:rPr b="1" lang="en-GB" sz="1800" spc="-1" strike="noStrike">
+                <a:solidFill>
+                  <a:srgbClr val="000000"/>
+                </a:solidFill>
+                <a:latin typeface="Arial"/>
+                <a:ea typeface="DejaVu Sans"/>
+              </a:rPr>
+              <a:t>IN+</a:t>
+            </a:r>
+            <a:r>
+              <a:rPr b="0" lang="en-GB" sz="1800" spc="-1" strike="noStrike">
+                <a:solidFill>
+                  <a:srgbClr val="000000"/>
+                </a:solidFill>
+                <a:latin typeface="Arial"/>
+                <a:ea typeface="DejaVu Sans"/>
+              </a:rPr>
+              <a:t> - </a:t>
+            </a:r>
+            <a:r>
+              <a:rPr b="1" lang="en-GB" sz="1800" spc="-1" strike="noStrike">
+                <a:solidFill>
+                  <a:srgbClr val="000000"/>
+                </a:solidFill>
+                <a:latin typeface="Arial"/>
+                <a:ea typeface="DejaVu Sans"/>
+              </a:rPr>
+              <a:t>IN-</a:t>
+            </a:r>
+            <a:r>
+              <a:rPr b="0" lang="en-GB" sz="1800" spc="-1" strike="noStrike">
+                <a:solidFill>
+                  <a:srgbClr val="000000"/>
+                </a:solidFill>
+                <a:latin typeface="Arial"/>
+                <a:ea typeface="DejaVu Sans"/>
+              </a:rPr>
+              <a:t>)</a:t>
+            </a:r>
+            <a:endParaRPr b="0" lang="en-GB" sz="1800" spc="-1" strike="noStrike">
+              <a:solidFill>
+                <a:srgbClr val="000000"/>
+              </a:solidFill>
+              <a:latin typeface="Arial"/>
+            </a:endParaRPr>
+          </a:p>
+        </p:txBody>
+      </p:sp>
+      <p:sp>
+        <p:nvSpPr>
+          <p:cNvPr id="47" name=""/>
+          <p:cNvSpPr/>
+          <p:nvPr/>
+        </p:nvSpPr>
+        <p:spPr>
+          <a:xfrm>
+            <a:off x="4500000" y="2049840"/>
+            <a:ext cx="1799280" cy="1369440"/>
+          </a:xfrm>
+          <a:prstGeom prst="rect">
+            <a:avLst/>
+          </a:prstGeom>
+          <a:noFill/>
+          <a:ln w="18000">
+            <a:noFill/>
+          </a:ln>
+        </p:spPr>
+        <p:style>
+          <a:lnRef idx="0"/>
+          <a:fillRef idx="0"/>
+          <a:effectRef idx="0"/>
+          <a:fontRef idx="minor"/>
+        </p:style>
+        <p:txBody>
+          <a:bodyPr lIns="90000" rIns="90000" tIns="45000" bIns="45000" anchor="t">
+            <a:noAutofit/>
+          </a:bodyPr>
+          <a:p>
+            <a:pPr>
+              <a:lnSpc>
+                <a:spcPct val="100000"/>
+              </a:lnSpc>
+            </a:pPr>
+            <a:r>
+              <a:rPr b="0" lang="en-GB" sz="1800" spc="-1" strike="noStrike">
+                <a:solidFill>
+                  <a:srgbClr val="000000"/>
+                </a:solidFill>
+                <a:latin typeface="Arial"/>
+                <a:ea typeface="DejaVu Sans"/>
+              </a:rPr>
+              <a:t>OpAmp:</a:t>
+            </a:r>
+            <a:endParaRPr b="0" lang="en-GB" sz="1800" spc="-1" strike="noStrike">
+              <a:solidFill>
+                <a:srgbClr val="000000"/>
+              </a:solidFill>
+              <a:latin typeface="Arial"/>
+            </a:endParaRPr>
+          </a:p>
+          <a:p>
+            <a:pPr>
+              <a:lnSpc>
+                <a:spcPct val="100000"/>
+              </a:lnSpc>
+            </a:pPr>
+            <a:r>
+              <a:rPr b="0" lang="en-GB" sz="1800" spc="-1" strike="noStrike">
+                <a:solidFill>
+                  <a:srgbClr val="000000"/>
+                </a:solidFill>
+                <a:latin typeface="Arial"/>
+                <a:ea typeface="DejaVu Sans"/>
+              </a:rPr>
+              <a:t>	</a:t>
+            </a:r>
+            <a:r>
+              <a:rPr b="1" lang="en-GB" sz="1800" spc="-1" strike="noStrike">
+                <a:solidFill>
+                  <a:srgbClr val="000000"/>
+                </a:solidFill>
+                <a:latin typeface="Arial"/>
+                <a:ea typeface="DejaVu Sans"/>
+              </a:rPr>
+              <a:t>IN+</a:t>
+            </a:r>
+            <a:r>
+              <a:rPr b="0" lang="en-GB" sz="1800" spc="-1" strike="noStrike">
+                <a:solidFill>
+                  <a:srgbClr val="000000"/>
+                </a:solidFill>
+                <a:latin typeface="Arial"/>
+                <a:ea typeface="DejaVu Sans"/>
+              </a:rPr>
+              <a:t> </a:t>
+            </a:r>
+            <a:r>
+              <a:rPr b="0" lang="en-GB" sz="1450" spc="-1" strike="noStrike">
+                <a:solidFill>
+                  <a:srgbClr val="000000"/>
+                </a:solidFill>
+                <a:latin typeface="Arial"/>
+                <a:ea typeface="DejaVu Sans"/>
+              </a:rPr>
+              <a:t>≈</a:t>
+            </a:r>
+            <a:r>
+              <a:rPr b="0" lang="en-GB" sz="1800" spc="-1" strike="noStrike">
+                <a:solidFill>
+                  <a:srgbClr val="000000"/>
+                </a:solidFill>
+                <a:latin typeface="Arial"/>
+                <a:ea typeface="DejaVu Sans"/>
+              </a:rPr>
+              <a:t> </a:t>
+            </a:r>
+            <a:r>
+              <a:rPr b="1" lang="en-GB" sz="1800" spc="-1" strike="noStrike">
+                <a:solidFill>
+                  <a:srgbClr val="000000"/>
+                </a:solidFill>
+                <a:latin typeface="Arial"/>
+                <a:ea typeface="DejaVu Sans"/>
+              </a:rPr>
+              <a:t>IN-</a:t>
+            </a:r>
+            <a:endParaRPr b="0" lang="en-GB" sz="1800" spc="-1" strike="noStrike">
+              <a:solidFill>
+                <a:srgbClr val="000000"/>
+              </a:solidFill>
+              <a:latin typeface="Arial"/>
+            </a:endParaRPr>
+          </a:p>
+          <a:p>
+            <a:pPr>
+              <a:lnSpc>
+                <a:spcPct val="100000"/>
+              </a:lnSpc>
+            </a:pPr>
+            <a:r>
+              <a:rPr b="0" lang="en-GB" sz="1800" spc="-1" strike="noStrike">
+                <a:solidFill>
+                  <a:srgbClr val="000000"/>
+                </a:solidFill>
+                <a:latin typeface="Arial"/>
+                <a:ea typeface="DejaVu Sans"/>
+              </a:rPr>
+              <a:t>Comparator:</a:t>
+            </a:r>
+            <a:endParaRPr b="0" lang="en-GB" sz="1800" spc="-1" strike="noStrike">
+              <a:solidFill>
+                <a:srgbClr val="000000"/>
+              </a:solidFill>
+              <a:latin typeface="Arial"/>
+            </a:endParaRPr>
+          </a:p>
+          <a:p>
+            <a:pPr>
+              <a:lnSpc>
+                <a:spcPct val="100000"/>
+              </a:lnSpc>
+            </a:pPr>
+            <a:r>
+              <a:rPr b="0" lang="en-GB" sz="1800" spc="-1" strike="noStrike">
+                <a:solidFill>
+                  <a:srgbClr val="000000"/>
+                </a:solidFill>
+                <a:latin typeface="Arial"/>
+                <a:ea typeface="DejaVu Sans"/>
+              </a:rPr>
+              <a:t>	</a:t>
+            </a:r>
+            <a:r>
+              <a:rPr b="1" lang="en-GB" sz="1800" spc="-1" strike="noStrike">
+                <a:solidFill>
+                  <a:srgbClr val="000000"/>
+                </a:solidFill>
+                <a:latin typeface="Arial"/>
+                <a:ea typeface="DejaVu Sans"/>
+              </a:rPr>
+              <a:t>IN+</a:t>
+            </a:r>
+            <a:r>
+              <a:rPr b="0" lang="en-GB" sz="1800" spc="-1" strike="noStrike">
+                <a:solidFill>
+                  <a:srgbClr val="000000"/>
+                </a:solidFill>
+                <a:latin typeface="Arial"/>
+                <a:ea typeface="DejaVu Sans"/>
+              </a:rPr>
+              <a:t> </a:t>
+            </a:r>
+            <a:r>
+              <a:rPr b="0" lang="en-GB" sz="1450" spc="-1" strike="noStrike">
+                <a:solidFill>
+                  <a:srgbClr val="000000"/>
+                </a:solidFill>
+                <a:latin typeface="Arial"/>
+                <a:ea typeface="DejaVu Sans"/>
+              </a:rPr>
+              <a:t>≠ </a:t>
+            </a:r>
+            <a:r>
+              <a:rPr b="1" lang="en-GB" sz="1450" spc="-1" strike="noStrike">
+                <a:solidFill>
+                  <a:srgbClr val="000000"/>
+                </a:solidFill>
+                <a:latin typeface="Arial"/>
+                <a:ea typeface="DejaVu Sans"/>
+              </a:rPr>
+              <a:t>IN-</a:t>
+            </a:r>
+            <a:endParaRPr b="0" lang="en-GB" sz="1450" spc="-1" strike="noStrike">
+              <a:solidFill>
+                <a:srgbClr val="000000"/>
+              </a:solidFill>
+              <a:latin typeface="Arial"/>
+            </a:endParaRPr>
+          </a:p>
+          <a:p>
+            <a:pPr>
+              <a:lnSpc>
+                <a:spcPct val="100000"/>
+              </a:lnSpc>
+            </a:pPr>
+            <a:endParaRPr b="0" lang="en-GB" sz="1800" spc="-1" strike="noStrike">
+              <a:solidFill>
+                <a:srgbClr val="000000"/>
+              </a:solidFill>
+              <a:latin typeface="Arial"/>
+            </a:endParaRPr>
+          </a:p>
+        </p:txBody>
+      </p:sp>
+      <p:pic>
+        <p:nvPicPr>
+          <p:cNvPr id="48" name="" descr=""/>
+          <p:cNvPicPr/>
+          <p:nvPr/>
+        </p:nvPicPr>
+        <p:blipFill>
+          <a:blip r:embed="rId2">
+            <a:alphaModFix amt="50000"/>
+          </a:blip>
+          <a:stretch/>
+        </p:blipFill>
+        <p:spPr>
+          <a:xfrm>
+            <a:off x="6840000" y="1275480"/>
+            <a:ext cx="3059280" cy="1862280"/>
+          </a:xfrm>
+          <a:prstGeom prst="rect">
+            <a:avLst/>
+          </a:prstGeom>
+          <a:ln w="18000">
+            <a:noFill/>
+          </a:ln>
+        </p:spPr>
+      </p:pic>
+      <p:sp>
+        <p:nvSpPr>
+          <p:cNvPr id="49" name=""/>
+          <p:cNvSpPr/>
+          <p:nvPr/>
+        </p:nvSpPr>
+        <p:spPr>
+          <a:xfrm>
+            <a:off x="7560000" y="900000"/>
+            <a:ext cx="2339280" cy="359280"/>
+          </a:xfrm>
+          <a:prstGeom prst="rect">
+            <a:avLst/>
+          </a:prstGeom>
+          <a:noFill/>
+          <a:ln w="18000">
+            <a:noFill/>
+          </a:ln>
+        </p:spPr>
+        <p:style>
+          <a:lnRef idx="0"/>
+          <a:fillRef idx="0"/>
+          <a:effectRef idx="0"/>
+          <a:fontRef idx="minor"/>
+        </p:style>
+        <p:txBody>
+          <a:bodyPr lIns="90000" rIns="90000" tIns="45000" bIns="45000" anchor="t">
+            <a:noAutofit/>
+          </a:bodyPr>
+          <a:p>
+            <a:pPr>
+              <a:lnSpc>
+                <a:spcPct val="100000"/>
+              </a:lnSpc>
+            </a:pPr>
+            <a:r>
+              <a:rPr b="0" lang="en-GB" sz="1800" spc="-1" strike="noStrike">
+                <a:solidFill>
+                  <a:srgbClr val="000000"/>
+                </a:solidFill>
+                <a:latin typeface="Arial"/>
+                <a:ea typeface="DejaVu Sans"/>
+              </a:rPr>
+              <a:t>OpAmp</a:t>
+            </a:r>
+            <a:endParaRPr b="0" lang="en-GB" sz="1800" spc="-1" strike="noStrike">
+              <a:solidFill>
+                <a:srgbClr val="000000"/>
+              </a:solidFill>
+              <a:latin typeface="Arial"/>
+            </a:endParaRPr>
+          </a:p>
+        </p:txBody>
+      </p:sp>
+      <p:sp>
+        <p:nvSpPr>
+          <p:cNvPr id="3" name="PlaceHolder 2"/>
+          <p:cNvSpPr>
+            <a:spLocks noGrp="1"/>
+          </p:cNvSpPr>
+          <p:nvPr>
+            <p:ph type="sldNum" idx="8"/>
+          </p:nvPr>
+        </p:nvSpPr>
+        <p:spPr/>
+        <p:txBody>
+          <a:bodyPr/>
+          <a:p>
+            <a:fld id="{CFED6200-09DD-4952-ABB3-DF560ADA1042}" type="slidenum">
+              <a:t>6</a:t>
+            </a:fld>
+          </a:p>
+        </p:txBody>
+      </p:sp>
+    </p:spTree>
+  </p:cSld>
+  <mc:AlternateContent>
+    <mc:Choice Requires="p14">
+      <p:transition spd="slow" p14:dur="2000"/>
+    </mc:Choice>
+    <mc:Fallback>
+      <p:transition spd="slow"/>
+    </mc:Fallback>
+  </mc:AlternateContent>
+</p:sld>
+</file>
+
+<file path=ppt/slides/slide7.xml><?xml version="1.0" encoding="utf-8"?>
+<p:sld xmlns:a="http://schemas.openxmlformats.org/drawingml/2006/main" xmlns:p="http://schemas.openxmlformats.org/presentationml/2006/main" xmlns:r="http://schemas.openxmlformats.org/officeDocument/2006/relationships" xmlns:p14="http://schemas.microsoft.com/office/powerpoint/2010/main" xmlns:p15="http://schemas.microsoft.com/office/powerpoint/2012/main" xmlns:mc="http://schemas.openxmlformats.org/markup-compatibility/2006">
+  <p:cSld>
+    <p:spTree>
+      <p:nvGrpSpPr>
+        <p:cNvPr id="1" name=""/>
+        <p:cNvGrpSpPr/>
+        <p:nvPr/>
+      </p:nvGrpSpPr>
+      <p:grpSpPr>
+        <a:xfrm>
+          <a:off x="0" y="0"/>
+          <a:ext cx="0" cy="0"/>
+          <a:chOff x="0" y="0"/>
+          <a:chExt cx="0" cy="0"/>
+        </a:xfrm>
+      </p:grpSpPr>
+      <p:sp>
+        <p:nvSpPr>
+          <p:cNvPr id="50" name="PlaceHolder 1"/>
+          <p:cNvSpPr>
+            <a:spLocks noGrp="1"/>
+          </p:cNvSpPr>
+          <p:nvPr>
+            <p:ph type="title"/>
+          </p:nvPr>
+        </p:nvSpPr>
+        <p:spPr>
+          <a:xfrm>
+            <a:off x="360000" y="180000"/>
+            <a:ext cx="9359280" cy="477360"/>
+          </a:xfrm>
+          <a:prstGeom prst="rect">
+            <a:avLst/>
+          </a:prstGeom>
+          <a:noFill/>
+          <a:ln w="0">
+            <a:noFill/>
+          </a:ln>
+        </p:spPr>
+        <p:txBody>
+          <a:bodyPr lIns="0" rIns="0" tIns="0" bIns="0" anchor="ctr">
+            <a:noAutofit/>
+          </a:bodyPr>
+          <a:p>
+            <a:pPr indent="0" algn="ctr">
+              <a:lnSpc>
+                <a:spcPct val="100000"/>
+              </a:lnSpc>
+              <a:buNone/>
+              <a:tabLst>
+                <a:tab algn="l" pos="0"/>
+              </a:tabLst>
+            </a:pPr>
+            <a:r>
+              <a:rPr b="0" lang="en-GB" sz="3300" spc="-1" strike="noStrike">
+                <a:solidFill>
+                  <a:srgbClr val="ffffff"/>
+                </a:solidFill>
+                <a:latin typeface="Arial"/>
+              </a:rPr>
+              <a:t>NE555</a:t>
+            </a:r>
+            <a:endParaRPr b="0" lang="en-GB" sz="3300" spc="-1" strike="noStrike">
+              <a:solidFill>
+                <a:srgbClr val="000000"/>
+              </a:solidFill>
+              <a:latin typeface="Arial"/>
+            </a:endParaRPr>
+          </a:p>
+        </p:txBody>
+      </p:sp>
+      <p:pic>
+        <p:nvPicPr>
+          <p:cNvPr id="51" name="" descr=""/>
+          <p:cNvPicPr/>
+          <p:nvPr/>
+        </p:nvPicPr>
+        <p:blipFill>
+          <a:blip r:embed="rId1">
+            <a:alphaModFix amt="50000"/>
+          </a:blip>
+          <a:stretch/>
+        </p:blipFill>
+        <p:spPr>
+          <a:xfrm>
+            <a:off x="1620000" y="768240"/>
+            <a:ext cx="6659280" cy="4244400"/>
+          </a:xfrm>
+          <a:prstGeom prst="rect">
+            <a:avLst/>
+          </a:prstGeom>
+          <a:ln w="18000">
+            <a:noFill/>
+          </a:ln>
+        </p:spPr>
+      </p:pic>
+      <p:sp>
+        <p:nvSpPr>
+          <p:cNvPr id="52" name=""/>
+          <p:cNvSpPr/>
+          <p:nvPr/>
+        </p:nvSpPr>
+        <p:spPr>
+          <a:xfrm>
+            <a:off x="2340000" y="1080000"/>
+            <a:ext cx="719280" cy="3059280"/>
+          </a:xfrm>
+          <a:prstGeom prst="ellipse">
+            <a:avLst/>
+          </a:prstGeom>
+          <a:solidFill>
+            <a:srgbClr val="39b2e5">
+              <a:alpha val="50000"/>
+            </a:srgbClr>
+          </a:solidFill>
+          <a:ln w="18000">
+            <a:solidFill>
+              <a:srgbClr val="009bdd"/>
+            </a:solidFill>
+            <a:round/>
+          </a:ln>
+        </p:spPr>
+        <p:style>
+          <a:lnRef idx="0"/>
+          <a:fillRef idx="0"/>
+          <a:effectRef idx="0"/>
+          <a:fontRef idx="minor"/>
+        </p:style>
+        <p:txBody>
+          <a:bodyPr wrap="none" lIns="90000" rIns="90000" tIns="45000" bIns="45000" anchor="ctr">
+            <a:noAutofit/>
+          </a:bodyPr>
+          <a:p>
+            <a:pPr>
+              <a:lnSpc>
+                <a:spcPct val="100000"/>
+              </a:lnSpc>
+            </a:pPr>
+            <a:endParaRPr b="0" lang="en-GB" sz="1800" spc="-1" strike="noStrike">
+              <a:solidFill>
+                <a:srgbClr val="ffffff"/>
+              </a:solidFill>
+              <a:latin typeface="Arial"/>
+              <a:ea typeface="DejaVu Sans"/>
+            </a:endParaRPr>
+          </a:p>
+        </p:txBody>
+      </p:sp>
+      <p:sp>
+        <p:nvSpPr>
+          <p:cNvPr id="3" name="PlaceHolder 2"/>
+          <p:cNvSpPr>
+            <a:spLocks noGrp="1"/>
+          </p:cNvSpPr>
+          <p:nvPr>
+            <p:ph type="sldNum" idx="8"/>
+          </p:nvPr>
+        </p:nvSpPr>
+        <p:spPr/>
+        <p:txBody>
+          <a:bodyPr/>
+          <a:p>
+            <a:fld id="{A45931C4-BE75-4EF1-99B4-F9062E30594B}" type="slidenum">
+              <a:t>7</a:t>
+            </a:fld>
+          </a:p>
+        </p:txBody>
+      </p:sp>
+    </p:spTree>
+  </p:cSld>
+  <mc:AlternateContent>
+    <mc:Choice Requires="p14">
+      <p:transition spd="slow" p14:dur="2000"/>
+    </mc:Choice>
+    <mc:Fallback>
+      <p:transition spd="slow"/>
+    </mc:Fallback>
+  </mc:AlternateContent>
+</p:sld>
+</file>
+
+<file path=ppt/slides/slide8.xml><?xml version="1.0" encoding="utf-8"?>
+<p:sld xmlns:a="http://schemas.openxmlformats.org/drawingml/2006/main" xmlns:p="http://schemas.openxmlformats.org/presentationml/2006/main" xmlns:r="http://schemas.openxmlformats.org/officeDocument/2006/relationships" xmlns:p14="http://schemas.microsoft.com/office/powerpoint/2010/main" xmlns:p15="http://schemas.microsoft.com/office/powerpoint/2012/main" xmlns:mc="http://schemas.openxmlformats.org/markup-compatibility/2006">
+  <p:cSld>
+    <p:spTree>
+      <p:nvGrpSpPr>
+        <p:cNvPr id="1" name=""/>
+        <p:cNvGrpSpPr/>
+        <p:nvPr/>
+      </p:nvGrpSpPr>
+      <p:grpSpPr>
+        <a:xfrm>
+          <a:off x="0" y="0"/>
+          <a:ext cx="0" cy="0"/>
+          <a:chOff x="0" y="0"/>
+          <a:chExt cx="0" cy="0"/>
+        </a:xfrm>
+      </p:grpSpPr>
+      <p:sp>
+        <p:nvSpPr>
+          <p:cNvPr id="53" name="PlaceHolder 1"/>
+          <p:cNvSpPr>
+            <a:spLocks noGrp="1"/>
+          </p:cNvSpPr>
+          <p:nvPr>
+            <p:ph type="title"/>
+          </p:nvPr>
+        </p:nvSpPr>
+        <p:spPr>
+          <a:xfrm>
+            <a:off x="360000" y="180000"/>
+            <a:ext cx="9359280" cy="477360"/>
+          </a:xfrm>
+          <a:prstGeom prst="rect">
+            <a:avLst/>
+          </a:prstGeom>
+          <a:noFill/>
+          <a:ln w="0">
+            <a:noFill/>
+          </a:ln>
+        </p:spPr>
+        <p:txBody>
+          <a:bodyPr lIns="0" rIns="0" tIns="0" bIns="0" anchor="ctr">
+            <a:noAutofit/>
+          </a:bodyPr>
+          <a:p>
+            <a:pPr indent="0" algn="ctr">
+              <a:lnSpc>
+                <a:spcPct val="100000"/>
+              </a:lnSpc>
+              <a:buNone/>
+              <a:tabLst>
+                <a:tab algn="l" pos="0"/>
+              </a:tabLst>
+            </a:pPr>
+            <a:r>
+              <a:rPr b="0" lang="en-GB" sz="3300" spc="-1" strike="noStrike">
+                <a:solidFill>
+                  <a:srgbClr val="ffffff"/>
+                </a:solidFill>
+                <a:latin typeface="Arial"/>
+              </a:rPr>
+              <a:t>Resistive voltage divider</a:t>
+            </a:r>
+            <a:endParaRPr b="0" lang="en-GB" sz="3300" spc="-1" strike="noStrike">
+              <a:solidFill>
+                <a:srgbClr val="000000"/>
+              </a:solidFill>
+              <a:latin typeface="Arial"/>
+            </a:endParaRPr>
+          </a:p>
+        </p:txBody>
+      </p:sp>
+      <p:pic>
+        <p:nvPicPr>
+          <p:cNvPr id="54" name="" descr=""/>
+          <p:cNvPicPr/>
+          <p:nvPr/>
+        </p:nvPicPr>
+        <p:blipFill>
+          <a:blip r:embed="rId1">
+            <a:alphaModFix amt="50000"/>
+          </a:blip>
+          <a:stretch/>
+        </p:blipFill>
+        <p:spPr>
+          <a:xfrm>
+            <a:off x="246600" y="900000"/>
+            <a:ext cx="1732680" cy="3959280"/>
+          </a:xfrm>
+          <a:prstGeom prst="rect">
+            <a:avLst/>
+          </a:prstGeom>
+          <a:ln w="18000">
+            <a:noFill/>
+          </a:ln>
+        </p:spPr>
+      </p:pic>
+      <p:sp>
+        <p:nvSpPr>
+          <p:cNvPr id="55" name=""/>
+          <p:cNvSpPr/>
+          <p:nvPr/>
+        </p:nvSpPr>
+        <p:spPr>
+          <a:xfrm>
+            <a:off x="2160000" y="900000"/>
+            <a:ext cx="2699280" cy="1259280"/>
+          </a:xfrm>
+          <a:prstGeom prst="rect">
+            <a:avLst/>
+          </a:prstGeom>
+          <a:noFill/>
+          <a:ln w="18000">
+            <a:noFill/>
+          </a:ln>
+        </p:spPr>
+        <p:style>
+          <a:lnRef idx="0"/>
+          <a:fillRef idx="0"/>
+          <a:effectRef idx="0"/>
+          <a:fontRef idx="minor"/>
+        </p:style>
+        <p:txBody>
+          <a:bodyPr lIns="90000" rIns="90000" tIns="45000" bIns="45000" anchor="t">
+            <a:noAutofit/>
+          </a:bodyPr>
+          <a:p>
+            <a:pPr>
+              <a:lnSpc>
+                <a:spcPct val="100000"/>
+              </a:lnSpc>
+            </a:pPr>
+            <a:r>
+              <a:rPr b="0" lang="en-GB" sz="1800" spc="-1" strike="noStrike">
+                <a:solidFill>
+                  <a:srgbClr val="000000"/>
+                </a:solidFill>
+                <a:latin typeface="Arial"/>
+                <a:ea typeface="DejaVu Sans"/>
+              </a:rPr>
+              <a:t>I = V / (R1 + R2)</a:t>
+            </a:r>
+            <a:endParaRPr b="0" lang="en-GB" sz="1800" spc="-1" strike="noStrike">
+              <a:solidFill>
+                <a:srgbClr val="000000"/>
+              </a:solidFill>
+              <a:latin typeface="Arial"/>
+            </a:endParaRPr>
+          </a:p>
+          <a:p>
+            <a:pPr>
+              <a:lnSpc>
+                <a:spcPct val="100000"/>
+              </a:lnSpc>
+            </a:pPr>
+            <a:r>
+              <a:rPr b="0" lang="en-GB" sz="1800" spc="-1" strike="noStrike">
+                <a:solidFill>
+                  <a:srgbClr val="000000"/>
+                </a:solidFill>
+                <a:latin typeface="Arial"/>
+                <a:ea typeface="DejaVu Sans"/>
+              </a:rPr>
+              <a:t>OUT = I * R2</a:t>
+            </a:r>
+            <a:endParaRPr b="0" lang="en-GB" sz="1800" spc="-1" strike="noStrike">
+              <a:solidFill>
+                <a:srgbClr val="000000"/>
+              </a:solidFill>
+              <a:latin typeface="Arial"/>
+            </a:endParaRPr>
+          </a:p>
+          <a:p>
+            <a:pPr>
+              <a:lnSpc>
+                <a:spcPct val="100000"/>
+              </a:lnSpc>
+            </a:pPr>
+            <a:r>
+              <a:rPr b="0" lang="en-GB" sz="1800" spc="-1" strike="noStrike">
+                <a:solidFill>
+                  <a:srgbClr val="000000"/>
+                </a:solidFill>
+                <a:latin typeface="Arial"/>
+                <a:ea typeface="DejaVu Sans"/>
+              </a:rPr>
+              <a:t>OUT = V * R2 / (R1+R2)</a:t>
+            </a:r>
+            <a:endParaRPr b="0" lang="en-GB" sz="1800" spc="-1" strike="noStrike">
+              <a:solidFill>
+                <a:srgbClr val="000000"/>
+              </a:solidFill>
+              <a:latin typeface="Arial"/>
+            </a:endParaRPr>
+          </a:p>
+          <a:p>
+            <a:pPr>
+              <a:lnSpc>
+                <a:spcPct val="100000"/>
+              </a:lnSpc>
+            </a:pPr>
+            <a:endParaRPr b="0" lang="en-GB" sz="1800" spc="-1" strike="noStrike">
+              <a:solidFill>
+                <a:srgbClr val="000000"/>
+              </a:solidFill>
+              <a:latin typeface="Arial"/>
+            </a:endParaRPr>
+          </a:p>
+        </p:txBody>
+      </p:sp>
+      <p:pic>
+        <p:nvPicPr>
+          <p:cNvPr id="56" name="" descr=""/>
+          <p:cNvPicPr/>
+          <p:nvPr/>
+        </p:nvPicPr>
+        <p:blipFill>
+          <a:blip r:embed="rId2">
+            <a:alphaModFix amt="50000"/>
+          </a:blip>
+          <a:stretch/>
+        </p:blipFill>
+        <p:spPr>
+          <a:xfrm>
+            <a:off x="2160000" y="1978920"/>
+            <a:ext cx="1950480" cy="2880360"/>
+          </a:xfrm>
+          <a:prstGeom prst="rect">
+            <a:avLst/>
+          </a:prstGeom>
+          <a:ln w="18000">
+            <a:noFill/>
+          </a:ln>
+        </p:spPr>
+      </p:pic>
+      <p:sp>
+        <p:nvSpPr>
+          <p:cNvPr id="3" name="PlaceHolder 2"/>
+          <p:cNvSpPr>
+            <a:spLocks noGrp="1"/>
+          </p:cNvSpPr>
+          <p:nvPr>
+            <p:ph type="sldNum" idx="8"/>
+          </p:nvPr>
+        </p:nvSpPr>
+        <p:spPr/>
+        <p:txBody>
+          <a:bodyPr/>
+          <a:p>
+            <a:fld id="{B81BEDF3-3B49-4CA0-AF8E-6C69178153C1}" type="slidenum">
               <a:t>8</a:t>
             </a:fld>
           </a:p>
@@ -7408,7 +9711,7 @@
       </p:grpSpPr>
       <p:sp>
         <p:nvSpPr>
-          <p:cNvPr id="49" name="PlaceHolder 1"/>
+          <p:cNvPr id="57" name="PlaceHolder 1"/>
           <p:cNvSpPr>
             <a:spLocks noGrp="1"/>
           </p:cNvSpPr>
@@ -7419,7 +9722,7 @@
         <p:spPr>
           <a:xfrm>
             <a:off x="360000" y="180000"/>
-            <a:ext cx="9359640" cy="477720"/>
+            <a:ext cx="9359280" cy="477360"/>
           </a:xfrm>
           <a:prstGeom prst="rect">
             <a:avLst/>
@@ -7463,7 +9766,7 @@
       </p:sp>
       <p:pic>
         <p:nvPicPr>
-          <p:cNvPr id="50" name="" descr=""/>
+          <p:cNvPr id="58" name="" descr=""/>
           <p:cNvPicPr/>
           <p:nvPr/>
         </p:nvPicPr>
@@ -7476,7 +9779,7 @@
         <p:spPr>
           <a:xfrm>
             <a:off x="1620000" y="768240"/>
-            <a:ext cx="6659640" cy="4244760"/>
+            <a:ext cx="6659280" cy="4244400"/>
           </a:xfrm>
           <a:prstGeom prst="rect">
             <a:avLst/>
@@ -7488,14 +9791,14 @@
       </p:pic>
       <p:sp>
         <p:nvSpPr>
-          <p:cNvPr id="51" name=""/>
+          <p:cNvPr id="59" name=""/>
           <p:cNvSpPr/>
           <p:nvPr/>
         </p:nvSpPr>
         <p:spPr>
           <a:xfrm>
-            <a:off x="5400000" y="2700000"/>
-            <a:ext cx="1979640" cy="1439640"/>
+            <a:off x="4680000" y="1980000"/>
+            <a:ext cx="1079280" cy="1079280"/>
           </a:xfrm>
           <a:prstGeom prst="ellipse">
             <a:avLst/>
@@ -7552,7 +9855,7 @@
         <p:txBody>
           <a:bodyPr/>
           <a:p>
-            <a:fld id="{32419AD4-1557-4C98-B77B-04D4E5262B76}" type="slidenum">
+            <a:fld id="{37685054-9A72-4836-A4C8-EF3612C7EBBF}" type="slidenum">
               <a:t>9</a:t>
             </a:fld>
           </a:p>
